--- a/Realisation_4_Conception-MCD-MLD-SQL/presentation_oral_Priscillien_Herbet.pptx
+++ b/Realisation_4_Conception-MCD-MLD-SQL/presentation_oral_Priscillien_Herbet.pptx
@@ -6,7 +6,7 @@
     <p:sldMasterId id="2147483727" r:id="rId2"/>
   </p:sldMasterIdLst>
   <p:notesMasterIdLst>
-    <p:notesMasterId r:id="rId23"/>
+    <p:notesMasterId r:id="rId32"/>
   </p:notesMasterIdLst>
   <p:sldIdLst>
     <p:sldId id="275" r:id="rId3"/>
@@ -14,21 +14,30 @@
     <p:sldId id="257" r:id="rId5"/>
     <p:sldId id="292" r:id="rId6"/>
     <p:sldId id="293" r:id="rId7"/>
-    <p:sldId id="287" r:id="rId8"/>
-    <p:sldId id="291" r:id="rId9"/>
-    <p:sldId id="290" r:id="rId10"/>
-    <p:sldId id="289" r:id="rId11"/>
-    <p:sldId id="294" r:id="rId12"/>
-    <p:sldId id="276" r:id="rId13"/>
-    <p:sldId id="277" r:id="rId14"/>
-    <p:sldId id="278" r:id="rId15"/>
-    <p:sldId id="279" r:id="rId16"/>
-    <p:sldId id="280" r:id="rId17"/>
-    <p:sldId id="281" r:id="rId18"/>
-    <p:sldId id="282" r:id="rId19"/>
-    <p:sldId id="283" r:id="rId20"/>
-    <p:sldId id="285" r:id="rId21"/>
-    <p:sldId id="295" r:id="rId22"/>
+    <p:sldId id="276" r:id="rId8"/>
+    <p:sldId id="277" r:id="rId9"/>
+    <p:sldId id="278" r:id="rId10"/>
+    <p:sldId id="279" r:id="rId11"/>
+    <p:sldId id="280" r:id="rId12"/>
+    <p:sldId id="281" r:id="rId13"/>
+    <p:sldId id="282" r:id="rId14"/>
+    <p:sldId id="283" r:id="rId15"/>
+    <p:sldId id="285" r:id="rId16"/>
+    <p:sldId id="294" r:id="rId17"/>
+    <p:sldId id="287" r:id="rId18"/>
+    <p:sldId id="291" r:id="rId19"/>
+    <p:sldId id="290" r:id="rId20"/>
+    <p:sldId id="289" r:id="rId21"/>
+    <p:sldId id="297" r:id="rId22"/>
+    <p:sldId id="296" r:id="rId23"/>
+    <p:sldId id="298" r:id="rId24"/>
+    <p:sldId id="299" r:id="rId25"/>
+    <p:sldId id="300" r:id="rId26"/>
+    <p:sldId id="301" r:id="rId27"/>
+    <p:sldId id="302" r:id="rId28"/>
+    <p:sldId id="303" r:id="rId29"/>
+    <p:sldId id="304" r:id="rId30"/>
+    <p:sldId id="295" r:id="rId31"/>
   </p:sldIdLst>
   <p:sldSz cx="10080625" cy="7559675"/>
   <p:notesSz cx="7559675" cy="10691813"/>
@@ -212,7 +221,7 @@
           <a:p>
             <a:fld id="{C10E1B8F-6D1E-4690-97D0-7BA39DE84A18}" type="datetimeFigureOut">
               <a:rPr lang="fr-FR" smtClean="0"/>
-              <a:t>13/04/2022</a:t>
+              <a:t>16/06/2022</a:t>
             </a:fld>
             <a:endParaRPr lang="fr-FR"/>
           </a:p>
@@ -555,6 +564,90 @@
     <p:extLst>
       <p:ext uri="{BB962C8B-B14F-4D97-AF65-F5344CB8AC3E}">
         <p14:creationId xmlns:p14="http://schemas.microsoft.com/office/powerpoint/2010/main" val="2003862937"/>
+      </p:ext>
+    </p:extLst>
+  </p:cSld>
+  <p:clrMapOvr>
+    <a:masterClrMapping/>
+  </p:clrMapOvr>
+</p:notes>
+</file>
+
+<file path=ppt/notesSlides/notesSlide2.xml><?xml version="1.0" encoding="utf-8"?>
+<p:notes xmlns:a="http://schemas.openxmlformats.org/drawingml/2006/main" xmlns:r="http://schemas.openxmlformats.org/officeDocument/2006/relationships" xmlns:p="http://schemas.openxmlformats.org/presentationml/2006/main">
+  <p:cSld>
+    <p:spTree>
+      <p:nvGrpSpPr>
+        <p:cNvPr id="1" name=""/>
+        <p:cNvGrpSpPr/>
+        <p:nvPr/>
+      </p:nvGrpSpPr>
+      <p:grpSpPr>
+        <a:xfrm>
+          <a:off x="0" y="0"/>
+          <a:ext cx="0" cy="0"/>
+          <a:chOff x="0" y="0"/>
+          <a:chExt cx="0" cy="0"/>
+        </a:xfrm>
+      </p:grpSpPr>
+      <p:sp>
+        <p:nvSpPr>
+          <p:cNvPr id="2" name="Espace réservé de l'image des diapositives 1"/>
+          <p:cNvSpPr>
+            <a:spLocks noGrp="1" noRot="1" noChangeAspect="1"/>
+          </p:cNvSpPr>
+          <p:nvPr>
+            <p:ph type="sldImg"/>
+          </p:nvPr>
+        </p:nvSpPr>
+        <p:spPr/>
+      </p:sp>
+      <p:sp>
+        <p:nvSpPr>
+          <p:cNvPr id="3" name="Espace réservé des commentaires 2"/>
+          <p:cNvSpPr>
+            <a:spLocks noGrp="1"/>
+          </p:cNvSpPr>
+          <p:nvPr>
+            <p:ph type="body" idx="1"/>
+          </p:nvPr>
+        </p:nvSpPr>
+        <p:spPr/>
+        <p:txBody>
+          <a:bodyPr/>
+          <a:lstStyle/>
+          <a:p>
+            <a:endParaRPr lang="fr-FR" dirty="0"/>
+          </a:p>
+        </p:txBody>
+      </p:sp>
+      <p:sp>
+        <p:nvSpPr>
+          <p:cNvPr id="4" name="Espace réservé du numéro de diapositive 3"/>
+          <p:cNvSpPr>
+            <a:spLocks noGrp="1"/>
+          </p:cNvSpPr>
+          <p:nvPr>
+            <p:ph type="sldNum" sz="quarter" idx="10"/>
+          </p:nvPr>
+        </p:nvSpPr>
+        <p:spPr/>
+        <p:txBody>
+          <a:bodyPr/>
+          <a:lstStyle/>
+          <a:p>
+            <a:fld id="{1CC2EEF8-7BCC-40F3-B660-321D489F9F76}" type="slidenum">
+              <a:rPr lang="fr-FR" smtClean="0"/>
+              <a:t>26</a:t>
+            </a:fld>
+            <a:endParaRPr lang="fr-FR"/>
+          </a:p>
+        </p:txBody>
+      </p:sp>
+    </p:spTree>
+    <p:extLst>
+      <p:ext uri="{BB962C8B-B14F-4D97-AF65-F5344CB8AC3E}">
+        <p14:creationId xmlns:p14="http://schemas.microsoft.com/office/powerpoint/2010/main" val="3433153932"/>
       </p:ext>
     </p:extLst>
   </p:cSld>
@@ -7913,7 +8006,16 @@
                 </a:solidFill>
                 <a:latin typeface="Georgia" panose="02040502050405020303" pitchFamily="18" charset="0"/>
               </a:rPr>
-              <a:t>14 Avril 2022 – ADRAR </a:t>
+              <a:t>17  juin </a:t>
+            </a:r>
+            <a:r>
+              <a:rPr lang="fr-FR" sz="2000" i="1" dirty="0" smtClean="0">
+                <a:solidFill>
+                  <a:schemeClr val="bg1"/>
+                </a:solidFill>
+                <a:latin typeface="Georgia" panose="02040502050405020303" pitchFamily="18" charset="0"/>
+              </a:rPr>
+              <a:t>2022 – ADRAR </a:t>
             </a:r>
           </a:p>
           <a:p>
@@ -7992,61 +8094,30 @@
       </p:grpSpPr>
       <p:sp>
         <p:nvSpPr>
-          <p:cNvPr id="5" name="Rectangle à coins arrondis 4"/>
-          <p:cNvSpPr/>
-          <p:nvPr/>
-        </p:nvSpPr>
-        <p:spPr>
-          <a:xfrm>
-            <a:off x="1367904" y="3995861"/>
-            <a:ext cx="4752528" cy="432048"/>
-          </a:xfrm>
-          <a:prstGeom prst="roundRect">
-            <a:avLst/>
-          </a:prstGeom>
-          <a:solidFill>
-            <a:schemeClr val="accent5">
-              <a:lumMod val="20000"/>
-              <a:lumOff val="80000"/>
-            </a:schemeClr>
-          </a:solidFill>
-          <a:ln>
-            <a:solidFill>
-              <a:schemeClr val="accent5">
-                <a:lumMod val="20000"/>
-                <a:lumOff val="80000"/>
-              </a:schemeClr>
-            </a:solidFill>
-          </a:ln>
-        </p:spPr>
-        <p:style>
-          <a:lnRef idx="2">
-            <a:schemeClr val="accent1">
-              <a:shade val="50000"/>
-            </a:schemeClr>
-          </a:lnRef>
-          <a:fillRef idx="1">
-            <a:schemeClr val="accent1"/>
-          </a:fillRef>
-          <a:effectRef idx="0">
-            <a:schemeClr val="accent1"/>
-          </a:effectRef>
-          <a:fontRef idx="minor">
-            <a:schemeClr val="lt1"/>
-          </a:fontRef>
-        </p:style>
-        <p:txBody>
-          <a:bodyPr rtlCol="0" anchor="ctr"/>
-          <a:lstStyle/>
-          <a:p>
-            <a:pPr algn="ctr"/>
-            <a:endParaRPr lang="fr-FR"/>
-          </a:p>
-        </p:txBody>
-      </p:sp>
-      <p:sp>
-        <p:nvSpPr>
-          <p:cNvPr id="2" name="Espace réservé du numéro de diapositive 1"/>
+          <p:cNvPr id="2" name="Titre 1"/>
+          <p:cNvSpPr>
+            <a:spLocks noGrp="1"/>
+          </p:cNvSpPr>
+          <p:nvPr>
+            <p:ph type="title"/>
+          </p:nvPr>
+        </p:nvSpPr>
+        <p:spPr/>
+        <p:txBody>
+          <a:bodyPr/>
+          <a:lstStyle/>
+          <a:p>
+            <a:r>
+              <a:rPr lang="fr-FR" dirty="0" smtClean="0"/>
+              <a:t>Analyse fonctionnelle</a:t>
+            </a:r>
+            <a:endParaRPr lang="fr-FR" dirty="0"/>
+          </a:p>
+        </p:txBody>
+      </p:sp>
+      <p:sp>
+        <p:nvSpPr>
+          <p:cNvPr id="3" name="Espace réservé du numéro de diapositive 2"/>
           <p:cNvSpPr>
             <a:spLocks noGrp="1"/>
           </p:cNvSpPr>
@@ -8074,146 +8145,62 @@
       </p:sp>
       <p:sp>
         <p:nvSpPr>
-          <p:cNvPr id="3" name="Titre 2"/>
-          <p:cNvSpPr>
-            <a:spLocks noGrp="1"/>
-          </p:cNvSpPr>
-          <p:nvPr>
-            <p:ph type="title"/>
-          </p:nvPr>
-        </p:nvSpPr>
-        <p:spPr/>
-        <p:txBody>
-          <a:bodyPr/>
+          <p:cNvPr id="4" name="Espace réservé du texte 3"/>
+          <p:cNvSpPr>
+            <a:spLocks noGrp="1"/>
+          </p:cNvSpPr>
+          <p:nvPr>
+            <p:ph type="body" sz="quarter" idx="13"/>
+          </p:nvPr>
+        </p:nvSpPr>
+        <p:spPr/>
+        <p:txBody>
+          <a:bodyPr>
+            <a:normAutofit fontScale="85000" lnSpcReduction="20000"/>
+          </a:bodyPr>
           <a:lstStyle/>
           <a:p>
             <a:r>
               <a:rPr lang="fr-FR" dirty="0" smtClean="0"/>
-              <a:t>Agenda</a:t>
+              <a:t>Modèle conceptuel de données</a:t>
             </a:r>
             <a:endParaRPr lang="fr-FR" dirty="0"/>
           </a:p>
         </p:txBody>
       </p:sp>
-      <p:sp>
-        <p:nvSpPr>
-          <p:cNvPr id="4" name="ZoneTexte 3"/>
-          <p:cNvSpPr txBox="1"/>
+      <p:pic>
+        <p:nvPicPr>
+          <p:cNvPr id="7" name="Image 6"/>
+          <p:cNvPicPr>
+            <a:picLocks noChangeAspect="1"/>
+          </p:cNvPicPr>
           <p:nvPr/>
-        </p:nvSpPr>
+        </p:nvPicPr>
+        <p:blipFill>
+          <a:blip r:embed="rId2">
+            <a:extLst>
+              <a:ext uri="{28A0092B-C50C-407E-A947-70E740481C1C}">
+                <a14:useLocalDpi xmlns:a14="http://schemas.microsoft.com/office/drawing/2010/main" val="0"/>
+              </a:ext>
+            </a:extLst>
+          </a:blip>
+          <a:stretch>
+            <a:fillRect/>
+          </a:stretch>
+        </p:blipFill>
         <p:spPr>
           <a:xfrm>
-            <a:off x="1007864" y="2483693"/>
-            <a:ext cx="6120680" cy="2308324"/>
+            <a:off x="387708" y="1835622"/>
+            <a:ext cx="8469028" cy="5154672"/>
           </a:xfrm>
           <a:prstGeom prst="rect">
             <a:avLst/>
           </a:prstGeom>
-          <a:noFill/>
         </p:spPr>
-        <p:txBody>
-          <a:bodyPr wrap="square" rtlCol="0">
-            <a:spAutoFit/>
-          </a:bodyPr>
-          <a:lstStyle/>
-          <a:p>
-            <a:pPr marL="285750" indent="-285750">
-              <a:buFont typeface="Wingdings" panose="05000000000000000000" pitchFamily="2" charset="2"/>
-              <a:buChar char="Ø"/>
-            </a:pPr>
-            <a:r>
-              <a:rPr lang="fr-FR" sz="2400" dirty="0" smtClean="0">
-                <a:solidFill>
-                  <a:schemeClr val="bg2">
-                    <a:lumMod val="25000"/>
-                  </a:schemeClr>
-                </a:solidFill>
-                <a:latin typeface="Georgia" panose="02040502050405020303" pitchFamily="18" charset="0"/>
-              </a:rPr>
-              <a:t>Introduction</a:t>
-            </a:r>
-          </a:p>
-          <a:p>
-            <a:pPr marL="285750" indent="-285750">
-              <a:buFont typeface="Wingdings" panose="05000000000000000000" pitchFamily="2" charset="2"/>
-              <a:buChar char="Ø"/>
-            </a:pPr>
-            <a:endParaRPr lang="fr-FR" sz="2400" dirty="0" smtClean="0">
-              <a:solidFill>
-                <a:schemeClr val="bg2">
-                  <a:lumMod val="25000"/>
-                </a:schemeClr>
-              </a:solidFill>
-              <a:latin typeface="Georgia" panose="02040502050405020303" pitchFamily="18" charset="0"/>
-            </a:endParaRPr>
-          </a:p>
-          <a:p>
-            <a:pPr marL="285750" indent="-285750">
-              <a:buFont typeface="Wingdings" panose="05000000000000000000" pitchFamily="2" charset="2"/>
-              <a:buChar char="Ø"/>
-            </a:pPr>
-            <a:r>
-              <a:rPr lang="fr-FR" sz="2400" dirty="0" smtClean="0">
-                <a:solidFill>
-                  <a:schemeClr val="bg2">
-                    <a:lumMod val="25000"/>
-                  </a:schemeClr>
-                </a:solidFill>
-                <a:latin typeface="Georgia" panose="02040502050405020303" pitchFamily="18" charset="0"/>
-              </a:rPr>
-              <a:t>Aspect graphique</a:t>
-            </a:r>
-          </a:p>
-          <a:p>
-            <a:pPr marL="285750" indent="-285750">
-              <a:buFont typeface="Wingdings" panose="05000000000000000000" pitchFamily="2" charset="2"/>
-              <a:buChar char="Ø"/>
-            </a:pPr>
-            <a:endParaRPr lang="fr-FR" sz="2400" dirty="0" smtClean="0">
-              <a:solidFill>
-                <a:schemeClr val="bg2">
-                  <a:lumMod val="25000"/>
-                </a:schemeClr>
-              </a:solidFill>
-              <a:latin typeface="Georgia" panose="02040502050405020303" pitchFamily="18" charset="0"/>
-            </a:endParaRPr>
-          </a:p>
-          <a:p>
-            <a:pPr marL="285750" indent="-285750">
-              <a:buFont typeface="Wingdings" panose="05000000000000000000" pitchFamily="2" charset="2"/>
-              <a:buChar char="Ø"/>
-            </a:pPr>
-            <a:r>
-              <a:rPr lang="fr-FR" sz="2400" dirty="0" smtClean="0">
-                <a:solidFill>
-                  <a:schemeClr val="bg2">
-                    <a:lumMod val="25000"/>
-                  </a:schemeClr>
-                </a:solidFill>
-                <a:latin typeface="Georgia" panose="02040502050405020303" pitchFamily="18" charset="0"/>
-              </a:rPr>
-              <a:t>Analyse fonctionnelle </a:t>
-            </a:r>
-          </a:p>
-          <a:p>
-            <a:pPr marL="285750" indent="-285750">
-              <a:buFont typeface="Wingdings" panose="05000000000000000000" pitchFamily="2" charset="2"/>
-              <a:buChar char="Ø"/>
-            </a:pPr>
-            <a:endParaRPr lang="fr-FR" sz="2400" dirty="0">
-              <a:solidFill>
-                <a:schemeClr val="bg2">
-                  <a:lumMod val="25000"/>
-                </a:schemeClr>
-              </a:solidFill>
-              <a:latin typeface="Georgia" panose="02040502050405020303" pitchFamily="18" charset="0"/>
-            </a:endParaRPr>
-          </a:p>
-        </p:txBody>
-      </p:sp>
-      <p:sp>
-        <p:nvSpPr>
-          <p:cNvPr id="6" name="Espace réservé du pied de page 5"/>
+      </p:pic>
+      <p:sp>
+        <p:nvSpPr>
+          <p:cNvPr id="5" name="Espace réservé du pied de page 4"/>
           <p:cNvSpPr>
             <a:spLocks noGrp="1"/>
           </p:cNvSpPr>
@@ -8228,8 +8215,12 @@
           <a:p>
             <a:pPr algn="ctr"/>
             <a:r>
-              <a:rPr lang="fr-FR" spc="-1" smtClean="0"/>
-              <a:t>Priscillien HERBET – 14 Avril 2022</a:t>
+              <a:rPr lang="fr-FR" spc="-1" dirty="0" smtClean="0"/>
+              <a:t>Priscillien HERBET – </a:t>
+            </a:r>
+            <a:r>
+              <a:rPr lang="fr-FR" spc="-1" dirty="0"/>
+              <a:t>17  juin 2022</a:t>
             </a:r>
             <a:endParaRPr lang="fr-FR" spc="-1" dirty="0"/>
           </a:p>
@@ -8238,7 +8229,7 @@
     </p:spTree>
     <p:extLst>
       <p:ext uri="{BB962C8B-B14F-4D97-AF65-F5344CB8AC3E}">
-        <p14:creationId xmlns:p14="http://schemas.microsoft.com/office/powerpoint/2010/main" val="2364924441"/>
+        <p14:creationId xmlns:p14="http://schemas.microsoft.com/office/powerpoint/2010/main" val="1408488381"/>
       </p:ext>
     </p:extLst>
   </p:cSld>
@@ -8342,7 +8333,7 @@
           <a:p>
             <a:r>
               <a:rPr lang="fr-FR" dirty="0" smtClean="0"/>
-              <a:t>Use case</a:t>
+              <a:t>Modèle logique de données</a:t>
             </a:r>
             <a:endParaRPr lang="fr-FR" dirty="0"/>
           </a:p>
@@ -8350,7 +8341,7 @@
       </p:sp>
       <p:pic>
         <p:nvPicPr>
-          <p:cNvPr id="5" name="Image 4"/>
+          <p:cNvPr id="6" name="Image 5"/>
           <p:cNvPicPr>
             <a:picLocks noChangeAspect="1"/>
           </p:cNvPicPr>
@@ -8370,8 +8361,8 @@
         </p:blipFill>
         <p:spPr>
           <a:xfrm>
-            <a:off x="1151880" y="1547589"/>
-            <a:ext cx="6624736" cy="5491796"/>
+            <a:off x="389523" y="1907629"/>
+            <a:ext cx="8049612" cy="5256584"/>
           </a:xfrm>
           <a:prstGeom prst="rect">
             <a:avLst/>
@@ -8380,7 +8371,7 @@
       </p:pic>
       <p:sp>
         <p:nvSpPr>
-          <p:cNvPr id="6" name="Espace réservé du pied de page 5"/>
+          <p:cNvPr id="5" name="Espace réservé du pied de page 4"/>
           <p:cNvSpPr>
             <a:spLocks noGrp="1"/>
           </p:cNvSpPr>
@@ -8395,8 +8386,12 @@
           <a:p>
             <a:pPr algn="ctr"/>
             <a:r>
-              <a:rPr lang="fr-FR" spc="-1" smtClean="0"/>
-              <a:t>Priscillien HERBET – 14 Avril 2022</a:t>
+              <a:rPr lang="fr-FR" spc="-1" dirty="0" smtClean="0"/>
+              <a:t>Priscillien HERBET – </a:t>
+            </a:r>
+            <a:r>
+              <a:rPr lang="fr-FR" spc="-1" dirty="0"/>
+              <a:t>17  juin 2022</a:t>
             </a:r>
             <a:endParaRPr lang="fr-FR" spc="-1" dirty="0"/>
           </a:p>
@@ -8405,7 +8400,7 @@
     </p:spTree>
     <p:extLst>
       <p:ext uri="{BB962C8B-B14F-4D97-AF65-F5344CB8AC3E}">
-        <p14:creationId xmlns:p14="http://schemas.microsoft.com/office/powerpoint/2010/main" val="132007841"/>
+        <p14:creationId xmlns:p14="http://schemas.microsoft.com/office/powerpoint/2010/main" val="2017442336"/>
       </p:ext>
     </p:extLst>
   </p:cSld>
@@ -8483,840 +8478,6 @@
                 <a:latin typeface="Arial"/>
               </a:rPr>
               <a:t>12</a:t>
-            </a:fld>
-            <a:endParaRPr lang="fr-FR" sz="1400" b="0" strike="noStrike" spc="-1">
-              <a:latin typeface="Arial"/>
-            </a:endParaRPr>
-          </a:p>
-        </p:txBody>
-      </p:sp>
-      <p:sp>
-        <p:nvSpPr>
-          <p:cNvPr id="4" name="Espace réservé du texte 3"/>
-          <p:cNvSpPr>
-            <a:spLocks noGrp="1"/>
-          </p:cNvSpPr>
-          <p:nvPr>
-            <p:ph type="body" sz="quarter" idx="13"/>
-          </p:nvPr>
-        </p:nvSpPr>
-        <p:spPr/>
-        <p:txBody>
-          <a:bodyPr>
-            <a:normAutofit fontScale="62500" lnSpcReduction="20000"/>
-          </a:bodyPr>
-          <a:lstStyle/>
-          <a:p>
-            <a:r>
-              <a:rPr lang="fr-FR" dirty="0" smtClean="0"/>
-              <a:t>Diagramme d’activité pour la création de compte</a:t>
-            </a:r>
-            <a:endParaRPr lang="fr-FR" dirty="0"/>
-          </a:p>
-        </p:txBody>
-      </p:sp>
-      <p:pic>
-        <p:nvPicPr>
-          <p:cNvPr id="5" name="Image 4"/>
-          <p:cNvPicPr>
-            <a:picLocks noChangeAspect="1"/>
-          </p:cNvPicPr>
-          <p:nvPr/>
-        </p:nvPicPr>
-        <p:blipFill>
-          <a:blip r:embed="rId2">
-            <a:extLst>
-              <a:ext uri="{28A0092B-C50C-407E-A947-70E740481C1C}">
-                <a14:useLocalDpi xmlns:a14="http://schemas.microsoft.com/office/drawing/2010/main" val="0"/>
-              </a:ext>
-            </a:extLst>
-          </a:blip>
-          <a:stretch>
-            <a:fillRect/>
-          </a:stretch>
-        </p:blipFill>
-        <p:spPr>
-          <a:xfrm>
-            <a:off x="431801" y="1907629"/>
-            <a:ext cx="8362816" cy="4752528"/>
-          </a:xfrm>
-          <a:prstGeom prst="rect">
-            <a:avLst/>
-          </a:prstGeom>
-        </p:spPr>
-      </p:pic>
-      <p:sp>
-        <p:nvSpPr>
-          <p:cNvPr id="10" name="Espace réservé du pied de page 9"/>
-          <p:cNvSpPr>
-            <a:spLocks noGrp="1"/>
-          </p:cNvSpPr>
-          <p:nvPr>
-            <p:ph type="ftr" sz="quarter" idx="11"/>
-          </p:nvPr>
-        </p:nvSpPr>
-        <p:spPr/>
-        <p:txBody>
-          <a:bodyPr/>
-          <a:lstStyle/>
-          <a:p>
-            <a:pPr algn="ctr"/>
-            <a:r>
-              <a:rPr lang="fr-FR" spc="-1" smtClean="0"/>
-              <a:t>Priscillien HERBET – 14 Avril 2022</a:t>
-            </a:r>
-            <a:endParaRPr lang="fr-FR" spc="-1" dirty="0"/>
-          </a:p>
-        </p:txBody>
-      </p:sp>
-    </p:spTree>
-    <p:extLst>
-      <p:ext uri="{BB962C8B-B14F-4D97-AF65-F5344CB8AC3E}">
-        <p14:creationId xmlns:p14="http://schemas.microsoft.com/office/powerpoint/2010/main" val="2710375490"/>
-      </p:ext>
-    </p:extLst>
-  </p:cSld>
-  <p:clrMapOvr>
-    <a:masterClrMapping/>
-  </p:clrMapOvr>
-  <p:timing>
-    <p:tnLst>
-      <p:par>
-        <p:cTn id="1" dur="indefinite" restart="never" nodeType="tmRoot"/>
-      </p:par>
-    </p:tnLst>
-  </p:timing>
-</p:sld>
-</file>
-
-<file path=ppt/slides/slide13.xml><?xml version="1.0" encoding="utf-8"?>
-<p:sld xmlns:a="http://schemas.openxmlformats.org/drawingml/2006/main" xmlns:r="http://schemas.openxmlformats.org/officeDocument/2006/relationships" xmlns:p="http://schemas.openxmlformats.org/presentationml/2006/main">
-  <p:cSld>
-    <p:spTree>
-      <p:nvGrpSpPr>
-        <p:cNvPr id="1" name=""/>
-        <p:cNvGrpSpPr/>
-        <p:nvPr/>
-      </p:nvGrpSpPr>
-      <p:grpSpPr>
-        <a:xfrm>
-          <a:off x="0" y="0"/>
-          <a:ext cx="0" cy="0"/>
-          <a:chOff x="0" y="0"/>
-          <a:chExt cx="0" cy="0"/>
-        </a:xfrm>
-      </p:grpSpPr>
-      <p:sp>
-        <p:nvSpPr>
-          <p:cNvPr id="2" name="Titre 1"/>
-          <p:cNvSpPr>
-            <a:spLocks noGrp="1"/>
-          </p:cNvSpPr>
-          <p:nvPr>
-            <p:ph type="title"/>
-          </p:nvPr>
-        </p:nvSpPr>
-        <p:spPr/>
-        <p:txBody>
-          <a:bodyPr/>
-          <a:lstStyle/>
-          <a:p>
-            <a:r>
-              <a:rPr lang="fr-FR" dirty="0" smtClean="0"/>
-              <a:t>Analyse fonctionnelle</a:t>
-            </a:r>
-            <a:endParaRPr lang="fr-FR" dirty="0"/>
-          </a:p>
-        </p:txBody>
-      </p:sp>
-      <p:sp>
-        <p:nvSpPr>
-          <p:cNvPr id="3" name="Espace réservé du numéro de diapositive 2"/>
-          <p:cNvSpPr>
-            <a:spLocks noGrp="1"/>
-          </p:cNvSpPr>
-          <p:nvPr>
-            <p:ph type="sldNum" sz="quarter" idx="12"/>
-          </p:nvPr>
-        </p:nvSpPr>
-        <p:spPr/>
-        <p:txBody>
-          <a:bodyPr/>
-          <a:lstStyle/>
-          <a:p>
-            <a:pPr algn="r"/>
-            <a:fld id="{E24D620B-6B54-4D64-8088-7BD33B9B7119}" type="slidenum">
-              <a:rPr lang="fr-FR" sz="1400" b="0" strike="noStrike" spc="-1" smtClean="0">
-                <a:latin typeface="Arial"/>
-              </a:rPr>
-              <a:t>13</a:t>
-            </a:fld>
-            <a:endParaRPr lang="fr-FR" sz="1400" b="0" strike="noStrike" spc="-1">
-              <a:latin typeface="Arial"/>
-            </a:endParaRPr>
-          </a:p>
-        </p:txBody>
-      </p:sp>
-      <p:sp>
-        <p:nvSpPr>
-          <p:cNvPr id="4" name="Espace réservé du texte 3"/>
-          <p:cNvSpPr>
-            <a:spLocks noGrp="1"/>
-          </p:cNvSpPr>
-          <p:nvPr>
-            <p:ph type="body" sz="quarter" idx="13"/>
-          </p:nvPr>
-        </p:nvSpPr>
-        <p:spPr/>
-        <p:txBody>
-          <a:bodyPr>
-            <a:normAutofit fontScale="62500" lnSpcReduction="20000"/>
-          </a:bodyPr>
-          <a:lstStyle/>
-          <a:p>
-            <a:r>
-              <a:rPr lang="fr-FR" dirty="0" smtClean="0"/>
-              <a:t>Diagramme d’activité pour la création de compte</a:t>
-            </a:r>
-            <a:endParaRPr lang="fr-FR" dirty="0"/>
-          </a:p>
-        </p:txBody>
-      </p:sp>
-      <p:pic>
-        <p:nvPicPr>
-          <p:cNvPr id="7" name="Image 6"/>
-          <p:cNvPicPr>
-            <a:picLocks noChangeAspect="1"/>
-          </p:cNvPicPr>
-          <p:nvPr/>
-        </p:nvPicPr>
-        <p:blipFill>
-          <a:blip r:embed="rId2">
-            <a:extLst>
-              <a:ext uri="{28A0092B-C50C-407E-A947-70E740481C1C}">
-                <a14:useLocalDpi xmlns:a14="http://schemas.microsoft.com/office/drawing/2010/main" val="0"/>
-              </a:ext>
-            </a:extLst>
-          </a:blip>
-          <a:stretch>
-            <a:fillRect/>
-          </a:stretch>
-        </p:blipFill>
-        <p:spPr>
-          <a:xfrm>
-            <a:off x="698533" y="1619597"/>
-            <a:ext cx="7726155" cy="5540403"/>
-          </a:xfrm>
-          <a:prstGeom prst="rect">
-            <a:avLst/>
-          </a:prstGeom>
-        </p:spPr>
-      </p:pic>
-      <p:sp>
-        <p:nvSpPr>
-          <p:cNvPr id="8" name="Espace réservé du pied de page 7"/>
-          <p:cNvSpPr>
-            <a:spLocks noGrp="1"/>
-          </p:cNvSpPr>
-          <p:nvPr>
-            <p:ph type="ftr" sz="quarter" idx="11"/>
-          </p:nvPr>
-        </p:nvSpPr>
-        <p:spPr/>
-        <p:txBody>
-          <a:bodyPr/>
-          <a:lstStyle/>
-          <a:p>
-            <a:pPr algn="ctr"/>
-            <a:r>
-              <a:rPr lang="fr-FR" spc="-1" smtClean="0"/>
-              <a:t>Priscillien HERBET – 14 Avril 2022</a:t>
-            </a:r>
-            <a:endParaRPr lang="fr-FR" spc="-1" dirty="0"/>
-          </a:p>
-        </p:txBody>
-      </p:sp>
-    </p:spTree>
-    <p:extLst>
-      <p:ext uri="{BB962C8B-B14F-4D97-AF65-F5344CB8AC3E}">
-        <p14:creationId xmlns:p14="http://schemas.microsoft.com/office/powerpoint/2010/main" val="3407050953"/>
-      </p:ext>
-    </p:extLst>
-  </p:cSld>
-  <p:clrMapOvr>
-    <a:masterClrMapping/>
-  </p:clrMapOvr>
-  <p:timing>
-    <p:tnLst>
-      <p:par>
-        <p:cTn id="1" dur="indefinite" restart="never" nodeType="tmRoot"/>
-      </p:par>
-    </p:tnLst>
-  </p:timing>
-</p:sld>
-</file>
-
-<file path=ppt/slides/slide14.xml><?xml version="1.0" encoding="utf-8"?>
-<p:sld xmlns:a="http://schemas.openxmlformats.org/drawingml/2006/main" xmlns:r="http://schemas.openxmlformats.org/officeDocument/2006/relationships" xmlns:p="http://schemas.openxmlformats.org/presentationml/2006/main">
-  <p:cSld>
-    <p:spTree>
-      <p:nvGrpSpPr>
-        <p:cNvPr id="1" name=""/>
-        <p:cNvGrpSpPr/>
-        <p:nvPr/>
-      </p:nvGrpSpPr>
-      <p:grpSpPr>
-        <a:xfrm>
-          <a:off x="0" y="0"/>
-          <a:ext cx="0" cy="0"/>
-          <a:chOff x="0" y="0"/>
-          <a:chExt cx="0" cy="0"/>
-        </a:xfrm>
-      </p:grpSpPr>
-      <p:sp>
-        <p:nvSpPr>
-          <p:cNvPr id="2" name="Titre 1"/>
-          <p:cNvSpPr>
-            <a:spLocks noGrp="1"/>
-          </p:cNvSpPr>
-          <p:nvPr>
-            <p:ph type="title"/>
-          </p:nvPr>
-        </p:nvSpPr>
-        <p:spPr/>
-        <p:txBody>
-          <a:bodyPr/>
-          <a:lstStyle/>
-          <a:p>
-            <a:r>
-              <a:rPr lang="fr-FR" dirty="0" smtClean="0"/>
-              <a:t>Analyse fonctionnelle</a:t>
-            </a:r>
-            <a:endParaRPr lang="fr-FR" dirty="0"/>
-          </a:p>
-        </p:txBody>
-      </p:sp>
-      <p:sp>
-        <p:nvSpPr>
-          <p:cNvPr id="3" name="Espace réservé du numéro de diapositive 2"/>
-          <p:cNvSpPr>
-            <a:spLocks noGrp="1"/>
-          </p:cNvSpPr>
-          <p:nvPr>
-            <p:ph type="sldNum" sz="quarter" idx="12"/>
-          </p:nvPr>
-        </p:nvSpPr>
-        <p:spPr/>
-        <p:txBody>
-          <a:bodyPr/>
-          <a:lstStyle/>
-          <a:p>
-            <a:pPr algn="r"/>
-            <a:fld id="{E24D620B-6B54-4D64-8088-7BD33B9B7119}" type="slidenum">
-              <a:rPr lang="fr-FR" sz="1400" b="0" strike="noStrike" spc="-1" smtClean="0">
-                <a:latin typeface="Arial"/>
-              </a:rPr>
-              <a:t>14</a:t>
-            </a:fld>
-            <a:endParaRPr lang="fr-FR" sz="1400" b="0" strike="noStrike" spc="-1">
-              <a:latin typeface="Arial"/>
-            </a:endParaRPr>
-          </a:p>
-        </p:txBody>
-      </p:sp>
-      <p:sp>
-        <p:nvSpPr>
-          <p:cNvPr id="4" name="Espace réservé du texte 3"/>
-          <p:cNvSpPr>
-            <a:spLocks noGrp="1"/>
-          </p:cNvSpPr>
-          <p:nvPr>
-            <p:ph type="body" sz="quarter" idx="13"/>
-          </p:nvPr>
-        </p:nvSpPr>
-        <p:spPr/>
-        <p:txBody>
-          <a:bodyPr>
-            <a:normAutofit fontScale="62500" lnSpcReduction="20000"/>
-          </a:bodyPr>
-          <a:lstStyle/>
-          <a:p>
-            <a:r>
-              <a:rPr lang="fr-FR" dirty="0" smtClean="0"/>
-              <a:t>Diagramme séquence pour la création de compte</a:t>
-            </a:r>
-            <a:endParaRPr lang="fr-FR" dirty="0"/>
-          </a:p>
-        </p:txBody>
-      </p:sp>
-      <p:pic>
-        <p:nvPicPr>
-          <p:cNvPr id="6" name="Image 5"/>
-          <p:cNvPicPr>
-            <a:picLocks noChangeAspect="1"/>
-          </p:cNvPicPr>
-          <p:nvPr/>
-        </p:nvPicPr>
-        <p:blipFill rotWithShape="1">
-          <a:blip r:embed="rId2">
-            <a:extLst>
-              <a:ext uri="{28A0092B-C50C-407E-A947-70E740481C1C}">
-                <a14:useLocalDpi xmlns:a14="http://schemas.microsoft.com/office/drawing/2010/main" val="0"/>
-              </a:ext>
-            </a:extLst>
-          </a:blip>
-          <a:srcRect b="5646"/>
-          <a:stretch/>
-        </p:blipFill>
-        <p:spPr>
-          <a:xfrm>
-            <a:off x="1151881" y="1724635"/>
-            <a:ext cx="7128791" cy="5301807"/>
-          </a:xfrm>
-          <a:prstGeom prst="rect">
-            <a:avLst/>
-          </a:prstGeom>
-        </p:spPr>
-      </p:pic>
-      <p:sp>
-        <p:nvSpPr>
-          <p:cNvPr id="5" name="Espace réservé du pied de page 4"/>
-          <p:cNvSpPr>
-            <a:spLocks noGrp="1"/>
-          </p:cNvSpPr>
-          <p:nvPr>
-            <p:ph type="ftr" sz="quarter" idx="11"/>
-          </p:nvPr>
-        </p:nvSpPr>
-        <p:spPr/>
-        <p:txBody>
-          <a:bodyPr/>
-          <a:lstStyle/>
-          <a:p>
-            <a:pPr algn="ctr"/>
-            <a:r>
-              <a:rPr lang="fr-FR" spc="-1" smtClean="0"/>
-              <a:t>Priscillien HERBET – 14 Avril 2022</a:t>
-            </a:r>
-            <a:endParaRPr lang="fr-FR" spc="-1" dirty="0"/>
-          </a:p>
-        </p:txBody>
-      </p:sp>
-    </p:spTree>
-    <p:extLst>
-      <p:ext uri="{BB962C8B-B14F-4D97-AF65-F5344CB8AC3E}">
-        <p14:creationId xmlns:p14="http://schemas.microsoft.com/office/powerpoint/2010/main" val="640831349"/>
-      </p:ext>
-    </p:extLst>
-  </p:cSld>
-  <p:clrMapOvr>
-    <a:masterClrMapping/>
-  </p:clrMapOvr>
-  <p:timing>
-    <p:tnLst>
-      <p:par>
-        <p:cTn id="1" dur="indefinite" restart="never" nodeType="tmRoot"/>
-      </p:par>
-    </p:tnLst>
-  </p:timing>
-</p:sld>
-</file>
-
-<file path=ppt/slides/slide15.xml><?xml version="1.0" encoding="utf-8"?>
-<p:sld xmlns:a="http://schemas.openxmlformats.org/drawingml/2006/main" xmlns:r="http://schemas.openxmlformats.org/officeDocument/2006/relationships" xmlns:p="http://schemas.openxmlformats.org/presentationml/2006/main">
-  <p:cSld>
-    <p:spTree>
-      <p:nvGrpSpPr>
-        <p:cNvPr id="1" name=""/>
-        <p:cNvGrpSpPr/>
-        <p:nvPr/>
-      </p:nvGrpSpPr>
-      <p:grpSpPr>
-        <a:xfrm>
-          <a:off x="0" y="0"/>
-          <a:ext cx="0" cy="0"/>
-          <a:chOff x="0" y="0"/>
-          <a:chExt cx="0" cy="0"/>
-        </a:xfrm>
-      </p:grpSpPr>
-      <p:sp>
-        <p:nvSpPr>
-          <p:cNvPr id="2" name="Titre 1"/>
-          <p:cNvSpPr>
-            <a:spLocks noGrp="1"/>
-          </p:cNvSpPr>
-          <p:nvPr>
-            <p:ph type="title"/>
-          </p:nvPr>
-        </p:nvSpPr>
-        <p:spPr/>
-        <p:txBody>
-          <a:bodyPr/>
-          <a:lstStyle/>
-          <a:p>
-            <a:r>
-              <a:rPr lang="fr-FR" dirty="0" smtClean="0"/>
-              <a:t>Analyse fonctionnelle</a:t>
-            </a:r>
-            <a:endParaRPr lang="fr-FR" dirty="0"/>
-          </a:p>
-        </p:txBody>
-      </p:sp>
-      <p:sp>
-        <p:nvSpPr>
-          <p:cNvPr id="3" name="Espace réservé du numéro de diapositive 2"/>
-          <p:cNvSpPr>
-            <a:spLocks noGrp="1"/>
-          </p:cNvSpPr>
-          <p:nvPr>
-            <p:ph type="sldNum" sz="quarter" idx="12"/>
-          </p:nvPr>
-        </p:nvSpPr>
-        <p:spPr/>
-        <p:txBody>
-          <a:bodyPr/>
-          <a:lstStyle/>
-          <a:p>
-            <a:pPr algn="r"/>
-            <a:fld id="{E24D620B-6B54-4D64-8088-7BD33B9B7119}" type="slidenum">
-              <a:rPr lang="fr-FR" sz="1400" b="0" strike="noStrike" spc="-1" smtClean="0">
-                <a:latin typeface="Arial"/>
-              </a:rPr>
-              <a:t>15</a:t>
-            </a:fld>
-            <a:endParaRPr lang="fr-FR" sz="1400" b="0" strike="noStrike" spc="-1">
-              <a:latin typeface="Arial"/>
-            </a:endParaRPr>
-          </a:p>
-        </p:txBody>
-      </p:sp>
-      <p:sp>
-        <p:nvSpPr>
-          <p:cNvPr id="4" name="Espace réservé du texte 3"/>
-          <p:cNvSpPr>
-            <a:spLocks noGrp="1"/>
-          </p:cNvSpPr>
-          <p:nvPr>
-            <p:ph type="body" sz="quarter" idx="13"/>
-          </p:nvPr>
-        </p:nvSpPr>
-        <p:spPr/>
-        <p:txBody>
-          <a:bodyPr>
-            <a:normAutofit fontScale="85000" lnSpcReduction="20000"/>
-          </a:bodyPr>
-          <a:lstStyle/>
-          <a:p>
-            <a:r>
-              <a:rPr lang="fr-FR" dirty="0" smtClean="0"/>
-              <a:t>Modèle conceptuel de données</a:t>
-            </a:r>
-            <a:endParaRPr lang="fr-FR" dirty="0"/>
-          </a:p>
-        </p:txBody>
-      </p:sp>
-      <p:pic>
-        <p:nvPicPr>
-          <p:cNvPr id="7" name="Image 6"/>
-          <p:cNvPicPr>
-            <a:picLocks noChangeAspect="1"/>
-          </p:cNvPicPr>
-          <p:nvPr/>
-        </p:nvPicPr>
-        <p:blipFill>
-          <a:blip r:embed="rId2">
-            <a:extLst>
-              <a:ext uri="{28A0092B-C50C-407E-A947-70E740481C1C}">
-                <a14:useLocalDpi xmlns:a14="http://schemas.microsoft.com/office/drawing/2010/main" val="0"/>
-              </a:ext>
-            </a:extLst>
-          </a:blip>
-          <a:stretch>
-            <a:fillRect/>
-          </a:stretch>
-        </p:blipFill>
-        <p:spPr>
-          <a:xfrm>
-            <a:off x="387708" y="1835622"/>
-            <a:ext cx="8469028" cy="5154672"/>
-          </a:xfrm>
-          <a:prstGeom prst="rect">
-            <a:avLst/>
-          </a:prstGeom>
-        </p:spPr>
-      </p:pic>
-      <p:sp>
-        <p:nvSpPr>
-          <p:cNvPr id="5" name="Espace réservé du pied de page 4"/>
-          <p:cNvSpPr>
-            <a:spLocks noGrp="1"/>
-          </p:cNvSpPr>
-          <p:nvPr>
-            <p:ph type="ftr" sz="quarter" idx="11"/>
-          </p:nvPr>
-        </p:nvSpPr>
-        <p:spPr/>
-        <p:txBody>
-          <a:bodyPr/>
-          <a:lstStyle/>
-          <a:p>
-            <a:pPr algn="ctr"/>
-            <a:r>
-              <a:rPr lang="fr-FR" spc="-1" smtClean="0"/>
-              <a:t>Priscillien HERBET – 14 Avril 2022</a:t>
-            </a:r>
-            <a:endParaRPr lang="fr-FR" spc="-1" dirty="0"/>
-          </a:p>
-        </p:txBody>
-      </p:sp>
-    </p:spTree>
-    <p:extLst>
-      <p:ext uri="{BB962C8B-B14F-4D97-AF65-F5344CB8AC3E}">
-        <p14:creationId xmlns:p14="http://schemas.microsoft.com/office/powerpoint/2010/main" val="1408488381"/>
-      </p:ext>
-    </p:extLst>
-  </p:cSld>
-  <p:clrMapOvr>
-    <a:masterClrMapping/>
-  </p:clrMapOvr>
-  <p:timing>
-    <p:tnLst>
-      <p:par>
-        <p:cTn id="1" dur="indefinite" restart="never" nodeType="tmRoot"/>
-      </p:par>
-    </p:tnLst>
-  </p:timing>
-</p:sld>
-</file>
-
-<file path=ppt/slides/slide16.xml><?xml version="1.0" encoding="utf-8"?>
-<p:sld xmlns:a="http://schemas.openxmlformats.org/drawingml/2006/main" xmlns:r="http://schemas.openxmlformats.org/officeDocument/2006/relationships" xmlns:p="http://schemas.openxmlformats.org/presentationml/2006/main">
-  <p:cSld>
-    <p:spTree>
-      <p:nvGrpSpPr>
-        <p:cNvPr id="1" name=""/>
-        <p:cNvGrpSpPr/>
-        <p:nvPr/>
-      </p:nvGrpSpPr>
-      <p:grpSpPr>
-        <a:xfrm>
-          <a:off x="0" y="0"/>
-          <a:ext cx="0" cy="0"/>
-          <a:chOff x="0" y="0"/>
-          <a:chExt cx="0" cy="0"/>
-        </a:xfrm>
-      </p:grpSpPr>
-      <p:sp>
-        <p:nvSpPr>
-          <p:cNvPr id="2" name="Titre 1"/>
-          <p:cNvSpPr>
-            <a:spLocks noGrp="1"/>
-          </p:cNvSpPr>
-          <p:nvPr>
-            <p:ph type="title"/>
-          </p:nvPr>
-        </p:nvSpPr>
-        <p:spPr/>
-        <p:txBody>
-          <a:bodyPr/>
-          <a:lstStyle/>
-          <a:p>
-            <a:r>
-              <a:rPr lang="fr-FR" dirty="0" smtClean="0"/>
-              <a:t>Analyse fonctionnelle</a:t>
-            </a:r>
-            <a:endParaRPr lang="fr-FR" dirty="0"/>
-          </a:p>
-        </p:txBody>
-      </p:sp>
-      <p:sp>
-        <p:nvSpPr>
-          <p:cNvPr id="3" name="Espace réservé du numéro de diapositive 2"/>
-          <p:cNvSpPr>
-            <a:spLocks noGrp="1"/>
-          </p:cNvSpPr>
-          <p:nvPr>
-            <p:ph type="sldNum" sz="quarter" idx="12"/>
-          </p:nvPr>
-        </p:nvSpPr>
-        <p:spPr/>
-        <p:txBody>
-          <a:bodyPr/>
-          <a:lstStyle/>
-          <a:p>
-            <a:pPr algn="r"/>
-            <a:fld id="{E24D620B-6B54-4D64-8088-7BD33B9B7119}" type="slidenum">
-              <a:rPr lang="fr-FR" sz="1400" b="0" strike="noStrike" spc="-1" smtClean="0">
-                <a:latin typeface="Arial"/>
-              </a:rPr>
-              <a:t>16</a:t>
-            </a:fld>
-            <a:endParaRPr lang="fr-FR" sz="1400" b="0" strike="noStrike" spc="-1">
-              <a:latin typeface="Arial"/>
-            </a:endParaRPr>
-          </a:p>
-        </p:txBody>
-      </p:sp>
-      <p:sp>
-        <p:nvSpPr>
-          <p:cNvPr id="4" name="Espace réservé du texte 3"/>
-          <p:cNvSpPr>
-            <a:spLocks noGrp="1"/>
-          </p:cNvSpPr>
-          <p:nvPr>
-            <p:ph type="body" sz="quarter" idx="13"/>
-          </p:nvPr>
-        </p:nvSpPr>
-        <p:spPr/>
-        <p:txBody>
-          <a:bodyPr>
-            <a:normAutofit fontScale="85000" lnSpcReduction="20000"/>
-          </a:bodyPr>
-          <a:lstStyle/>
-          <a:p>
-            <a:r>
-              <a:rPr lang="fr-FR" dirty="0" smtClean="0"/>
-              <a:t>Modèle logique de données</a:t>
-            </a:r>
-            <a:endParaRPr lang="fr-FR" dirty="0"/>
-          </a:p>
-        </p:txBody>
-      </p:sp>
-      <p:pic>
-        <p:nvPicPr>
-          <p:cNvPr id="6" name="Image 5"/>
-          <p:cNvPicPr>
-            <a:picLocks noChangeAspect="1"/>
-          </p:cNvPicPr>
-          <p:nvPr/>
-        </p:nvPicPr>
-        <p:blipFill>
-          <a:blip r:embed="rId2">
-            <a:extLst>
-              <a:ext uri="{28A0092B-C50C-407E-A947-70E740481C1C}">
-                <a14:useLocalDpi xmlns:a14="http://schemas.microsoft.com/office/drawing/2010/main" val="0"/>
-              </a:ext>
-            </a:extLst>
-          </a:blip>
-          <a:stretch>
-            <a:fillRect/>
-          </a:stretch>
-        </p:blipFill>
-        <p:spPr>
-          <a:xfrm>
-            <a:off x="389523" y="1907629"/>
-            <a:ext cx="8049612" cy="5256584"/>
-          </a:xfrm>
-          <a:prstGeom prst="rect">
-            <a:avLst/>
-          </a:prstGeom>
-        </p:spPr>
-      </p:pic>
-      <p:sp>
-        <p:nvSpPr>
-          <p:cNvPr id="5" name="Espace réservé du pied de page 4"/>
-          <p:cNvSpPr>
-            <a:spLocks noGrp="1"/>
-          </p:cNvSpPr>
-          <p:nvPr>
-            <p:ph type="ftr" sz="quarter" idx="11"/>
-          </p:nvPr>
-        </p:nvSpPr>
-        <p:spPr/>
-        <p:txBody>
-          <a:bodyPr/>
-          <a:lstStyle/>
-          <a:p>
-            <a:pPr algn="ctr"/>
-            <a:r>
-              <a:rPr lang="fr-FR" spc="-1" smtClean="0"/>
-              <a:t>Priscillien HERBET – 14 Avril 2022</a:t>
-            </a:r>
-            <a:endParaRPr lang="fr-FR" spc="-1" dirty="0"/>
-          </a:p>
-        </p:txBody>
-      </p:sp>
-    </p:spTree>
-    <p:extLst>
-      <p:ext uri="{BB962C8B-B14F-4D97-AF65-F5344CB8AC3E}">
-        <p14:creationId xmlns:p14="http://schemas.microsoft.com/office/powerpoint/2010/main" val="2017442336"/>
-      </p:ext>
-    </p:extLst>
-  </p:cSld>
-  <p:clrMapOvr>
-    <a:masterClrMapping/>
-  </p:clrMapOvr>
-  <p:timing>
-    <p:tnLst>
-      <p:par>
-        <p:cTn id="1" dur="indefinite" restart="never" nodeType="tmRoot"/>
-      </p:par>
-    </p:tnLst>
-  </p:timing>
-</p:sld>
-</file>
-
-<file path=ppt/slides/slide17.xml><?xml version="1.0" encoding="utf-8"?>
-<p:sld xmlns:a="http://schemas.openxmlformats.org/drawingml/2006/main" xmlns:r="http://schemas.openxmlformats.org/officeDocument/2006/relationships" xmlns:p="http://schemas.openxmlformats.org/presentationml/2006/main">
-  <p:cSld>
-    <p:spTree>
-      <p:nvGrpSpPr>
-        <p:cNvPr id="1" name=""/>
-        <p:cNvGrpSpPr/>
-        <p:nvPr/>
-      </p:nvGrpSpPr>
-      <p:grpSpPr>
-        <a:xfrm>
-          <a:off x="0" y="0"/>
-          <a:ext cx="0" cy="0"/>
-          <a:chOff x="0" y="0"/>
-          <a:chExt cx="0" cy="0"/>
-        </a:xfrm>
-      </p:grpSpPr>
-      <p:sp>
-        <p:nvSpPr>
-          <p:cNvPr id="2" name="Titre 1"/>
-          <p:cNvSpPr>
-            <a:spLocks noGrp="1"/>
-          </p:cNvSpPr>
-          <p:nvPr>
-            <p:ph type="title"/>
-          </p:nvPr>
-        </p:nvSpPr>
-        <p:spPr/>
-        <p:txBody>
-          <a:bodyPr/>
-          <a:lstStyle/>
-          <a:p>
-            <a:r>
-              <a:rPr lang="fr-FR" dirty="0" smtClean="0"/>
-              <a:t>Analyse fonctionnelle</a:t>
-            </a:r>
-            <a:endParaRPr lang="fr-FR" dirty="0"/>
-          </a:p>
-        </p:txBody>
-      </p:sp>
-      <p:sp>
-        <p:nvSpPr>
-          <p:cNvPr id="3" name="Espace réservé du numéro de diapositive 2"/>
-          <p:cNvSpPr>
-            <a:spLocks noGrp="1"/>
-          </p:cNvSpPr>
-          <p:nvPr>
-            <p:ph type="sldNum" sz="quarter" idx="12"/>
-          </p:nvPr>
-        </p:nvSpPr>
-        <p:spPr/>
-        <p:txBody>
-          <a:bodyPr/>
-          <a:lstStyle/>
-          <a:p>
-            <a:pPr algn="r"/>
-            <a:fld id="{E24D620B-6B54-4D64-8088-7BD33B9B7119}" type="slidenum">
-              <a:rPr lang="fr-FR" sz="1400" b="0" strike="noStrike" spc="-1" smtClean="0">
-                <a:latin typeface="Arial"/>
-              </a:rPr>
-              <a:t>17</a:t>
             </a:fld>
             <a:endParaRPr lang="fr-FR" sz="1400" b="0" strike="noStrike" spc="-1">
               <a:latin typeface="Arial"/>
@@ -9430,8 +8591,12 @@
           <a:p>
             <a:pPr algn="ctr"/>
             <a:r>
-              <a:rPr lang="fr-FR" spc="-1" smtClean="0"/>
-              <a:t>Priscillien HERBET – 14 Avril 2022</a:t>
+              <a:rPr lang="fr-FR" spc="-1" dirty="0" smtClean="0"/>
+              <a:t>Priscillien HERBET – </a:t>
+            </a:r>
+            <a:r>
+              <a:rPr lang="fr-FR" spc="-1" dirty="0"/>
+              <a:t>17  juin 2022</a:t>
             </a:r>
             <a:endParaRPr lang="fr-FR" spc="-1" dirty="0"/>
           </a:p>
@@ -9457,7 +8622,7 @@
 </p:sld>
 </file>
 
-<file path=ppt/slides/slide18.xml><?xml version="1.0" encoding="utf-8"?>
+<file path=ppt/slides/slide13.xml><?xml version="1.0" encoding="utf-8"?>
 <p:sld xmlns:a="http://schemas.openxmlformats.org/drawingml/2006/main" xmlns:r="http://schemas.openxmlformats.org/officeDocument/2006/relationships" xmlns:p="http://schemas.openxmlformats.org/presentationml/2006/main">
   <p:cSld>
     <p:spTree>
@@ -9517,7 +8682,7 @@
               <a:rPr lang="fr-FR" sz="1400" b="0" strike="noStrike" spc="-1" smtClean="0">
                 <a:latin typeface="Arial"/>
               </a:rPr>
-              <a:t>18</a:t>
+              <a:t>13</a:t>
             </a:fld>
             <a:endParaRPr lang="fr-FR" sz="1400" b="0" strike="noStrike" spc="-1">
               <a:latin typeface="Arial"/>
@@ -9597,8 +8762,12 @@
           <a:p>
             <a:pPr algn="ctr"/>
             <a:r>
-              <a:rPr lang="fr-FR" spc="-1" smtClean="0"/>
-              <a:t>Priscillien HERBET – 14 Avril 2022</a:t>
+              <a:rPr lang="fr-FR" spc="-1" dirty="0" smtClean="0"/>
+              <a:t>Priscillien HERBET – </a:t>
+            </a:r>
+            <a:r>
+              <a:rPr lang="fr-FR" spc="-1" dirty="0"/>
+              <a:t>17  juin 2022</a:t>
             </a:r>
             <a:endParaRPr lang="fr-FR" spc="-1" dirty="0"/>
           </a:p>
@@ -9624,7 +8793,7 @@
 </p:sld>
 </file>
 
-<file path=ppt/slides/slide19.xml><?xml version="1.0" encoding="utf-8"?>
+<file path=ppt/slides/slide14.xml><?xml version="1.0" encoding="utf-8"?>
 <p:sld xmlns:a="http://schemas.openxmlformats.org/drawingml/2006/main" xmlns:r="http://schemas.openxmlformats.org/officeDocument/2006/relationships" xmlns:p="http://schemas.openxmlformats.org/presentationml/2006/main">
   <p:cSld>
     <p:spTree>
@@ -9684,7 +8853,7 @@
               <a:rPr lang="fr-FR" sz="1400" b="0" strike="noStrike" spc="-1" smtClean="0">
                 <a:latin typeface="Arial"/>
               </a:rPr>
-              <a:t>19</a:t>
+              <a:t>14</a:t>
             </a:fld>
             <a:endParaRPr lang="fr-FR" sz="1400" b="0" strike="noStrike" spc="-1">
               <a:latin typeface="Arial"/>
@@ -9793,8 +8962,12 @@
           <a:p>
             <a:pPr algn="ctr"/>
             <a:r>
-              <a:rPr lang="fr-FR" spc="-1" smtClean="0"/>
-              <a:t>Priscillien HERBET – 14 Avril 2022</a:t>
+              <a:rPr lang="fr-FR" spc="-1" dirty="0" smtClean="0"/>
+              <a:t>Priscillien HERBET – </a:t>
+            </a:r>
+            <a:r>
+              <a:rPr lang="fr-FR" spc="-1" dirty="0"/>
+              <a:t>17  juin 2022</a:t>
             </a:r>
             <a:endParaRPr lang="fr-FR" spc="-1" dirty="0"/>
           </a:p>
@@ -9820,7 +8993,7 @@
 </p:sld>
 </file>
 
-<file path=ppt/slides/slide2.xml><?xml version="1.0" encoding="utf-8"?>
+<file path=ppt/slides/slide15.xml><?xml version="1.0" encoding="utf-8"?>
 <p:sld xmlns:a="http://schemas.openxmlformats.org/drawingml/2006/main" xmlns:r="http://schemas.openxmlformats.org/officeDocument/2006/relationships" xmlns:p="http://schemas.openxmlformats.org/presentationml/2006/main">
   <p:cSld>
     <p:spTree>
@@ -9845,7 +9018,7 @@
         </p:nvSpPr>
         <p:spPr>
           <a:xfrm>
-            <a:off x="1367904" y="2483693"/>
+            <a:off x="1367904" y="3995861"/>
             <a:ext cx="4752528" cy="432048"/>
           </a:xfrm>
           <a:prstGeom prst="roundRect">
@@ -9911,7 +9084,7 @@
               <a:rPr lang="fr-FR" sz="1400" b="0" strike="noStrike" spc="-1" smtClean="0">
                 <a:latin typeface="Arial"/>
               </a:rPr>
-              <a:t>2</a:t>
+              <a:t>15</a:t>
             </a:fld>
             <a:endParaRPr lang="fr-FR" sz="1400" b="0" strike="noStrike" spc="-1">
               <a:latin typeface="Arial"/>
@@ -9951,7 +9124,7 @@
         <p:spPr>
           <a:xfrm>
             <a:off x="1007864" y="2483693"/>
-            <a:ext cx="6120680" cy="2308324"/>
+            <a:ext cx="6120680" cy="3416320"/>
           </a:xfrm>
           <a:prstGeom prst="rect">
             <a:avLst/>
@@ -10008,8 +9181,16 @@
                 </a:solidFill>
                 <a:latin typeface="Georgia" panose="02040502050405020303" pitchFamily="18" charset="0"/>
               </a:rPr>
-              <a:t>Aspect graphique</a:t>
-            </a:r>
+              <a:t>Analyse fonctionnelle</a:t>
+            </a:r>
+            <a:endParaRPr lang="fr-FR" sz="2400" dirty="0" smtClean="0">
+              <a:solidFill>
+                <a:schemeClr val="bg2">
+                  <a:lumMod val="25000"/>
+                </a:schemeClr>
+              </a:solidFill>
+              <a:latin typeface="Georgia" panose="02040502050405020303" pitchFamily="18" charset="0"/>
+            </a:endParaRPr>
           </a:p>
           <a:p>
             <a:pPr marL="285750" indent="-285750">
@@ -10039,7 +9220,7 @@
                 </a:solidFill>
                 <a:latin typeface="Georgia" panose="02040502050405020303" pitchFamily="18" charset="0"/>
               </a:rPr>
-              <a:t>Analyse fonctionnelle </a:t>
+              <a:t>Aspect graphique</a:t>
             </a:r>
           </a:p>
           <a:p>
@@ -10056,327 +9237,13 @@
               <a:latin typeface="Georgia" panose="02040502050405020303" pitchFamily="18" charset="0"/>
             </a:endParaRPr>
           </a:p>
-        </p:txBody>
-      </p:sp>
-      <p:sp>
-        <p:nvSpPr>
-          <p:cNvPr id="6" name="Espace réservé du pied de page 5"/>
-          <p:cNvSpPr>
-            <a:spLocks noGrp="1"/>
-          </p:cNvSpPr>
-          <p:nvPr>
-            <p:ph type="ftr" sz="quarter" idx="11"/>
-          </p:nvPr>
-        </p:nvSpPr>
-        <p:spPr/>
-        <p:txBody>
-          <a:bodyPr/>
-          <a:lstStyle/>
-          <a:p>
-            <a:pPr algn="ctr"/>
-            <a:r>
-              <a:rPr lang="fr-FR" spc="-1" smtClean="0"/>
-              <a:t>Priscillien HERBET – 14 Avril 2022</a:t>
-            </a:r>
-            <a:endParaRPr lang="fr-FR" spc="-1" dirty="0"/>
-          </a:p>
-        </p:txBody>
-      </p:sp>
-    </p:spTree>
-    <p:extLst>
-      <p:ext uri="{BB962C8B-B14F-4D97-AF65-F5344CB8AC3E}">
-        <p14:creationId xmlns:p14="http://schemas.microsoft.com/office/powerpoint/2010/main" val="4279300351"/>
-      </p:ext>
-    </p:extLst>
-  </p:cSld>
-  <p:clrMapOvr>
-    <a:masterClrMapping/>
-  </p:clrMapOvr>
-  <p:timing>
-    <p:tnLst>
-      <p:par>
-        <p:cTn id="1" dur="indefinite" restart="never" nodeType="tmRoot"/>
-      </p:par>
-    </p:tnLst>
-  </p:timing>
-</p:sld>
-</file>
-
-<file path=ppt/slides/slide20.xml><?xml version="1.0" encoding="utf-8"?>
-<p:sld xmlns:a="http://schemas.openxmlformats.org/drawingml/2006/main" xmlns:r="http://schemas.openxmlformats.org/officeDocument/2006/relationships" xmlns:p="http://schemas.openxmlformats.org/presentationml/2006/main">
-  <p:cSld>
-    <p:spTree>
-      <p:nvGrpSpPr>
-        <p:cNvPr id="1" name=""/>
-        <p:cNvGrpSpPr/>
-        <p:nvPr/>
-      </p:nvGrpSpPr>
-      <p:grpSpPr>
-        <a:xfrm>
-          <a:off x="0" y="0"/>
-          <a:ext cx="0" cy="0"/>
-          <a:chOff x="0" y="0"/>
-          <a:chExt cx="0" cy="0"/>
-        </a:xfrm>
-      </p:grpSpPr>
-      <p:sp>
-        <p:nvSpPr>
-          <p:cNvPr id="4" name="Espace réservé du pied de page 3"/>
-          <p:cNvSpPr>
-            <a:spLocks noGrp="1"/>
-          </p:cNvSpPr>
-          <p:nvPr>
-            <p:ph type="ftr" sz="quarter" idx="11"/>
-          </p:nvPr>
-        </p:nvSpPr>
-        <p:spPr/>
-        <p:txBody>
-          <a:bodyPr/>
-          <a:lstStyle/>
-          <a:p>
-            <a:pPr algn="ctr"/>
-            <a:r>
-              <a:rPr lang="fr-FR" sz="1400" b="0" strike="noStrike" spc="-1" smtClean="0">
-                <a:latin typeface="Arial"/>
-              </a:rPr>
-              <a:t>Priscillien HERBET – 14 Avril 2022</a:t>
-            </a:r>
-            <a:endParaRPr lang="fr-FR" sz="1400" b="0" strike="noStrike" spc="-1">
-              <a:latin typeface="Arial"/>
-            </a:endParaRPr>
-          </a:p>
-        </p:txBody>
-      </p:sp>
-      <p:sp>
-        <p:nvSpPr>
-          <p:cNvPr id="5" name="Espace réservé du numéro de diapositive 4"/>
-          <p:cNvSpPr>
-            <a:spLocks noGrp="1"/>
-          </p:cNvSpPr>
-          <p:nvPr>
-            <p:ph type="sldNum" sz="quarter" idx="12"/>
-          </p:nvPr>
-        </p:nvSpPr>
-        <p:spPr/>
-        <p:txBody>
-          <a:bodyPr/>
-          <a:lstStyle/>
-          <a:p>
-            <a:pPr algn="r"/>
-            <a:fld id="{E24D620B-6B54-4D64-8088-7BD33B9B7119}" type="slidenum">
-              <a:rPr lang="fr-FR" sz="1400" b="0" strike="noStrike" spc="-1" smtClean="0">
-                <a:latin typeface="Arial"/>
-              </a:rPr>
-              <a:t>20</a:t>
-            </a:fld>
-            <a:endParaRPr lang="fr-FR" sz="1400" b="0" strike="noStrike" spc="-1">
-              <a:latin typeface="Arial"/>
-            </a:endParaRPr>
-          </a:p>
-        </p:txBody>
-      </p:sp>
-      <p:sp>
-        <p:nvSpPr>
-          <p:cNvPr id="7" name="Titre 1"/>
-          <p:cNvSpPr txBox="1">
-            <a:spLocks/>
-          </p:cNvSpPr>
-          <p:nvPr/>
-        </p:nvSpPr>
-        <p:spPr>
-          <a:xfrm>
-            <a:off x="1223888" y="2411685"/>
-            <a:ext cx="7983855" cy="641206"/>
-          </a:xfrm>
-          <a:prstGeom prst="rect">
-            <a:avLst/>
-          </a:prstGeom>
-        </p:spPr>
-        <p:txBody>
-          <a:bodyPr/>
-          <a:lstStyle>
-            <a:lvl1pPr algn="l" rtl="0" eaLnBrk="1" latinLnBrk="0" hangingPunct="1">
-              <a:spcBef>
-                <a:spcPct val="0"/>
-              </a:spcBef>
-              <a:buNone/>
-              <a:defRPr kumimoji="0" sz="4200" b="1" kern="1200" cap="all" baseline="0">
-                <a:ln w="500">
-                  <a:solidFill>
-                    <a:schemeClr val="tx2">
-                      <a:shade val="20000"/>
-                      <a:satMod val="120000"/>
-                    </a:schemeClr>
-                  </a:solidFill>
-                </a:ln>
-                <a:gradFill>
-                  <a:gsLst>
-                    <a:gs pos="0">
-                      <a:schemeClr val="accent4">
-                        <a:tint val="13000"/>
-                      </a:schemeClr>
-                    </a:gs>
-                    <a:gs pos="10000">
-                      <a:schemeClr val="accent4">
-                        <a:tint val="20000"/>
-                      </a:schemeClr>
-                    </a:gs>
-                    <a:gs pos="49000">
-                      <a:schemeClr val="accent4">
-                        <a:tint val="70000"/>
-                      </a:schemeClr>
-                    </a:gs>
-                    <a:gs pos="50000">
-                      <a:schemeClr val="accent4">
-                        <a:tint val="97000"/>
-                      </a:schemeClr>
-                    </a:gs>
-                    <a:gs pos="100000">
-                      <a:schemeClr val="accent4">
-                        <a:tint val="20000"/>
-                      </a:schemeClr>
-                    </a:gs>
-                  </a:gsLst>
-                  <a:lin ang="5400000" scaled="1"/>
-                </a:gradFill>
-                <a:effectLst/>
-                <a:latin typeface="+mj-lt"/>
-                <a:ea typeface="+mj-ea"/>
-                <a:cs typeface="+mj-cs"/>
-              </a:defRPr>
-            </a:lvl1pPr>
-            <a:extLst/>
-          </a:lstStyle>
-          <a:p>
-            <a:pPr defTabSz="914400"/>
-            <a:r>
-              <a:rPr lang="fr-FR" sz="4000" cap="none" dirty="0" smtClean="0">
-                <a:solidFill>
-                  <a:schemeClr val="tx2">
-                    <a:lumMod val="75000"/>
-                  </a:schemeClr>
-                </a:solidFill>
-                <a:latin typeface="Georgia" panose="02040502050405020303" pitchFamily="18" charset="0"/>
-              </a:rPr>
-              <a:t>Merci pour votre attention</a:t>
-            </a:r>
-            <a:endParaRPr lang="fr-FR" sz="4000" cap="none" dirty="0">
-              <a:solidFill>
-                <a:schemeClr val="tx2">
-                  <a:lumMod val="75000"/>
-                </a:schemeClr>
-              </a:solidFill>
-              <a:latin typeface="Georgia" panose="02040502050405020303" pitchFamily="18" charset="0"/>
-            </a:endParaRPr>
-          </a:p>
-        </p:txBody>
-      </p:sp>
-    </p:spTree>
-    <p:extLst>
-      <p:ext uri="{BB962C8B-B14F-4D97-AF65-F5344CB8AC3E}">
-        <p14:creationId xmlns:p14="http://schemas.microsoft.com/office/powerpoint/2010/main" val="2005242016"/>
-      </p:ext>
-    </p:extLst>
-  </p:cSld>
-  <p:clrMapOvr>
-    <a:masterClrMapping/>
-  </p:clrMapOvr>
-</p:sld>
-</file>
-
-<file path=ppt/slides/slide3.xml><?xml version="1.0" encoding="utf-8"?>
-<p:sld xmlns:a="http://schemas.openxmlformats.org/drawingml/2006/main" xmlns:r="http://schemas.openxmlformats.org/officeDocument/2006/relationships" xmlns:p="http://schemas.openxmlformats.org/presentationml/2006/main">
-  <p:cSld>
-    <p:spTree>
-      <p:nvGrpSpPr>
-        <p:cNvPr id="1" name=""/>
-        <p:cNvGrpSpPr/>
-        <p:nvPr/>
-      </p:nvGrpSpPr>
-      <p:grpSpPr>
-        <a:xfrm>
-          <a:off x="0" y="0"/>
-          <a:ext cx="0" cy="0"/>
-          <a:chOff x="0" y="0"/>
-          <a:chExt cx="0" cy="0"/>
-        </a:xfrm>
-      </p:grpSpPr>
-      <p:sp>
-        <p:nvSpPr>
-          <p:cNvPr id="86" name="TextShape 1"/>
-          <p:cNvSpPr txBox="1"/>
-          <p:nvPr/>
-        </p:nvSpPr>
-        <p:spPr>
-          <a:xfrm>
-            <a:off x="504001" y="301321"/>
-            <a:ext cx="9071640" cy="637560"/>
-          </a:xfrm>
-          <a:prstGeom prst="rect">
-            <a:avLst/>
-          </a:prstGeom>
-          <a:noFill/>
-          <a:ln>
-            <a:noFill/>
-          </a:ln>
-        </p:spPr>
-        <p:txBody>
-          <a:bodyPr lIns="0" tIns="0" rIns="0" bIns="0" anchor="ctr">
-            <a:noAutofit/>
-          </a:bodyPr>
-          <a:lstStyle/>
-          <a:p>
-            <a:pPr algn="ctr"/>
-            <a:r>
-              <a:rPr lang="fr-FR" sz="4400" spc="-1">
-                <a:solidFill>
-                  <a:srgbClr val="FFFFFF"/>
-                </a:solidFill>
-                <a:latin typeface="Arial"/>
-              </a:rPr>
-              <a:t>Introduction</a:t>
-            </a:r>
-          </a:p>
-        </p:txBody>
-      </p:sp>
-      <p:sp>
-        <p:nvSpPr>
-          <p:cNvPr id="87" name="TextShape 2"/>
-          <p:cNvSpPr txBox="1"/>
-          <p:nvPr/>
-        </p:nvSpPr>
-        <p:spPr>
-          <a:xfrm>
-            <a:off x="504001" y="2123653"/>
-            <a:ext cx="8064703" cy="4384440"/>
-          </a:xfrm>
-          <a:prstGeom prst="rect">
-            <a:avLst/>
-          </a:prstGeom>
-          <a:noFill/>
-          <a:ln>
-            <a:noFill/>
-          </a:ln>
-        </p:spPr>
-        <p:txBody>
-          <a:bodyPr lIns="0" tIns="0" rIns="0" bIns="0">
-            <a:noAutofit/>
-          </a:bodyPr>
-          <a:lstStyle/>
-          <a:p>
-            <a:pPr marL="431955" indent="-323966">
-              <a:spcBef>
-                <a:spcPts val="600"/>
-              </a:spcBef>
-              <a:buClr>
-                <a:srgbClr val="000000"/>
-              </a:buClr>
-              <a:buSzPct val="45000"/>
-              <a:buFont typeface="Wingdings" charset="2"/>
-              <a:buChar char=""/>
+          <a:p>
+            <a:pPr marL="285750" indent="-285750">
+              <a:buFont typeface="Wingdings" panose="05000000000000000000" pitchFamily="2" charset="2"/>
+              <a:buChar char="Ø"/>
             </a:pPr>
             <a:r>
-              <a:rPr lang="fr-FR" sz="1600" b="1" spc="-1" dirty="0" smtClean="0">
+              <a:rPr lang="fr-FR" sz="2400" dirty="0">
                 <a:solidFill>
                   <a:schemeClr val="bg2">
                     <a:lumMod val="25000"/>
@@ -10384,999 +9251,10 @@
                 </a:solidFill>
                 <a:latin typeface="Georgia" panose="02040502050405020303" pitchFamily="18" charset="0"/>
               </a:rPr>
-              <a:t>Différents canaux d’accès aux favoris:</a:t>
-            </a:r>
-          </a:p>
-          <a:p>
-            <a:pPr marL="889107" lvl="1" indent="-323966">
-              <a:spcBef>
-                <a:spcPts val="600"/>
-              </a:spcBef>
-              <a:buClr>
-                <a:srgbClr val="000000"/>
-              </a:buClr>
-              <a:buSzPct val="45000"/>
-              <a:buFont typeface="Wingdings" charset="2"/>
-              <a:buChar char=""/>
-            </a:pPr>
-            <a:r>
-              <a:rPr lang="fr-FR" sz="1600" spc="-1" dirty="0" smtClean="0">
-                <a:solidFill>
-                  <a:schemeClr val="bg2">
-                    <a:lumMod val="25000"/>
-                  </a:schemeClr>
-                </a:solidFill>
-                <a:latin typeface="Georgia" panose="02040502050405020303" pitchFamily="18" charset="0"/>
-              </a:rPr>
-              <a:t>Téléphones</a:t>
-            </a:r>
-          </a:p>
-          <a:p>
-            <a:pPr marL="889107" lvl="1" indent="-323966">
-              <a:spcBef>
-                <a:spcPts val="600"/>
-              </a:spcBef>
-              <a:buClr>
-                <a:srgbClr val="000000"/>
-              </a:buClr>
-              <a:buSzPct val="45000"/>
-              <a:buFont typeface="Wingdings" charset="2"/>
-              <a:buChar char=""/>
-            </a:pPr>
-            <a:r>
-              <a:rPr lang="fr-FR" sz="1600" spc="-1" dirty="0" smtClean="0">
-                <a:solidFill>
-                  <a:schemeClr val="bg2">
-                    <a:lumMod val="25000"/>
-                  </a:schemeClr>
-                </a:solidFill>
-                <a:latin typeface="Georgia" panose="02040502050405020303" pitchFamily="18" charset="0"/>
-              </a:rPr>
-              <a:t>Tablettes</a:t>
-            </a:r>
-          </a:p>
-          <a:p>
-            <a:pPr marL="889107" lvl="1" indent="-323966">
-              <a:spcBef>
-                <a:spcPts val="600"/>
-              </a:spcBef>
-              <a:buClr>
-                <a:srgbClr val="000000"/>
-              </a:buClr>
-              <a:buSzPct val="45000"/>
-              <a:buFont typeface="Wingdings" charset="2"/>
-              <a:buChar char=""/>
-            </a:pPr>
-            <a:r>
-              <a:rPr lang="fr-FR" sz="1600" spc="-1" dirty="0" smtClean="0">
-                <a:solidFill>
-                  <a:schemeClr val="bg2">
-                    <a:lumMod val="25000"/>
-                  </a:schemeClr>
-                </a:solidFill>
-                <a:latin typeface="Georgia" panose="02040502050405020303" pitchFamily="18" charset="0"/>
-              </a:rPr>
-              <a:t>Ordinateurs </a:t>
-            </a:r>
-          </a:p>
-          <a:p>
-            <a:pPr marL="889107" lvl="1" indent="-323966">
-              <a:spcBef>
-                <a:spcPts val="600"/>
-              </a:spcBef>
-              <a:buClr>
-                <a:srgbClr val="000000"/>
-              </a:buClr>
-              <a:buSzPct val="45000"/>
-              <a:buFont typeface="Wingdings" charset="2"/>
-              <a:buChar char=""/>
-            </a:pPr>
-            <a:r>
-              <a:rPr lang="fr-FR" sz="1600" spc="-1" dirty="0" smtClean="0">
-                <a:solidFill>
-                  <a:schemeClr val="bg2">
-                    <a:lumMod val="25000"/>
-                  </a:schemeClr>
-                </a:solidFill>
-                <a:latin typeface="Georgia" panose="02040502050405020303" pitchFamily="18" charset="0"/>
-              </a:rPr>
-              <a:t>Navigateurs</a:t>
-            </a:r>
-          </a:p>
-          <a:p>
-            <a:pPr marL="889107" lvl="1" indent="-323966">
-              <a:spcBef>
-                <a:spcPts val="600"/>
-              </a:spcBef>
-              <a:buClr>
-                <a:srgbClr val="000000"/>
-              </a:buClr>
-              <a:buSzPct val="45000"/>
-              <a:buFont typeface="Wingdings" charset="2"/>
-              <a:buChar char=""/>
-            </a:pPr>
-            <a:endParaRPr lang="fr-FR" sz="1600" spc="-1" dirty="0">
-              <a:solidFill>
-                <a:schemeClr val="bg2">
-                  <a:lumMod val="25000"/>
-                </a:schemeClr>
-              </a:solidFill>
-              <a:latin typeface="Georgia" panose="02040502050405020303" pitchFamily="18" charset="0"/>
-            </a:endParaRPr>
-          </a:p>
-          <a:p>
-            <a:pPr marL="431955" indent="-323966">
-              <a:spcBef>
-                <a:spcPts val="600"/>
-              </a:spcBef>
-              <a:buClr>
-                <a:srgbClr val="000000"/>
-              </a:buClr>
-              <a:buSzPct val="45000"/>
-              <a:buFont typeface="Wingdings" charset="2"/>
-              <a:buChar char=""/>
-            </a:pPr>
-            <a:r>
-              <a:rPr lang="fr-FR" sz="1600" b="1" spc="-1" dirty="0" smtClean="0">
-                <a:solidFill>
-                  <a:schemeClr val="bg2">
-                    <a:lumMod val="25000"/>
-                  </a:schemeClr>
-                </a:solidFill>
-                <a:latin typeface="Georgia" panose="02040502050405020303" pitchFamily="18" charset="0"/>
-              </a:rPr>
-              <a:t>Concurrence sur le marché : </a:t>
-            </a:r>
-          </a:p>
-          <a:p>
-            <a:pPr marL="889107" lvl="1" indent="-323966">
-              <a:spcBef>
-                <a:spcPts val="600"/>
-              </a:spcBef>
-              <a:buClr>
-                <a:srgbClr val="000000"/>
-              </a:buClr>
-              <a:buSzPct val="45000"/>
-              <a:buFont typeface="Wingdings" charset="2"/>
-              <a:buChar char=""/>
-            </a:pPr>
-            <a:r>
-              <a:rPr lang="fr-FR" sz="1600" spc="-1" dirty="0" err="1" smtClean="0">
-                <a:solidFill>
-                  <a:schemeClr val="bg2">
-                    <a:lumMod val="25000"/>
-                  </a:schemeClr>
-                </a:solidFill>
-                <a:latin typeface="Georgia" panose="02040502050405020303" pitchFamily="18" charset="0"/>
-              </a:rPr>
-              <a:t>Raindrop</a:t>
-            </a:r>
-            <a:endParaRPr lang="fr-FR" sz="1600" spc="-1" dirty="0" smtClean="0">
-              <a:solidFill>
-                <a:schemeClr val="bg2">
-                  <a:lumMod val="25000"/>
-                </a:schemeClr>
-              </a:solidFill>
-              <a:latin typeface="Georgia" panose="02040502050405020303" pitchFamily="18" charset="0"/>
-            </a:endParaRPr>
-          </a:p>
-          <a:p>
-            <a:pPr marL="889107" lvl="1" indent="-323966">
-              <a:spcBef>
-                <a:spcPts val="600"/>
-              </a:spcBef>
-              <a:buClr>
-                <a:srgbClr val="000000"/>
-              </a:buClr>
-              <a:buSzPct val="45000"/>
-              <a:buFont typeface="Wingdings" charset="2"/>
-              <a:buChar char=""/>
-            </a:pPr>
-            <a:r>
-              <a:rPr lang="fr-FR" sz="1600" spc="-1" dirty="0" smtClean="0">
-                <a:solidFill>
-                  <a:schemeClr val="bg2">
-                    <a:lumMod val="25000"/>
-                  </a:schemeClr>
-                </a:solidFill>
-                <a:latin typeface="Georgia" panose="02040502050405020303" pitchFamily="18" charset="0"/>
-              </a:rPr>
-              <a:t>Google</a:t>
-            </a:r>
-          </a:p>
-          <a:p>
-            <a:pPr marL="889107" lvl="1" indent="-323966">
-              <a:spcBef>
-                <a:spcPts val="600"/>
-              </a:spcBef>
-              <a:buClr>
-                <a:srgbClr val="000000"/>
-              </a:buClr>
-              <a:buSzPct val="45000"/>
-              <a:buFont typeface="Wingdings" charset="2"/>
-              <a:buChar char=""/>
-            </a:pPr>
-            <a:r>
-              <a:rPr lang="fr-FR" sz="1600" spc="-1" dirty="0" err="1" smtClean="0">
-                <a:solidFill>
-                  <a:schemeClr val="bg2">
-                    <a:lumMod val="25000"/>
-                  </a:schemeClr>
-                </a:solidFill>
-                <a:latin typeface="Georgia" panose="02040502050405020303" pitchFamily="18" charset="0"/>
-              </a:rPr>
-              <a:t>Diigo</a:t>
-            </a:r>
-            <a:endParaRPr lang="fr-FR" sz="1600" spc="-1" dirty="0" smtClean="0">
-              <a:solidFill>
-                <a:schemeClr val="bg2">
-                  <a:lumMod val="25000"/>
-                </a:schemeClr>
-              </a:solidFill>
-              <a:latin typeface="Georgia" panose="02040502050405020303" pitchFamily="18" charset="0"/>
-            </a:endParaRPr>
-          </a:p>
-          <a:p>
-            <a:pPr marL="431955" indent="-323966">
-              <a:spcBef>
-                <a:spcPts val="600"/>
-              </a:spcBef>
-              <a:buClr>
-                <a:srgbClr val="000000"/>
-              </a:buClr>
-              <a:buSzPct val="45000"/>
-              <a:buFont typeface="Wingdings" charset="2"/>
-              <a:buChar char=""/>
-            </a:pPr>
-            <a:endParaRPr lang="fr-FR" sz="1600" spc="-1" dirty="0" smtClean="0">
-              <a:solidFill>
-                <a:schemeClr val="bg2">
-                  <a:lumMod val="25000"/>
-                </a:schemeClr>
-              </a:solidFill>
-              <a:latin typeface="Georgia" panose="02040502050405020303" pitchFamily="18" charset="0"/>
-            </a:endParaRPr>
-          </a:p>
-          <a:p>
-            <a:pPr marL="431955" indent="-323966">
-              <a:spcBef>
-                <a:spcPts val="600"/>
-              </a:spcBef>
-              <a:buClr>
-                <a:srgbClr val="000000"/>
-              </a:buClr>
-              <a:buSzPct val="45000"/>
-              <a:buFont typeface="Wingdings" charset="2"/>
-              <a:buChar char=""/>
-            </a:pPr>
-            <a:r>
-              <a:rPr lang="fr-FR" sz="1600" b="1" spc="-1" dirty="0" smtClean="0">
-                <a:solidFill>
-                  <a:schemeClr val="bg2">
-                    <a:lumMod val="25000"/>
-                  </a:schemeClr>
-                </a:solidFill>
-                <a:latin typeface="Georgia" panose="02040502050405020303" pitchFamily="18" charset="0"/>
-              </a:rPr>
-              <a:t>Problèmes:</a:t>
-            </a:r>
-          </a:p>
-          <a:p>
-            <a:pPr marL="889107" lvl="1" indent="-323966">
-              <a:spcBef>
-                <a:spcPts val="600"/>
-              </a:spcBef>
-              <a:buClr>
-                <a:srgbClr val="000000"/>
-              </a:buClr>
-              <a:buSzPct val="45000"/>
-              <a:buFont typeface="Wingdings" charset="2"/>
-              <a:buChar char=""/>
-            </a:pPr>
-            <a:r>
-              <a:rPr lang="fr-FR" sz="1600" spc="-1" dirty="0" smtClean="0">
-                <a:solidFill>
-                  <a:schemeClr val="bg2">
-                    <a:lumMod val="25000"/>
-                  </a:schemeClr>
-                </a:solidFill>
-                <a:latin typeface="Georgia" panose="02040502050405020303" pitchFamily="18" charset="0"/>
-              </a:rPr>
-              <a:t>Partage des  données personnelles</a:t>
-            </a:r>
-          </a:p>
-          <a:p>
-            <a:pPr marL="889107" lvl="1" indent="-323966">
-              <a:spcBef>
-                <a:spcPts val="600"/>
-              </a:spcBef>
-              <a:buClr>
-                <a:srgbClr val="000000"/>
-              </a:buClr>
-              <a:buSzPct val="45000"/>
-              <a:buFont typeface="Wingdings" charset="2"/>
-              <a:buChar char=""/>
-            </a:pPr>
-            <a:r>
-              <a:rPr lang="fr-FR" sz="1600" spc="-1" dirty="0" smtClean="0">
-                <a:solidFill>
-                  <a:schemeClr val="bg2">
-                    <a:lumMod val="25000"/>
-                  </a:schemeClr>
-                </a:solidFill>
-                <a:latin typeface="Georgia" panose="02040502050405020303" pitchFamily="18" charset="0"/>
-              </a:rPr>
-              <a:t>Dis-connexion entre les différents canaux</a:t>
-            </a:r>
-            <a:endParaRPr lang="fr-FR" sz="1600" spc="-1" dirty="0">
-              <a:solidFill>
-                <a:schemeClr val="bg2">
-                  <a:lumMod val="25000"/>
-                </a:schemeClr>
-              </a:solidFill>
-              <a:latin typeface="Georgia" panose="02040502050405020303" pitchFamily="18" charset="0"/>
-            </a:endParaRPr>
-          </a:p>
-          <a:p>
-            <a:pPr marL="565141" lvl="1">
-              <a:spcBef>
-                <a:spcPts val="600"/>
-              </a:spcBef>
-              <a:buClr>
-                <a:srgbClr val="000000"/>
-              </a:buClr>
-              <a:buSzPct val="45000"/>
-            </a:pPr>
-            <a:endParaRPr lang="fr-FR" sz="1600" spc="-1" dirty="0" smtClean="0">
-              <a:solidFill>
-                <a:schemeClr val="bg2">
-                  <a:lumMod val="25000"/>
-                </a:schemeClr>
-              </a:solidFill>
-              <a:latin typeface="Georgia" panose="02040502050405020303" pitchFamily="18" charset="0"/>
-            </a:endParaRPr>
-          </a:p>
-          <a:p>
-            <a:pPr marL="431955" indent="-323966">
-              <a:spcBef>
-                <a:spcPts val="600"/>
-              </a:spcBef>
-              <a:buClr>
-                <a:srgbClr val="000000"/>
-              </a:buClr>
-              <a:buSzPct val="45000"/>
-              <a:buFont typeface="Wingdings" charset="2"/>
-              <a:buChar char=""/>
-            </a:pPr>
-            <a:endParaRPr lang="fr-FR" sz="1600" spc="-1" dirty="0">
-              <a:solidFill>
-                <a:schemeClr val="bg2">
-                  <a:lumMod val="25000"/>
-                </a:schemeClr>
-              </a:solidFill>
-              <a:latin typeface="Georgia" panose="02040502050405020303" pitchFamily="18" charset="0"/>
-            </a:endParaRPr>
-          </a:p>
-        </p:txBody>
-      </p:sp>
-      <p:sp>
-        <p:nvSpPr>
-          <p:cNvPr id="3" name="Titre 2"/>
-          <p:cNvSpPr>
-            <a:spLocks noGrp="1"/>
-          </p:cNvSpPr>
-          <p:nvPr>
-            <p:ph type="title"/>
-          </p:nvPr>
-        </p:nvSpPr>
-        <p:spPr/>
-        <p:txBody>
-          <a:bodyPr/>
-          <a:lstStyle/>
-          <a:p>
-            <a:r>
-              <a:rPr lang="fr-FR" dirty="0" smtClean="0"/>
-              <a:t>Introduction	</a:t>
-            </a:r>
-            <a:endParaRPr lang="fr-FR" dirty="0"/>
-          </a:p>
-        </p:txBody>
-      </p:sp>
-      <p:sp>
-        <p:nvSpPr>
-          <p:cNvPr id="2" name="Espace réservé du numéro de diapositive 1"/>
-          <p:cNvSpPr>
-            <a:spLocks noGrp="1"/>
-          </p:cNvSpPr>
-          <p:nvPr>
-            <p:ph type="sldNum" sz="quarter" idx="12"/>
-          </p:nvPr>
-        </p:nvSpPr>
-        <p:spPr/>
-        <p:txBody>
-          <a:bodyPr/>
-          <a:lstStyle/>
-          <a:p>
-            <a:pPr algn="r"/>
-            <a:fld id="{E24D620B-6B54-4D64-8088-7BD33B9B7119}" type="slidenum">
-              <a:rPr lang="fr-FR" sz="1400" b="0" strike="noStrike" spc="-1" smtClean="0">
-                <a:latin typeface="Arial"/>
-              </a:rPr>
-              <a:t>3</a:t>
-            </a:fld>
-            <a:endParaRPr lang="fr-FR" sz="1400" b="0" strike="noStrike" spc="-1">
-              <a:latin typeface="Arial"/>
-            </a:endParaRPr>
-          </a:p>
-        </p:txBody>
-      </p:sp>
-      <p:sp>
-        <p:nvSpPr>
-          <p:cNvPr id="5" name="Espace réservé du texte 4"/>
-          <p:cNvSpPr>
-            <a:spLocks noGrp="1"/>
-          </p:cNvSpPr>
-          <p:nvPr>
-            <p:ph type="body" sz="quarter" idx="13"/>
-          </p:nvPr>
-        </p:nvSpPr>
-        <p:spPr/>
-        <p:txBody>
-          <a:bodyPr>
-            <a:normAutofit fontScale="85000" lnSpcReduction="20000"/>
-          </a:bodyPr>
-          <a:lstStyle/>
-          <a:p>
-            <a:r>
-              <a:rPr lang="fr-FR" dirty="0" smtClean="0"/>
-              <a:t>Problématiques</a:t>
-            </a:r>
-            <a:endParaRPr lang="fr-FR" dirty="0"/>
-          </a:p>
-        </p:txBody>
-      </p:sp>
-      <p:sp>
-        <p:nvSpPr>
-          <p:cNvPr id="6" name="Espace réservé du pied de page 5"/>
-          <p:cNvSpPr>
-            <a:spLocks noGrp="1"/>
-          </p:cNvSpPr>
-          <p:nvPr>
-            <p:ph type="ftr" sz="quarter" idx="11"/>
-          </p:nvPr>
-        </p:nvSpPr>
-        <p:spPr/>
-        <p:txBody>
-          <a:bodyPr/>
-          <a:lstStyle/>
-          <a:p>
-            <a:pPr algn="ctr"/>
-            <a:r>
-              <a:rPr lang="fr-FR" spc="-1" smtClean="0"/>
-              <a:t>Priscillien HERBET – 14 Avril 2022</a:t>
-            </a:r>
-            <a:endParaRPr lang="fr-FR" spc="-1" dirty="0"/>
-          </a:p>
-        </p:txBody>
-      </p:sp>
-    </p:spTree>
-  </p:cSld>
-  <p:clrMapOvr>
-    <a:masterClrMapping/>
-  </p:clrMapOvr>
-  <mc:AlternateContent xmlns:mc="http://schemas.openxmlformats.org/markup-compatibility/2006" xmlns:p14="http://schemas.microsoft.com/office/powerpoint/2010/main">
-    <mc:Choice Requires="p14">
-      <p:transition spd="slow" p14:dur="2000"/>
-    </mc:Choice>
-    <mc:Fallback xmlns="" xmlns:p15="http://schemas.microsoft.com/office/powerpoint/2012/main">
-      <p:transition spd="slow"/>
-    </mc:Fallback>
-  </mc:AlternateContent>
-  <p:timing>
-    <p:tnLst>
-      <p:par>
-        <p:cTn id="1" dur="indefinite" restart="never" nodeType="tmRoot"/>
-      </p:par>
-    </p:tnLst>
-  </p:timing>
-</p:sld>
-</file>
-
-<file path=ppt/slides/slide4.xml><?xml version="1.0" encoding="utf-8"?>
-<p:sld xmlns:a="http://schemas.openxmlformats.org/drawingml/2006/main" xmlns:r="http://schemas.openxmlformats.org/officeDocument/2006/relationships" xmlns:p="http://schemas.openxmlformats.org/presentationml/2006/main">
-  <p:cSld>
-    <p:spTree>
-      <p:nvGrpSpPr>
-        <p:cNvPr id="1" name=""/>
-        <p:cNvGrpSpPr/>
-        <p:nvPr/>
-      </p:nvGrpSpPr>
-      <p:grpSpPr>
-        <a:xfrm>
-          <a:off x="0" y="0"/>
-          <a:ext cx="0" cy="0"/>
-          <a:chOff x="0" y="0"/>
-          <a:chExt cx="0" cy="0"/>
-        </a:xfrm>
-      </p:grpSpPr>
-      <p:sp>
-        <p:nvSpPr>
-          <p:cNvPr id="86" name="TextShape 1"/>
-          <p:cNvSpPr txBox="1"/>
-          <p:nvPr/>
-        </p:nvSpPr>
-        <p:spPr>
-          <a:xfrm>
-            <a:off x="504001" y="301321"/>
-            <a:ext cx="9071640" cy="637560"/>
-          </a:xfrm>
-          <a:prstGeom prst="rect">
-            <a:avLst/>
-          </a:prstGeom>
-          <a:noFill/>
-          <a:ln>
-            <a:noFill/>
-          </a:ln>
-        </p:spPr>
-        <p:txBody>
-          <a:bodyPr lIns="0" tIns="0" rIns="0" bIns="0" anchor="ctr">
-            <a:noAutofit/>
-          </a:bodyPr>
-          <a:lstStyle/>
-          <a:p>
-            <a:pPr algn="ctr"/>
-            <a:r>
-              <a:rPr lang="fr-FR" sz="4400" spc="-1">
-                <a:solidFill>
-                  <a:srgbClr val="FFFFFF"/>
-                </a:solidFill>
-                <a:latin typeface="Arial"/>
-              </a:rPr>
-              <a:t>Introduction</a:t>
-            </a:r>
-          </a:p>
-        </p:txBody>
-      </p:sp>
-      <p:sp>
-        <p:nvSpPr>
-          <p:cNvPr id="87" name="TextShape 2"/>
-          <p:cNvSpPr txBox="1"/>
-          <p:nvPr/>
-        </p:nvSpPr>
-        <p:spPr>
-          <a:xfrm>
-            <a:off x="504001" y="2843733"/>
-            <a:ext cx="8064703" cy="2808312"/>
-          </a:xfrm>
-          <a:prstGeom prst="rect">
-            <a:avLst/>
-          </a:prstGeom>
-          <a:noFill/>
-          <a:ln>
-            <a:noFill/>
-          </a:ln>
-        </p:spPr>
-        <p:txBody>
-          <a:bodyPr lIns="0" tIns="0" rIns="0" bIns="0">
-            <a:noAutofit/>
-          </a:bodyPr>
-          <a:lstStyle/>
-          <a:p>
-            <a:pPr marL="431955" indent="-323966">
-              <a:spcBef>
-                <a:spcPts val="600"/>
-              </a:spcBef>
-              <a:buClr>
-                <a:srgbClr val="000000"/>
-              </a:buClr>
-              <a:buSzPct val="45000"/>
-              <a:buFont typeface="Wingdings" charset="2"/>
-              <a:buChar char=""/>
-            </a:pPr>
-            <a:r>
-              <a:rPr lang="fr-FR" sz="2000" b="1" spc="-1" dirty="0" smtClean="0">
-                <a:solidFill>
-                  <a:schemeClr val="bg2">
-                    <a:lumMod val="25000"/>
-                  </a:schemeClr>
-                </a:solidFill>
-                <a:latin typeface="Georgia" panose="02040502050405020303" pitchFamily="18" charset="0"/>
-              </a:rPr>
-              <a:t>Création d’un gestionnaire de favoris:</a:t>
-            </a:r>
-          </a:p>
-          <a:p>
-            <a:pPr marL="431955" indent="-323966">
-              <a:spcBef>
-                <a:spcPts val="600"/>
-              </a:spcBef>
-              <a:buClr>
-                <a:srgbClr val="000000"/>
-              </a:buClr>
-              <a:buSzPct val="45000"/>
-              <a:buFont typeface="Wingdings" charset="2"/>
-              <a:buChar char=""/>
-            </a:pPr>
-            <a:endParaRPr lang="fr-FR" sz="2000" b="1" spc="-1" dirty="0" smtClean="0">
-              <a:solidFill>
-                <a:schemeClr val="bg2">
-                  <a:lumMod val="25000"/>
-                </a:schemeClr>
-              </a:solidFill>
-              <a:latin typeface="Georgia" panose="02040502050405020303" pitchFamily="18" charset="0"/>
-            </a:endParaRPr>
-          </a:p>
-          <a:p>
-            <a:pPr marL="889107" lvl="1" indent="-323966">
-              <a:spcBef>
-                <a:spcPts val="600"/>
-              </a:spcBef>
-              <a:buClr>
-                <a:srgbClr val="000000"/>
-              </a:buClr>
-              <a:buSzPct val="45000"/>
-              <a:buFont typeface="Wingdings" charset="2"/>
-              <a:buChar char=""/>
-            </a:pPr>
-            <a:r>
-              <a:rPr lang="fr-FR" sz="2000" spc="-1" dirty="0" smtClean="0">
-                <a:solidFill>
-                  <a:schemeClr val="bg2">
-                    <a:lumMod val="25000"/>
-                  </a:schemeClr>
-                </a:solidFill>
-                <a:latin typeface="Georgia" panose="02040502050405020303" pitchFamily="18" charset="0"/>
-              </a:rPr>
-              <a:t>Simple d’utilisation</a:t>
-            </a:r>
-          </a:p>
-          <a:p>
-            <a:pPr marL="889107" lvl="1" indent="-323966">
-              <a:spcBef>
-                <a:spcPts val="600"/>
-              </a:spcBef>
-              <a:buClr>
-                <a:srgbClr val="000000"/>
-              </a:buClr>
-              <a:buSzPct val="45000"/>
-              <a:buFont typeface="Wingdings" charset="2"/>
-              <a:buChar char=""/>
-            </a:pPr>
-            <a:r>
-              <a:rPr lang="fr-FR" sz="2000" spc="-1" dirty="0" smtClean="0">
-                <a:solidFill>
-                  <a:schemeClr val="bg2">
-                    <a:lumMod val="25000"/>
-                  </a:schemeClr>
-                </a:solidFill>
-                <a:latin typeface="Georgia" panose="02040502050405020303" pitchFamily="18" charset="0"/>
-              </a:rPr>
-              <a:t>Dissocié des différents navigateurs</a:t>
-            </a:r>
-          </a:p>
-          <a:p>
-            <a:pPr marL="889107" lvl="1" indent="-323966">
-              <a:spcBef>
-                <a:spcPts val="600"/>
-              </a:spcBef>
-              <a:buClr>
-                <a:srgbClr val="000000"/>
-              </a:buClr>
-              <a:buSzPct val="45000"/>
-              <a:buFont typeface="Wingdings" charset="2"/>
-              <a:buChar char=""/>
-            </a:pPr>
-            <a:r>
-              <a:rPr lang="fr-FR" sz="2000" spc="-1" dirty="0" smtClean="0">
-                <a:solidFill>
-                  <a:schemeClr val="bg2">
-                    <a:lumMod val="25000"/>
-                  </a:schemeClr>
-                </a:solidFill>
-                <a:latin typeface="Georgia" panose="02040502050405020303" pitchFamily="18" charset="0"/>
-              </a:rPr>
-              <a:t>Possibilité de connexion sur tout les outils informatiques</a:t>
-            </a:r>
-          </a:p>
-          <a:p>
-            <a:pPr marL="889107" lvl="1" indent="-323966">
-              <a:spcBef>
-                <a:spcPts val="600"/>
-              </a:spcBef>
-              <a:buClr>
-                <a:srgbClr val="000000"/>
-              </a:buClr>
-              <a:buSzPct val="45000"/>
-              <a:buFont typeface="Wingdings" charset="2"/>
-              <a:buChar char=""/>
-            </a:pPr>
-            <a:endParaRPr lang="fr-FR" sz="2000" spc="-1" dirty="0">
-              <a:solidFill>
-                <a:schemeClr val="bg2">
-                  <a:lumMod val="25000"/>
-                </a:schemeClr>
-              </a:solidFill>
-              <a:latin typeface="Georgia" panose="02040502050405020303" pitchFamily="18" charset="0"/>
-            </a:endParaRPr>
-          </a:p>
-        </p:txBody>
-      </p:sp>
-      <p:sp>
-        <p:nvSpPr>
-          <p:cNvPr id="3" name="Titre 2"/>
-          <p:cNvSpPr>
-            <a:spLocks noGrp="1"/>
-          </p:cNvSpPr>
-          <p:nvPr>
-            <p:ph type="title"/>
-          </p:nvPr>
-        </p:nvSpPr>
-        <p:spPr/>
-        <p:txBody>
-          <a:bodyPr/>
-          <a:lstStyle/>
-          <a:p>
-            <a:r>
-              <a:rPr lang="fr-FR" dirty="0" smtClean="0"/>
-              <a:t>Introduction</a:t>
-            </a:r>
-            <a:endParaRPr lang="fr-FR" dirty="0"/>
-          </a:p>
-        </p:txBody>
-      </p:sp>
-      <p:sp>
-        <p:nvSpPr>
-          <p:cNvPr id="2" name="Espace réservé du numéro de diapositive 1"/>
-          <p:cNvSpPr>
-            <a:spLocks noGrp="1"/>
-          </p:cNvSpPr>
-          <p:nvPr>
-            <p:ph type="sldNum" sz="quarter" idx="12"/>
-          </p:nvPr>
-        </p:nvSpPr>
-        <p:spPr/>
-        <p:txBody>
-          <a:bodyPr/>
-          <a:lstStyle/>
-          <a:p>
-            <a:pPr algn="r"/>
-            <a:fld id="{E24D620B-6B54-4D64-8088-7BD33B9B7119}" type="slidenum">
-              <a:rPr lang="fr-FR" sz="1400" b="0" strike="noStrike" spc="-1" smtClean="0">
-                <a:latin typeface="Arial"/>
-              </a:rPr>
-              <a:t>4</a:t>
-            </a:fld>
-            <a:endParaRPr lang="fr-FR" sz="1400" b="0" strike="noStrike" spc="-1">
-              <a:latin typeface="Arial"/>
-            </a:endParaRPr>
-          </a:p>
-        </p:txBody>
-      </p:sp>
-      <p:sp>
-        <p:nvSpPr>
-          <p:cNvPr id="4" name="Espace réservé du texte 3"/>
-          <p:cNvSpPr>
-            <a:spLocks noGrp="1"/>
-          </p:cNvSpPr>
-          <p:nvPr>
-            <p:ph type="body" sz="quarter" idx="13"/>
-          </p:nvPr>
-        </p:nvSpPr>
-        <p:spPr/>
-        <p:txBody>
-          <a:bodyPr>
-            <a:normAutofit fontScale="85000" lnSpcReduction="20000"/>
-          </a:bodyPr>
-          <a:lstStyle/>
-          <a:p>
-            <a:r>
-              <a:rPr lang="fr-FR" dirty="0" smtClean="0"/>
-              <a:t>Objectifs</a:t>
-            </a:r>
-            <a:endParaRPr lang="fr-FR" dirty="0"/>
-          </a:p>
-        </p:txBody>
-      </p:sp>
-      <p:sp>
-        <p:nvSpPr>
-          <p:cNvPr id="5" name="Espace réservé du pied de page 4"/>
-          <p:cNvSpPr>
-            <a:spLocks noGrp="1"/>
-          </p:cNvSpPr>
-          <p:nvPr>
-            <p:ph type="ftr" sz="quarter" idx="11"/>
-          </p:nvPr>
-        </p:nvSpPr>
-        <p:spPr/>
-        <p:txBody>
-          <a:bodyPr/>
-          <a:lstStyle/>
-          <a:p>
-            <a:pPr algn="ctr"/>
-            <a:r>
-              <a:rPr lang="fr-FR" spc="-1" smtClean="0"/>
-              <a:t>Priscillien HERBET – 14 Avril 2022</a:t>
-            </a:r>
-            <a:endParaRPr lang="fr-FR" spc="-1" dirty="0"/>
-          </a:p>
-        </p:txBody>
-      </p:sp>
-    </p:spTree>
-    <p:extLst>
-      <p:ext uri="{BB962C8B-B14F-4D97-AF65-F5344CB8AC3E}">
-        <p14:creationId xmlns:p14="http://schemas.microsoft.com/office/powerpoint/2010/main" val="2476677725"/>
-      </p:ext>
-    </p:extLst>
-  </p:cSld>
-  <p:clrMapOvr>
-    <a:masterClrMapping/>
-  </p:clrMapOvr>
-  <mc:AlternateContent xmlns:mc="http://schemas.openxmlformats.org/markup-compatibility/2006" xmlns:p14="http://schemas.microsoft.com/office/powerpoint/2010/main">
-    <mc:Choice Requires="p14">
-      <p:transition spd="slow" p14:dur="2000"/>
-    </mc:Choice>
-    <mc:Fallback xmlns="" xmlns:p15="http://schemas.microsoft.com/office/powerpoint/2012/main">
-      <p:transition spd="slow"/>
-    </mc:Fallback>
-  </mc:AlternateContent>
-  <p:timing>
-    <p:tnLst>
-      <p:par>
-        <p:cTn id="1" dur="indefinite" restart="never" nodeType="tmRoot"/>
-      </p:par>
-    </p:tnLst>
-  </p:timing>
-</p:sld>
-</file>
-
-<file path=ppt/slides/slide5.xml><?xml version="1.0" encoding="utf-8"?>
-<p:sld xmlns:a="http://schemas.openxmlformats.org/drawingml/2006/main" xmlns:r="http://schemas.openxmlformats.org/officeDocument/2006/relationships" xmlns:p="http://schemas.openxmlformats.org/presentationml/2006/main">
-  <p:cSld>
-    <p:spTree>
-      <p:nvGrpSpPr>
-        <p:cNvPr id="1" name=""/>
-        <p:cNvGrpSpPr/>
-        <p:nvPr/>
-      </p:nvGrpSpPr>
-      <p:grpSpPr>
-        <a:xfrm>
-          <a:off x="0" y="0"/>
-          <a:ext cx="0" cy="0"/>
-          <a:chOff x="0" y="0"/>
-          <a:chExt cx="0" cy="0"/>
-        </a:xfrm>
-      </p:grpSpPr>
-      <p:sp>
-        <p:nvSpPr>
-          <p:cNvPr id="5" name="Rectangle à coins arrondis 4"/>
-          <p:cNvSpPr/>
-          <p:nvPr/>
-        </p:nvSpPr>
-        <p:spPr>
-          <a:xfrm>
-            <a:off x="1367904" y="3203773"/>
-            <a:ext cx="4752528" cy="432048"/>
-          </a:xfrm>
-          <a:prstGeom prst="roundRect">
-            <a:avLst/>
-          </a:prstGeom>
-          <a:solidFill>
-            <a:schemeClr val="accent5">
-              <a:lumMod val="20000"/>
-              <a:lumOff val="80000"/>
-            </a:schemeClr>
-          </a:solidFill>
-          <a:ln>
-            <a:solidFill>
-              <a:schemeClr val="accent5">
-                <a:lumMod val="20000"/>
-                <a:lumOff val="80000"/>
-              </a:schemeClr>
-            </a:solidFill>
-          </a:ln>
-        </p:spPr>
-        <p:style>
-          <a:lnRef idx="2">
-            <a:schemeClr val="accent1">
-              <a:shade val="50000"/>
-            </a:schemeClr>
-          </a:lnRef>
-          <a:fillRef idx="1">
-            <a:schemeClr val="accent1"/>
-          </a:fillRef>
-          <a:effectRef idx="0">
-            <a:schemeClr val="accent1"/>
-          </a:effectRef>
-          <a:fontRef idx="minor">
-            <a:schemeClr val="lt1"/>
-          </a:fontRef>
-        </p:style>
-        <p:txBody>
-          <a:bodyPr rtlCol="0" anchor="ctr"/>
-          <a:lstStyle/>
-          <a:p>
-            <a:pPr algn="ctr"/>
-            <a:endParaRPr lang="fr-FR"/>
-          </a:p>
-        </p:txBody>
-      </p:sp>
-      <p:sp>
-        <p:nvSpPr>
-          <p:cNvPr id="2" name="Espace réservé du numéro de diapositive 1"/>
-          <p:cNvSpPr>
-            <a:spLocks noGrp="1"/>
-          </p:cNvSpPr>
-          <p:nvPr>
-            <p:ph type="sldNum" sz="quarter" idx="12"/>
-          </p:nvPr>
-        </p:nvSpPr>
-        <p:spPr/>
-        <p:txBody>
-          <a:bodyPr/>
-          <a:lstStyle/>
-          <a:p>
-            <a:pPr algn="r"/>
-            <a:fld id="{E24D620B-6B54-4D64-8088-7BD33B9B7119}" type="slidenum">
-              <a:rPr lang="fr-FR" sz="1400" b="0" strike="noStrike" spc="-1" smtClean="0">
-                <a:latin typeface="Arial"/>
-              </a:rPr>
-              <a:t>5</a:t>
-            </a:fld>
-            <a:endParaRPr lang="fr-FR" sz="1400" b="0" strike="noStrike" spc="-1">
-              <a:latin typeface="Arial"/>
-            </a:endParaRPr>
-          </a:p>
-        </p:txBody>
-      </p:sp>
-      <p:sp>
-        <p:nvSpPr>
-          <p:cNvPr id="3" name="Titre 2"/>
-          <p:cNvSpPr>
-            <a:spLocks noGrp="1"/>
-          </p:cNvSpPr>
-          <p:nvPr>
-            <p:ph type="title"/>
-          </p:nvPr>
-        </p:nvSpPr>
-        <p:spPr/>
-        <p:txBody>
-          <a:bodyPr/>
-          <a:lstStyle/>
-          <a:p>
-            <a:r>
-              <a:rPr lang="fr-FR" dirty="0" smtClean="0"/>
-              <a:t>Agenda</a:t>
-            </a:r>
-            <a:endParaRPr lang="fr-FR" dirty="0"/>
-          </a:p>
-        </p:txBody>
-      </p:sp>
-      <p:sp>
-        <p:nvSpPr>
-          <p:cNvPr id="4" name="ZoneTexte 3"/>
-          <p:cNvSpPr txBox="1"/>
-          <p:nvPr/>
-        </p:nvSpPr>
-        <p:spPr>
-          <a:xfrm>
-            <a:off x="1007864" y="2483693"/>
-            <a:ext cx="6120680" cy="2308324"/>
-          </a:xfrm>
-          <a:prstGeom prst="rect">
-            <a:avLst/>
-          </a:prstGeom>
-          <a:noFill/>
-        </p:spPr>
-        <p:txBody>
-          <a:bodyPr wrap="square" rtlCol="0">
-            <a:spAutoFit/>
-          </a:bodyPr>
-          <a:lstStyle/>
-          <a:p>
-            <a:pPr marL="285750" indent="-285750">
-              <a:buFont typeface="Wingdings" panose="05000000000000000000" pitchFamily="2" charset="2"/>
-              <a:buChar char="Ø"/>
-            </a:pPr>
+              <a:t>Front-End </a:t>
+            </a:r>
+          </a:p>
+          <a:p>
             <a:r>
               <a:rPr lang="fr-FR" sz="2400" dirty="0" smtClean="0">
                 <a:solidFill>
@@ -11386,14 +9264,8 @@
                 </a:solidFill>
                 <a:latin typeface="Georgia" panose="02040502050405020303" pitchFamily="18" charset="0"/>
               </a:rPr>
-              <a:t>Introduction</a:t>
-            </a:r>
-          </a:p>
-          <a:p>
-            <a:pPr marL="285750" indent="-285750">
-              <a:buFont typeface="Wingdings" panose="05000000000000000000" pitchFamily="2" charset="2"/>
-              <a:buChar char="Ø"/>
-            </a:pPr>
+              <a:t> </a:t>
+            </a:r>
             <a:endParaRPr lang="fr-FR" sz="2400" dirty="0" smtClean="0">
               <a:solidFill>
                 <a:schemeClr val="bg2">
@@ -11402,54 +9274,6 @@
               </a:solidFill>
               <a:latin typeface="Georgia" panose="02040502050405020303" pitchFamily="18" charset="0"/>
             </a:endParaRPr>
-          </a:p>
-          <a:p>
-            <a:pPr marL="285750" indent="-285750">
-              <a:buFont typeface="Wingdings" panose="05000000000000000000" pitchFamily="2" charset="2"/>
-              <a:buChar char="Ø"/>
-            </a:pPr>
-            <a:r>
-              <a:rPr lang="fr-FR" sz="2400" dirty="0" smtClean="0">
-                <a:solidFill>
-                  <a:schemeClr val="bg2">
-                    <a:lumMod val="25000"/>
-                  </a:schemeClr>
-                </a:solidFill>
-                <a:latin typeface="Georgia" panose="02040502050405020303" pitchFamily="18" charset="0"/>
-              </a:rPr>
-              <a:t>Aspect graphique</a:t>
-            </a:r>
-          </a:p>
-          <a:p>
-            <a:pPr marL="285750" indent="-285750">
-              <a:buFont typeface="Wingdings" panose="05000000000000000000" pitchFamily="2" charset="2"/>
-              <a:buChar char="Ø"/>
-            </a:pPr>
-            <a:endParaRPr lang="fr-FR" sz="2400" dirty="0" smtClean="0">
-              <a:solidFill>
-                <a:schemeClr val="bg2">
-                  <a:lumMod val="25000"/>
-                </a:schemeClr>
-              </a:solidFill>
-              <a:latin typeface="Georgia" panose="02040502050405020303" pitchFamily="18" charset="0"/>
-            </a:endParaRPr>
-          </a:p>
-          <a:p>
-            <a:pPr marL="285750" indent="-285750">
-              <a:buFont typeface="Wingdings" panose="05000000000000000000" pitchFamily="2" charset="2"/>
-              <a:buChar char="Ø"/>
-            </a:pPr>
-            <a:r>
-              <a:rPr lang="fr-FR" sz="2400" dirty="0" smtClean="0">
-                <a:solidFill>
-                  <a:schemeClr val="bg2">
-                    <a:lumMod val="25000"/>
-                  </a:schemeClr>
-                </a:solidFill>
-                <a:latin typeface="Georgia" panose="02040502050405020303" pitchFamily="18" charset="0"/>
-              </a:rPr>
-              <a:t>Analyse fonctionnelle </a:t>
-            </a:r>
           </a:p>
           <a:p>
             <a:pPr marL="285750" indent="-285750">
@@ -11484,8 +9308,12 @@
           <a:p>
             <a:pPr algn="ctr"/>
             <a:r>
-              <a:rPr lang="fr-FR" spc="-1" smtClean="0"/>
-              <a:t>Priscillien HERBET – 14 Avril 2022</a:t>
+              <a:rPr lang="fr-FR" spc="-1" dirty="0" smtClean="0"/>
+              <a:t>Priscillien HERBET – </a:t>
+            </a:r>
+            <a:r>
+              <a:rPr lang="fr-FR" spc="-1" dirty="0"/>
+              <a:t>17  juin 2022</a:t>
             </a:r>
             <a:endParaRPr lang="fr-FR" spc="-1" dirty="0"/>
           </a:p>
@@ -11511,7 +9339,7 @@
 </p:sld>
 </file>
 
-<file path=ppt/slides/slide6.xml><?xml version="1.0" encoding="utf-8"?>
+<file path=ppt/slides/slide16.xml><?xml version="1.0" encoding="utf-8"?>
 <p:sld xmlns:a="http://schemas.openxmlformats.org/drawingml/2006/main" xmlns:r="http://schemas.openxmlformats.org/officeDocument/2006/relationships" xmlns:p="http://schemas.openxmlformats.org/presentationml/2006/main">
   <p:cSld>
     <p:spTree>
@@ -11571,7 +9399,7 @@
               <a:rPr lang="fr-FR" sz="1400" b="0" strike="noStrike" spc="-1" smtClean="0">
                 <a:latin typeface="Arial"/>
               </a:rPr>
-              <a:t>6</a:t>
+              <a:t>16</a:t>
             </a:fld>
             <a:endParaRPr lang="fr-FR" sz="1400" b="0" strike="noStrike" spc="-1">
               <a:latin typeface="Arial"/>
@@ -11724,8 +9552,12 @@
           <a:p>
             <a:pPr algn="ctr"/>
             <a:r>
-              <a:rPr lang="fr-FR" spc="-1" smtClean="0"/>
-              <a:t>Priscillien HERBET – 14 Avril 2022</a:t>
+              <a:rPr lang="fr-FR" spc="-1" dirty="0" smtClean="0"/>
+              <a:t>Priscillien HERBET – </a:t>
+            </a:r>
+            <a:r>
+              <a:rPr lang="fr-FR" spc="-1" dirty="0"/>
+              <a:t>17  juin 2022</a:t>
             </a:r>
             <a:endParaRPr lang="fr-FR" spc="-1" dirty="0"/>
           </a:p>
@@ -11751,7 +9583,7 @@
 </p:sld>
 </file>
 
-<file path=ppt/slides/slide7.xml><?xml version="1.0" encoding="utf-8"?>
+<file path=ppt/slides/slide17.xml><?xml version="1.0" encoding="utf-8"?>
 <p:sld xmlns:a="http://schemas.openxmlformats.org/drawingml/2006/main" xmlns:r="http://schemas.openxmlformats.org/officeDocument/2006/relationships" xmlns:p="http://schemas.openxmlformats.org/presentationml/2006/main">
   <p:cSld>
     <p:spTree>
@@ -11811,7 +9643,7 @@
               <a:rPr lang="fr-FR" sz="1400" b="0" strike="noStrike" spc="-1" smtClean="0">
                 <a:latin typeface="Arial"/>
               </a:rPr>
-              <a:t>7</a:t>
+              <a:t>17</a:t>
             </a:fld>
             <a:endParaRPr lang="fr-FR" sz="1400" b="0" strike="noStrike" spc="-1">
               <a:latin typeface="Arial"/>
@@ -11968,8 +9800,12 @@
           <a:p>
             <a:pPr algn="ctr"/>
             <a:r>
-              <a:rPr lang="fr-FR" spc="-1" smtClean="0"/>
-              <a:t>Priscillien HERBET – 14 Avril 2022</a:t>
+              <a:rPr lang="fr-FR" spc="-1" dirty="0" smtClean="0"/>
+              <a:t>Priscillien HERBET – </a:t>
+            </a:r>
+            <a:r>
+              <a:rPr lang="fr-FR" spc="-1" dirty="0"/>
+              <a:t>17  juin 2022</a:t>
             </a:r>
             <a:endParaRPr lang="fr-FR" spc="-1" dirty="0"/>
           </a:p>
@@ -11995,7 +9831,7 @@
 </p:sld>
 </file>
 
-<file path=ppt/slides/slide8.xml><?xml version="1.0" encoding="utf-8"?>
+<file path=ppt/slides/slide18.xml><?xml version="1.0" encoding="utf-8"?>
 <p:sld xmlns:a="http://schemas.openxmlformats.org/drawingml/2006/main" xmlns:r="http://schemas.openxmlformats.org/officeDocument/2006/relationships" xmlns:p="http://schemas.openxmlformats.org/presentationml/2006/main">
   <p:cSld>
     <p:spTree>
@@ -12055,7 +9891,7 @@
               <a:rPr lang="fr-FR" sz="1400" b="0" strike="noStrike" spc="-1" smtClean="0">
                 <a:latin typeface="Arial"/>
               </a:rPr>
-              <a:t>8</a:t>
+              <a:t>18</a:t>
             </a:fld>
             <a:endParaRPr lang="fr-FR" sz="1400" b="0" strike="noStrike" spc="-1">
               <a:latin typeface="Arial"/>
@@ -12165,8 +10001,12 @@
           <a:p>
             <a:pPr algn="ctr"/>
             <a:r>
-              <a:rPr lang="fr-FR" spc="-1" smtClean="0"/>
-              <a:t>Priscillien HERBET – 14 Avril 2022</a:t>
+              <a:rPr lang="fr-FR" spc="-1" dirty="0" smtClean="0"/>
+              <a:t>Priscillien HERBET – </a:t>
+            </a:r>
+            <a:r>
+              <a:rPr lang="fr-FR" spc="-1" dirty="0"/>
+              <a:t>17  juin 2022</a:t>
             </a:r>
             <a:endParaRPr lang="fr-FR" spc="-1" dirty="0"/>
           </a:p>
@@ -12192,7 +10032,7 @@
 </p:sld>
 </file>
 
-<file path=ppt/slides/slide9.xml><?xml version="1.0" encoding="utf-8"?>
+<file path=ppt/slides/slide19.xml><?xml version="1.0" encoding="utf-8"?>
 <p:sld xmlns:a="http://schemas.openxmlformats.org/drawingml/2006/main" xmlns:r="http://schemas.openxmlformats.org/officeDocument/2006/relationships" xmlns:p="http://schemas.openxmlformats.org/presentationml/2006/main">
   <p:cSld>
     <p:spTree>
@@ -12252,7 +10092,7 @@
               <a:rPr lang="fr-FR" sz="1400" b="0" strike="noStrike" spc="-1" smtClean="0">
                 <a:latin typeface="Arial"/>
               </a:rPr>
-              <a:t>9</a:t>
+              <a:t>19</a:t>
             </a:fld>
             <a:endParaRPr lang="fr-FR" sz="1400" b="0" strike="noStrike" spc="-1">
               <a:latin typeface="Arial"/>
@@ -12366,8 +10206,12 @@
           <a:p>
             <a:pPr algn="ctr"/>
             <a:r>
-              <a:rPr lang="fr-FR" spc="-1" smtClean="0"/>
-              <a:t>Priscillien HERBET – 14 Avril 2022</a:t>
+              <a:rPr lang="fr-FR" spc="-1" dirty="0" smtClean="0"/>
+              <a:t>Priscillien HERBET – </a:t>
+            </a:r>
+            <a:r>
+              <a:rPr lang="fr-FR" spc="-1" dirty="0"/>
+              <a:t>17  juin 2022</a:t>
             </a:r>
             <a:endParaRPr lang="fr-FR" spc="-1" dirty="0"/>
           </a:p>
@@ -12377,6 +10221,5131 @@
     <p:extLst>
       <p:ext uri="{BB962C8B-B14F-4D97-AF65-F5344CB8AC3E}">
         <p14:creationId xmlns:p14="http://schemas.microsoft.com/office/powerpoint/2010/main" val="557219863"/>
+      </p:ext>
+    </p:extLst>
+  </p:cSld>
+  <p:clrMapOvr>
+    <a:masterClrMapping/>
+  </p:clrMapOvr>
+  <p:timing>
+    <p:tnLst>
+      <p:par>
+        <p:cTn id="1" dur="indefinite" restart="never" nodeType="tmRoot"/>
+      </p:par>
+    </p:tnLst>
+  </p:timing>
+</p:sld>
+</file>
+
+<file path=ppt/slides/slide2.xml><?xml version="1.0" encoding="utf-8"?>
+<p:sld xmlns:a="http://schemas.openxmlformats.org/drawingml/2006/main" xmlns:r="http://schemas.openxmlformats.org/officeDocument/2006/relationships" xmlns:p="http://schemas.openxmlformats.org/presentationml/2006/main">
+  <p:cSld>
+    <p:spTree>
+      <p:nvGrpSpPr>
+        <p:cNvPr id="1" name=""/>
+        <p:cNvGrpSpPr/>
+        <p:nvPr/>
+      </p:nvGrpSpPr>
+      <p:grpSpPr>
+        <a:xfrm>
+          <a:off x="0" y="0"/>
+          <a:ext cx="0" cy="0"/>
+          <a:chOff x="0" y="0"/>
+          <a:chExt cx="0" cy="0"/>
+        </a:xfrm>
+      </p:grpSpPr>
+      <p:sp>
+        <p:nvSpPr>
+          <p:cNvPr id="5" name="Rectangle à coins arrondis 4"/>
+          <p:cNvSpPr/>
+          <p:nvPr/>
+        </p:nvSpPr>
+        <p:spPr>
+          <a:xfrm>
+            <a:off x="1367904" y="2483693"/>
+            <a:ext cx="4752528" cy="432048"/>
+          </a:xfrm>
+          <a:prstGeom prst="roundRect">
+            <a:avLst/>
+          </a:prstGeom>
+          <a:solidFill>
+            <a:schemeClr val="accent5">
+              <a:lumMod val="20000"/>
+              <a:lumOff val="80000"/>
+            </a:schemeClr>
+          </a:solidFill>
+          <a:ln>
+            <a:solidFill>
+              <a:schemeClr val="accent5">
+                <a:lumMod val="20000"/>
+                <a:lumOff val="80000"/>
+              </a:schemeClr>
+            </a:solidFill>
+          </a:ln>
+        </p:spPr>
+        <p:style>
+          <a:lnRef idx="2">
+            <a:schemeClr val="accent1">
+              <a:shade val="50000"/>
+            </a:schemeClr>
+          </a:lnRef>
+          <a:fillRef idx="1">
+            <a:schemeClr val="accent1"/>
+          </a:fillRef>
+          <a:effectRef idx="0">
+            <a:schemeClr val="accent1"/>
+          </a:effectRef>
+          <a:fontRef idx="minor">
+            <a:schemeClr val="lt1"/>
+          </a:fontRef>
+        </p:style>
+        <p:txBody>
+          <a:bodyPr rtlCol="0" anchor="ctr"/>
+          <a:lstStyle/>
+          <a:p>
+            <a:pPr algn="ctr"/>
+            <a:endParaRPr lang="fr-FR"/>
+          </a:p>
+        </p:txBody>
+      </p:sp>
+      <p:sp>
+        <p:nvSpPr>
+          <p:cNvPr id="2" name="Espace réservé du numéro de diapositive 1"/>
+          <p:cNvSpPr>
+            <a:spLocks noGrp="1"/>
+          </p:cNvSpPr>
+          <p:nvPr>
+            <p:ph type="sldNum" sz="quarter" idx="12"/>
+          </p:nvPr>
+        </p:nvSpPr>
+        <p:spPr/>
+        <p:txBody>
+          <a:bodyPr/>
+          <a:lstStyle/>
+          <a:p>
+            <a:pPr algn="r"/>
+            <a:fld id="{E24D620B-6B54-4D64-8088-7BD33B9B7119}" type="slidenum">
+              <a:rPr lang="fr-FR" sz="1400" b="0" strike="noStrike" spc="-1" smtClean="0">
+                <a:latin typeface="Arial"/>
+              </a:rPr>
+              <a:t>2</a:t>
+            </a:fld>
+            <a:endParaRPr lang="fr-FR" sz="1400" b="0" strike="noStrike" spc="-1">
+              <a:latin typeface="Arial"/>
+            </a:endParaRPr>
+          </a:p>
+        </p:txBody>
+      </p:sp>
+      <p:sp>
+        <p:nvSpPr>
+          <p:cNvPr id="3" name="Titre 2"/>
+          <p:cNvSpPr>
+            <a:spLocks noGrp="1"/>
+          </p:cNvSpPr>
+          <p:nvPr>
+            <p:ph type="title"/>
+          </p:nvPr>
+        </p:nvSpPr>
+        <p:spPr/>
+        <p:txBody>
+          <a:bodyPr/>
+          <a:lstStyle/>
+          <a:p>
+            <a:r>
+              <a:rPr lang="fr-FR" dirty="0" smtClean="0"/>
+              <a:t>Agenda</a:t>
+            </a:r>
+            <a:endParaRPr lang="fr-FR" dirty="0"/>
+          </a:p>
+        </p:txBody>
+      </p:sp>
+      <p:sp>
+        <p:nvSpPr>
+          <p:cNvPr id="4" name="ZoneTexte 3"/>
+          <p:cNvSpPr txBox="1"/>
+          <p:nvPr/>
+        </p:nvSpPr>
+        <p:spPr>
+          <a:xfrm>
+            <a:off x="1056207" y="2461113"/>
+            <a:ext cx="6120680" cy="3046988"/>
+          </a:xfrm>
+          <a:prstGeom prst="rect">
+            <a:avLst/>
+          </a:prstGeom>
+          <a:noFill/>
+        </p:spPr>
+        <p:txBody>
+          <a:bodyPr wrap="square" rtlCol="0">
+            <a:spAutoFit/>
+          </a:bodyPr>
+          <a:lstStyle/>
+          <a:p>
+            <a:pPr marL="285750" indent="-285750">
+              <a:buFont typeface="Wingdings" panose="05000000000000000000" pitchFamily="2" charset="2"/>
+              <a:buChar char="Ø"/>
+            </a:pPr>
+            <a:r>
+              <a:rPr lang="fr-FR" sz="2400" dirty="0" smtClean="0">
+                <a:solidFill>
+                  <a:schemeClr val="bg2">
+                    <a:lumMod val="25000"/>
+                  </a:schemeClr>
+                </a:solidFill>
+                <a:latin typeface="Georgia" panose="02040502050405020303" pitchFamily="18" charset="0"/>
+              </a:rPr>
+              <a:t>Introduction</a:t>
+            </a:r>
+          </a:p>
+          <a:p>
+            <a:pPr marL="285750" indent="-285750">
+              <a:buFont typeface="Wingdings" panose="05000000000000000000" pitchFamily="2" charset="2"/>
+              <a:buChar char="Ø"/>
+            </a:pPr>
+            <a:endParaRPr lang="fr-FR" sz="2400" dirty="0" smtClean="0">
+              <a:solidFill>
+                <a:schemeClr val="bg2">
+                  <a:lumMod val="25000"/>
+                </a:schemeClr>
+              </a:solidFill>
+              <a:latin typeface="Georgia" panose="02040502050405020303" pitchFamily="18" charset="0"/>
+            </a:endParaRPr>
+          </a:p>
+          <a:p>
+            <a:pPr marL="285750" indent="-285750">
+              <a:buFont typeface="Wingdings" panose="05000000000000000000" pitchFamily="2" charset="2"/>
+              <a:buChar char="Ø"/>
+            </a:pPr>
+            <a:r>
+              <a:rPr lang="fr-FR" sz="2400" dirty="0" smtClean="0">
+                <a:solidFill>
+                  <a:schemeClr val="bg2">
+                    <a:lumMod val="25000"/>
+                  </a:schemeClr>
+                </a:solidFill>
+                <a:latin typeface="Georgia" panose="02040502050405020303" pitchFamily="18" charset="0"/>
+              </a:rPr>
+              <a:t>Analyse fonctionnelle</a:t>
+            </a:r>
+            <a:endParaRPr lang="fr-FR" sz="2400" dirty="0" smtClean="0">
+              <a:solidFill>
+                <a:schemeClr val="bg2">
+                  <a:lumMod val="25000"/>
+                </a:schemeClr>
+              </a:solidFill>
+              <a:latin typeface="Georgia" panose="02040502050405020303" pitchFamily="18" charset="0"/>
+            </a:endParaRPr>
+          </a:p>
+          <a:p>
+            <a:pPr marL="285750" indent="-285750">
+              <a:buFont typeface="Wingdings" panose="05000000000000000000" pitchFamily="2" charset="2"/>
+              <a:buChar char="Ø"/>
+            </a:pPr>
+            <a:endParaRPr lang="fr-FR" sz="2400" dirty="0" smtClean="0">
+              <a:solidFill>
+                <a:schemeClr val="bg2">
+                  <a:lumMod val="25000"/>
+                </a:schemeClr>
+              </a:solidFill>
+              <a:latin typeface="Georgia" panose="02040502050405020303" pitchFamily="18" charset="0"/>
+            </a:endParaRPr>
+          </a:p>
+          <a:p>
+            <a:pPr marL="285750" indent="-285750">
+              <a:buFont typeface="Wingdings" panose="05000000000000000000" pitchFamily="2" charset="2"/>
+              <a:buChar char="Ø"/>
+            </a:pPr>
+            <a:r>
+              <a:rPr lang="fr-FR" sz="2400" dirty="0" smtClean="0">
+                <a:solidFill>
+                  <a:schemeClr val="bg2">
+                    <a:lumMod val="25000"/>
+                  </a:schemeClr>
+                </a:solidFill>
+                <a:latin typeface="Georgia" panose="02040502050405020303" pitchFamily="18" charset="0"/>
+              </a:rPr>
+              <a:t>Aspect graphique </a:t>
+            </a:r>
+          </a:p>
+          <a:p>
+            <a:pPr marL="285750" indent="-285750">
+              <a:buFont typeface="Wingdings" panose="05000000000000000000" pitchFamily="2" charset="2"/>
+              <a:buChar char="Ø"/>
+            </a:pPr>
+            <a:endParaRPr lang="fr-FR" sz="2400" dirty="0">
+              <a:solidFill>
+                <a:schemeClr val="bg2">
+                  <a:lumMod val="25000"/>
+                </a:schemeClr>
+              </a:solidFill>
+              <a:latin typeface="Georgia" panose="02040502050405020303" pitchFamily="18" charset="0"/>
+            </a:endParaRPr>
+          </a:p>
+          <a:p>
+            <a:pPr marL="285750" indent="-285750">
+              <a:buFont typeface="Wingdings" panose="05000000000000000000" pitchFamily="2" charset="2"/>
+              <a:buChar char="Ø"/>
+            </a:pPr>
+            <a:r>
+              <a:rPr lang="fr-FR" sz="2400" dirty="0" smtClean="0">
+                <a:solidFill>
+                  <a:schemeClr val="bg2">
+                    <a:lumMod val="25000"/>
+                  </a:schemeClr>
+                </a:solidFill>
+                <a:latin typeface="Georgia" panose="02040502050405020303" pitchFamily="18" charset="0"/>
+              </a:rPr>
+              <a:t>Front-End</a:t>
+            </a:r>
+            <a:endParaRPr lang="fr-FR" sz="2400" dirty="0" smtClean="0">
+              <a:solidFill>
+                <a:schemeClr val="bg2">
+                  <a:lumMod val="25000"/>
+                </a:schemeClr>
+              </a:solidFill>
+              <a:latin typeface="Georgia" panose="02040502050405020303" pitchFamily="18" charset="0"/>
+            </a:endParaRPr>
+          </a:p>
+          <a:p>
+            <a:pPr marL="285750" indent="-285750">
+              <a:buFont typeface="Wingdings" panose="05000000000000000000" pitchFamily="2" charset="2"/>
+              <a:buChar char="Ø"/>
+            </a:pPr>
+            <a:endParaRPr lang="fr-FR" sz="2400" dirty="0">
+              <a:solidFill>
+                <a:schemeClr val="bg2">
+                  <a:lumMod val="25000"/>
+                </a:schemeClr>
+              </a:solidFill>
+              <a:latin typeface="Georgia" panose="02040502050405020303" pitchFamily="18" charset="0"/>
+            </a:endParaRPr>
+          </a:p>
+        </p:txBody>
+      </p:sp>
+      <p:sp>
+        <p:nvSpPr>
+          <p:cNvPr id="6" name="Espace réservé du pied de page 5"/>
+          <p:cNvSpPr>
+            <a:spLocks noGrp="1"/>
+          </p:cNvSpPr>
+          <p:nvPr>
+            <p:ph type="ftr" sz="quarter" idx="11"/>
+          </p:nvPr>
+        </p:nvSpPr>
+        <p:spPr/>
+        <p:txBody>
+          <a:bodyPr/>
+          <a:lstStyle/>
+          <a:p>
+            <a:pPr algn="ctr"/>
+            <a:r>
+              <a:rPr lang="fr-FR" spc="-1" dirty="0" smtClean="0"/>
+              <a:t>Priscillien HERBET – </a:t>
+            </a:r>
+            <a:r>
+              <a:rPr lang="fr-FR" spc="-1" dirty="0" smtClean="0"/>
+              <a:t>17  juin 2022</a:t>
+            </a:r>
+            <a:endParaRPr lang="fr-FR" spc="-1" dirty="0"/>
+          </a:p>
+        </p:txBody>
+      </p:sp>
+    </p:spTree>
+    <p:extLst>
+      <p:ext uri="{BB962C8B-B14F-4D97-AF65-F5344CB8AC3E}">
+        <p14:creationId xmlns:p14="http://schemas.microsoft.com/office/powerpoint/2010/main" val="4279300351"/>
+      </p:ext>
+    </p:extLst>
+  </p:cSld>
+  <p:clrMapOvr>
+    <a:masterClrMapping/>
+  </p:clrMapOvr>
+  <p:timing>
+    <p:tnLst>
+      <p:par>
+        <p:cTn id="1" dur="indefinite" restart="never" nodeType="tmRoot"/>
+      </p:par>
+    </p:tnLst>
+  </p:timing>
+</p:sld>
+</file>
+
+<file path=ppt/slides/slide20.xml><?xml version="1.0" encoding="utf-8"?>
+<p:sld xmlns:a="http://schemas.openxmlformats.org/drawingml/2006/main" xmlns:r="http://schemas.openxmlformats.org/officeDocument/2006/relationships" xmlns:p="http://schemas.openxmlformats.org/presentationml/2006/main">
+  <p:cSld>
+    <p:spTree>
+      <p:nvGrpSpPr>
+        <p:cNvPr id="1" name=""/>
+        <p:cNvGrpSpPr/>
+        <p:nvPr/>
+      </p:nvGrpSpPr>
+      <p:grpSpPr>
+        <a:xfrm>
+          <a:off x="0" y="0"/>
+          <a:ext cx="0" cy="0"/>
+          <a:chOff x="0" y="0"/>
+          <a:chExt cx="0" cy="0"/>
+        </a:xfrm>
+      </p:grpSpPr>
+      <p:sp>
+        <p:nvSpPr>
+          <p:cNvPr id="2" name="Espace réservé du pied de page 1"/>
+          <p:cNvSpPr>
+            <a:spLocks noGrp="1"/>
+          </p:cNvSpPr>
+          <p:nvPr>
+            <p:ph type="ftr" sz="quarter" idx="11"/>
+          </p:nvPr>
+        </p:nvSpPr>
+        <p:spPr/>
+        <p:txBody>
+          <a:bodyPr/>
+          <a:lstStyle/>
+          <a:p>
+            <a:pPr algn="ctr"/>
+            <a:r>
+              <a:rPr lang="fr-FR" spc="-1" dirty="0" smtClean="0"/>
+              <a:t>Priscillien HERBET </a:t>
+            </a:r>
+            <a:r>
+              <a:rPr lang="fr-FR" spc="-1" dirty="0"/>
+              <a:t>– 17  juin 2022 </a:t>
+            </a:r>
+            <a:r>
+              <a:rPr lang="fr-FR" spc="-1" dirty="0" smtClean="0"/>
+              <a:t>– Gestionnaire de favoris</a:t>
+            </a:r>
+            <a:endParaRPr lang="fr-FR" spc="-1" dirty="0"/>
+          </a:p>
+        </p:txBody>
+      </p:sp>
+      <p:sp>
+        <p:nvSpPr>
+          <p:cNvPr id="3" name="Espace réservé du numéro de diapositive 2"/>
+          <p:cNvSpPr>
+            <a:spLocks noGrp="1"/>
+          </p:cNvSpPr>
+          <p:nvPr>
+            <p:ph type="sldNum" sz="quarter" idx="12"/>
+          </p:nvPr>
+        </p:nvSpPr>
+        <p:spPr/>
+        <p:txBody>
+          <a:bodyPr/>
+          <a:lstStyle/>
+          <a:p>
+            <a:pPr algn="r"/>
+            <a:fld id="{E24D620B-6B54-4D64-8088-7BD33B9B7119}" type="slidenum">
+              <a:rPr lang="fr-FR" sz="1400" b="0" strike="noStrike" spc="-1" smtClean="0">
+                <a:latin typeface="Arial"/>
+              </a:rPr>
+              <a:t>20</a:t>
+            </a:fld>
+            <a:endParaRPr lang="fr-FR" sz="1400" b="0" strike="noStrike" spc="-1">
+              <a:latin typeface="Arial"/>
+            </a:endParaRPr>
+          </a:p>
+        </p:txBody>
+      </p:sp>
+      <p:sp>
+        <p:nvSpPr>
+          <p:cNvPr id="4" name="Titre 3"/>
+          <p:cNvSpPr>
+            <a:spLocks noGrp="1"/>
+          </p:cNvSpPr>
+          <p:nvPr>
+            <p:ph type="title"/>
+          </p:nvPr>
+        </p:nvSpPr>
+        <p:spPr/>
+        <p:txBody>
+          <a:bodyPr/>
+          <a:lstStyle/>
+          <a:p>
+            <a:r>
+              <a:rPr lang="fr-FR" dirty="0" smtClean="0"/>
+              <a:t>Agenda</a:t>
+            </a:r>
+            <a:endParaRPr lang="fr-FR" dirty="0"/>
+          </a:p>
+        </p:txBody>
+      </p:sp>
+      <p:sp>
+        <p:nvSpPr>
+          <p:cNvPr id="6" name="Rectangle à coins arrondis 5"/>
+          <p:cNvSpPr/>
+          <p:nvPr/>
+        </p:nvSpPr>
+        <p:spPr>
+          <a:xfrm>
+            <a:off x="1295896" y="4715941"/>
+            <a:ext cx="4752528" cy="432048"/>
+          </a:xfrm>
+          <a:prstGeom prst="roundRect">
+            <a:avLst/>
+          </a:prstGeom>
+          <a:solidFill>
+            <a:schemeClr val="accent5">
+              <a:lumMod val="20000"/>
+              <a:lumOff val="80000"/>
+            </a:schemeClr>
+          </a:solidFill>
+          <a:ln>
+            <a:solidFill>
+              <a:schemeClr val="accent5">
+                <a:lumMod val="20000"/>
+                <a:lumOff val="80000"/>
+              </a:schemeClr>
+            </a:solidFill>
+          </a:ln>
+        </p:spPr>
+        <p:style>
+          <a:lnRef idx="2">
+            <a:schemeClr val="accent1">
+              <a:shade val="50000"/>
+            </a:schemeClr>
+          </a:lnRef>
+          <a:fillRef idx="1">
+            <a:schemeClr val="accent1"/>
+          </a:fillRef>
+          <a:effectRef idx="0">
+            <a:schemeClr val="accent1"/>
+          </a:effectRef>
+          <a:fontRef idx="minor">
+            <a:schemeClr val="lt1"/>
+          </a:fontRef>
+        </p:style>
+        <p:txBody>
+          <a:bodyPr rtlCol="0" anchor="ctr"/>
+          <a:lstStyle/>
+          <a:p>
+            <a:pPr algn="ctr"/>
+            <a:endParaRPr lang="fr-FR"/>
+          </a:p>
+        </p:txBody>
+      </p:sp>
+      <p:sp>
+        <p:nvSpPr>
+          <p:cNvPr id="5" name="ZoneTexte 4"/>
+          <p:cNvSpPr txBox="1"/>
+          <p:nvPr/>
+        </p:nvSpPr>
+        <p:spPr>
+          <a:xfrm>
+            <a:off x="1007864" y="2483693"/>
+            <a:ext cx="6120680" cy="3416320"/>
+          </a:xfrm>
+          <a:prstGeom prst="rect">
+            <a:avLst/>
+          </a:prstGeom>
+          <a:noFill/>
+          <a:ln>
+            <a:noFill/>
+          </a:ln>
+        </p:spPr>
+        <p:txBody>
+          <a:bodyPr wrap="square" rtlCol="0">
+            <a:spAutoFit/>
+          </a:bodyPr>
+          <a:lstStyle/>
+          <a:p>
+            <a:pPr marL="285750" indent="-285750">
+              <a:buFont typeface="Wingdings" panose="05000000000000000000" pitchFamily="2" charset="2"/>
+              <a:buChar char="Ø"/>
+            </a:pPr>
+            <a:r>
+              <a:rPr lang="fr-FR" sz="2400" dirty="0" smtClean="0">
+                <a:solidFill>
+                  <a:schemeClr val="bg2">
+                    <a:lumMod val="25000"/>
+                  </a:schemeClr>
+                </a:solidFill>
+                <a:latin typeface="Georgia" panose="02040502050405020303" pitchFamily="18" charset="0"/>
+              </a:rPr>
+              <a:t>Introduction</a:t>
+            </a:r>
+          </a:p>
+          <a:p>
+            <a:pPr marL="285750" indent="-285750">
+              <a:buFont typeface="Wingdings" panose="05000000000000000000" pitchFamily="2" charset="2"/>
+              <a:buChar char="Ø"/>
+            </a:pPr>
+            <a:endParaRPr lang="fr-FR" sz="2400" dirty="0" smtClean="0">
+              <a:solidFill>
+                <a:schemeClr val="bg2">
+                  <a:lumMod val="25000"/>
+                </a:schemeClr>
+              </a:solidFill>
+              <a:latin typeface="Georgia" panose="02040502050405020303" pitchFamily="18" charset="0"/>
+            </a:endParaRPr>
+          </a:p>
+          <a:p>
+            <a:pPr marL="285750" indent="-285750">
+              <a:buFont typeface="Wingdings" panose="05000000000000000000" pitchFamily="2" charset="2"/>
+              <a:buChar char="Ø"/>
+            </a:pPr>
+            <a:r>
+              <a:rPr lang="fr-FR" sz="2400" dirty="0" smtClean="0">
+                <a:solidFill>
+                  <a:schemeClr val="bg2">
+                    <a:lumMod val="25000"/>
+                  </a:schemeClr>
+                </a:solidFill>
+                <a:latin typeface="Georgia" panose="02040502050405020303" pitchFamily="18" charset="0"/>
+              </a:rPr>
+              <a:t>Aspect graphique</a:t>
+            </a:r>
+          </a:p>
+          <a:p>
+            <a:pPr marL="285750" indent="-285750">
+              <a:buFont typeface="Wingdings" panose="05000000000000000000" pitchFamily="2" charset="2"/>
+              <a:buChar char="Ø"/>
+            </a:pPr>
+            <a:endParaRPr lang="fr-FR" sz="2400" dirty="0" smtClean="0">
+              <a:solidFill>
+                <a:schemeClr val="bg2">
+                  <a:lumMod val="25000"/>
+                </a:schemeClr>
+              </a:solidFill>
+              <a:latin typeface="Georgia" panose="02040502050405020303" pitchFamily="18" charset="0"/>
+            </a:endParaRPr>
+          </a:p>
+          <a:p>
+            <a:pPr marL="285750" indent="-285750">
+              <a:buFont typeface="Wingdings" panose="05000000000000000000" pitchFamily="2" charset="2"/>
+              <a:buChar char="Ø"/>
+            </a:pPr>
+            <a:r>
+              <a:rPr lang="fr-FR" sz="2400" dirty="0" smtClean="0">
+                <a:solidFill>
+                  <a:schemeClr val="bg2">
+                    <a:lumMod val="25000"/>
+                  </a:schemeClr>
+                </a:solidFill>
+                <a:latin typeface="Georgia" panose="02040502050405020303" pitchFamily="18" charset="0"/>
+              </a:rPr>
+              <a:t>Analyse </a:t>
+            </a:r>
+            <a:r>
+              <a:rPr lang="fr-FR" sz="2400" dirty="0" smtClean="0">
+                <a:solidFill>
+                  <a:schemeClr val="bg2">
+                    <a:lumMod val="25000"/>
+                  </a:schemeClr>
+                </a:solidFill>
+                <a:latin typeface="Georgia" panose="02040502050405020303" pitchFamily="18" charset="0"/>
+              </a:rPr>
+              <a:t>fonctionnelle</a:t>
+            </a:r>
+          </a:p>
+          <a:p>
+            <a:pPr marL="285750" indent="-285750">
+              <a:buFont typeface="Wingdings" panose="05000000000000000000" pitchFamily="2" charset="2"/>
+              <a:buChar char="Ø"/>
+            </a:pPr>
+            <a:endParaRPr lang="fr-FR" sz="2400" dirty="0">
+              <a:solidFill>
+                <a:schemeClr val="bg2">
+                  <a:lumMod val="25000"/>
+                </a:schemeClr>
+              </a:solidFill>
+              <a:latin typeface="Georgia" panose="02040502050405020303" pitchFamily="18" charset="0"/>
+            </a:endParaRPr>
+          </a:p>
+          <a:p>
+            <a:pPr marL="285750" indent="-285750">
+              <a:buFont typeface="Wingdings" panose="05000000000000000000" pitchFamily="2" charset="2"/>
+              <a:buChar char="Ø"/>
+            </a:pPr>
+            <a:r>
+              <a:rPr lang="fr-FR" sz="2400" dirty="0">
+                <a:solidFill>
+                  <a:schemeClr val="bg2">
+                    <a:lumMod val="25000"/>
+                  </a:schemeClr>
+                </a:solidFill>
+                <a:latin typeface="Georgia" panose="02040502050405020303" pitchFamily="18" charset="0"/>
+              </a:rPr>
+              <a:t>Front-End </a:t>
+            </a:r>
+          </a:p>
+          <a:p>
+            <a:r>
+              <a:rPr lang="fr-FR" sz="2400" dirty="0" smtClean="0">
+                <a:solidFill>
+                  <a:schemeClr val="bg2">
+                    <a:lumMod val="25000"/>
+                  </a:schemeClr>
+                </a:solidFill>
+                <a:latin typeface="Georgia" panose="02040502050405020303" pitchFamily="18" charset="0"/>
+              </a:rPr>
+              <a:t> </a:t>
+            </a:r>
+            <a:endParaRPr lang="fr-FR" sz="2400" dirty="0" smtClean="0">
+              <a:solidFill>
+                <a:schemeClr val="bg2">
+                  <a:lumMod val="25000"/>
+                </a:schemeClr>
+              </a:solidFill>
+              <a:latin typeface="Georgia" panose="02040502050405020303" pitchFamily="18" charset="0"/>
+            </a:endParaRPr>
+          </a:p>
+          <a:p>
+            <a:pPr marL="285750" indent="-285750">
+              <a:buFont typeface="Wingdings" panose="05000000000000000000" pitchFamily="2" charset="2"/>
+              <a:buChar char="Ø"/>
+            </a:pPr>
+            <a:endParaRPr lang="fr-FR" sz="2400" dirty="0">
+              <a:solidFill>
+                <a:schemeClr val="bg2">
+                  <a:lumMod val="25000"/>
+                </a:schemeClr>
+              </a:solidFill>
+              <a:latin typeface="Georgia" panose="02040502050405020303" pitchFamily="18" charset="0"/>
+            </a:endParaRPr>
+          </a:p>
+        </p:txBody>
+      </p:sp>
+    </p:spTree>
+    <p:extLst>
+      <p:ext uri="{BB962C8B-B14F-4D97-AF65-F5344CB8AC3E}">
+        <p14:creationId xmlns:p14="http://schemas.microsoft.com/office/powerpoint/2010/main" val="835425727"/>
+      </p:ext>
+    </p:extLst>
+  </p:cSld>
+  <p:clrMapOvr>
+    <a:masterClrMapping/>
+  </p:clrMapOvr>
+  <p:timing>
+    <p:tnLst>
+      <p:par>
+        <p:cTn id="1" dur="indefinite" restart="never" nodeType="tmRoot"/>
+      </p:par>
+    </p:tnLst>
+  </p:timing>
+</p:sld>
+</file>
+
+<file path=ppt/slides/slide21.xml><?xml version="1.0" encoding="utf-8"?>
+<p:sld xmlns:a="http://schemas.openxmlformats.org/drawingml/2006/main" xmlns:r="http://schemas.openxmlformats.org/officeDocument/2006/relationships" xmlns:p="http://schemas.openxmlformats.org/presentationml/2006/main">
+  <p:cSld>
+    <p:spTree>
+      <p:nvGrpSpPr>
+        <p:cNvPr id="1" name=""/>
+        <p:cNvGrpSpPr/>
+        <p:nvPr/>
+      </p:nvGrpSpPr>
+      <p:grpSpPr>
+        <a:xfrm>
+          <a:off x="0" y="0"/>
+          <a:ext cx="0" cy="0"/>
+          <a:chOff x="0" y="0"/>
+          <a:chExt cx="0" cy="0"/>
+        </a:xfrm>
+      </p:grpSpPr>
+      <p:sp>
+        <p:nvSpPr>
+          <p:cNvPr id="2" name="Titre 1"/>
+          <p:cNvSpPr>
+            <a:spLocks noGrp="1"/>
+          </p:cNvSpPr>
+          <p:nvPr>
+            <p:ph type="title"/>
+          </p:nvPr>
+        </p:nvSpPr>
+        <p:spPr/>
+        <p:txBody>
+          <a:bodyPr/>
+          <a:lstStyle/>
+          <a:p>
+            <a:r>
+              <a:rPr lang="fr-FR" dirty="0" smtClean="0"/>
+              <a:t>Front-End</a:t>
+            </a:r>
+            <a:endParaRPr lang="fr-FR" dirty="0"/>
+          </a:p>
+        </p:txBody>
+      </p:sp>
+      <p:sp>
+        <p:nvSpPr>
+          <p:cNvPr id="3" name="Espace réservé du pied de page 2"/>
+          <p:cNvSpPr>
+            <a:spLocks noGrp="1"/>
+          </p:cNvSpPr>
+          <p:nvPr>
+            <p:ph type="ftr" sz="quarter" idx="11"/>
+          </p:nvPr>
+        </p:nvSpPr>
+        <p:spPr/>
+        <p:txBody>
+          <a:bodyPr/>
+          <a:lstStyle/>
+          <a:p>
+            <a:pPr algn="ctr"/>
+            <a:r>
+              <a:rPr lang="fr-FR" spc="-1" dirty="0" smtClean="0"/>
+              <a:t>Priscillien HERBET </a:t>
+            </a:r>
+            <a:r>
+              <a:rPr lang="fr-FR" spc="-1" dirty="0"/>
+              <a:t>– 17  juin 2022 </a:t>
+            </a:r>
+            <a:r>
+              <a:rPr lang="fr-FR" spc="-1" dirty="0" smtClean="0"/>
+              <a:t>– Gestionnaire de favoris</a:t>
+            </a:r>
+            <a:endParaRPr lang="fr-FR" spc="-1" dirty="0"/>
+          </a:p>
+        </p:txBody>
+      </p:sp>
+      <p:sp>
+        <p:nvSpPr>
+          <p:cNvPr id="4" name="Espace réservé du numéro de diapositive 3"/>
+          <p:cNvSpPr>
+            <a:spLocks noGrp="1"/>
+          </p:cNvSpPr>
+          <p:nvPr>
+            <p:ph type="sldNum" sz="quarter" idx="12"/>
+          </p:nvPr>
+        </p:nvSpPr>
+        <p:spPr/>
+        <p:txBody>
+          <a:bodyPr/>
+          <a:lstStyle/>
+          <a:p>
+            <a:pPr algn="r"/>
+            <a:fld id="{E24D620B-6B54-4D64-8088-7BD33B9B7119}" type="slidenum">
+              <a:rPr lang="fr-FR" sz="1400" b="0" strike="noStrike" spc="-1" smtClean="0">
+                <a:latin typeface="Arial"/>
+              </a:rPr>
+              <a:t>21</a:t>
+            </a:fld>
+            <a:endParaRPr lang="fr-FR" sz="1400" b="0" strike="noStrike" spc="-1">
+              <a:latin typeface="Arial"/>
+            </a:endParaRPr>
+          </a:p>
+        </p:txBody>
+      </p:sp>
+      <p:sp>
+        <p:nvSpPr>
+          <p:cNvPr id="5" name="Espace réservé du texte 4"/>
+          <p:cNvSpPr>
+            <a:spLocks noGrp="1"/>
+          </p:cNvSpPr>
+          <p:nvPr>
+            <p:ph type="body" sz="quarter" idx="13"/>
+          </p:nvPr>
+        </p:nvSpPr>
+        <p:spPr/>
+        <p:txBody>
+          <a:bodyPr>
+            <a:normAutofit fontScale="85000" lnSpcReduction="20000"/>
+          </a:bodyPr>
+          <a:lstStyle/>
+          <a:p>
+            <a:r>
+              <a:rPr lang="fr-FR" dirty="0" smtClean="0"/>
+              <a:t>Technologie utilisées</a:t>
+            </a:r>
+            <a:endParaRPr lang="fr-FR" dirty="0"/>
+          </a:p>
+        </p:txBody>
+      </p:sp>
+      <p:sp>
+        <p:nvSpPr>
+          <p:cNvPr id="7" name="TextShape 2"/>
+          <p:cNvSpPr txBox="1"/>
+          <p:nvPr/>
+        </p:nvSpPr>
+        <p:spPr>
+          <a:xfrm>
+            <a:off x="504001" y="2123653"/>
+            <a:ext cx="8064703" cy="4384440"/>
+          </a:xfrm>
+          <a:prstGeom prst="rect">
+            <a:avLst/>
+          </a:prstGeom>
+          <a:noFill/>
+          <a:ln>
+            <a:noFill/>
+          </a:ln>
+        </p:spPr>
+        <p:txBody>
+          <a:bodyPr lIns="0" tIns="0" rIns="0" bIns="0">
+            <a:noAutofit/>
+          </a:bodyPr>
+          <a:lstStyle/>
+          <a:p>
+            <a:pPr marL="431955" indent="-323966">
+              <a:spcBef>
+                <a:spcPts val="600"/>
+              </a:spcBef>
+              <a:buClr>
+                <a:srgbClr val="000000"/>
+              </a:buClr>
+              <a:buSzPct val="45000"/>
+              <a:buFont typeface="Wingdings" charset="2"/>
+              <a:buChar char=""/>
+            </a:pPr>
+            <a:r>
+              <a:rPr lang="fr-FR" sz="1600" b="1" spc="-1" dirty="0" smtClean="0">
+                <a:solidFill>
+                  <a:schemeClr val="bg2">
+                    <a:lumMod val="25000"/>
+                  </a:schemeClr>
+                </a:solidFill>
+                <a:latin typeface="Georgia" panose="02040502050405020303" pitchFamily="18" charset="0"/>
+              </a:rPr>
+              <a:t>HTML :</a:t>
+            </a:r>
+            <a:endParaRPr lang="fr-FR" sz="1600" b="1" spc="-1" dirty="0" smtClean="0">
+              <a:solidFill>
+                <a:schemeClr val="bg2">
+                  <a:lumMod val="25000"/>
+                </a:schemeClr>
+              </a:solidFill>
+              <a:latin typeface="Georgia" panose="02040502050405020303" pitchFamily="18" charset="0"/>
+            </a:endParaRPr>
+          </a:p>
+          <a:p>
+            <a:pPr marL="889107" lvl="1" indent="-323966">
+              <a:spcBef>
+                <a:spcPts val="600"/>
+              </a:spcBef>
+              <a:buClr>
+                <a:srgbClr val="000000"/>
+              </a:buClr>
+              <a:buSzPct val="45000"/>
+              <a:buFont typeface="Wingdings" charset="2"/>
+              <a:buChar char=""/>
+            </a:pPr>
+            <a:r>
+              <a:rPr lang="fr-FR" sz="1600" spc="-1" dirty="0" smtClean="0">
+                <a:solidFill>
+                  <a:schemeClr val="bg2">
+                    <a:lumMod val="25000"/>
+                  </a:schemeClr>
+                </a:solidFill>
+                <a:latin typeface="Georgia" panose="02040502050405020303" pitchFamily="18" charset="0"/>
+              </a:rPr>
+              <a:t>Squelette du site</a:t>
+            </a:r>
+          </a:p>
+          <a:p>
+            <a:pPr marL="889107" lvl="1" indent="-323966">
+              <a:spcBef>
+                <a:spcPts val="600"/>
+              </a:spcBef>
+              <a:buClr>
+                <a:srgbClr val="000000"/>
+              </a:buClr>
+              <a:buSzPct val="45000"/>
+              <a:buFont typeface="Wingdings" charset="2"/>
+              <a:buChar char=""/>
+            </a:pPr>
+            <a:r>
+              <a:rPr lang="fr-FR" sz="1600" spc="-1" dirty="0" smtClean="0">
+                <a:solidFill>
+                  <a:schemeClr val="bg2">
+                    <a:lumMod val="25000"/>
+                  </a:schemeClr>
+                </a:solidFill>
+                <a:latin typeface="Georgia" panose="02040502050405020303" pitchFamily="18" charset="0"/>
+              </a:rPr>
+              <a:t>Langage par défaut des navigateurs</a:t>
+            </a:r>
+          </a:p>
+          <a:p>
+            <a:pPr marL="889107" lvl="1" indent="-323966">
+              <a:spcBef>
+                <a:spcPts val="600"/>
+              </a:spcBef>
+              <a:buClr>
+                <a:srgbClr val="000000"/>
+              </a:buClr>
+              <a:buSzPct val="45000"/>
+              <a:buFont typeface="Wingdings" charset="2"/>
+              <a:buChar char=""/>
+            </a:pPr>
+            <a:endParaRPr lang="fr-FR" sz="1600" spc="-1" dirty="0">
+              <a:solidFill>
+                <a:schemeClr val="bg2">
+                  <a:lumMod val="25000"/>
+                </a:schemeClr>
+              </a:solidFill>
+              <a:latin typeface="Georgia" panose="02040502050405020303" pitchFamily="18" charset="0"/>
+            </a:endParaRPr>
+          </a:p>
+          <a:p>
+            <a:pPr marL="431955" indent="-323966">
+              <a:spcBef>
+                <a:spcPts val="600"/>
+              </a:spcBef>
+              <a:buClr>
+                <a:srgbClr val="000000"/>
+              </a:buClr>
+              <a:buSzPct val="45000"/>
+              <a:buFont typeface="Wingdings" charset="2"/>
+              <a:buChar char=""/>
+            </a:pPr>
+            <a:r>
+              <a:rPr lang="fr-FR" sz="1600" b="1" spc="-1" dirty="0" smtClean="0">
+                <a:solidFill>
+                  <a:schemeClr val="bg2">
+                    <a:lumMod val="25000"/>
+                  </a:schemeClr>
+                </a:solidFill>
+                <a:latin typeface="Georgia" panose="02040502050405020303" pitchFamily="18" charset="0"/>
+              </a:rPr>
+              <a:t>CSS</a:t>
+            </a:r>
+            <a:r>
+              <a:rPr lang="fr-FR" sz="1600" b="1" spc="-1" dirty="0" smtClean="0">
+                <a:solidFill>
+                  <a:schemeClr val="bg2">
+                    <a:lumMod val="25000"/>
+                  </a:schemeClr>
+                </a:solidFill>
+                <a:latin typeface="Georgia" panose="02040502050405020303" pitchFamily="18" charset="0"/>
+              </a:rPr>
+              <a:t> : </a:t>
+            </a:r>
+          </a:p>
+          <a:p>
+            <a:pPr marL="889107" lvl="1" indent="-323966">
+              <a:spcBef>
+                <a:spcPts val="600"/>
+              </a:spcBef>
+              <a:buClr>
+                <a:srgbClr val="000000"/>
+              </a:buClr>
+              <a:buSzPct val="45000"/>
+              <a:buFont typeface="Wingdings" charset="2"/>
+              <a:buChar char=""/>
+            </a:pPr>
+            <a:r>
+              <a:rPr lang="fr-FR" sz="1600" spc="-1" dirty="0" smtClean="0">
+                <a:solidFill>
+                  <a:schemeClr val="bg2">
+                    <a:lumMod val="25000"/>
+                  </a:schemeClr>
+                </a:solidFill>
+                <a:latin typeface="Georgia" panose="02040502050405020303" pitchFamily="18" charset="0"/>
+              </a:rPr>
+              <a:t>Texture le HTML</a:t>
+            </a:r>
+            <a:endParaRPr lang="fr-FR" sz="1600" spc="-1" dirty="0" smtClean="0">
+              <a:solidFill>
+                <a:schemeClr val="bg2">
+                  <a:lumMod val="25000"/>
+                </a:schemeClr>
+              </a:solidFill>
+              <a:latin typeface="Georgia" panose="02040502050405020303" pitchFamily="18" charset="0"/>
+            </a:endParaRPr>
+          </a:p>
+          <a:p>
+            <a:pPr marL="889107" lvl="1" indent="-323966">
+              <a:spcBef>
+                <a:spcPts val="600"/>
+              </a:spcBef>
+              <a:buClr>
+                <a:srgbClr val="000000"/>
+              </a:buClr>
+              <a:buSzPct val="45000"/>
+              <a:buFont typeface="Wingdings" charset="2"/>
+              <a:buChar char=""/>
+            </a:pPr>
+            <a:r>
+              <a:rPr lang="fr-FR" sz="1600" spc="-1" dirty="0" smtClean="0">
+                <a:solidFill>
+                  <a:schemeClr val="bg2">
+                    <a:lumMod val="25000"/>
+                  </a:schemeClr>
+                </a:solidFill>
+                <a:latin typeface="Georgia" panose="02040502050405020303" pitchFamily="18" charset="0"/>
+              </a:rPr>
+              <a:t>Positionne les éléments</a:t>
+            </a:r>
+            <a:endParaRPr lang="fr-FR" sz="1600" spc="-1" dirty="0" smtClean="0">
+              <a:solidFill>
+                <a:schemeClr val="bg2">
+                  <a:lumMod val="25000"/>
+                </a:schemeClr>
+              </a:solidFill>
+              <a:latin typeface="Georgia" panose="02040502050405020303" pitchFamily="18" charset="0"/>
+            </a:endParaRPr>
+          </a:p>
+          <a:p>
+            <a:pPr marL="889107" lvl="1" indent="-323966">
+              <a:spcBef>
+                <a:spcPts val="600"/>
+              </a:spcBef>
+              <a:buClr>
+                <a:srgbClr val="000000"/>
+              </a:buClr>
+              <a:buSzPct val="45000"/>
+              <a:buFont typeface="Wingdings" charset="2"/>
+              <a:buChar char=""/>
+            </a:pPr>
+            <a:r>
+              <a:rPr lang="fr-FR" sz="1600" spc="-1" dirty="0" smtClean="0">
+                <a:solidFill>
+                  <a:schemeClr val="bg2">
+                    <a:lumMod val="25000"/>
+                  </a:schemeClr>
+                </a:solidFill>
+                <a:latin typeface="Georgia" panose="02040502050405020303" pitchFamily="18" charset="0"/>
+              </a:rPr>
+              <a:t>Permet certain effet dynamique</a:t>
+            </a:r>
+            <a:endParaRPr lang="fr-FR" sz="1600" spc="-1" dirty="0" smtClean="0">
+              <a:solidFill>
+                <a:schemeClr val="bg2">
+                  <a:lumMod val="25000"/>
+                </a:schemeClr>
+              </a:solidFill>
+              <a:latin typeface="Georgia" panose="02040502050405020303" pitchFamily="18" charset="0"/>
+            </a:endParaRPr>
+          </a:p>
+          <a:p>
+            <a:pPr marL="431955" indent="-323966">
+              <a:spcBef>
+                <a:spcPts val="600"/>
+              </a:spcBef>
+              <a:buClr>
+                <a:srgbClr val="000000"/>
+              </a:buClr>
+              <a:buSzPct val="45000"/>
+              <a:buFont typeface="Wingdings" charset="2"/>
+              <a:buChar char=""/>
+            </a:pPr>
+            <a:endParaRPr lang="fr-FR" sz="1600" spc="-1" dirty="0" smtClean="0">
+              <a:solidFill>
+                <a:schemeClr val="bg2">
+                  <a:lumMod val="25000"/>
+                </a:schemeClr>
+              </a:solidFill>
+              <a:latin typeface="Georgia" panose="02040502050405020303" pitchFamily="18" charset="0"/>
+            </a:endParaRPr>
+          </a:p>
+          <a:p>
+            <a:pPr marL="431955" indent="-323966">
+              <a:spcBef>
+                <a:spcPts val="600"/>
+              </a:spcBef>
+              <a:buClr>
+                <a:srgbClr val="000000"/>
+              </a:buClr>
+              <a:buSzPct val="45000"/>
+              <a:buFont typeface="Wingdings" charset="2"/>
+              <a:buChar char=""/>
+            </a:pPr>
+            <a:r>
+              <a:rPr lang="fr-FR" sz="1600" b="1" spc="-1" dirty="0" err="1" smtClean="0">
+                <a:solidFill>
+                  <a:schemeClr val="bg2">
+                    <a:lumMod val="25000"/>
+                  </a:schemeClr>
+                </a:solidFill>
+                <a:latin typeface="Georgia" panose="02040502050405020303" pitchFamily="18" charset="0"/>
+              </a:rPr>
+              <a:t>Javascript</a:t>
+            </a:r>
+            <a:r>
+              <a:rPr lang="fr-FR" sz="1600" b="1" spc="-1" dirty="0" smtClean="0">
+                <a:solidFill>
+                  <a:schemeClr val="bg2">
+                    <a:lumMod val="25000"/>
+                  </a:schemeClr>
+                </a:solidFill>
+                <a:latin typeface="Georgia" panose="02040502050405020303" pitchFamily="18" charset="0"/>
+              </a:rPr>
+              <a:t> </a:t>
+            </a:r>
+            <a:r>
+              <a:rPr lang="fr-FR" sz="1600" b="1" spc="-1" dirty="0" smtClean="0">
+                <a:solidFill>
+                  <a:schemeClr val="bg2">
+                    <a:lumMod val="25000"/>
+                  </a:schemeClr>
+                </a:solidFill>
+                <a:latin typeface="Georgia" panose="02040502050405020303" pitchFamily="18" charset="0"/>
+              </a:rPr>
+              <a:t>:</a:t>
+            </a:r>
+            <a:endParaRPr lang="fr-FR" sz="1600" b="1" spc="-1" dirty="0" smtClean="0">
+              <a:solidFill>
+                <a:schemeClr val="bg2">
+                  <a:lumMod val="25000"/>
+                </a:schemeClr>
+              </a:solidFill>
+              <a:latin typeface="Georgia" panose="02040502050405020303" pitchFamily="18" charset="0"/>
+            </a:endParaRPr>
+          </a:p>
+          <a:p>
+            <a:pPr marL="889107" lvl="1" indent="-323966">
+              <a:spcBef>
+                <a:spcPts val="600"/>
+              </a:spcBef>
+              <a:buClr>
+                <a:srgbClr val="000000"/>
+              </a:buClr>
+              <a:buSzPct val="45000"/>
+              <a:buFont typeface="Wingdings" charset="2"/>
+              <a:buChar char=""/>
+            </a:pPr>
+            <a:r>
+              <a:rPr lang="fr-FR" sz="1600" spc="-1" dirty="0" smtClean="0">
+                <a:solidFill>
+                  <a:schemeClr val="bg2">
+                    <a:lumMod val="25000"/>
+                  </a:schemeClr>
+                </a:solidFill>
+                <a:latin typeface="Georgia" panose="02040502050405020303" pitchFamily="18" charset="0"/>
+              </a:rPr>
+              <a:t>Permet de plus gros effet dynamique</a:t>
+            </a:r>
+          </a:p>
+          <a:p>
+            <a:pPr marL="889107" lvl="1" indent="-323966">
+              <a:spcBef>
+                <a:spcPts val="600"/>
+              </a:spcBef>
+              <a:buClr>
+                <a:srgbClr val="000000"/>
+              </a:buClr>
+              <a:buSzPct val="45000"/>
+              <a:buFont typeface="Wingdings" charset="2"/>
+              <a:buChar char=""/>
+            </a:pPr>
+            <a:r>
+              <a:rPr lang="fr-FR" sz="1600" spc="-1" dirty="0" smtClean="0">
+                <a:solidFill>
+                  <a:schemeClr val="bg2">
+                    <a:lumMod val="25000"/>
+                  </a:schemeClr>
+                </a:solidFill>
+                <a:latin typeface="Georgia" panose="02040502050405020303" pitchFamily="18" charset="0"/>
+              </a:rPr>
+              <a:t>Permet de récupérer des informations coté client</a:t>
+            </a:r>
+            <a:endParaRPr lang="fr-FR" sz="1600" spc="-1" dirty="0" smtClean="0">
+              <a:solidFill>
+                <a:schemeClr val="bg2">
+                  <a:lumMod val="25000"/>
+                </a:schemeClr>
+              </a:solidFill>
+              <a:latin typeface="Georgia" panose="02040502050405020303" pitchFamily="18" charset="0"/>
+            </a:endParaRPr>
+          </a:p>
+        </p:txBody>
+      </p:sp>
+    </p:spTree>
+    <p:extLst>
+      <p:ext uri="{BB962C8B-B14F-4D97-AF65-F5344CB8AC3E}">
+        <p14:creationId xmlns:p14="http://schemas.microsoft.com/office/powerpoint/2010/main" val="1723111310"/>
+      </p:ext>
+    </p:extLst>
+  </p:cSld>
+  <p:clrMapOvr>
+    <a:masterClrMapping/>
+  </p:clrMapOvr>
+  <p:timing>
+    <p:tnLst>
+      <p:par>
+        <p:cTn id="1" dur="indefinite" restart="never" nodeType="tmRoot"/>
+      </p:par>
+    </p:tnLst>
+  </p:timing>
+</p:sld>
+</file>
+
+<file path=ppt/slides/slide22.xml><?xml version="1.0" encoding="utf-8"?>
+<p:sld xmlns:a="http://schemas.openxmlformats.org/drawingml/2006/main" xmlns:r="http://schemas.openxmlformats.org/officeDocument/2006/relationships" xmlns:p="http://schemas.openxmlformats.org/presentationml/2006/main">
+  <p:cSld>
+    <p:spTree>
+      <p:nvGrpSpPr>
+        <p:cNvPr id="1" name=""/>
+        <p:cNvGrpSpPr/>
+        <p:nvPr/>
+      </p:nvGrpSpPr>
+      <p:grpSpPr>
+        <a:xfrm>
+          <a:off x="0" y="0"/>
+          <a:ext cx="0" cy="0"/>
+          <a:chOff x="0" y="0"/>
+          <a:chExt cx="0" cy="0"/>
+        </a:xfrm>
+      </p:grpSpPr>
+      <p:sp>
+        <p:nvSpPr>
+          <p:cNvPr id="2" name="Titre 1"/>
+          <p:cNvSpPr>
+            <a:spLocks noGrp="1"/>
+          </p:cNvSpPr>
+          <p:nvPr>
+            <p:ph type="title"/>
+          </p:nvPr>
+        </p:nvSpPr>
+        <p:spPr/>
+        <p:txBody>
+          <a:bodyPr/>
+          <a:lstStyle/>
+          <a:p>
+            <a:r>
+              <a:rPr lang="fr-FR" dirty="0" smtClean="0"/>
+              <a:t>HTML</a:t>
+            </a:r>
+            <a:endParaRPr lang="fr-FR" dirty="0"/>
+          </a:p>
+        </p:txBody>
+      </p:sp>
+      <p:sp>
+        <p:nvSpPr>
+          <p:cNvPr id="3" name="Espace réservé du pied de page 2"/>
+          <p:cNvSpPr>
+            <a:spLocks noGrp="1"/>
+          </p:cNvSpPr>
+          <p:nvPr>
+            <p:ph type="ftr" sz="quarter" idx="11"/>
+          </p:nvPr>
+        </p:nvSpPr>
+        <p:spPr/>
+        <p:txBody>
+          <a:bodyPr/>
+          <a:lstStyle/>
+          <a:p>
+            <a:pPr algn="ctr"/>
+            <a:r>
+              <a:rPr lang="fr-FR" spc="-1" dirty="0" smtClean="0"/>
+              <a:t>Priscillien HERBET </a:t>
+            </a:r>
+            <a:r>
+              <a:rPr lang="fr-FR" spc="-1" dirty="0"/>
+              <a:t>– 17  juin 2022 </a:t>
+            </a:r>
+            <a:r>
+              <a:rPr lang="fr-FR" spc="-1" dirty="0" smtClean="0"/>
+              <a:t>– Gestionnaire de favoris</a:t>
+            </a:r>
+            <a:endParaRPr lang="fr-FR" spc="-1" dirty="0"/>
+          </a:p>
+        </p:txBody>
+      </p:sp>
+      <p:sp>
+        <p:nvSpPr>
+          <p:cNvPr id="4" name="Espace réservé du numéro de diapositive 3"/>
+          <p:cNvSpPr>
+            <a:spLocks noGrp="1"/>
+          </p:cNvSpPr>
+          <p:nvPr>
+            <p:ph type="sldNum" sz="quarter" idx="12"/>
+          </p:nvPr>
+        </p:nvSpPr>
+        <p:spPr/>
+        <p:txBody>
+          <a:bodyPr/>
+          <a:lstStyle/>
+          <a:p>
+            <a:pPr algn="r"/>
+            <a:fld id="{E24D620B-6B54-4D64-8088-7BD33B9B7119}" type="slidenum">
+              <a:rPr lang="fr-FR" sz="1400" b="0" strike="noStrike" spc="-1" smtClean="0">
+                <a:latin typeface="Arial"/>
+              </a:rPr>
+              <a:t>22</a:t>
+            </a:fld>
+            <a:endParaRPr lang="fr-FR" sz="1400" b="0" strike="noStrike" spc="-1">
+              <a:latin typeface="Arial"/>
+            </a:endParaRPr>
+          </a:p>
+        </p:txBody>
+      </p:sp>
+      <p:sp>
+        <p:nvSpPr>
+          <p:cNvPr id="5" name="Espace réservé du texte 4"/>
+          <p:cNvSpPr>
+            <a:spLocks noGrp="1"/>
+          </p:cNvSpPr>
+          <p:nvPr>
+            <p:ph type="body" sz="quarter" idx="13"/>
+          </p:nvPr>
+        </p:nvSpPr>
+        <p:spPr/>
+        <p:txBody>
+          <a:bodyPr>
+            <a:normAutofit fontScale="85000" lnSpcReduction="20000"/>
+          </a:bodyPr>
+          <a:lstStyle/>
+          <a:p>
+            <a:r>
+              <a:rPr lang="fr-FR" dirty="0" smtClean="0"/>
+              <a:t>Squelette de la page</a:t>
+            </a:r>
+            <a:endParaRPr lang="fr-FR" dirty="0"/>
+          </a:p>
+        </p:txBody>
+      </p:sp>
+      <p:pic>
+        <p:nvPicPr>
+          <p:cNvPr id="1026" name="Picture 2" descr="C:\Users\prisc\Desktop\realisation_fil_rouge\Realisation_2_HTML-CSS\structure html.png"/>
+          <p:cNvPicPr>
+            <a:picLocks noChangeAspect="1" noChangeArrowheads="1"/>
+          </p:cNvPicPr>
+          <p:nvPr/>
+        </p:nvPicPr>
+        <p:blipFill>
+          <a:blip r:embed="rId2" cstate="print">
+            <a:extLst>
+              <a:ext uri="{28A0092B-C50C-407E-A947-70E740481C1C}">
+                <a14:useLocalDpi xmlns:a14="http://schemas.microsoft.com/office/drawing/2010/main" val="0"/>
+              </a:ext>
+            </a:extLst>
+          </a:blip>
+          <a:srcRect/>
+          <a:stretch>
+            <a:fillRect/>
+          </a:stretch>
+        </p:blipFill>
+        <p:spPr bwMode="auto">
+          <a:xfrm>
+            <a:off x="5544369" y="2338402"/>
+            <a:ext cx="3384376" cy="3313644"/>
+          </a:xfrm>
+          <a:prstGeom prst="rect">
+            <a:avLst/>
+          </a:prstGeom>
+          <a:noFill/>
+          <a:extLst>
+            <a:ext uri="{909E8E84-426E-40DD-AFC4-6F175D3DCCD1}">
+              <a14:hiddenFill xmlns:a14="http://schemas.microsoft.com/office/drawing/2010/main">
+                <a:solidFill>
+                  <a:srgbClr val="FFFFFF"/>
+                </a:solidFill>
+              </a14:hiddenFill>
+            </a:ext>
+          </a:extLst>
+        </p:spPr>
+      </p:pic>
+      <p:pic>
+        <p:nvPicPr>
+          <p:cNvPr id="1027" name="Picture 3" descr="C:\Users\prisc\Desktop\realisation_fil_rouge\Realisation_2_HTML-CSS\code structure .png"/>
+          <p:cNvPicPr>
+            <a:picLocks noChangeAspect="1" noChangeArrowheads="1"/>
+          </p:cNvPicPr>
+          <p:nvPr/>
+        </p:nvPicPr>
+        <p:blipFill>
+          <a:blip r:embed="rId3">
+            <a:extLst>
+              <a:ext uri="{28A0092B-C50C-407E-A947-70E740481C1C}">
+                <a14:useLocalDpi xmlns:a14="http://schemas.microsoft.com/office/drawing/2010/main" val="0"/>
+              </a:ext>
+            </a:extLst>
+          </a:blip>
+          <a:srcRect/>
+          <a:stretch>
+            <a:fillRect/>
+          </a:stretch>
+        </p:blipFill>
+        <p:spPr bwMode="auto">
+          <a:xfrm>
+            <a:off x="143768" y="2170205"/>
+            <a:ext cx="5324883" cy="3886227"/>
+          </a:xfrm>
+          <a:prstGeom prst="rect">
+            <a:avLst/>
+          </a:prstGeom>
+          <a:noFill/>
+          <a:extLst>
+            <a:ext uri="{909E8E84-426E-40DD-AFC4-6F175D3DCCD1}">
+              <a14:hiddenFill xmlns:a14="http://schemas.microsoft.com/office/drawing/2010/main">
+                <a:solidFill>
+                  <a:srgbClr val="FFFFFF"/>
+                </a:solidFill>
+              </a14:hiddenFill>
+            </a:ext>
+          </a:extLst>
+        </p:spPr>
+      </p:pic>
+    </p:spTree>
+    <p:extLst>
+      <p:ext uri="{BB962C8B-B14F-4D97-AF65-F5344CB8AC3E}">
+        <p14:creationId xmlns:p14="http://schemas.microsoft.com/office/powerpoint/2010/main" val="1387138102"/>
+      </p:ext>
+    </p:extLst>
+  </p:cSld>
+  <p:clrMapOvr>
+    <a:masterClrMapping/>
+  </p:clrMapOvr>
+  <p:timing>
+    <p:tnLst>
+      <p:par>
+        <p:cTn id="1" dur="indefinite" restart="never" nodeType="tmRoot"/>
+      </p:par>
+    </p:tnLst>
+  </p:timing>
+</p:sld>
+</file>
+
+<file path=ppt/slides/slide23.xml><?xml version="1.0" encoding="utf-8"?>
+<p:sld xmlns:a="http://schemas.openxmlformats.org/drawingml/2006/main" xmlns:r="http://schemas.openxmlformats.org/officeDocument/2006/relationships" xmlns:p="http://schemas.openxmlformats.org/presentationml/2006/main">
+  <p:cSld>
+    <p:spTree>
+      <p:nvGrpSpPr>
+        <p:cNvPr id="1" name=""/>
+        <p:cNvGrpSpPr/>
+        <p:nvPr/>
+      </p:nvGrpSpPr>
+      <p:grpSpPr>
+        <a:xfrm>
+          <a:off x="0" y="0"/>
+          <a:ext cx="0" cy="0"/>
+          <a:chOff x="0" y="0"/>
+          <a:chExt cx="0" cy="0"/>
+        </a:xfrm>
+      </p:grpSpPr>
+      <p:sp>
+        <p:nvSpPr>
+          <p:cNvPr id="2" name="Titre 1"/>
+          <p:cNvSpPr>
+            <a:spLocks noGrp="1"/>
+          </p:cNvSpPr>
+          <p:nvPr>
+            <p:ph type="title"/>
+          </p:nvPr>
+        </p:nvSpPr>
+        <p:spPr/>
+        <p:txBody>
+          <a:bodyPr/>
+          <a:lstStyle/>
+          <a:p>
+            <a:r>
+              <a:rPr lang="fr-FR" dirty="0" smtClean="0"/>
+              <a:t>CSS	</a:t>
+            </a:r>
+            <a:endParaRPr lang="fr-FR" dirty="0"/>
+          </a:p>
+        </p:txBody>
+      </p:sp>
+      <p:sp>
+        <p:nvSpPr>
+          <p:cNvPr id="3" name="Espace réservé du pied de page 2"/>
+          <p:cNvSpPr>
+            <a:spLocks noGrp="1"/>
+          </p:cNvSpPr>
+          <p:nvPr>
+            <p:ph type="ftr" sz="quarter" idx="11"/>
+          </p:nvPr>
+        </p:nvSpPr>
+        <p:spPr/>
+        <p:txBody>
+          <a:bodyPr/>
+          <a:lstStyle/>
+          <a:p>
+            <a:pPr algn="ctr"/>
+            <a:r>
+              <a:rPr lang="fr-FR" spc="-1" dirty="0" smtClean="0"/>
+              <a:t>Priscillien HERBET </a:t>
+            </a:r>
+            <a:r>
+              <a:rPr lang="fr-FR" spc="-1" dirty="0"/>
+              <a:t>– 17  juin 2022 </a:t>
+            </a:r>
+            <a:r>
+              <a:rPr lang="fr-FR" spc="-1" dirty="0" smtClean="0"/>
+              <a:t>– Gestionnaire de favoris</a:t>
+            </a:r>
+            <a:endParaRPr lang="fr-FR" spc="-1" dirty="0"/>
+          </a:p>
+        </p:txBody>
+      </p:sp>
+      <p:sp>
+        <p:nvSpPr>
+          <p:cNvPr id="4" name="Espace réservé du numéro de diapositive 3"/>
+          <p:cNvSpPr>
+            <a:spLocks noGrp="1"/>
+          </p:cNvSpPr>
+          <p:nvPr>
+            <p:ph type="sldNum" sz="quarter" idx="12"/>
+          </p:nvPr>
+        </p:nvSpPr>
+        <p:spPr/>
+        <p:txBody>
+          <a:bodyPr/>
+          <a:lstStyle/>
+          <a:p>
+            <a:pPr algn="r"/>
+            <a:fld id="{E24D620B-6B54-4D64-8088-7BD33B9B7119}" type="slidenum">
+              <a:rPr lang="fr-FR" sz="1400" b="0" strike="noStrike" spc="-1" smtClean="0">
+                <a:latin typeface="Arial"/>
+              </a:rPr>
+              <a:t>23</a:t>
+            </a:fld>
+            <a:endParaRPr lang="fr-FR" sz="1400" b="0" strike="noStrike" spc="-1">
+              <a:latin typeface="Arial"/>
+            </a:endParaRPr>
+          </a:p>
+        </p:txBody>
+      </p:sp>
+      <p:sp>
+        <p:nvSpPr>
+          <p:cNvPr id="5" name="Espace réservé du texte 4"/>
+          <p:cNvSpPr>
+            <a:spLocks noGrp="1"/>
+          </p:cNvSpPr>
+          <p:nvPr>
+            <p:ph type="body" sz="quarter" idx="13"/>
+          </p:nvPr>
+        </p:nvSpPr>
+        <p:spPr/>
+        <p:txBody>
+          <a:bodyPr>
+            <a:normAutofit fontScale="85000" lnSpcReduction="20000"/>
+          </a:bodyPr>
+          <a:lstStyle/>
+          <a:p>
+            <a:r>
+              <a:rPr lang="fr-FR" dirty="0" smtClean="0"/>
+              <a:t>Positionner et texturer les éléments</a:t>
+            </a:r>
+            <a:endParaRPr lang="fr-FR" dirty="0"/>
+          </a:p>
+        </p:txBody>
+      </p:sp>
+      <p:pic>
+        <p:nvPicPr>
+          <p:cNvPr id="2051" name="Picture 3" descr="C:\Users\prisc\Desktop\realisation_fil_rouge\Realisation_2_HTML-CSS\ossature site.png"/>
+          <p:cNvPicPr>
+            <a:picLocks noChangeAspect="1" noChangeArrowheads="1"/>
+          </p:cNvPicPr>
+          <p:nvPr/>
+        </p:nvPicPr>
+        <p:blipFill>
+          <a:blip r:embed="rId2">
+            <a:extLst>
+              <a:ext uri="{28A0092B-C50C-407E-A947-70E740481C1C}">
+                <a14:useLocalDpi xmlns:a14="http://schemas.microsoft.com/office/drawing/2010/main" val="0"/>
+              </a:ext>
+            </a:extLst>
+          </a:blip>
+          <a:srcRect/>
+          <a:stretch>
+            <a:fillRect/>
+          </a:stretch>
+        </p:blipFill>
+        <p:spPr bwMode="auto">
+          <a:xfrm>
+            <a:off x="215776" y="1691605"/>
+            <a:ext cx="5760640" cy="2640470"/>
+          </a:xfrm>
+          <a:prstGeom prst="rect">
+            <a:avLst/>
+          </a:prstGeom>
+          <a:noFill/>
+          <a:extLst>
+            <a:ext uri="{909E8E84-426E-40DD-AFC4-6F175D3DCCD1}">
+              <a14:hiddenFill xmlns:a14="http://schemas.microsoft.com/office/drawing/2010/main">
+                <a:solidFill>
+                  <a:srgbClr val="FFFFFF"/>
+                </a:solidFill>
+              </a14:hiddenFill>
+            </a:ext>
+          </a:extLst>
+        </p:spPr>
+      </p:pic>
+      <p:pic>
+        <p:nvPicPr>
+          <p:cNvPr id="2053" name="Picture 5" descr="C:\Users\prisc\Desktop\realisation_fil_rouge\Realisation_2_HTML-CSS\rel css.png"/>
+          <p:cNvPicPr>
+            <a:picLocks noChangeAspect="1" noChangeArrowheads="1"/>
+          </p:cNvPicPr>
+          <p:nvPr/>
+        </p:nvPicPr>
+        <p:blipFill>
+          <a:blip r:embed="rId3">
+            <a:extLst>
+              <a:ext uri="{28A0092B-C50C-407E-A947-70E740481C1C}">
+                <a14:useLocalDpi xmlns:a14="http://schemas.microsoft.com/office/drawing/2010/main" val="0"/>
+              </a:ext>
+            </a:extLst>
+          </a:blip>
+          <a:srcRect/>
+          <a:stretch>
+            <a:fillRect/>
+          </a:stretch>
+        </p:blipFill>
+        <p:spPr bwMode="auto">
+          <a:xfrm>
+            <a:off x="3528144" y="3563813"/>
+            <a:ext cx="5338085" cy="3427263"/>
+          </a:xfrm>
+          <a:prstGeom prst="rect">
+            <a:avLst/>
+          </a:prstGeom>
+          <a:noFill/>
+          <a:extLst>
+            <a:ext uri="{909E8E84-426E-40DD-AFC4-6F175D3DCCD1}">
+              <a14:hiddenFill xmlns:a14="http://schemas.microsoft.com/office/drawing/2010/main">
+                <a:solidFill>
+                  <a:srgbClr val="FFFFFF"/>
+                </a:solidFill>
+              </a14:hiddenFill>
+            </a:ext>
+          </a:extLst>
+        </p:spPr>
+      </p:pic>
+    </p:spTree>
+    <p:extLst>
+      <p:ext uri="{BB962C8B-B14F-4D97-AF65-F5344CB8AC3E}">
+        <p14:creationId xmlns:p14="http://schemas.microsoft.com/office/powerpoint/2010/main" val="998897461"/>
+      </p:ext>
+    </p:extLst>
+  </p:cSld>
+  <p:clrMapOvr>
+    <a:masterClrMapping/>
+  </p:clrMapOvr>
+  <p:timing>
+    <p:tnLst>
+      <p:par>
+        <p:cTn id="1" dur="indefinite" restart="never" nodeType="tmRoot"/>
+      </p:par>
+    </p:tnLst>
+  </p:timing>
+</p:sld>
+</file>
+
+<file path=ppt/slides/slide24.xml><?xml version="1.0" encoding="utf-8"?>
+<p:sld xmlns:a="http://schemas.openxmlformats.org/drawingml/2006/main" xmlns:r="http://schemas.openxmlformats.org/officeDocument/2006/relationships" xmlns:p="http://schemas.openxmlformats.org/presentationml/2006/main">
+  <p:cSld>
+    <p:spTree>
+      <p:nvGrpSpPr>
+        <p:cNvPr id="1" name=""/>
+        <p:cNvGrpSpPr/>
+        <p:nvPr/>
+      </p:nvGrpSpPr>
+      <p:grpSpPr>
+        <a:xfrm>
+          <a:off x="0" y="0"/>
+          <a:ext cx="0" cy="0"/>
+          <a:chOff x="0" y="0"/>
+          <a:chExt cx="0" cy="0"/>
+        </a:xfrm>
+      </p:grpSpPr>
+      <p:sp>
+        <p:nvSpPr>
+          <p:cNvPr id="2" name="Titre 1"/>
+          <p:cNvSpPr>
+            <a:spLocks noGrp="1"/>
+          </p:cNvSpPr>
+          <p:nvPr>
+            <p:ph type="title"/>
+          </p:nvPr>
+        </p:nvSpPr>
+        <p:spPr/>
+        <p:txBody>
+          <a:bodyPr/>
+          <a:lstStyle/>
+          <a:p>
+            <a:r>
+              <a:rPr lang="fr-FR" dirty="0" smtClean="0"/>
+              <a:t>CSS</a:t>
+            </a:r>
+            <a:endParaRPr lang="fr-FR" dirty="0"/>
+          </a:p>
+        </p:txBody>
+      </p:sp>
+      <p:sp>
+        <p:nvSpPr>
+          <p:cNvPr id="3" name="Espace réservé du pied de page 2"/>
+          <p:cNvSpPr>
+            <a:spLocks noGrp="1"/>
+          </p:cNvSpPr>
+          <p:nvPr>
+            <p:ph type="ftr" sz="quarter" idx="11"/>
+          </p:nvPr>
+        </p:nvSpPr>
+        <p:spPr/>
+        <p:txBody>
+          <a:bodyPr/>
+          <a:lstStyle/>
+          <a:p>
+            <a:pPr algn="ctr"/>
+            <a:r>
+              <a:rPr lang="fr-FR" spc="-1" dirty="0" smtClean="0"/>
+              <a:t>Priscillien HERBET </a:t>
+            </a:r>
+            <a:r>
+              <a:rPr lang="fr-FR" spc="-1" dirty="0"/>
+              <a:t>– 17  juin 2022 </a:t>
+            </a:r>
+            <a:r>
+              <a:rPr lang="fr-FR" spc="-1" dirty="0" smtClean="0"/>
+              <a:t>– Gestionnaire de favoris</a:t>
+            </a:r>
+            <a:endParaRPr lang="fr-FR" spc="-1" dirty="0"/>
+          </a:p>
+        </p:txBody>
+      </p:sp>
+      <p:sp>
+        <p:nvSpPr>
+          <p:cNvPr id="4" name="Espace réservé du numéro de diapositive 3"/>
+          <p:cNvSpPr>
+            <a:spLocks noGrp="1"/>
+          </p:cNvSpPr>
+          <p:nvPr>
+            <p:ph type="sldNum" sz="quarter" idx="12"/>
+          </p:nvPr>
+        </p:nvSpPr>
+        <p:spPr/>
+        <p:txBody>
+          <a:bodyPr/>
+          <a:lstStyle/>
+          <a:p>
+            <a:pPr algn="r"/>
+            <a:fld id="{E24D620B-6B54-4D64-8088-7BD33B9B7119}" type="slidenum">
+              <a:rPr lang="fr-FR" sz="1400" b="0" strike="noStrike" spc="-1" smtClean="0">
+                <a:latin typeface="Arial"/>
+              </a:rPr>
+              <a:t>24</a:t>
+            </a:fld>
+            <a:endParaRPr lang="fr-FR" sz="1400" b="0" strike="noStrike" spc="-1">
+              <a:latin typeface="Arial"/>
+            </a:endParaRPr>
+          </a:p>
+        </p:txBody>
+      </p:sp>
+      <p:sp>
+        <p:nvSpPr>
+          <p:cNvPr id="5" name="Espace réservé du texte 4"/>
+          <p:cNvSpPr>
+            <a:spLocks noGrp="1"/>
+          </p:cNvSpPr>
+          <p:nvPr>
+            <p:ph type="body" sz="quarter" idx="13"/>
+          </p:nvPr>
+        </p:nvSpPr>
+        <p:spPr/>
+        <p:txBody>
+          <a:bodyPr>
+            <a:normAutofit fontScale="85000" lnSpcReduction="20000"/>
+          </a:bodyPr>
+          <a:lstStyle/>
+          <a:p>
+            <a:r>
+              <a:rPr lang="fr-FR" dirty="0" smtClean="0"/>
+              <a:t>Positionner et texturer les éléments</a:t>
+            </a:r>
+            <a:endParaRPr lang="fr-FR" dirty="0"/>
+          </a:p>
+        </p:txBody>
+      </p:sp>
+      <p:pic>
+        <p:nvPicPr>
+          <p:cNvPr id="3074" name="Picture 2" descr="C:\Users\prisc\Desktop\realisation_fil_rouge\Realisation_2_HTML-CSS\exemple css.png"/>
+          <p:cNvPicPr>
+            <a:picLocks noChangeAspect="1" noChangeArrowheads="1"/>
+          </p:cNvPicPr>
+          <p:nvPr/>
+        </p:nvPicPr>
+        <p:blipFill>
+          <a:blip r:embed="rId2">
+            <a:extLst>
+              <a:ext uri="{28A0092B-C50C-407E-A947-70E740481C1C}">
+                <a14:useLocalDpi xmlns:a14="http://schemas.microsoft.com/office/drawing/2010/main" val="0"/>
+              </a:ext>
+            </a:extLst>
+          </a:blip>
+          <a:srcRect/>
+          <a:stretch>
+            <a:fillRect/>
+          </a:stretch>
+        </p:blipFill>
+        <p:spPr bwMode="auto">
+          <a:xfrm>
+            <a:off x="791840" y="1619598"/>
+            <a:ext cx="2847975" cy="5544616"/>
+          </a:xfrm>
+          <a:prstGeom prst="rect">
+            <a:avLst/>
+          </a:prstGeom>
+          <a:noFill/>
+          <a:extLst>
+            <a:ext uri="{909E8E84-426E-40DD-AFC4-6F175D3DCCD1}">
+              <a14:hiddenFill xmlns:a14="http://schemas.microsoft.com/office/drawing/2010/main">
+                <a:solidFill>
+                  <a:srgbClr val="FFFFFF"/>
+                </a:solidFill>
+              </a14:hiddenFill>
+            </a:ext>
+          </a:extLst>
+        </p:spPr>
+      </p:pic>
+      <p:pic>
+        <p:nvPicPr>
+          <p:cNvPr id="3075" name="Picture 3" descr="C:\Users\prisc\Desktop\realisation_fil_rouge\Realisation_2_HTML-CSS\flex css.png"/>
+          <p:cNvPicPr>
+            <a:picLocks noChangeAspect="1" noChangeArrowheads="1"/>
+          </p:cNvPicPr>
+          <p:nvPr/>
+        </p:nvPicPr>
+        <p:blipFill>
+          <a:blip r:embed="rId3">
+            <a:extLst>
+              <a:ext uri="{28A0092B-C50C-407E-A947-70E740481C1C}">
+                <a14:useLocalDpi xmlns:a14="http://schemas.microsoft.com/office/drawing/2010/main" val="0"/>
+              </a:ext>
+            </a:extLst>
+          </a:blip>
+          <a:srcRect/>
+          <a:stretch>
+            <a:fillRect/>
+          </a:stretch>
+        </p:blipFill>
+        <p:spPr bwMode="auto">
+          <a:xfrm>
+            <a:off x="5040312" y="1619599"/>
+            <a:ext cx="3048000" cy="5544616"/>
+          </a:xfrm>
+          <a:prstGeom prst="rect">
+            <a:avLst/>
+          </a:prstGeom>
+          <a:noFill/>
+          <a:extLst>
+            <a:ext uri="{909E8E84-426E-40DD-AFC4-6F175D3DCCD1}">
+              <a14:hiddenFill xmlns:a14="http://schemas.microsoft.com/office/drawing/2010/main">
+                <a:solidFill>
+                  <a:srgbClr val="FFFFFF"/>
+                </a:solidFill>
+              </a14:hiddenFill>
+            </a:ext>
+          </a:extLst>
+        </p:spPr>
+      </p:pic>
+    </p:spTree>
+    <p:extLst>
+      <p:ext uri="{BB962C8B-B14F-4D97-AF65-F5344CB8AC3E}">
+        <p14:creationId xmlns:p14="http://schemas.microsoft.com/office/powerpoint/2010/main" val="3236567156"/>
+      </p:ext>
+    </p:extLst>
+  </p:cSld>
+  <p:clrMapOvr>
+    <a:masterClrMapping/>
+  </p:clrMapOvr>
+  <p:timing>
+    <p:tnLst>
+      <p:par>
+        <p:cTn id="1" dur="indefinite" restart="never" nodeType="tmRoot"/>
+      </p:par>
+    </p:tnLst>
+  </p:timing>
+</p:sld>
+</file>
+
+<file path=ppt/slides/slide25.xml><?xml version="1.0" encoding="utf-8"?>
+<p:sld xmlns:a="http://schemas.openxmlformats.org/drawingml/2006/main" xmlns:r="http://schemas.openxmlformats.org/officeDocument/2006/relationships" xmlns:p="http://schemas.openxmlformats.org/presentationml/2006/main">
+  <p:cSld>
+    <p:spTree>
+      <p:nvGrpSpPr>
+        <p:cNvPr id="1" name=""/>
+        <p:cNvGrpSpPr/>
+        <p:nvPr/>
+      </p:nvGrpSpPr>
+      <p:grpSpPr>
+        <a:xfrm>
+          <a:off x="0" y="0"/>
+          <a:ext cx="0" cy="0"/>
+          <a:chOff x="0" y="0"/>
+          <a:chExt cx="0" cy="0"/>
+        </a:xfrm>
+      </p:grpSpPr>
+      <p:sp>
+        <p:nvSpPr>
+          <p:cNvPr id="2" name="Titre 1"/>
+          <p:cNvSpPr>
+            <a:spLocks noGrp="1"/>
+          </p:cNvSpPr>
+          <p:nvPr>
+            <p:ph type="title"/>
+          </p:nvPr>
+        </p:nvSpPr>
+        <p:spPr/>
+        <p:txBody>
+          <a:bodyPr/>
+          <a:lstStyle/>
+          <a:p>
+            <a:r>
+              <a:rPr lang="fr-FR" dirty="0" smtClean="0"/>
+              <a:t>CSS et HTML</a:t>
+            </a:r>
+            <a:endParaRPr lang="fr-FR" dirty="0"/>
+          </a:p>
+        </p:txBody>
+      </p:sp>
+      <p:sp>
+        <p:nvSpPr>
+          <p:cNvPr id="3" name="Espace réservé du pied de page 2"/>
+          <p:cNvSpPr>
+            <a:spLocks noGrp="1"/>
+          </p:cNvSpPr>
+          <p:nvPr>
+            <p:ph type="ftr" sz="quarter" idx="11"/>
+          </p:nvPr>
+        </p:nvSpPr>
+        <p:spPr/>
+        <p:txBody>
+          <a:bodyPr/>
+          <a:lstStyle/>
+          <a:p>
+            <a:pPr algn="ctr"/>
+            <a:r>
+              <a:rPr lang="fr-FR" spc="-1" dirty="0" smtClean="0"/>
+              <a:t>Priscillien HERBET </a:t>
+            </a:r>
+            <a:r>
+              <a:rPr lang="fr-FR" spc="-1" dirty="0"/>
+              <a:t>– 17  juin 2022 </a:t>
+            </a:r>
+            <a:r>
+              <a:rPr lang="fr-FR" spc="-1" dirty="0" smtClean="0"/>
+              <a:t>– Gestionnaire de favoris</a:t>
+            </a:r>
+            <a:endParaRPr lang="fr-FR" spc="-1" dirty="0"/>
+          </a:p>
+        </p:txBody>
+      </p:sp>
+      <p:sp>
+        <p:nvSpPr>
+          <p:cNvPr id="4" name="Espace réservé du numéro de diapositive 3"/>
+          <p:cNvSpPr>
+            <a:spLocks noGrp="1"/>
+          </p:cNvSpPr>
+          <p:nvPr>
+            <p:ph type="sldNum" sz="quarter" idx="12"/>
+          </p:nvPr>
+        </p:nvSpPr>
+        <p:spPr/>
+        <p:txBody>
+          <a:bodyPr/>
+          <a:lstStyle/>
+          <a:p>
+            <a:pPr algn="r"/>
+            <a:fld id="{E24D620B-6B54-4D64-8088-7BD33B9B7119}" type="slidenum">
+              <a:rPr lang="fr-FR" sz="1400" b="0" strike="noStrike" spc="-1" smtClean="0">
+                <a:latin typeface="Arial"/>
+              </a:rPr>
+              <a:t>25</a:t>
+            </a:fld>
+            <a:endParaRPr lang="fr-FR" sz="1400" b="0" strike="noStrike" spc="-1">
+              <a:latin typeface="Arial"/>
+            </a:endParaRPr>
+          </a:p>
+        </p:txBody>
+      </p:sp>
+      <p:sp>
+        <p:nvSpPr>
+          <p:cNvPr id="5" name="Espace réservé du texte 4"/>
+          <p:cNvSpPr>
+            <a:spLocks noGrp="1"/>
+          </p:cNvSpPr>
+          <p:nvPr>
+            <p:ph type="body" sz="quarter" idx="13"/>
+          </p:nvPr>
+        </p:nvSpPr>
+        <p:spPr/>
+        <p:txBody>
+          <a:bodyPr>
+            <a:normAutofit fontScale="85000" lnSpcReduction="20000"/>
+          </a:bodyPr>
+          <a:lstStyle/>
+          <a:p>
+            <a:r>
+              <a:rPr lang="fr-FR" dirty="0" smtClean="0"/>
+              <a:t>Rendu de la page</a:t>
+            </a:r>
+            <a:endParaRPr lang="fr-FR" dirty="0"/>
+          </a:p>
+        </p:txBody>
+      </p:sp>
+      <p:pic>
+        <p:nvPicPr>
+          <p:cNvPr id="4098" name="Picture 2" descr="C:\Users\prisc\Desktop\realisation_fil_rouge\Realisation_2_HTML-CSS\html css.png"/>
+          <p:cNvPicPr>
+            <a:picLocks noChangeAspect="1" noChangeArrowheads="1"/>
+          </p:cNvPicPr>
+          <p:nvPr/>
+        </p:nvPicPr>
+        <p:blipFill>
+          <a:blip r:embed="rId2" cstate="print">
+            <a:extLst>
+              <a:ext uri="{28A0092B-C50C-407E-A947-70E740481C1C}">
+                <a14:useLocalDpi xmlns:a14="http://schemas.microsoft.com/office/drawing/2010/main" val="0"/>
+              </a:ext>
+            </a:extLst>
+          </a:blip>
+          <a:srcRect/>
+          <a:stretch>
+            <a:fillRect/>
+          </a:stretch>
+        </p:blipFill>
+        <p:spPr bwMode="auto">
+          <a:xfrm>
+            <a:off x="143769" y="1547590"/>
+            <a:ext cx="6985072" cy="3600400"/>
+          </a:xfrm>
+          <a:prstGeom prst="rect">
+            <a:avLst/>
+          </a:prstGeom>
+          <a:noFill/>
+          <a:extLst>
+            <a:ext uri="{909E8E84-426E-40DD-AFC4-6F175D3DCCD1}">
+              <a14:hiddenFill xmlns:a14="http://schemas.microsoft.com/office/drawing/2010/main">
+                <a:solidFill>
+                  <a:srgbClr val="FFFFFF"/>
+                </a:solidFill>
+              </a14:hiddenFill>
+            </a:ext>
+          </a:extLst>
+        </p:spPr>
+      </p:pic>
+      <p:pic>
+        <p:nvPicPr>
+          <p:cNvPr id="7" name="Image 6"/>
+          <p:cNvPicPr>
+            <a:picLocks noChangeAspect="1"/>
+          </p:cNvPicPr>
+          <p:nvPr/>
+        </p:nvPicPr>
+        <p:blipFill>
+          <a:blip r:embed="rId3">
+            <a:extLst>
+              <a:ext uri="{28A0092B-C50C-407E-A947-70E740481C1C}">
+                <a14:useLocalDpi xmlns:a14="http://schemas.microsoft.com/office/drawing/2010/main" val="0"/>
+              </a:ext>
+            </a:extLst>
+          </a:blip>
+          <a:stretch>
+            <a:fillRect/>
+          </a:stretch>
+        </p:blipFill>
+        <p:spPr>
+          <a:xfrm>
+            <a:off x="2304008" y="3347790"/>
+            <a:ext cx="6641740" cy="3963461"/>
+          </a:xfrm>
+          <a:prstGeom prst="rect">
+            <a:avLst/>
+          </a:prstGeom>
+        </p:spPr>
+      </p:pic>
+    </p:spTree>
+    <p:extLst>
+      <p:ext uri="{BB962C8B-B14F-4D97-AF65-F5344CB8AC3E}">
+        <p14:creationId xmlns:p14="http://schemas.microsoft.com/office/powerpoint/2010/main" val="2700093032"/>
+      </p:ext>
+    </p:extLst>
+  </p:cSld>
+  <p:clrMapOvr>
+    <a:masterClrMapping/>
+  </p:clrMapOvr>
+  <p:timing>
+    <p:tnLst>
+      <p:par>
+        <p:cTn id="1" dur="indefinite" restart="never" nodeType="tmRoot"/>
+      </p:par>
+    </p:tnLst>
+  </p:timing>
+</p:sld>
+</file>
+
+<file path=ppt/slides/slide26.xml><?xml version="1.0" encoding="utf-8"?>
+<p:sld xmlns:a="http://schemas.openxmlformats.org/drawingml/2006/main" xmlns:r="http://schemas.openxmlformats.org/officeDocument/2006/relationships" xmlns:p="http://schemas.openxmlformats.org/presentationml/2006/main">
+  <p:cSld>
+    <p:spTree>
+      <p:nvGrpSpPr>
+        <p:cNvPr id="1" name=""/>
+        <p:cNvGrpSpPr/>
+        <p:nvPr/>
+      </p:nvGrpSpPr>
+      <p:grpSpPr>
+        <a:xfrm>
+          <a:off x="0" y="0"/>
+          <a:ext cx="0" cy="0"/>
+          <a:chOff x="0" y="0"/>
+          <a:chExt cx="0" cy="0"/>
+        </a:xfrm>
+      </p:grpSpPr>
+      <p:sp>
+        <p:nvSpPr>
+          <p:cNvPr id="2" name="Titre 1"/>
+          <p:cNvSpPr>
+            <a:spLocks noGrp="1"/>
+          </p:cNvSpPr>
+          <p:nvPr>
+            <p:ph type="title"/>
+          </p:nvPr>
+        </p:nvSpPr>
+        <p:spPr/>
+        <p:txBody>
+          <a:bodyPr/>
+          <a:lstStyle/>
+          <a:p>
+            <a:r>
+              <a:rPr lang="fr-FR" dirty="0" smtClean="0"/>
+              <a:t>CSS</a:t>
+            </a:r>
+            <a:endParaRPr lang="fr-FR" dirty="0"/>
+          </a:p>
+        </p:txBody>
+      </p:sp>
+      <p:sp>
+        <p:nvSpPr>
+          <p:cNvPr id="3" name="Espace réservé du pied de page 2"/>
+          <p:cNvSpPr>
+            <a:spLocks noGrp="1"/>
+          </p:cNvSpPr>
+          <p:nvPr>
+            <p:ph type="ftr" sz="quarter" idx="11"/>
+          </p:nvPr>
+        </p:nvSpPr>
+        <p:spPr/>
+        <p:txBody>
+          <a:bodyPr/>
+          <a:lstStyle/>
+          <a:p>
+            <a:pPr algn="ctr"/>
+            <a:r>
+              <a:rPr lang="fr-FR" spc="-1" dirty="0" smtClean="0"/>
+              <a:t>Priscillien HERBET </a:t>
+            </a:r>
+            <a:r>
+              <a:rPr lang="fr-FR" spc="-1" dirty="0"/>
+              <a:t>– 17  juin 2022 </a:t>
+            </a:r>
+            <a:r>
+              <a:rPr lang="fr-FR" spc="-1" dirty="0" smtClean="0"/>
+              <a:t>– Gestionnaire de favoris</a:t>
+            </a:r>
+            <a:endParaRPr lang="fr-FR" spc="-1" dirty="0"/>
+          </a:p>
+        </p:txBody>
+      </p:sp>
+      <p:sp>
+        <p:nvSpPr>
+          <p:cNvPr id="4" name="Espace réservé du numéro de diapositive 3"/>
+          <p:cNvSpPr>
+            <a:spLocks noGrp="1"/>
+          </p:cNvSpPr>
+          <p:nvPr>
+            <p:ph type="sldNum" sz="quarter" idx="12"/>
+          </p:nvPr>
+        </p:nvSpPr>
+        <p:spPr/>
+        <p:txBody>
+          <a:bodyPr/>
+          <a:lstStyle/>
+          <a:p>
+            <a:pPr algn="r"/>
+            <a:fld id="{E24D620B-6B54-4D64-8088-7BD33B9B7119}" type="slidenum">
+              <a:rPr lang="fr-FR" sz="1400" b="0" strike="noStrike" spc="-1" smtClean="0">
+                <a:latin typeface="Arial"/>
+              </a:rPr>
+              <a:t>26</a:t>
+            </a:fld>
+            <a:endParaRPr lang="fr-FR" sz="1400" b="0" strike="noStrike" spc="-1">
+              <a:latin typeface="Arial"/>
+            </a:endParaRPr>
+          </a:p>
+        </p:txBody>
+      </p:sp>
+      <p:sp>
+        <p:nvSpPr>
+          <p:cNvPr id="5" name="Espace réservé du texte 4"/>
+          <p:cNvSpPr>
+            <a:spLocks noGrp="1"/>
+          </p:cNvSpPr>
+          <p:nvPr>
+            <p:ph type="body" sz="quarter" idx="13"/>
+          </p:nvPr>
+        </p:nvSpPr>
+        <p:spPr/>
+        <p:txBody>
+          <a:bodyPr>
+            <a:normAutofit fontScale="85000" lnSpcReduction="20000"/>
+          </a:bodyPr>
+          <a:lstStyle/>
+          <a:p>
+            <a:r>
+              <a:rPr lang="fr-FR" dirty="0" smtClean="0"/>
+              <a:t>Effet dynamique</a:t>
+            </a:r>
+            <a:endParaRPr lang="fr-FR" dirty="0"/>
+          </a:p>
+        </p:txBody>
+      </p:sp>
+      <p:pic>
+        <p:nvPicPr>
+          <p:cNvPr id="5122" name="Picture 2" descr="C:\Users\prisc\Desktop\realisation_fil_rouge\Realisation_2_HTML-CSS\fonction css.png"/>
+          <p:cNvPicPr>
+            <a:picLocks noChangeAspect="1" noChangeArrowheads="1"/>
+          </p:cNvPicPr>
+          <p:nvPr/>
+        </p:nvPicPr>
+        <p:blipFill>
+          <a:blip r:embed="rId3">
+            <a:extLst>
+              <a:ext uri="{28A0092B-C50C-407E-A947-70E740481C1C}">
+                <a14:useLocalDpi xmlns:a14="http://schemas.microsoft.com/office/drawing/2010/main" val="0"/>
+              </a:ext>
+            </a:extLst>
+          </a:blip>
+          <a:srcRect/>
+          <a:stretch>
+            <a:fillRect/>
+          </a:stretch>
+        </p:blipFill>
+        <p:spPr bwMode="auto">
+          <a:xfrm>
+            <a:off x="431800" y="1699813"/>
+            <a:ext cx="3419475" cy="2486025"/>
+          </a:xfrm>
+          <a:prstGeom prst="rect">
+            <a:avLst/>
+          </a:prstGeom>
+          <a:noFill/>
+          <a:extLst>
+            <a:ext uri="{909E8E84-426E-40DD-AFC4-6F175D3DCCD1}">
+              <a14:hiddenFill xmlns:a14="http://schemas.microsoft.com/office/drawing/2010/main">
+                <a:solidFill>
+                  <a:srgbClr val="FFFFFF"/>
+                </a:solidFill>
+              </a14:hiddenFill>
+            </a:ext>
+          </a:extLst>
+        </p:spPr>
+      </p:pic>
+      <p:pic>
+        <p:nvPicPr>
+          <p:cNvPr id="5123" name="Picture 3" descr="C:\Users\prisc\Desktop\realisation_fil_rouge\Realisation_2_HTML-CSS\fonctioncss.gif"/>
+          <p:cNvPicPr>
+            <a:picLocks noChangeAspect="1" noChangeArrowheads="1" noCrop="1"/>
+          </p:cNvPicPr>
+          <p:nvPr/>
+        </p:nvPicPr>
+        <p:blipFill>
+          <a:blip r:embed="rId4" cstate="print">
+            <a:extLst>
+              <a:ext uri="{28A0092B-C50C-407E-A947-70E740481C1C}">
+                <a14:useLocalDpi xmlns:a14="http://schemas.microsoft.com/office/drawing/2010/main" val="0"/>
+              </a:ext>
+            </a:extLst>
+          </a:blip>
+          <a:srcRect/>
+          <a:stretch>
+            <a:fillRect/>
+          </a:stretch>
+        </p:blipFill>
+        <p:spPr bwMode="auto">
+          <a:xfrm>
+            <a:off x="1295896" y="4355901"/>
+            <a:ext cx="6048672" cy="2740159"/>
+          </a:xfrm>
+          <a:prstGeom prst="rect">
+            <a:avLst/>
+          </a:prstGeom>
+          <a:noFill/>
+          <a:extLst>
+            <a:ext uri="{909E8E84-426E-40DD-AFC4-6F175D3DCCD1}">
+              <a14:hiddenFill xmlns:a14="http://schemas.microsoft.com/office/drawing/2010/main">
+                <a:solidFill>
+                  <a:srgbClr val="FFFFFF"/>
+                </a:solidFill>
+              </a14:hiddenFill>
+            </a:ext>
+          </a:extLst>
+        </p:spPr>
+      </p:pic>
+      <p:pic>
+        <p:nvPicPr>
+          <p:cNvPr id="5125" name="Picture 5" descr="C:\Users\prisc\Desktop\realisation_fil_rouge\Realisation_2_HTML-CSS\div js.png"/>
+          <p:cNvPicPr>
+            <a:picLocks noChangeAspect="1" noChangeArrowheads="1"/>
+          </p:cNvPicPr>
+          <p:nvPr/>
+        </p:nvPicPr>
+        <p:blipFill>
+          <a:blip r:embed="rId5">
+            <a:extLst>
+              <a:ext uri="{28A0092B-C50C-407E-A947-70E740481C1C}">
+                <a14:useLocalDpi xmlns:a14="http://schemas.microsoft.com/office/drawing/2010/main" val="0"/>
+              </a:ext>
+            </a:extLst>
+          </a:blip>
+          <a:srcRect/>
+          <a:stretch>
+            <a:fillRect/>
+          </a:stretch>
+        </p:blipFill>
+        <p:spPr bwMode="auto">
+          <a:xfrm>
+            <a:off x="4143201" y="1665285"/>
+            <a:ext cx="4477982" cy="2538364"/>
+          </a:xfrm>
+          <a:prstGeom prst="rect">
+            <a:avLst/>
+          </a:prstGeom>
+          <a:noFill/>
+          <a:extLst>
+            <a:ext uri="{909E8E84-426E-40DD-AFC4-6F175D3DCCD1}">
+              <a14:hiddenFill xmlns:a14="http://schemas.microsoft.com/office/drawing/2010/main">
+                <a:solidFill>
+                  <a:srgbClr val="FFFFFF"/>
+                </a:solidFill>
+              </a14:hiddenFill>
+            </a:ext>
+          </a:extLst>
+        </p:spPr>
+      </p:pic>
+    </p:spTree>
+    <p:extLst>
+      <p:ext uri="{BB962C8B-B14F-4D97-AF65-F5344CB8AC3E}">
+        <p14:creationId xmlns:p14="http://schemas.microsoft.com/office/powerpoint/2010/main" val="3150624248"/>
+      </p:ext>
+    </p:extLst>
+  </p:cSld>
+  <p:clrMapOvr>
+    <a:masterClrMapping/>
+  </p:clrMapOvr>
+  <p:timing>
+    <p:tnLst>
+      <p:par>
+        <p:cTn id="1" dur="indefinite" restart="never" nodeType="tmRoot"/>
+      </p:par>
+    </p:tnLst>
+  </p:timing>
+</p:sld>
+</file>
+
+<file path=ppt/slides/slide27.xml><?xml version="1.0" encoding="utf-8"?>
+<p:sld xmlns:a="http://schemas.openxmlformats.org/drawingml/2006/main" xmlns:r="http://schemas.openxmlformats.org/officeDocument/2006/relationships" xmlns:p="http://schemas.openxmlformats.org/presentationml/2006/main">
+  <p:cSld>
+    <p:spTree>
+      <p:nvGrpSpPr>
+        <p:cNvPr id="1" name=""/>
+        <p:cNvGrpSpPr/>
+        <p:nvPr/>
+      </p:nvGrpSpPr>
+      <p:grpSpPr>
+        <a:xfrm>
+          <a:off x="0" y="0"/>
+          <a:ext cx="0" cy="0"/>
+          <a:chOff x="0" y="0"/>
+          <a:chExt cx="0" cy="0"/>
+        </a:xfrm>
+      </p:grpSpPr>
+      <p:sp>
+        <p:nvSpPr>
+          <p:cNvPr id="2" name="Titre 1"/>
+          <p:cNvSpPr>
+            <a:spLocks noGrp="1"/>
+          </p:cNvSpPr>
+          <p:nvPr>
+            <p:ph type="title"/>
+          </p:nvPr>
+        </p:nvSpPr>
+        <p:spPr/>
+        <p:txBody>
+          <a:bodyPr/>
+          <a:lstStyle/>
+          <a:p>
+            <a:r>
+              <a:rPr lang="fr-FR" dirty="0" err="1" smtClean="0"/>
+              <a:t>Javascript</a:t>
+            </a:r>
+            <a:endParaRPr lang="fr-FR" dirty="0"/>
+          </a:p>
+        </p:txBody>
+      </p:sp>
+      <p:sp>
+        <p:nvSpPr>
+          <p:cNvPr id="3" name="Espace réservé du pied de page 2"/>
+          <p:cNvSpPr>
+            <a:spLocks noGrp="1"/>
+          </p:cNvSpPr>
+          <p:nvPr>
+            <p:ph type="ftr" sz="quarter" idx="11"/>
+          </p:nvPr>
+        </p:nvSpPr>
+        <p:spPr/>
+        <p:txBody>
+          <a:bodyPr/>
+          <a:lstStyle/>
+          <a:p>
+            <a:pPr algn="ctr"/>
+            <a:r>
+              <a:rPr lang="fr-FR" spc="-1" dirty="0" smtClean="0"/>
+              <a:t>Priscillien HERBET </a:t>
+            </a:r>
+            <a:r>
+              <a:rPr lang="fr-FR" spc="-1" dirty="0"/>
+              <a:t>– 17  juin 2022 </a:t>
+            </a:r>
+            <a:r>
+              <a:rPr lang="fr-FR" spc="-1" dirty="0" smtClean="0"/>
+              <a:t>– Gestionnaire de favoris</a:t>
+            </a:r>
+            <a:endParaRPr lang="fr-FR" spc="-1" dirty="0"/>
+          </a:p>
+        </p:txBody>
+      </p:sp>
+      <p:sp>
+        <p:nvSpPr>
+          <p:cNvPr id="4" name="Espace réservé du numéro de diapositive 3"/>
+          <p:cNvSpPr>
+            <a:spLocks noGrp="1"/>
+          </p:cNvSpPr>
+          <p:nvPr>
+            <p:ph type="sldNum" sz="quarter" idx="12"/>
+          </p:nvPr>
+        </p:nvSpPr>
+        <p:spPr/>
+        <p:txBody>
+          <a:bodyPr/>
+          <a:lstStyle/>
+          <a:p>
+            <a:pPr algn="r"/>
+            <a:fld id="{E24D620B-6B54-4D64-8088-7BD33B9B7119}" type="slidenum">
+              <a:rPr lang="fr-FR" sz="1400" b="0" strike="noStrike" spc="-1" smtClean="0">
+                <a:latin typeface="Arial"/>
+              </a:rPr>
+              <a:t>27</a:t>
+            </a:fld>
+            <a:endParaRPr lang="fr-FR" sz="1400" b="0" strike="noStrike" spc="-1">
+              <a:latin typeface="Arial"/>
+            </a:endParaRPr>
+          </a:p>
+        </p:txBody>
+      </p:sp>
+      <p:sp>
+        <p:nvSpPr>
+          <p:cNvPr id="5" name="Espace réservé du texte 4"/>
+          <p:cNvSpPr>
+            <a:spLocks noGrp="1"/>
+          </p:cNvSpPr>
+          <p:nvPr>
+            <p:ph type="body" sz="quarter" idx="13"/>
+          </p:nvPr>
+        </p:nvSpPr>
+        <p:spPr/>
+        <p:txBody>
+          <a:bodyPr>
+            <a:normAutofit fontScale="85000" lnSpcReduction="20000"/>
+          </a:bodyPr>
+          <a:lstStyle/>
+          <a:p>
+            <a:r>
+              <a:rPr lang="fr-FR" dirty="0" smtClean="0"/>
+              <a:t>Menu caché</a:t>
+            </a:r>
+            <a:endParaRPr lang="fr-FR" dirty="0"/>
+          </a:p>
+        </p:txBody>
+      </p:sp>
+      <p:pic>
+        <p:nvPicPr>
+          <p:cNvPr id="6147" name="Picture 3" descr="C:\Users\prisc\Desktop\realisation_fil_rouge\Realisation_2_HTML-CSS\menucss.gif"/>
+          <p:cNvPicPr>
+            <a:picLocks noChangeAspect="1" noChangeArrowheads="1" noCrop="1"/>
+          </p:cNvPicPr>
+          <p:nvPr/>
+        </p:nvPicPr>
+        <p:blipFill>
+          <a:blip r:embed="rId2">
+            <a:extLst>
+              <a:ext uri="{28A0092B-C50C-407E-A947-70E740481C1C}">
+                <a14:useLocalDpi xmlns:a14="http://schemas.microsoft.com/office/drawing/2010/main" val="0"/>
+              </a:ext>
+            </a:extLst>
+          </a:blip>
+          <a:srcRect/>
+          <a:stretch>
+            <a:fillRect/>
+          </a:stretch>
+        </p:blipFill>
+        <p:spPr bwMode="auto">
+          <a:xfrm>
+            <a:off x="526794" y="2411685"/>
+            <a:ext cx="3200400" cy="3895725"/>
+          </a:xfrm>
+          <a:prstGeom prst="rect">
+            <a:avLst/>
+          </a:prstGeom>
+          <a:noFill/>
+          <a:extLst>
+            <a:ext uri="{909E8E84-426E-40DD-AFC4-6F175D3DCCD1}">
+              <a14:hiddenFill xmlns:a14="http://schemas.microsoft.com/office/drawing/2010/main">
+                <a:solidFill>
+                  <a:srgbClr val="FFFFFF"/>
+                </a:solidFill>
+              </a14:hiddenFill>
+            </a:ext>
+          </a:extLst>
+        </p:spPr>
+      </p:pic>
+      <p:pic>
+        <p:nvPicPr>
+          <p:cNvPr id="6148" name="Picture 4" descr="C:\Users\prisc\Desktop\realisation_fil_rouge\Realisation_2_HTML-CSS\menujs.gif"/>
+          <p:cNvPicPr>
+            <a:picLocks noChangeAspect="1" noChangeArrowheads="1" noCrop="1"/>
+          </p:cNvPicPr>
+          <p:nvPr/>
+        </p:nvPicPr>
+        <p:blipFill>
+          <a:blip r:embed="rId3">
+            <a:extLst>
+              <a:ext uri="{28A0092B-C50C-407E-A947-70E740481C1C}">
+                <a14:useLocalDpi xmlns:a14="http://schemas.microsoft.com/office/drawing/2010/main" val="0"/>
+              </a:ext>
+            </a:extLst>
+          </a:blip>
+          <a:srcRect/>
+          <a:stretch>
+            <a:fillRect/>
+          </a:stretch>
+        </p:blipFill>
+        <p:spPr bwMode="auto">
+          <a:xfrm>
+            <a:off x="4923936" y="2411685"/>
+            <a:ext cx="3200400" cy="3895725"/>
+          </a:xfrm>
+          <a:prstGeom prst="rect">
+            <a:avLst/>
+          </a:prstGeom>
+          <a:noFill/>
+          <a:extLst>
+            <a:ext uri="{909E8E84-426E-40DD-AFC4-6F175D3DCCD1}">
+              <a14:hiddenFill xmlns:a14="http://schemas.microsoft.com/office/drawing/2010/main">
+                <a:solidFill>
+                  <a:srgbClr val="FFFFFF"/>
+                </a:solidFill>
+              </a14:hiddenFill>
+            </a:ext>
+          </a:extLst>
+        </p:spPr>
+      </p:pic>
+      <p:sp>
+        <p:nvSpPr>
+          <p:cNvPr id="6" name="ZoneTexte 5"/>
+          <p:cNvSpPr txBox="1"/>
+          <p:nvPr/>
+        </p:nvSpPr>
+        <p:spPr>
+          <a:xfrm>
+            <a:off x="1511920" y="1913754"/>
+            <a:ext cx="1656184" cy="369332"/>
+          </a:xfrm>
+          <a:prstGeom prst="rect">
+            <a:avLst/>
+          </a:prstGeom>
+          <a:noFill/>
+        </p:spPr>
+        <p:txBody>
+          <a:bodyPr wrap="square" rtlCol="0">
+            <a:spAutoFit/>
+          </a:bodyPr>
+          <a:lstStyle/>
+          <a:p>
+            <a:r>
+              <a:rPr lang="fr-FR" b="1" spc="-1" dirty="0" smtClean="0">
+                <a:solidFill>
+                  <a:schemeClr val="bg2">
+                    <a:lumMod val="25000"/>
+                  </a:schemeClr>
+                </a:solidFill>
+                <a:latin typeface="Georgia" panose="02040502050405020303" pitchFamily="18" charset="0"/>
+              </a:rPr>
+              <a:t>CSS</a:t>
+            </a:r>
+            <a:endParaRPr lang="fr-FR" dirty="0"/>
+          </a:p>
+        </p:txBody>
+      </p:sp>
+      <p:sp>
+        <p:nvSpPr>
+          <p:cNvPr id="10" name="ZoneTexte 9"/>
+          <p:cNvSpPr txBox="1"/>
+          <p:nvPr/>
+        </p:nvSpPr>
+        <p:spPr>
+          <a:xfrm>
+            <a:off x="5616376" y="1881488"/>
+            <a:ext cx="1656184" cy="369332"/>
+          </a:xfrm>
+          <a:prstGeom prst="rect">
+            <a:avLst/>
+          </a:prstGeom>
+          <a:noFill/>
+        </p:spPr>
+        <p:txBody>
+          <a:bodyPr wrap="square" rtlCol="0">
+            <a:spAutoFit/>
+          </a:bodyPr>
+          <a:lstStyle/>
+          <a:p>
+            <a:r>
+              <a:rPr lang="fr-FR" b="1" spc="-1" dirty="0" err="1" smtClean="0">
+                <a:solidFill>
+                  <a:schemeClr val="bg2">
+                    <a:lumMod val="25000"/>
+                  </a:schemeClr>
+                </a:solidFill>
+                <a:latin typeface="Georgia" panose="02040502050405020303" pitchFamily="18" charset="0"/>
+              </a:rPr>
+              <a:t>Javascript</a:t>
+            </a:r>
+            <a:endParaRPr lang="fr-FR" dirty="0"/>
+          </a:p>
+        </p:txBody>
+      </p:sp>
+    </p:spTree>
+    <p:extLst>
+      <p:ext uri="{BB962C8B-B14F-4D97-AF65-F5344CB8AC3E}">
+        <p14:creationId xmlns:p14="http://schemas.microsoft.com/office/powerpoint/2010/main" val="1606593820"/>
+      </p:ext>
+    </p:extLst>
+  </p:cSld>
+  <p:clrMapOvr>
+    <a:masterClrMapping/>
+  </p:clrMapOvr>
+  <p:timing>
+    <p:tnLst>
+      <p:par>
+        <p:cTn id="1" dur="indefinite" restart="never" nodeType="tmRoot"/>
+      </p:par>
+    </p:tnLst>
+  </p:timing>
+</p:sld>
+</file>
+
+<file path=ppt/slides/slide28.xml><?xml version="1.0" encoding="utf-8"?>
+<p:sld xmlns:a="http://schemas.openxmlformats.org/drawingml/2006/main" xmlns:r="http://schemas.openxmlformats.org/officeDocument/2006/relationships" xmlns:p="http://schemas.openxmlformats.org/presentationml/2006/main">
+  <p:cSld>
+    <p:spTree>
+      <p:nvGrpSpPr>
+        <p:cNvPr id="1" name=""/>
+        <p:cNvGrpSpPr/>
+        <p:nvPr/>
+      </p:nvGrpSpPr>
+      <p:grpSpPr>
+        <a:xfrm>
+          <a:off x="0" y="0"/>
+          <a:ext cx="0" cy="0"/>
+          <a:chOff x="0" y="0"/>
+          <a:chExt cx="0" cy="0"/>
+        </a:xfrm>
+      </p:grpSpPr>
+      <p:sp>
+        <p:nvSpPr>
+          <p:cNvPr id="2" name="Titre 1"/>
+          <p:cNvSpPr>
+            <a:spLocks noGrp="1"/>
+          </p:cNvSpPr>
+          <p:nvPr>
+            <p:ph type="title"/>
+          </p:nvPr>
+        </p:nvSpPr>
+        <p:spPr/>
+        <p:txBody>
+          <a:bodyPr/>
+          <a:lstStyle/>
+          <a:p>
+            <a:r>
+              <a:rPr lang="fr-FR" dirty="0" err="1" smtClean="0"/>
+              <a:t>Javascript</a:t>
+            </a:r>
+            <a:endParaRPr lang="fr-FR" dirty="0"/>
+          </a:p>
+        </p:txBody>
+      </p:sp>
+      <p:sp>
+        <p:nvSpPr>
+          <p:cNvPr id="3" name="Espace réservé du pied de page 2"/>
+          <p:cNvSpPr>
+            <a:spLocks noGrp="1"/>
+          </p:cNvSpPr>
+          <p:nvPr>
+            <p:ph type="ftr" sz="quarter" idx="11"/>
+          </p:nvPr>
+        </p:nvSpPr>
+        <p:spPr/>
+        <p:txBody>
+          <a:bodyPr/>
+          <a:lstStyle/>
+          <a:p>
+            <a:pPr algn="ctr"/>
+            <a:r>
+              <a:rPr lang="fr-FR" spc="-1" dirty="0" smtClean="0"/>
+              <a:t>Priscillien HERBET </a:t>
+            </a:r>
+            <a:r>
+              <a:rPr lang="fr-FR" spc="-1" dirty="0"/>
+              <a:t>– 17  juin 2022 </a:t>
+            </a:r>
+            <a:r>
+              <a:rPr lang="fr-FR" spc="-1" dirty="0" smtClean="0"/>
+              <a:t>– Gestionnaire de favoris</a:t>
+            </a:r>
+            <a:endParaRPr lang="fr-FR" spc="-1" dirty="0"/>
+          </a:p>
+        </p:txBody>
+      </p:sp>
+      <p:sp>
+        <p:nvSpPr>
+          <p:cNvPr id="4" name="Espace réservé du numéro de diapositive 3"/>
+          <p:cNvSpPr>
+            <a:spLocks noGrp="1"/>
+          </p:cNvSpPr>
+          <p:nvPr>
+            <p:ph type="sldNum" sz="quarter" idx="12"/>
+          </p:nvPr>
+        </p:nvSpPr>
+        <p:spPr/>
+        <p:txBody>
+          <a:bodyPr/>
+          <a:lstStyle/>
+          <a:p>
+            <a:pPr algn="r"/>
+            <a:fld id="{E24D620B-6B54-4D64-8088-7BD33B9B7119}" type="slidenum">
+              <a:rPr lang="fr-FR" sz="1400" b="0" strike="noStrike" spc="-1" smtClean="0">
+                <a:latin typeface="Arial"/>
+              </a:rPr>
+              <a:t>28</a:t>
+            </a:fld>
+            <a:endParaRPr lang="fr-FR" sz="1400" b="0" strike="noStrike" spc="-1">
+              <a:latin typeface="Arial"/>
+            </a:endParaRPr>
+          </a:p>
+        </p:txBody>
+      </p:sp>
+      <p:sp>
+        <p:nvSpPr>
+          <p:cNvPr id="5" name="Espace réservé du texte 4"/>
+          <p:cNvSpPr>
+            <a:spLocks noGrp="1"/>
+          </p:cNvSpPr>
+          <p:nvPr>
+            <p:ph type="body" sz="quarter" idx="13"/>
+          </p:nvPr>
+        </p:nvSpPr>
+        <p:spPr/>
+        <p:txBody>
+          <a:bodyPr>
+            <a:normAutofit fontScale="85000" lnSpcReduction="20000"/>
+          </a:bodyPr>
+          <a:lstStyle/>
+          <a:p>
+            <a:r>
+              <a:rPr lang="fr-FR" dirty="0" smtClean="0"/>
+              <a:t>Menu caché</a:t>
+            </a:r>
+            <a:endParaRPr lang="fr-FR" dirty="0"/>
+          </a:p>
+        </p:txBody>
+      </p:sp>
+      <p:pic>
+        <p:nvPicPr>
+          <p:cNvPr id="7170" name="Picture 2" descr="C:\Users\prisc\Desktop\realisation_fil_rouge\Realisation_2_HTML-CSS\link js.png"/>
+          <p:cNvPicPr>
+            <a:picLocks noChangeAspect="1" noChangeArrowheads="1"/>
+          </p:cNvPicPr>
+          <p:nvPr/>
+        </p:nvPicPr>
+        <p:blipFill>
+          <a:blip r:embed="rId2">
+            <a:extLst>
+              <a:ext uri="{28A0092B-C50C-407E-A947-70E740481C1C}">
+                <a14:useLocalDpi xmlns:a14="http://schemas.microsoft.com/office/drawing/2010/main" val="0"/>
+              </a:ext>
+            </a:extLst>
+          </a:blip>
+          <a:srcRect/>
+          <a:stretch>
+            <a:fillRect/>
+          </a:stretch>
+        </p:blipFill>
+        <p:spPr bwMode="auto">
+          <a:xfrm>
+            <a:off x="4907732" y="5075981"/>
+            <a:ext cx="4104456" cy="1381125"/>
+          </a:xfrm>
+          <a:prstGeom prst="rect">
+            <a:avLst/>
+          </a:prstGeom>
+          <a:noFill/>
+          <a:extLst>
+            <a:ext uri="{909E8E84-426E-40DD-AFC4-6F175D3DCCD1}">
+              <a14:hiddenFill xmlns:a14="http://schemas.microsoft.com/office/drawing/2010/main">
+                <a:solidFill>
+                  <a:srgbClr val="FFFFFF"/>
+                </a:solidFill>
+              </a14:hiddenFill>
+            </a:ext>
+          </a:extLst>
+        </p:spPr>
+      </p:pic>
+      <p:pic>
+        <p:nvPicPr>
+          <p:cNvPr id="7171" name="Picture 3" descr="C:\Users\prisc\Desktop\realisation_fil_rouge\Realisation_2_HTML-CSS\fonction js.png"/>
+          <p:cNvPicPr>
+            <a:picLocks noChangeAspect="1" noChangeArrowheads="1"/>
+          </p:cNvPicPr>
+          <p:nvPr/>
+        </p:nvPicPr>
+        <p:blipFill>
+          <a:blip r:embed="rId3">
+            <a:extLst>
+              <a:ext uri="{28A0092B-C50C-407E-A947-70E740481C1C}">
+                <a14:useLocalDpi xmlns:a14="http://schemas.microsoft.com/office/drawing/2010/main" val="0"/>
+              </a:ext>
+            </a:extLst>
+          </a:blip>
+          <a:srcRect/>
+          <a:stretch>
+            <a:fillRect/>
+          </a:stretch>
+        </p:blipFill>
+        <p:spPr bwMode="auto">
+          <a:xfrm>
+            <a:off x="215776" y="4614415"/>
+            <a:ext cx="4553081" cy="2448272"/>
+          </a:xfrm>
+          <a:prstGeom prst="rect">
+            <a:avLst/>
+          </a:prstGeom>
+          <a:noFill/>
+          <a:extLst>
+            <a:ext uri="{909E8E84-426E-40DD-AFC4-6F175D3DCCD1}">
+              <a14:hiddenFill xmlns:a14="http://schemas.microsoft.com/office/drawing/2010/main">
+                <a:solidFill>
+                  <a:srgbClr val="FFFFFF"/>
+                </a:solidFill>
+              </a14:hiddenFill>
+            </a:ext>
+          </a:extLst>
+        </p:spPr>
+      </p:pic>
+      <p:pic>
+        <p:nvPicPr>
+          <p:cNvPr id="7173" name="Picture 5" descr="C:\Users\prisc\Desktop\realisation_fil_rouge\Realisation_2_HTML-CSS\divjs.png"/>
+          <p:cNvPicPr>
+            <a:picLocks noChangeAspect="1" noChangeArrowheads="1"/>
+          </p:cNvPicPr>
+          <p:nvPr/>
+        </p:nvPicPr>
+        <p:blipFill>
+          <a:blip r:embed="rId4">
+            <a:extLst>
+              <a:ext uri="{28A0092B-C50C-407E-A947-70E740481C1C}">
+                <a14:useLocalDpi xmlns:a14="http://schemas.microsoft.com/office/drawing/2010/main" val="0"/>
+              </a:ext>
+            </a:extLst>
+          </a:blip>
+          <a:srcRect/>
+          <a:stretch>
+            <a:fillRect/>
+          </a:stretch>
+        </p:blipFill>
+        <p:spPr bwMode="auto">
+          <a:xfrm>
+            <a:off x="1007864" y="1702558"/>
+            <a:ext cx="6773863" cy="2781300"/>
+          </a:xfrm>
+          <a:prstGeom prst="rect">
+            <a:avLst/>
+          </a:prstGeom>
+          <a:noFill/>
+          <a:extLst>
+            <a:ext uri="{909E8E84-426E-40DD-AFC4-6F175D3DCCD1}">
+              <a14:hiddenFill xmlns:a14="http://schemas.microsoft.com/office/drawing/2010/main">
+                <a:solidFill>
+                  <a:srgbClr val="FFFFFF"/>
+                </a:solidFill>
+              </a14:hiddenFill>
+            </a:ext>
+          </a:extLst>
+        </p:spPr>
+      </p:pic>
+    </p:spTree>
+    <p:extLst>
+      <p:ext uri="{BB962C8B-B14F-4D97-AF65-F5344CB8AC3E}">
+        <p14:creationId xmlns:p14="http://schemas.microsoft.com/office/powerpoint/2010/main" val="3419305972"/>
+      </p:ext>
+    </p:extLst>
+  </p:cSld>
+  <p:clrMapOvr>
+    <a:masterClrMapping/>
+  </p:clrMapOvr>
+  <p:timing>
+    <p:tnLst>
+      <p:par>
+        <p:cTn id="1" dur="indefinite" restart="never" nodeType="tmRoot"/>
+      </p:par>
+    </p:tnLst>
+  </p:timing>
+</p:sld>
+</file>
+
+<file path=ppt/slides/slide29.xml><?xml version="1.0" encoding="utf-8"?>
+<p:sld xmlns:a="http://schemas.openxmlformats.org/drawingml/2006/main" xmlns:r="http://schemas.openxmlformats.org/officeDocument/2006/relationships" xmlns:p="http://schemas.openxmlformats.org/presentationml/2006/main">
+  <p:cSld>
+    <p:spTree>
+      <p:nvGrpSpPr>
+        <p:cNvPr id="1" name=""/>
+        <p:cNvGrpSpPr/>
+        <p:nvPr/>
+      </p:nvGrpSpPr>
+      <p:grpSpPr>
+        <a:xfrm>
+          <a:off x="0" y="0"/>
+          <a:ext cx="0" cy="0"/>
+          <a:chOff x="0" y="0"/>
+          <a:chExt cx="0" cy="0"/>
+        </a:xfrm>
+      </p:grpSpPr>
+      <p:sp>
+        <p:nvSpPr>
+          <p:cNvPr id="4" name="Espace réservé du pied de page 3"/>
+          <p:cNvSpPr>
+            <a:spLocks noGrp="1"/>
+          </p:cNvSpPr>
+          <p:nvPr>
+            <p:ph type="ftr" sz="quarter" idx="11"/>
+          </p:nvPr>
+        </p:nvSpPr>
+        <p:spPr/>
+        <p:txBody>
+          <a:bodyPr/>
+          <a:lstStyle/>
+          <a:p>
+            <a:pPr algn="ctr"/>
+            <a:r>
+              <a:rPr lang="fr-FR" sz="1400" b="0" strike="noStrike" spc="-1" dirty="0" smtClean="0">
+                <a:latin typeface="Arial"/>
+              </a:rPr>
+              <a:t>Priscillien HERBET – </a:t>
+            </a:r>
+            <a:r>
+              <a:rPr lang="fr-FR" sz="1400" spc="-1" dirty="0"/>
+              <a:t>17  juin </a:t>
+            </a:r>
+            <a:r>
+              <a:rPr lang="fr-FR" sz="1400" b="0" strike="noStrike" spc="-1" dirty="0" smtClean="0">
+                <a:latin typeface="Arial"/>
+              </a:rPr>
+              <a:t>2022</a:t>
+            </a:r>
+            <a:endParaRPr lang="fr-FR" sz="1400" b="0" strike="noStrike" spc="-1" dirty="0">
+              <a:latin typeface="Arial"/>
+            </a:endParaRPr>
+          </a:p>
+        </p:txBody>
+      </p:sp>
+      <p:sp>
+        <p:nvSpPr>
+          <p:cNvPr id="5" name="Espace réservé du numéro de diapositive 4"/>
+          <p:cNvSpPr>
+            <a:spLocks noGrp="1"/>
+          </p:cNvSpPr>
+          <p:nvPr>
+            <p:ph type="sldNum" sz="quarter" idx="12"/>
+          </p:nvPr>
+        </p:nvSpPr>
+        <p:spPr/>
+        <p:txBody>
+          <a:bodyPr/>
+          <a:lstStyle/>
+          <a:p>
+            <a:pPr algn="r"/>
+            <a:fld id="{E24D620B-6B54-4D64-8088-7BD33B9B7119}" type="slidenum">
+              <a:rPr lang="fr-FR" sz="1400" b="0" strike="noStrike" spc="-1" smtClean="0">
+                <a:latin typeface="Arial"/>
+              </a:rPr>
+              <a:t>29</a:t>
+            </a:fld>
+            <a:endParaRPr lang="fr-FR" sz="1400" b="0" strike="noStrike" spc="-1">
+              <a:latin typeface="Arial"/>
+            </a:endParaRPr>
+          </a:p>
+        </p:txBody>
+      </p:sp>
+      <p:sp>
+        <p:nvSpPr>
+          <p:cNvPr id="7" name="Titre 1"/>
+          <p:cNvSpPr txBox="1">
+            <a:spLocks/>
+          </p:cNvSpPr>
+          <p:nvPr/>
+        </p:nvSpPr>
+        <p:spPr>
+          <a:xfrm>
+            <a:off x="1223888" y="2411685"/>
+            <a:ext cx="7983855" cy="641206"/>
+          </a:xfrm>
+          <a:prstGeom prst="rect">
+            <a:avLst/>
+          </a:prstGeom>
+        </p:spPr>
+        <p:txBody>
+          <a:bodyPr/>
+          <a:lstStyle>
+            <a:lvl1pPr algn="l" rtl="0" eaLnBrk="1" latinLnBrk="0" hangingPunct="1">
+              <a:spcBef>
+                <a:spcPct val="0"/>
+              </a:spcBef>
+              <a:buNone/>
+              <a:defRPr kumimoji="0" sz="4200" b="1" kern="1200" cap="all" baseline="0">
+                <a:ln w="500">
+                  <a:solidFill>
+                    <a:schemeClr val="tx2">
+                      <a:shade val="20000"/>
+                      <a:satMod val="120000"/>
+                    </a:schemeClr>
+                  </a:solidFill>
+                </a:ln>
+                <a:gradFill>
+                  <a:gsLst>
+                    <a:gs pos="0">
+                      <a:schemeClr val="accent4">
+                        <a:tint val="13000"/>
+                      </a:schemeClr>
+                    </a:gs>
+                    <a:gs pos="10000">
+                      <a:schemeClr val="accent4">
+                        <a:tint val="20000"/>
+                      </a:schemeClr>
+                    </a:gs>
+                    <a:gs pos="49000">
+                      <a:schemeClr val="accent4">
+                        <a:tint val="70000"/>
+                      </a:schemeClr>
+                    </a:gs>
+                    <a:gs pos="50000">
+                      <a:schemeClr val="accent4">
+                        <a:tint val="97000"/>
+                      </a:schemeClr>
+                    </a:gs>
+                    <a:gs pos="100000">
+                      <a:schemeClr val="accent4">
+                        <a:tint val="20000"/>
+                      </a:schemeClr>
+                    </a:gs>
+                  </a:gsLst>
+                  <a:lin ang="5400000" scaled="1"/>
+                </a:gradFill>
+                <a:effectLst/>
+                <a:latin typeface="+mj-lt"/>
+                <a:ea typeface="+mj-ea"/>
+                <a:cs typeface="+mj-cs"/>
+              </a:defRPr>
+            </a:lvl1pPr>
+            <a:extLst/>
+          </a:lstStyle>
+          <a:p>
+            <a:pPr defTabSz="914400"/>
+            <a:r>
+              <a:rPr lang="fr-FR" sz="4000" cap="none" dirty="0" smtClean="0">
+                <a:solidFill>
+                  <a:schemeClr val="tx2">
+                    <a:lumMod val="75000"/>
+                  </a:schemeClr>
+                </a:solidFill>
+                <a:latin typeface="Georgia" panose="02040502050405020303" pitchFamily="18" charset="0"/>
+              </a:rPr>
+              <a:t>Merci pour votre attention</a:t>
+            </a:r>
+            <a:endParaRPr lang="fr-FR" sz="4000" cap="none" dirty="0">
+              <a:solidFill>
+                <a:schemeClr val="tx2">
+                  <a:lumMod val="75000"/>
+                </a:schemeClr>
+              </a:solidFill>
+              <a:latin typeface="Georgia" panose="02040502050405020303" pitchFamily="18" charset="0"/>
+            </a:endParaRPr>
+          </a:p>
+        </p:txBody>
+      </p:sp>
+    </p:spTree>
+    <p:extLst>
+      <p:ext uri="{BB962C8B-B14F-4D97-AF65-F5344CB8AC3E}">
+        <p14:creationId xmlns:p14="http://schemas.microsoft.com/office/powerpoint/2010/main" val="2005242016"/>
+      </p:ext>
+    </p:extLst>
+  </p:cSld>
+  <p:clrMapOvr>
+    <a:masterClrMapping/>
+  </p:clrMapOvr>
+  <p:timing>
+    <p:tnLst>
+      <p:par>
+        <p:cTn id="1" dur="indefinite" restart="never" nodeType="tmRoot"/>
+      </p:par>
+    </p:tnLst>
+  </p:timing>
+</p:sld>
+</file>
+
+<file path=ppt/slides/slide3.xml><?xml version="1.0" encoding="utf-8"?>
+<p:sld xmlns:a="http://schemas.openxmlformats.org/drawingml/2006/main" xmlns:r="http://schemas.openxmlformats.org/officeDocument/2006/relationships" xmlns:p="http://schemas.openxmlformats.org/presentationml/2006/main">
+  <p:cSld>
+    <p:spTree>
+      <p:nvGrpSpPr>
+        <p:cNvPr id="1" name=""/>
+        <p:cNvGrpSpPr/>
+        <p:nvPr/>
+      </p:nvGrpSpPr>
+      <p:grpSpPr>
+        <a:xfrm>
+          <a:off x="0" y="0"/>
+          <a:ext cx="0" cy="0"/>
+          <a:chOff x="0" y="0"/>
+          <a:chExt cx="0" cy="0"/>
+        </a:xfrm>
+      </p:grpSpPr>
+      <p:sp>
+        <p:nvSpPr>
+          <p:cNvPr id="86" name="TextShape 1"/>
+          <p:cNvSpPr txBox="1"/>
+          <p:nvPr/>
+        </p:nvSpPr>
+        <p:spPr>
+          <a:xfrm>
+            <a:off x="504001" y="301321"/>
+            <a:ext cx="9071640" cy="637560"/>
+          </a:xfrm>
+          <a:prstGeom prst="rect">
+            <a:avLst/>
+          </a:prstGeom>
+          <a:noFill/>
+          <a:ln>
+            <a:noFill/>
+          </a:ln>
+        </p:spPr>
+        <p:txBody>
+          <a:bodyPr lIns="0" tIns="0" rIns="0" bIns="0" anchor="ctr">
+            <a:noAutofit/>
+          </a:bodyPr>
+          <a:lstStyle/>
+          <a:p>
+            <a:pPr algn="ctr"/>
+            <a:r>
+              <a:rPr lang="fr-FR" sz="4400" spc="-1">
+                <a:solidFill>
+                  <a:srgbClr val="FFFFFF"/>
+                </a:solidFill>
+                <a:latin typeface="Arial"/>
+              </a:rPr>
+              <a:t>Introduction</a:t>
+            </a:r>
+          </a:p>
+        </p:txBody>
+      </p:sp>
+      <p:sp>
+        <p:nvSpPr>
+          <p:cNvPr id="87" name="TextShape 2"/>
+          <p:cNvSpPr txBox="1"/>
+          <p:nvPr/>
+        </p:nvSpPr>
+        <p:spPr>
+          <a:xfrm>
+            <a:off x="504001" y="2123653"/>
+            <a:ext cx="8064703" cy="4384440"/>
+          </a:xfrm>
+          <a:prstGeom prst="rect">
+            <a:avLst/>
+          </a:prstGeom>
+          <a:noFill/>
+          <a:ln>
+            <a:noFill/>
+          </a:ln>
+        </p:spPr>
+        <p:txBody>
+          <a:bodyPr lIns="0" tIns="0" rIns="0" bIns="0">
+            <a:noAutofit/>
+          </a:bodyPr>
+          <a:lstStyle/>
+          <a:p>
+            <a:pPr marL="431955" indent="-323966">
+              <a:spcBef>
+                <a:spcPts val="600"/>
+              </a:spcBef>
+              <a:buClr>
+                <a:srgbClr val="000000"/>
+              </a:buClr>
+              <a:buSzPct val="45000"/>
+              <a:buFont typeface="Wingdings" charset="2"/>
+              <a:buChar char=""/>
+            </a:pPr>
+            <a:r>
+              <a:rPr lang="fr-FR" sz="1600" b="1" spc="-1" dirty="0" smtClean="0">
+                <a:solidFill>
+                  <a:schemeClr val="bg2">
+                    <a:lumMod val="25000"/>
+                  </a:schemeClr>
+                </a:solidFill>
+                <a:latin typeface="Georgia" panose="02040502050405020303" pitchFamily="18" charset="0"/>
+              </a:rPr>
+              <a:t>Différents canaux d’accès aux favoris:</a:t>
+            </a:r>
+          </a:p>
+          <a:p>
+            <a:pPr marL="889107" lvl="1" indent="-323966">
+              <a:spcBef>
+                <a:spcPts val="600"/>
+              </a:spcBef>
+              <a:buClr>
+                <a:srgbClr val="000000"/>
+              </a:buClr>
+              <a:buSzPct val="45000"/>
+              <a:buFont typeface="Wingdings" charset="2"/>
+              <a:buChar char=""/>
+            </a:pPr>
+            <a:r>
+              <a:rPr lang="fr-FR" sz="1600" spc="-1" dirty="0" smtClean="0">
+                <a:solidFill>
+                  <a:schemeClr val="bg2">
+                    <a:lumMod val="25000"/>
+                  </a:schemeClr>
+                </a:solidFill>
+                <a:latin typeface="Georgia" panose="02040502050405020303" pitchFamily="18" charset="0"/>
+              </a:rPr>
+              <a:t>Téléphones</a:t>
+            </a:r>
+          </a:p>
+          <a:p>
+            <a:pPr marL="889107" lvl="1" indent="-323966">
+              <a:spcBef>
+                <a:spcPts val="600"/>
+              </a:spcBef>
+              <a:buClr>
+                <a:srgbClr val="000000"/>
+              </a:buClr>
+              <a:buSzPct val="45000"/>
+              <a:buFont typeface="Wingdings" charset="2"/>
+              <a:buChar char=""/>
+            </a:pPr>
+            <a:r>
+              <a:rPr lang="fr-FR" sz="1600" spc="-1" dirty="0" smtClean="0">
+                <a:solidFill>
+                  <a:schemeClr val="bg2">
+                    <a:lumMod val="25000"/>
+                  </a:schemeClr>
+                </a:solidFill>
+                <a:latin typeface="Georgia" panose="02040502050405020303" pitchFamily="18" charset="0"/>
+              </a:rPr>
+              <a:t>Tablettes</a:t>
+            </a:r>
+          </a:p>
+          <a:p>
+            <a:pPr marL="889107" lvl="1" indent="-323966">
+              <a:spcBef>
+                <a:spcPts val="600"/>
+              </a:spcBef>
+              <a:buClr>
+                <a:srgbClr val="000000"/>
+              </a:buClr>
+              <a:buSzPct val="45000"/>
+              <a:buFont typeface="Wingdings" charset="2"/>
+              <a:buChar char=""/>
+            </a:pPr>
+            <a:r>
+              <a:rPr lang="fr-FR" sz="1600" spc="-1" dirty="0" smtClean="0">
+                <a:solidFill>
+                  <a:schemeClr val="bg2">
+                    <a:lumMod val="25000"/>
+                  </a:schemeClr>
+                </a:solidFill>
+                <a:latin typeface="Georgia" panose="02040502050405020303" pitchFamily="18" charset="0"/>
+              </a:rPr>
+              <a:t>Ordinateurs </a:t>
+            </a:r>
+          </a:p>
+          <a:p>
+            <a:pPr marL="889107" lvl="1" indent="-323966">
+              <a:spcBef>
+                <a:spcPts val="600"/>
+              </a:spcBef>
+              <a:buClr>
+                <a:srgbClr val="000000"/>
+              </a:buClr>
+              <a:buSzPct val="45000"/>
+              <a:buFont typeface="Wingdings" charset="2"/>
+              <a:buChar char=""/>
+            </a:pPr>
+            <a:r>
+              <a:rPr lang="fr-FR" sz="1600" spc="-1" dirty="0" smtClean="0">
+                <a:solidFill>
+                  <a:schemeClr val="bg2">
+                    <a:lumMod val="25000"/>
+                  </a:schemeClr>
+                </a:solidFill>
+                <a:latin typeface="Georgia" panose="02040502050405020303" pitchFamily="18" charset="0"/>
+              </a:rPr>
+              <a:t>Navigateurs</a:t>
+            </a:r>
+          </a:p>
+          <a:p>
+            <a:pPr marL="889107" lvl="1" indent="-323966">
+              <a:spcBef>
+                <a:spcPts val="600"/>
+              </a:spcBef>
+              <a:buClr>
+                <a:srgbClr val="000000"/>
+              </a:buClr>
+              <a:buSzPct val="45000"/>
+              <a:buFont typeface="Wingdings" charset="2"/>
+              <a:buChar char=""/>
+            </a:pPr>
+            <a:endParaRPr lang="fr-FR" sz="1600" spc="-1" dirty="0">
+              <a:solidFill>
+                <a:schemeClr val="bg2">
+                  <a:lumMod val="25000"/>
+                </a:schemeClr>
+              </a:solidFill>
+              <a:latin typeface="Georgia" panose="02040502050405020303" pitchFamily="18" charset="0"/>
+            </a:endParaRPr>
+          </a:p>
+          <a:p>
+            <a:pPr marL="431955" indent="-323966">
+              <a:spcBef>
+                <a:spcPts val="600"/>
+              </a:spcBef>
+              <a:buClr>
+                <a:srgbClr val="000000"/>
+              </a:buClr>
+              <a:buSzPct val="45000"/>
+              <a:buFont typeface="Wingdings" charset="2"/>
+              <a:buChar char=""/>
+            </a:pPr>
+            <a:r>
+              <a:rPr lang="fr-FR" sz="1600" b="1" spc="-1" dirty="0" smtClean="0">
+                <a:solidFill>
+                  <a:schemeClr val="bg2">
+                    <a:lumMod val="25000"/>
+                  </a:schemeClr>
+                </a:solidFill>
+                <a:latin typeface="Georgia" panose="02040502050405020303" pitchFamily="18" charset="0"/>
+              </a:rPr>
+              <a:t>Concurrence sur le marché : </a:t>
+            </a:r>
+          </a:p>
+          <a:p>
+            <a:pPr marL="889107" lvl="1" indent="-323966">
+              <a:spcBef>
+                <a:spcPts val="600"/>
+              </a:spcBef>
+              <a:buClr>
+                <a:srgbClr val="000000"/>
+              </a:buClr>
+              <a:buSzPct val="45000"/>
+              <a:buFont typeface="Wingdings" charset="2"/>
+              <a:buChar char=""/>
+            </a:pPr>
+            <a:r>
+              <a:rPr lang="fr-FR" sz="1600" spc="-1" dirty="0" err="1" smtClean="0">
+                <a:solidFill>
+                  <a:schemeClr val="bg2">
+                    <a:lumMod val="25000"/>
+                  </a:schemeClr>
+                </a:solidFill>
+                <a:latin typeface="Georgia" panose="02040502050405020303" pitchFamily="18" charset="0"/>
+              </a:rPr>
+              <a:t>Raindrop</a:t>
+            </a:r>
+            <a:endParaRPr lang="fr-FR" sz="1600" spc="-1" dirty="0" smtClean="0">
+              <a:solidFill>
+                <a:schemeClr val="bg2">
+                  <a:lumMod val="25000"/>
+                </a:schemeClr>
+              </a:solidFill>
+              <a:latin typeface="Georgia" panose="02040502050405020303" pitchFamily="18" charset="0"/>
+            </a:endParaRPr>
+          </a:p>
+          <a:p>
+            <a:pPr marL="889107" lvl="1" indent="-323966">
+              <a:spcBef>
+                <a:spcPts val="600"/>
+              </a:spcBef>
+              <a:buClr>
+                <a:srgbClr val="000000"/>
+              </a:buClr>
+              <a:buSzPct val="45000"/>
+              <a:buFont typeface="Wingdings" charset="2"/>
+              <a:buChar char=""/>
+            </a:pPr>
+            <a:r>
+              <a:rPr lang="fr-FR" sz="1600" spc="-1" dirty="0" smtClean="0">
+                <a:solidFill>
+                  <a:schemeClr val="bg2">
+                    <a:lumMod val="25000"/>
+                  </a:schemeClr>
+                </a:solidFill>
+                <a:latin typeface="Georgia" panose="02040502050405020303" pitchFamily="18" charset="0"/>
+              </a:rPr>
+              <a:t>Google</a:t>
+            </a:r>
+          </a:p>
+          <a:p>
+            <a:pPr marL="889107" lvl="1" indent="-323966">
+              <a:spcBef>
+                <a:spcPts val="600"/>
+              </a:spcBef>
+              <a:buClr>
+                <a:srgbClr val="000000"/>
+              </a:buClr>
+              <a:buSzPct val="45000"/>
+              <a:buFont typeface="Wingdings" charset="2"/>
+              <a:buChar char=""/>
+            </a:pPr>
+            <a:r>
+              <a:rPr lang="fr-FR" sz="1600" spc="-1" dirty="0" err="1" smtClean="0">
+                <a:solidFill>
+                  <a:schemeClr val="bg2">
+                    <a:lumMod val="25000"/>
+                  </a:schemeClr>
+                </a:solidFill>
+                <a:latin typeface="Georgia" panose="02040502050405020303" pitchFamily="18" charset="0"/>
+              </a:rPr>
+              <a:t>Diigo</a:t>
+            </a:r>
+            <a:endParaRPr lang="fr-FR" sz="1600" spc="-1" dirty="0" smtClean="0">
+              <a:solidFill>
+                <a:schemeClr val="bg2">
+                  <a:lumMod val="25000"/>
+                </a:schemeClr>
+              </a:solidFill>
+              <a:latin typeface="Georgia" panose="02040502050405020303" pitchFamily="18" charset="0"/>
+            </a:endParaRPr>
+          </a:p>
+          <a:p>
+            <a:pPr marL="431955" indent="-323966">
+              <a:spcBef>
+                <a:spcPts val="600"/>
+              </a:spcBef>
+              <a:buClr>
+                <a:srgbClr val="000000"/>
+              </a:buClr>
+              <a:buSzPct val="45000"/>
+              <a:buFont typeface="Wingdings" charset="2"/>
+              <a:buChar char=""/>
+            </a:pPr>
+            <a:endParaRPr lang="fr-FR" sz="1600" spc="-1" dirty="0" smtClean="0">
+              <a:solidFill>
+                <a:schemeClr val="bg2">
+                  <a:lumMod val="25000"/>
+                </a:schemeClr>
+              </a:solidFill>
+              <a:latin typeface="Georgia" panose="02040502050405020303" pitchFamily="18" charset="0"/>
+            </a:endParaRPr>
+          </a:p>
+          <a:p>
+            <a:pPr marL="431955" indent="-323966">
+              <a:spcBef>
+                <a:spcPts val="600"/>
+              </a:spcBef>
+              <a:buClr>
+                <a:srgbClr val="000000"/>
+              </a:buClr>
+              <a:buSzPct val="45000"/>
+              <a:buFont typeface="Wingdings" charset="2"/>
+              <a:buChar char=""/>
+            </a:pPr>
+            <a:r>
+              <a:rPr lang="fr-FR" sz="1600" b="1" spc="-1" dirty="0" smtClean="0">
+                <a:solidFill>
+                  <a:schemeClr val="bg2">
+                    <a:lumMod val="25000"/>
+                  </a:schemeClr>
+                </a:solidFill>
+                <a:latin typeface="Georgia" panose="02040502050405020303" pitchFamily="18" charset="0"/>
+              </a:rPr>
+              <a:t>Problèmes:</a:t>
+            </a:r>
+          </a:p>
+          <a:p>
+            <a:pPr marL="889107" lvl="1" indent="-323966">
+              <a:spcBef>
+                <a:spcPts val="600"/>
+              </a:spcBef>
+              <a:buClr>
+                <a:srgbClr val="000000"/>
+              </a:buClr>
+              <a:buSzPct val="45000"/>
+              <a:buFont typeface="Wingdings" charset="2"/>
+              <a:buChar char=""/>
+            </a:pPr>
+            <a:r>
+              <a:rPr lang="fr-FR" sz="1600" spc="-1" dirty="0" smtClean="0">
+                <a:solidFill>
+                  <a:schemeClr val="bg2">
+                    <a:lumMod val="25000"/>
+                  </a:schemeClr>
+                </a:solidFill>
+                <a:latin typeface="Georgia" panose="02040502050405020303" pitchFamily="18" charset="0"/>
+              </a:rPr>
+              <a:t>Partage des  données personnelles</a:t>
+            </a:r>
+          </a:p>
+          <a:p>
+            <a:pPr marL="889107" lvl="1" indent="-323966">
+              <a:spcBef>
+                <a:spcPts val="600"/>
+              </a:spcBef>
+              <a:buClr>
+                <a:srgbClr val="000000"/>
+              </a:buClr>
+              <a:buSzPct val="45000"/>
+              <a:buFont typeface="Wingdings" charset="2"/>
+              <a:buChar char=""/>
+            </a:pPr>
+            <a:r>
+              <a:rPr lang="fr-FR" sz="1600" spc="-1" dirty="0" smtClean="0">
+                <a:solidFill>
+                  <a:schemeClr val="bg2">
+                    <a:lumMod val="25000"/>
+                  </a:schemeClr>
+                </a:solidFill>
+                <a:latin typeface="Georgia" panose="02040502050405020303" pitchFamily="18" charset="0"/>
+              </a:rPr>
+              <a:t>Dis-connexion entre les différents canaux</a:t>
+            </a:r>
+            <a:endParaRPr lang="fr-FR" sz="1600" spc="-1" dirty="0">
+              <a:solidFill>
+                <a:schemeClr val="bg2">
+                  <a:lumMod val="25000"/>
+                </a:schemeClr>
+              </a:solidFill>
+              <a:latin typeface="Georgia" panose="02040502050405020303" pitchFamily="18" charset="0"/>
+            </a:endParaRPr>
+          </a:p>
+          <a:p>
+            <a:pPr marL="565141" lvl="1">
+              <a:spcBef>
+                <a:spcPts val="600"/>
+              </a:spcBef>
+              <a:buClr>
+                <a:srgbClr val="000000"/>
+              </a:buClr>
+              <a:buSzPct val="45000"/>
+            </a:pPr>
+            <a:endParaRPr lang="fr-FR" sz="1600" spc="-1" dirty="0" smtClean="0">
+              <a:solidFill>
+                <a:schemeClr val="bg2">
+                  <a:lumMod val="25000"/>
+                </a:schemeClr>
+              </a:solidFill>
+              <a:latin typeface="Georgia" panose="02040502050405020303" pitchFamily="18" charset="0"/>
+            </a:endParaRPr>
+          </a:p>
+          <a:p>
+            <a:pPr marL="431955" indent="-323966">
+              <a:spcBef>
+                <a:spcPts val="600"/>
+              </a:spcBef>
+              <a:buClr>
+                <a:srgbClr val="000000"/>
+              </a:buClr>
+              <a:buSzPct val="45000"/>
+              <a:buFont typeface="Wingdings" charset="2"/>
+              <a:buChar char=""/>
+            </a:pPr>
+            <a:endParaRPr lang="fr-FR" sz="1600" spc="-1" dirty="0">
+              <a:solidFill>
+                <a:schemeClr val="bg2">
+                  <a:lumMod val="25000"/>
+                </a:schemeClr>
+              </a:solidFill>
+              <a:latin typeface="Georgia" panose="02040502050405020303" pitchFamily="18" charset="0"/>
+            </a:endParaRPr>
+          </a:p>
+        </p:txBody>
+      </p:sp>
+      <p:sp>
+        <p:nvSpPr>
+          <p:cNvPr id="3" name="Titre 2"/>
+          <p:cNvSpPr>
+            <a:spLocks noGrp="1"/>
+          </p:cNvSpPr>
+          <p:nvPr>
+            <p:ph type="title"/>
+          </p:nvPr>
+        </p:nvSpPr>
+        <p:spPr/>
+        <p:txBody>
+          <a:bodyPr/>
+          <a:lstStyle/>
+          <a:p>
+            <a:r>
+              <a:rPr lang="fr-FR" dirty="0" smtClean="0"/>
+              <a:t>Introduction	</a:t>
+            </a:r>
+            <a:endParaRPr lang="fr-FR" dirty="0"/>
+          </a:p>
+        </p:txBody>
+      </p:sp>
+      <p:sp>
+        <p:nvSpPr>
+          <p:cNvPr id="2" name="Espace réservé du numéro de diapositive 1"/>
+          <p:cNvSpPr>
+            <a:spLocks noGrp="1"/>
+          </p:cNvSpPr>
+          <p:nvPr>
+            <p:ph type="sldNum" sz="quarter" idx="12"/>
+          </p:nvPr>
+        </p:nvSpPr>
+        <p:spPr/>
+        <p:txBody>
+          <a:bodyPr/>
+          <a:lstStyle/>
+          <a:p>
+            <a:pPr algn="r"/>
+            <a:fld id="{E24D620B-6B54-4D64-8088-7BD33B9B7119}" type="slidenum">
+              <a:rPr lang="fr-FR" sz="1400" b="0" strike="noStrike" spc="-1" smtClean="0">
+                <a:latin typeface="Arial"/>
+              </a:rPr>
+              <a:t>3</a:t>
+            </a:fld>
+            <a:endParaRPr lang="fr-FR" sz="1400" b="0" strike="noStrike" spc="-1">
+              <a:latin typeface="Arial"/>
+            </a:endParaRPr>
+          </a:p>
+        </p:txBody>
+      </p:sp>
+      <p:sp>
+        <p:nvSpPr>
+          <p:cNvPr id="5" name="Espace réservé du texte 4"/>
+          <p:cNvSpPr>
+            <a:spLocks noGrp="1"/>
+          </p:cNvSpPr>
+          <p:nvPr>
+            <p:ph type="body" sz="quarter" idx="13"/>
+          </p:nvPr>
+        </p:nvSpPr>
+        <p:spPr/>
+        <p:txBody>
+          <a:bodyPr>
+            <a:normAutofit fontScale="85000" lnSpcReduction="20000"/>
+          </a:bodyPr>
+          <a:lstStyle/>
+          <a:p>
+            <a:r>
+              <a:rPr lang="fr-FR" dirty="0" smtClean="0"/>
+              <a:t>Problématiques</a:t>
+            </a:r>
+            <a:endParaRPr lang="fr-FR" dirty="0"/>
+          </a:p>
+        </p:txBody>
+      </p:sp>
+      <p:sp>
+        <p:nvSpPr>
+          <p:cNvPr id="6" name="Espace réservé du pied de page 5"/>
+          <p:cNvSpPr>
+            <a:spLocks noGrp="1"/>
+          </p:cNvSpPr>
+          <p:nvPr>
+            <p:ph type="ftr" sz="quarter" idx="11"/>
+          </p:nvPr>
+        </p:nvSpPr>
+        <p:spPr/>
+        <p:txBody>
+          <a:bodyPr/>
+          <a:lstStyle/>
+          <a:p>
+            <a:pPr algn="ctr"/>
+            <a:r>
+              <a:rPr lang="fr-FR" spc="-1" dirty="0" smtClean="0"/>
+              <a:t>Priscillien HERBET – </a:t>
+            </a:r>
+            <a:r>
+              <a:rPr lang="fr-FR" spc="-1" dirty="0"/>
+              <a:t>17  juin 2022</a:t>
+            </a:r>
+            <a:endParaRPr lang="fr-FR" spc="-1" dirty="0"/>
+          </a:p>
+        </p:txBody>
+      </p:sp>
+    </p:spTree>
+  </p:cSld>
+  <p:clrMapOvr>
+    <a:masterClrMapping/>
+  </p:clrMapOvr>
+  <mc:AlternateContent xmlns:mc="http://schemas.openxmlformats.org/markup-compatibility/2006" xmlns:p14="http://schemas.microsoft.com/office/powerpoint/2010/main">
+    <mc:Choice Requires="p14">
+      <p:transition spd="slow" p14:dur="2000"/>
+    </mc:Choice>
+    <mc:Fallback xmlns:p15="http://schemas.microsoft.com/office/powerpoint/2012/main" xmlns="">
+      <p:transition spd="slow"/>
+    </mc:Fallback>
+  </mc:AlternateContent>
+  <p:timing>
+    <p:tnLst>
+      <p:par>
+        <p:cTn id="1" dur="indefinite" restart="never" nodeType="tmRoot"/>
+      </p:par>
+    </p:tnLst>
+  </p:timing>
+</p:sld>
+</file>
+
+<file path=ppt/slides/slide4.xml><?xml version="1.0" encoding="utf-8"?>
+<p:sld xmlns:a="http://schemas.openxmlformats.org/drawingml/2006/main" xmlns:r="http://schemas.openxmlformats.org/officeDocument/2006/relationships" xmlns:p="http://schemas.openxmlformats.org/presentationml/2006/main">
+  <p:cSld>
+    <p:spTree>
+      <p:nvGrpSpPr>
+        <p:cNvPr id="1" name=""/>
+        <p:cNvGrpSpPr/>
+        <p:nvPr/>
+      </p:nvGrpSpPr>
+      <p:grpSpPr>
+        <a:xfrm>
+          <a:off x="0" y="0"/>
+          <a:ext cx="0" cy="0"/>
+          <a:chOff x="0" y="0"/>
+          <a:chExt cx="0" cy="0"/>
+        </a:xfrm>
+      </p:grpSpPr>
+      <p:sp>
+        <p:nvSpPr>
+          <p:cNvPr id="86" name="TextShape 1"/>
+          <p:cNvSpPr txBox="1"/>
+          <p:nvPr/>
+        </p:nvSpPr>
+        <p:spPr>
+          <a:xfrm>
+            <a:off x="504001" y="301321"/>
+            <a:ext cx="9071640" cy="637560"/>
+          </a:xfrm>
+          <a:prstGeom prst="rect">
+            <a:avLst/>
+          </a:prstGeom>
+          <a:noFill/>
+          <a:ln>
+            <a:noFill/>
+          </a:ln>
+        </p:spPr>
+        <p:txBody>
+          <a:bodyPr lIns="0" tIns="0" rIns="0" bIns="0" anchor="ctr">
+            <a:noAutofit/>
+          </a:bodyPr>
+          <a:lstStyle/>
+          <a:p>
+            <a:pPr algn="ctr"/>
+            <a:r>
+              <a:rPr lang="fr-FR" sz="4400" spc="-1">
+                <a:solidFill>
+                  <a:srgbClr val="FFFFFF"/>
+                </a:solidFill>
+                <a:latin typeface="Arial"/>
+              </a:rPr>
+              <a:t>Introduction</a:t>
+            </a:r>
+          </a:p>
+        </p:txBody>
+      </p:sp>
+      <p:sp>
+        <p:nvSpPr>
+          <p:cNvPr id="87" name="TextShape 2"/>
+          <p:cNvSpPr txBox="1"/>
+          <p:nvPr/>
+        </p:nvSpPr>
+        <p:spPr>
+          <a:xfrm>
+            <a:off x="504001" y="2843733"/>
+            <a:ext cx="8064703" cy="2808312"/>
+          </a:xfrm>
+          <a:prstGeom prst="rect">
+            <a:avLst/>
+          </a:prstGeom>
+          <a:noFill/>
+          <a:ln>
+            <a:noFill/>
+          </a:ln>
+        </p:spPr>
+        <p:txBody>
+          <a:bodyPr lIns="0" tIns="0" rIns="0" bIns="0">
+            <a:noAutofit/>
+          </a:bodyPr>
+          <a:lstStyle/>
+          <a:p>
+            <a:pPr marL="431955" indent="-323966">
+              <a:spcBef>
+                <a:spcPts val="600"/>
+              </a:spcBef>
+              <a:buClr>
+                <a:srgbClr val="000000"/>
+              </a:buClr>
+              <a:buSzPct val="45000"/>
+              <a:buFont typeface="Wingdings" charset="2"/>
+              <a:buChar char=""/>
+            </a:pPr>
+            <a:r>
+              <a:rPr lang="fr-FR" sz="2000" b="1" spc="-1" dirty="0" smtClean="0">
+                <a:solidFill>
+                  <a:schemeClr val="bg2">
+                    <a:lumMod val="25000"/>
+                  </a:schemeClr>
+                </a:solidFill>
+                <a:latin typeface="Georgia" panose="02040502050405020303" pitchFamily="18" charset="0"/>
+              </a:rPr>
+              <a:t>Création d’un gestionnaire de favoris:</a:t>
+            </a:r>
+          </a:p>
+          <a:p>
+            <a:pPr marL="431955" indent="-323966">
+              <a:spcBef>
+                <a:spcPts val="600"/>
+              </a:spcBef>
+              <a:buClr>
+                <a:srgbClr val="000000"/>
+              </a:buClr>
+              <a:buSzPct val="45000"/>
+              <a:buFont typeface="Wingdings" charset="2"/>
+              <a:buChar char=""/>
+            </a:pPr>
+            <a:endParaRPr lang="fr-FR" sz="2000" b="1" spc="-1" dirty="0" smtClean="0">
+              <a:solidFill>
+                <a:schemeClr val="bg2">
+                  <a:lumMod val="25000"/>
+                </a:schemeClr>
+              </a:solidFill>
+              <a:latin typeface="Georgia" panose="02040502050405020303" pitchFamily="18" charset="0"/>
+            </a:endParaRPr>
+          </a:p>
+          <a:p>
+            <a:pPr marL="889107" lvl="1" indent="-323966">
+              <a:spcBef>
+                <a:spcPts val="600"/>
+              </a:spcBef>
+              <a:buClr>
+                <a:srgbClr val="000000"/>
+              </a:buClr>
+              <a:buSzPct val="45000"/>
+              <a:buFont typeface="Wingdings" charset="2"/>
+              <a:buChar char=""/>
+            </a:pPr>
+            <a:r>
+              <a:rPr lang="fr-FR" sz="2000" spc="-1" dirty="0" smtClean="0">
+                <a:solidFill>
+                  <a:schemeClr val="bg2">
+                    <a:lumMod val="25000"/>
+                  </a:schemeClr>
+                </a:solidFill>
+                <a:latin typeface="Georgia" panose="02040502050405020303" pitchFamily="18" charset="0"/>
+              </a:rPr>
+              <a:t>Simple d’utilisation</a:t>
+            </a:r>
+          </a:p>
+          <a:p>
+            <a:pPr marL="889107" lvl="1" indent="-323966">
+              <a:spcBef>
+                <a:spcPts val="600"/>
+              </a:spcBef>
+              <a:buClr>
+                <a:srgbClr val="000000"/>
+              </a:buClr>
+              <a:buSzPct val="45000"/>
+              <a:buFont typeface="Wingdings" charset="2"/>
+              <a:buChar char=""/>
+            </a:pPr>
+            <a:r>
+              <a:rPr lang="fr-FR" sz="2000" spc="-1" dirty="0" smtClean="0">
+                <a:solidFill>
+                  <a:schemeClr val="bg2">
+                    <a:lumMod val="25000"/>
+                  </a:schemeClr>
+                </a:solidFill>
+                <a:latin typeface="Georgia" panose="02040502050405020303" pitchFamily="18" charset="0"/>
+              </a:rPr>
+              <a:t>Dissocié des différents navigateurs</a:t>
+            </a:r>
+          </a:p>
+          <a:p>
+            <a:pPr marL="889107" lvl="1" indent="-323966">
+              <a:spcBef>
+                <a:spcPts val="600"/>
+              </a:spcBef>
+              <a:buClr>
+                <a:srgbClr val="000000"/>
+              </a:buClr>
+              <a:buSzPct val="45000"/>
+              <a:buFont typeface="Wingdings" charset="2"/>
+              <a:buChar char=""/>
+            </a:pPr>
+            <a:r>
+              <a:rPr lang="fr-FR" sz="2000" spc="-1" dirty="0" smtClean="0">
+                <a:solidFill>
+                  <a:schemeClr val="bg2">
+                    <a:lumMod val="25000"/>
+                  </a:schemeClr>
+                </a:solidFill>
+                <a:latin typeface="Georgia" panose="02040502050405020303" pitchFamily="18" charset="0"/>
+              </a:rPr>
+              <a:t>Possibilité de connexion sur tout les outils informatiques</a:t>
+            </a:r>
+          </a:p>
+          <a:p>
+            <a:pPr marL="889107" lvl="1" indent="-323966">
+              <a:spcBef>
+                <a:spcPts val="600"/>
+              </a:spcBef>
+              <a:buClr>
+                <a:srgbClr val="000000"/>
+              </a:buClr>
+              <a:buSzPct val="45000"/>
+              <a:buFont typeface="Wingdings" charset="2"/>
+              <a:buChar char=""/>
+            </a:pPr>
+            <a:endParaRPr lang="fr-FR" sz="2000" spc="-1" dirty="0">
+              <a:solidFill>
+                <a:schemeClr val="bg2">
+                  <a:lumMod val="25000"/>
+                </a:schemeClr>
+              </a:solidFill>
+              <a:latin typeface="Georgia" panose="02040502050405020303" pitchFamily="18" charset="0"/>
+            </a:endParaRPr>
+          </a:p>
+        </p:txBody>
+      </p:sp>
+      <p:sp>
+        <p:nvSpPr>
+          <p:cNvPr id="3" name="Titre 2"/>
+          <p:cNvSpPr>
+            <a:spLocks noGrp="1"/>
+          </p:cNvSpPr>
+          <p:nvPr>
+            <p:ph type="title"/>
+          </p:nvPr>
+        </p:nvSpPr>
+        <p:spPr/>
+        <p:txBody>
+          <a:bodyPr/>
+          <a:lstStyle/>
+          <a:p>
+            <a:r>
+              <a:rPr lang="fr-FR" dirty="0" smtClean="0"/>
+              <a:t>Introduction</a:t>
+            </a:r>
+            <a:endParaRPr lang="fr-FR" dirty="0"/>
+          </a:p>
+        </p:txBody>
+      </p:sp>
+      <p:sp>
+        <p:nvSpPr>
+          <p:cNvPr id="2" name="Espace réservé du numéro de diapositive 1"/>
+          <p:cNvSpPr>
+            <a:spLocks noGrp="1"/>
+          </p:cNvSpPr>
+          <p:nvPr>
+            <p:ph type="sldNum" sz="quarter" idx="12"/>
+          </p:nvPr>
+        </p:nvSpPr>
+        <p:spPr/>
+        <p:txBody>
+          <a:bodyPr/>
+          <a:lstStyle/>
+          <a:p>
+            <a:pPr algn="r"/>
+            <a:fld id="{E24D620B-6B54-4D64-8088-7BD33B9B7119}" type="slidenum">
+              <a:rPr lang="fr-FR" sz="1400" b="0" strike="noStrike" spc="-1" smtClean="0">
+                <a:latin typeface="Arial"/>
+              </a:rPr>
+              <a:t>4</a:t>
+            </a:fld>
+            <a:endParaRPr lang="fr-FR" sz="1400" b="0" strike="noStrike" spc="-1">
+              <a:latin typeface="Arial"/>
+            </a:endParaRPr>
+          </a:p>
+        </p:txBody>
+      </p:sp>
+      <p:sp>
+        <p:nvSpPr>
+          <p:cNvPr id="4" name="Espace réservé du texte 3"/>
+          <p:cNvSpPr>
+            <a:spLocks noGrp="1"/>
+          </p:cNvSpPr>
+          <p:nvPr>
+            <p:ph type="body" sz="quarter" idx="13"/>
+          </p:nvPr>
+        </p:nvSpPr>
+        <p:spPr/>
+        <p:txBody>
+          <a:bodyPr>
+            <a:normAutofit fontScale="85000" lnSpcReduction="20000"/>
+          </a:bodyPr>
+          <a:lstStyle/>
+          <a:p>
+            <a:r>
+              <a:rPr lang="fr-FR" dirty="0" smtClean="0"/>
+              <a:t>Objectifs</a:t>
+            </a:r>
+            <a:endParaRPr lang="fr-FR" dirty="0"/>
+          </a:p>
+        </p:txBody>
+      </p:sp>
+      <p:sp>
+        <p:nvSpPr>
+          <p:cNvPr id="5" name="Espace réservé du pied de page 4"/>
+          <p:cNvSpPr>
+            <a:spLocks noGrp="1"/>
+          </p:cNvSpPr>
+          <p:nvPr>
+            <p:ph type="ftr" sz="quarter" idx="11"/>
+          </p:nvPr>
+        </p:nvSpPr>
+        <p:spPr/>
+        <p:txBody>
+          <a:bodyPr/>
+          <a:lstStyle/>
+          <a:p>
+            <a:pPr algn="ctr"/>
+            <a:r>
+              <a:rPr lang="fr-FR" spc="-1" dirty="0" smtClean="0"/>
+              <a:t>Priscillien HERBET – </a:t>
+            </a:r>
+            <a:r>
+              <a:rPr lang="fr-FR" spc="-1" dirty="0"/>
+              <a:t>17  juin 2022</a:t>
+            </a:r>
+            <a:endParaRPr lang="fr-FR" spc="-1" dirty="0"/>
+          </a:p>
+        </p:txBody>
+      </p:sp>
+    </p:spTree>
+    <p:extLst>
+      <p:ext uri="{BB962C8B-B14F-4D97-AF65-F5344CB8AC3E}">
+        <p14:creationId xmlns:p14="http://schemas.microsoft.com/office/powerpoint/2010/main" val="2476677725"/>
+      </p:ext>
+    </p:extLst>
+  </p:cSld>
+  <p:clrMapOvr>
+    <a:masterClrMapping/>
+  </p:clrMapOvr>
+  <mc:AlternateContent xmlns:mc="http://schemas.openxmlformats.org/markup-compatibility/2006" xmlns:p14="http://schemas.microsoft.com/office/powerpoint/2010/main">
+    <mc:Choice Requires="p14">
+      <p:transition spd="slow" p14:dur="2000"/>
+    </mc:Choice>
+    <mc:Fallback xmlns:p15="http://schemas.microsoft.com/office/powerpoint/2012/main" xmlns="">
+      <p:transition spd="slow"/>
+    </mc:Fallback>
+  </mc:AlternateContent>
+  <p:timing>
+    <p:tnLst>
+      <p:par>
+        <p:cTn id="1" dur="indefinite" restart="never" nodeType="tmRoot"/>
+      </p:par>
+    </p:tnLst>
+  </p:timing>
+</p:sld>
+</file>
+
+<file path=ppt/slides/slide5.xml><?xml version="1.0" encoding="utf-8"?>
+<p:sld xmlns:a="http://schemas.openxmlformats.org/drawingml/2006/main" xmlns:r="http://schemas.openxmlformats.org/officeDocument/2006/relationships" xmlns:p="http://schemas.openxmlformats.org/presentationml/2006/main">
+  <p:cSld>
+    <p:spTree>
+      <p:nvGrpSpPr>
+        <p:cNvPr id="1" name=""/>
+        <p:cNvGrpSpPr/>
+        <p:nvPr/>
+      </p:nvGrpSpPr>
+      <p:grpSpPr>
+        <a:xfrm>
+          <a:off x="0" y="0"/>
+          <a:ext cx="0" cy="0"/>
+          <a:chOff x="0" y="0"/>
+          <a:chExt cx="0" cy="0"/>
+        </a:xfrm>
+      </p:grpSpPr>
+      <p:sp>
+        <p:nvSpPr>
+          <p:cNvPr id="5" name="Rectangle à coins arrondis 4"/>
+          <p:cNvSpPr/>
+          <p:nvPr/>
+        </p:nvSpPr>
+        <p:spPr>
+          <a:xfrm>
+            <a:off x="1367904" y="3203773"/>
+            <a:ext cx="4752528" cy="432048"/>
+          </a:xfrm>
+          <a:prstGeom prst="roundRect">
+            <a:avLst/>
+          </a:prstGeom>
+          <a:solidFill>
+            <a:schemeClr val="accent5">
+              <a:lumMod val="20000"/>
+              <a:lumOff val="80000"/>
+            </a:schemeClr>
+          </a:solidFill>
+          <a:ln>
+            <a:solidFill>
+              <a:schemeClr val="accent5">
+                <a:lumMod val="20000"/>
+                <a:lumOff val="80000"/>
+              </a:schemeClr>
+            </a:solidFill>
+          </a:ln>
+        </p:spPr>
+        <p:style>
+          <a:lnRef idx="2">
+            <a:schemeClr val="accent1">
+              <a:shade val="50000"/>
+            </a:schemeClr>
+          </a:lnRef>
+          <a:fillRef idx="1">
+            <a:schemeClr val="accent1"/>
+          </a:fillRef>
+          <a:effectRef idx="0">
+            <a:schemeClr val="accent1"/>
+          </a:effectRef>
+          <a:fontRef idx="minor">
+            <a:schemeClr val="lt1"/>
+          </a:fontRef>
+        </p:style>
+        <p:txBody>
+          <a:bodyPr rtlCol="0" anchor="ctr"/>
+          <a:lstStyle/>
+          <a:p>
+            <a:pPr algn="ctr"/>
+            <a:endParaRPr lang="fr-FR"/>
+          </a:p>
+        </p:txBody>
+      </p:sp>
+      <p:sp>
+        <p:nvSpPr>
+          <p:cNvPr id="2" name="Espace réservé du numéro de diapositive 1"/>
+          <p:cNvSpPr>
+            <a:spLocks noGrp="1"/>
+          </p:cNvSpPr>
+          <p:nvPr>
+            <p:ph type="sldNum" sz="quarter" idx="12"/>
+          </p:nvPr>
+        </p:nvSpPr>
+        <p:spPr/>
+        <p:txBody>
+          <a:bodyPr/>
+          <a:lstStyle/>
+          <a:p>
+            <a:pPr algn="r"/>
+            <a:fld id="{E24D620B-6B54-4D64-8088-7BD33B9B7119}" type="slidenum">
+              <a:rPr lang="fr-FR" sz="1400" b="0" strike="noStrike" spc="-1" smtClean="0">
+                <a:latin typeface="Arial"/>
+              </a:rPr>
+              <a:t>5</a:t>
+            </a:fld>
+            <a:endParaRPr lang="fr-FR" sz="1400" b="0" strike="noStrike" spc="-1">
+              <a:latin typeface="Arial"/>
+            </a:endParaRPr>
+          </a:p>
+        </p:txBody>
+      </p:sp>
+      <p:sp>
+        <p:nvSpPr>
+          <p:cNvPr id="3" name="Titre 2"/>
+          <p:cNvSpPr>
+            <a:spLocks noGrp="1"/>
+          </p:cNvSpPr>
+          <p:nvPr>
+            <p:ph type="title"/>
+          </p:nvPr>
+        </p:nvSpPr>
+        <p:spPr/>
+        <p:txBody>
+          <a:bodyPr/>
+          <a:lstStyle/>
+          <a:p>
+            <a:r>
+              <a:rPr lang="fr-FR" dirty="0" smtClean="0"/>
+              <a:t>Agenda</a:t>
+            </a:r>
+            <a:endParaRPr lang="fr-FR" dirty="0"/>
+          </a:p>
+        </p:txBody>
+      </p:sp>
+      <p:sp>
+        <p:nvSpPr>
+          <p:cNvPr id="4" name="ZoneTexte 3"/>
+          <p:cNvSpPr txBox="1"/>
+          <p:nvPr/>
+        </p:nvSpPr>
+        <p:spPr>
+          <a:xfrm>
+            <a:off x="1007864" y="2483693"/>
+            <a:ext cx="6120680" cy="3046988"/>
+          </a:xfrm>
+          <a:prstGeom prst="rect">
+            <a:avLst/>
+          </a:prstGeom>
+          <a:noFill/>
+        </p:spPr>
+        <p:txBody>
+          <a:bodyPr wrap="square" rtlCol="0">
+            <a:spAutoFit/>
+          </a:bodyPr>
+          <a:lstStyle/>
+          <a:p>
+            <a:pPr marL="285750" indent="-285750">
+              <a:buFont typeface="Wingdings" panose="05000000000000000000" pitchFamily="2" charset="2"/>
+              <a:buChar char="Ø"/>
+            </a:pPr>
+            <a:r>
+              <a:rPr lang="fr-FR" sz="2400" dirty="0" smtClean="0">
+                <a:solidFill>
+                  <a:schemeClr val="bg2">
+                    <a:lumMod val="25000"/>
+                  </a:schemeClr>
+                </a:solidFill>
+                <a:latin typeface="Georgia" panose="02040502050405020303" pitchFamily="18" charset="0"/>
+              </a:rPr>
+              <a:t>Introduction</a:t>
+            </a:r>
+          </a:p>
+          <a:p>
+            <a:pPr marL="285750" indent="-285750">
+              <a:buFont typeface="Wingdings" panose="05000000000000000000" pitchFamily="2" charset="2"/>
+              <a:buChar char="Ø"/>
+            </a:pPr>
+            <a:endParaRPr lang="fr-FR" sz="2400" dirty="0" smtClean="0">
+              <a:solidFill>
+                <a:schemeClr val="bg2">
+                  <a:lumMod val="25000"/>
+                </a:schemeClr>
+              </a:solidFill>
+              <a:latin typeface="Georgia" panose="02040502050405020303" pitchFamily="18" charset="0"/>
+            </a:endParaRPr>
+          </a:p>
+          <a:p>
+            <a:pPr marL="285750" indent="-285750">
+              <a:buFont typeface="Wingdings" panose="05000000000000000000" pitchFamily="2" charset="2"/>
+              <a:buChar char="Ø"/>
+            </a:pPr>
+            <a:r>
+              <a:rPr lang="fr-FR" sz="2400" dirty="0" smtClean="0">
+                <a:solidFill>
+                  <a:schemeClr val="bg2">
+                    <a:lumMod val="25000"/>
+                  </a:schemeClr>
+                </a:solidFill>
+                <a:latin typeface="Georgia" panose="02040502050405020303" pitchFamily="18" charset="0"/>
+              </a:rPr>
+              <a:t>Analyse fonctionnelle</a:t>
+            </a:r>
+            <a:endParaRPr lang="fr-FR" sz="2400" dirty="0" smtClean="0">
+              <a:solidFill>
+                <a:schemeClr val="bg2">
+                  <a:lumMod val="25000"/>
+                </a:schemeClr>
+              </a:solidFill>
+              <a:latin typeface="Georgia" panose="02040502050405020303" pitchFamily="18" charset="0"/>
+            </a:endParaRPr>
+          </a:p>
+          <a:p>
+            <a:pPr marL="285750" indent="-285750">
+              <a:buFont typeface="Wingdings" panose="05000000000000000000" pitchFamily="2" charset="2"/>
+              <a:buChar char="Ø"/>
+            </a:pPr>
+            <a:endParaRPr lang="fr-FR" sz="2400" dirty="0" smtClean="0">
+              <a:solidFill>
+                <a:schemeClr val="bg2">
+                  <a:lumMod val="25000"/>
+                </a:schemeClr>
+              </a:solidFill>
+              <a:latin typeface="Georgia" panose="02040502050405020303" pitchFamily="18" charset="0"/>
+            </a:endParaRPr>
+          </a:p>
+          <a:p>
+            <a:pPr marL="285750" indent="-285750">
+              <a:buFont typeface="Wingdings" panose="05000000000000000000" pitchFamily="2" charset="2"/>
+              <a:buChar char="Ø"/>
+            </a:pPr>
+            <a:r>
+              <a:rPr lang="fr-FR" sz="2400" dirty="0" smtClean="0">
+                <a:solidFill>
+                  <a:schemeClr val="bg2">
+                    <a:lumMod val="25000"/>
+                  </a:schemeClr>
+                </a:solidFill>
+                <a:latin typeface="Georgia" panose="02040502050405020303" pitchFamily="18" charset="0"/>
+              </a:rPr>
+              <a:t>Aspect graphique</a:t>
+            </a:r>
+          </a:p>
+          <a:p>
+            <a:pPr marL="285750" indent="-285750">
+              <a:buFont typeface="Wingdings" panose="05000000000000000000" pitchFamily="2" charset="2"/>
+              <a:buChar char="Ø"/>
+            </a:pPr>
+            <a:endParaRPr lang="fr-FR" sz="2400" dirty="0">
+              <a:solidFill>
+                <a:schemeClr val="bg2">
+                  <a:lumMod val="25000"/>
+                </a:schemeClr>
+              </a:solidFill>
+              <a:latin typeface="Georgia" panose="02040502050405020303" pitchFamily="18" charset="0"/>
+            </a:endParaRPr>
+          </a:p>
+          <a:p>
+            <a:pPr marL="285750" indent="-285750">
+              <a:buFont typeface="Wingdings" panose="05000000000000000000" pitchFamily="2" charset="2"/>
+              <a:buChar char="Ø"/>
+            </a:pPr>
+            <a:r>
+              <a:rPr lang="fr-FR" sz="2400" dirty="0" smtClean="0">
+                <a:solidFill>
+                  <a:schemeClr val="bg2">
+                    <a:lumMod val="25000"/>
+                  </a:schemeClr>
+                </a:solidFill>
+                <a:latin typeface="Georgia" panose="02040502050405020303" pitchFamily="18" charset="0"/>
+              </a:rPr>
+              <a:t>Front-End </a:t>
+            </a:r>
+            <a:endParaRPr lang="fr-FR" sz="2400" dirty="0" smtClean="0">
+              <a:solidFill>
+                <a:schemeClr val="bg2">
+                  <a:lumMod val="25000"/>
+                </a:schemeClr>
+              </a:solidFill>
+              <a:latin typeface="Georgia" panose="02040502050405020303" pitchFamily="18" charset="0"/>
+            </a:endParaRPr>
+          </a:p>
+          <a:p>
+            <a:pPr marL="285750" indent="-285750">
+              <a:buFont typeface="Wingdings" panose="05000000000000000000" pitchFamily="2" charset="2"/>
+              <a:buChar char="Ø"/>
+            </a:pPr>
+            <a:endParaRPr lang="fr-FR" sz="2400" dirty="0">
+              <a:solidFill>
+                <a:schemeClr val="bg2">
+                  <a:lumMod val="25000"/>
+                </a:schemeClr>
+              </a:solidFill>
+              <a:latin typeface="Georgia" panose="02040502050405020303" pitchFamily="18" charset="0"/>
+            </a:endParaRPr>
+          </a:p>
+        </p:txBody>
+      </p:sp>
+      <p:sp>
+        <p:nvSpPr>
+          <p:cNvPr id="6" name="Espace réservé du pied de page 5"/>
+          <p:cNvSpPr>
+            <a:spLocks noGrp="1"/>
+          </p:cNvSpPr>
+          <p:nvPr>
+            <p:ph type="ftr" sz="quarter" idx="11"/>
+          </p:nvPr>
+        </p:nvSpPr>
+        <p:spPr/>
+        <p:txBody>
+          <a:bodyPr/>
+          <a:lstStyle/>
+          <a:p>
+            <a:pPr algn="ctr"/>
+            <a:r>
+              <a:rPr lang="fr-FR" spc="-1" dirty="0" smtClean="0"/>
+              <a:t>Priscillien HERBET – </a:t>
+            </a:r>
+            <a:r>
+              <a:rPr lang="fr-FR" spc="-1" dirty="0"/>
+              <a:t>17  juin 2022</a:t>
+            </a:r>
+            <a:endParaRPr lang="fr-FR" spc="-1" dirty="0"/>
+          </a:p>
+        </p:txBody>
+      </p:sp>
+    </p:spTree>
+    <p:extLst>
+      <p:ext uri="{BB962C8B-B14F-4D97-AF65-F5344CB8AC3E}">
+        <p14:creationId xmlns:p14="http://schemas.microsoft.com/office/powerpoint/2010/main" val="2364924441"/>
+      </p:ext>
+    </p:extLst>
+  </p:cSld>
+  <p:clrMapOvr>
+    <a:masterClrMapping/>
+  </p:clrMapOvr>
+  <p:timing>
+    <p:tnLst>
+      <p:par>
+        <p:cTn id="1" dur="indefinite" restart="never" nodeType="tmRoot"/>
+      </p:par>
+    </p:tnLst>
+  </p:timing>
+</p:sld>
+</file>
+
+<file path=ppt/slides/slide6.xml><?xml version="1.0" encoding="utf-8"?>
+<p:sld xmlns:a="http://schemas.openxmlformats.org/drawingml/2006/main" xmlns:r="http://schemas.openxmlformats.org/officeDocument/2006/relationships" xmlns:p="http://schemas.openxmlformats.org/presentationml/2006/main">
+  <p:cSld>
+    <p:spTree>
+      <p:nvGrpSpPr>
+        <p:cNvPr id="1" name=""/>
+        <p:cNvGrpSpPr/>
+        <p:nvPr/>
+      </p:nvGrpSpPr>
+      <p:grpSpPr>
+        <a:xfrm>
+          <a:off x="0" y="0"/>
+          <a:ext cx="0" cy="0"/>
+          <a:chOff x="0" y="0"/>
+          <a:chExt cx="0" cy="0"/>
+        </a:xfrm>
+      </p:grpSpPr>
+      <p:sp>
+        <p:nvSpPr>
+          <p:cNvPr id="2" name="Titre 1"/>
+          <p:cNvSpPr>
+            <a:spLocks noGrp="1"/>
+          </p:cNvSpPr>
+          <p:nvPr>
+            <p:ph type="title"/>
+          </p:nvPr>
+        </p:nvSpPr>
+        <p:spPr/>
+        <p:txBody>
+          <a:bodyPr/>
+          <a:lstStyle/>
+          <a:p>
+            <a:r>
+              <a:rPr lang="fr-FR" dirty="0" smtClean="0"/>
+              <a:t>Analyse fonctionnelle</a:t>
+            </a:r>
+            <a:endParaRPr lang="fr-FR" dirty="0"/>
+          </a:p>
+        </p:txBody>
+      </p:sp>
+      <p:sp>
+        <p:nvSpPr>
+          <p:cNvPr id="3" name="Espace réservé du numéro de diapositive 2"/>
+          <p:cNvSpPr>
+            <a:spLocks noGrp="1"/>
+          </p:cNvSpPr>
+          <p:nvPr>
+            <p:ph type="sldNum" sz="quarter" idx="12"/>
+          </p:nvPr>
+        </p:nvSpPr>
+        <p:spPr/>
+        <p:txBody>
+          <a:bodyPr/>
+          <a:lstStyle/>
+          <a:p>
+            <a:pPr algn="r"/>
+            <a:fld id="{E24D620B-6B54-4D64-8088-7BD33B9B7119}" type="slidenum">
+              <a:rPr lang="fr-FR" sz="1400" b="0" strike="noStrike" spc="-1" smtClean="0">
+                <a:latin typeface="Arial"/>
+              </a:rPr>
+              <a:t>6</a:t>
+            </a:fld>
+            <a:endParaRPr lang="fr-FR" sz="1400" b="0" strike="noStrike" spc="-1">
+              <a:latin typeface="Arial"/>
+            </a:endParaRPr>
+          </a:p>
+        </p:txBody>
+      </p:sp>
+      <p:sp>
+        <p:nvSpPr>
+          <p:cNvPr id="4" name="Espace réservé du texte 3"/>
+          <p:cNvSpPr>
+            <a:spLocks noGrp="1"/>
+          </p:cNvSpPr>
+          <p:nvPr>
+            <p:ph type="body" sz="quarter" idx="13"/>
+          </p:nvPr>
+        </p:nvSpPr>
+        <p:spPr/>
+        <p:txBody>
+          <a:bodyPr>
+            <a:normAutofit fontScale="85000" lnSpcReduction="20000"/>
+          </a:bodyPr>
+          <a:lstStyle/>
+          <a:p>
+            <a:r>
+              <a:rPr lang="fr-FR" dirty="0" smtClean="0"/>
+              <a:t>Use case</a:t>
+            </a:r>
+            <a:endParaRPr lang="fr-FR" dirty="0"/>
+          </a:p>
+        </p:txBody>
+      </p:sp>
+      <p:pic>
+        <p:nvPicPr>
+          <p:cNvPr id="5" name="Image 4"/>
+          <p:cNvPicPr>
+            <a:picLocks noChangeAspect="1"/>
+          </p:cNvPicPr>
+          <p:nvPr/>
+        </p:nvPicPr>
+        <p:blipFill>
+          <a:blip r:embed="rId2">
+            <a:extLst>
+              <a:ext uri="{28A0092B-C50C-407E-A947-70E740481C1C}">
+                <a14:useLocalDpi xmlns:a14="http://schemas.microsoft.com/office/drawing/2010/main" val="0"/>
+              </a:ext>
+            </a:extLst>
+          </a:blip>
+          <a:stretch>
+            <a:fillRect/>
+          </a:stretch>
+        </p:blipFill>
+        <p:spPr>
+          <a:xfrm>
+            <a:off x="1151880" y="1547589"/>
+            <a:ext cx="6624736" cy="5491796"/>
+          </a:xfrm>
+          <a:prstGeom prst="rect">
+            <a:avLst/>
+          </a:prstGeom>
+        </p:spPr>
+      </p:pic>
+      <p:sp>
+        <p:nvSpPr>
+          <p:cNvPr id="6" name="Espace réservé du pied de page 5"/>
+          <p:cNvSpPr>
+            <a:spLocks noGrp="1"/>
+          </p:cNvSpPr>
+          <p:nvPr>
+            <p:ph type="ftr" sz="quarter" idx="11"/>
+          </p:nvPr>
+        </p:nvSpPr>
+        <p:spPr/>
+        <p:txBody>
+          <a:bodyPr/>
+          <a:lstStyle/>
+          <a:p>
+            <a:pPr algn="ctr"/>
+            <a:r>
+              <a:rPr lang="fr-FR" spc="-1" dirty="0" smtClean="0"/>
+              <a:t>Priscillien HERBET – </a:t>
+            </a:r>
+            <a:r>
+              <a:rPr lang="fr-FR" spc="-1" dirty="0"/>
+              <a:t>17  juin 2022</a:t>
+            </a:r>
+            <a:endParaRPr lang="fr-FR" spc="-1" dirty="0"/>
+          </a:p>
+        </p:txBody>
+      </p:sp>
+    </p:spTree>
+    <p:extLst>
+      <p:ext uri="{BB962C8B-B14F-4D97-AF65-F5344CB8AC3E}">
+        <p14:creationId xmlns:p14="http://schemas.microsoft.com/office/powerpoint/2010/main" val="132007841"/>
+      </p:ext>
+    </p:extLst>
+  </p:cSld>
+  <p:clrMapOvr>
+    <a:masterClrMapping/>
+  </p:clrMapOvr>
+  <p:timing>
+    <p:tnLst>
+      <p:par>
+        <p:cTn id="1" dur="indefinite" restart="never" nodeType="tmRoot"/>
+      </p:par>
+    </p:tnLst>
+  </p:timing>
+</p:sld>
+</file>
+
+<file path=ppt/slides/slide7.xml><?xml version="1.0" encoding="utf-8"?>
+<p:sld xmlns:a="http://schemas.openxmlformats.org/drawingml/2006/main" xmlns:r="http://schemas.openxmlformats.org/officeDocument/2006/relationships" xmlns:p="http://schemas.openxmlformats.org/presentationml/2006/main">
+  <p:cSld>
+    <p:spTree>
+      <p:nvGrpSpPr>
+        <p:cNvPr id="1" name=""/>
+        <p:cNvGrpSpPr/>
+        <p:nvPr/>
+      </p:nvGrpSpPr>
+      <p:grpSpPr>
+        <a:xfrm>
+          <a:off x="0" y="0"/>
+          <a:ext cx="0" cy="0"/>
+          <a:chOff x="0" y="0"/>
+          <a:chExt cx="0" cy="0"/>
+        </a:xfrm>
+      </p:grpSpPr>
+      <p:sp>
+        <p:nvSpPr>
+          <p:cNvPr id="2" name="Titre 1"/>
+          <p:cNvSpPr>
+            <a:spLocks noGrp="1"/>
+          </p:cNvSpPr>
+          <p:nvPr>
+            <p:ph type="title"/>
+          </p:nvPr>
+        </p:nvSpPr>
+        <p:spPr/>
+        <p:txBody>
+          <a:bodyPr/>
+          <a:lstStyle/>
+          <a:p>
+            <a:r>
+              <a:rPr lang="fr-FR" dirty="0" smtClean="0"/>
+              <a:t>Analyse fonctionnelle</a:t>
+            </a:r>
+            <a:endParaRPr lang="fr-FR" dirty="0"/>
+          </a:p>
+        </p:txBody>
+      </p:sp>
+      <p:sp>
+        <p:nvSpPr>
+          <p:cNvPr id="3" name="Espace réservé du numéro de diapositive 2"/>
+          <p:cNvSpPr>
+            <a:spLocks noGrp="1"/>
+          </p:cNvSpPr>
+          <p:nvPr>
+            <p:ph type="sldNum" sz="quarter" idx="12"/>
+          </p:nvPr>
+        </p:nvSpPr>
+        <p:spPr/>
+        <p:txBody>
+          <a:bodyPr/>
+          <a:lstStyle/>
+          <a:p>
+            <a:pPr algn="r"/>
+            <a:fld id="{E24D620B-6B54-4D64-8088-7BD33B9B7119}" type="slidenum">
+              <a:rPr lang="fr-FR" sz="1400" b="0" strike="noStrike" spc="-1" smtClean="0">
+                <a:latin typeface="Arial"/>
+              </a:rPr>
+              <a:t>7</a:t>
+            </a:fld>
+            <a:endParaRPr lang="fr-FR" sz="1400" b="0" strike="noStrike" spc="-1">
+              <a:latin typeface="Arial"/>
+            </a:endParaRPr>
+          </a:p>
+        </p:txBody>
+      </p:sp>
+      <p:sp>
+        <p:nvSpPr>
+          <p:cNvPr id="4" name="Espace réservé du texte 3"/>
+          <p:cNvSpPr>
+            <a:spLocks noGrp="1"/>
+          </p:cNvSpPr>
+          <p:nvPr>
+            <p:ph type="body" sz="quarter" idx="13"/>
+          </p:nvPr>
+        </p:nvSpPr>
+        <p:spPr/>
+        <p:txBody>
+          <a:bodyPr>
+            <a:normAutofit fontScale="62500" lnSpcReduction="20000"/>
+          </a:bodyPr>
+          <a:lstStyle/>
+          <a:p>
+            <a:r>
+              <a:rPr lang="fr-FR" dirty="0" smtClean="0"/>
+              <a:t>Diagramme d’activité pour la création de compte</a:t>
+            </a:r>
+            <a:endParaRPr lang="fr-FR" dirty="0"/>
+          </a:p>
+        </p:txBody>
+      </p:sp>
+      <p:pic>
+        <p:nvPicPr>
+          <p:cNvPr id="5" name="Image 4"/>
+          <p:cNvPicPr>
+            <a:picLocks noChangeAspect="1"/>
+          </p:cNvPicPr>
+          <p:nvPr/>
+        </p:nvPicPr>
+        <p:blipFill>
+          <a:blip r:embed="rId2">
+            <a:extLst>
+              <a:ext uri="{28A0092B-C50C-407E-A947-70E740481C1C}">
+                <a14:useLocalDpi xmlns:a14="http://schemas.microsoft.com/office/drawing/2010/main" val="0"/>
+              </a:ext>
+            </a:extLst>
+          </a:blip>
+          <a:stretch>
+            <a:fillRect/>
+          </a:stretch>
+        </p:blipFill>
+        <p:spPr>
+          <a:xfrm>
+            <a:off x="431801" y="1907629"/>
+            <a:ext cx="8362816" cy="4752528"/>
+          </a:xfrm>
+          <a:prstGeom prst="rect">
+            <a:avLst/>
+          </a:prstGeom>
+        </p:spPr>
+      </p:pic>
+      <p:sp>
+        <p:nvSpPr>
+          <p:cNvPr id="10" name="Espace réservé du pied de page 9"/>
+          <p:cNvSpPr>
+            <a:spLocks noGrp="1"/>
+          </p:cNvSpPr>
+          <p:nvPr>
+            <p:ph type="ftr" sz="quarter" idx="11"/>
+          </p:nvPr>
+        </p:nvSpPr>
+        <p:spPr/>
+        <p:txBody>
+          <a:bodyPr/>
+          <a:lstStyle/>
+          <a:p>
+            <a:pPr algn="ctr"/>
+            <a:r>
+              <a:rPr lang="fr-FR" spc="-1" dirty="0" smtClean="0"/>
+              <a:t>Priscillien HERBET – </a:t>
+            </a:r>
+            <a:r>
+              <a:rPr lang="fr-FR" spc="-1" dirty="0"/>
+              <a:t>17  juin 2022</a:t>
+            </a:r>
+            <a:endParaRPr lang="fr-FR" spc="-1" dirty="0"/>
+          </a:p>
+        </p:txBody>
+      </p:sp>
+    </p:spTree>
+    <p:extLst>
+      <p:ext uri="{BB962C8B-B14F-4D97-AF65-F5344CB8AC3E}">
+        <p14:creationId xmlns:p14="http://schemas.microsoft.com/office/powerpoint/2010/main" val="2710375490"/>
+      </p:ext>
+    </p:extLst>
+  </p:cSld>
+  <p:clrMapOvr>
+    <a:masterClrMapping/>
+  </p:clrMapOvr>
+  <p:timing>
+    <p:tnLst>
+      <p:par>
+        <p:cTn id="1" dur="indefinite" restart="never" nodeType="tmRoot"/>
+      </p:par>
+    </p:tnLst>
+  </p:timing>
+</p:sld>
+</file>
+
+<file path=ppt/slides/slide8.xml><?xml version="1.0" encoding="utf-8"?>
+<p:sld xmlns:a="http://schemas.openxmlformats.org/drawingml/2006/main" xmlns:r="http://schemas.openxmlformats.org/officeDocument/2006/relationships" xmlns:p="http://schemas.openxmlformats.org/presentationml/2006/main">
+  <p:cSld>
+    <p:spTree>
+      <p:nvGrpSpPr>
+        <p:cNvPr id="1" name=""/>
+        <p:cNvGrpSpPr/>
+        <p:nvPr/>
+      </p:nvGrpSpPr>
+      <p:grpSpPr>
+        <a:xfrm>
+          <a:off x="0" y="0"/>
+          <a:ext cx="0" cy="0"/>
+          <a:chOff x="0" y="0"/>
+          <a:chExt cx="0" cy="0"/>
+        </a:xfrm>
+      </p:grpSpPr>
+      <p:sp>
+        <p:nvSpPr>
+          <p:cNvPr id="2" name="Titre 1"/>
+          <p:cNvSpPr>
+            <a:spLocks noGrp="1"/>
+          </p:cNvSpPr>
+          <p:nvPr>
+            <p:ph type="title"/>
+          </p:nvPr>
+        </p:nvSpPr>
+        <p:spPr/>
+        <p:txBody>
+          <a:bodyPr/>
+          <a:lstStyle/>
+          <a:p>
+            <a:r>
+              <a:rPr lang="fr-FR" dirty="0" smtClean="0"/>
+              <a:t>Analyse fonctionnelle</a:t>
+            </a:r>
+            <a:endParaRPr lang="fr-FR" dirty="0"/>
+          </a:p>
+        </p:txBody>
+      </p:sp>
+      <p:sp>
+        <p:nvSpPr>
+          <p:cNvPr id="3" name="Espace réservé du numéro de diapositive 2"/>
+          <p:cNvSpPr>
+            <a:spLocks noGrp="1"/>
+          </p:cNvSpPr>
+          <p:nvPr>
+            <p:ph type="sldNum" sz="quarter" idx="12"/>
+          </p:nvPr>
+        </p:nvSpPr>
+        <p:spPr/>
+        <p:txBody>
+          <a:bodyPr/>
+          <a:lstStyle/>
+          <a:p>
+            <a:pPr algn="r"/>
+            <a:fld id="{E24D620B-6B54-4D64-8088-7BD33B9B7119}" type="slidenum">
+              <a:rPr lang="fr-FR" sz="1400" b="0" strike="noStrike" spc="-1" smtClean="0">
+                <a:latin typeface="Arial"/>
+              </a:rPr>
+              <a:t>8</a:t>
+            </a:fld>
+            <a:endParaRPr lang="fr-FR" sz="1400" b="0" strike="noStrike" spc="-1">
+              <a:latin typeface="Arial"/>
+            </a:endParaRPr>
+          </a:p>
+        </p:txBody>
+      </p:sp>
+      <p:sp>
+        <p:nvSpPr>
+          <p:cNvPr id="4" name="Espace réservé du texte 3"/>
+          <p:cNvSpPr>
+            <a:spLocks noGrp="1"/>
+          </p:cNvSpPr>
+          <p:nvPr>
+            <p:ph type="body" sz="quarter" idx="13"/>
+          </p:nvPr>
+        </p:nvSpPr>
+        <p:spPr/>
+        <p:txBody>
+          <a:bodyPr>
+            <a:normAutofit fontScale="62500" lnSpcReduction="20000"/>
+          </a:bodyPr>
+          <a:lstStyle/>
+          <a:p>
+            <a:r>
+              <a:rPr lang="fr-FR" dirty="0" smtClean="0"/>
+              <a:t>Diagramme d’activité pour la création de compte</a:t>
+            </a:r>
+            <a:endParaRPr lang="fr-FR" dirty="0"/>
+          </a:p>
+        </p:txBody>
+      </p:sp>
+      <p:pic>
+        <p:nvPicPr>
+          <p:cNvPr id="7" name="Image 6"/>
+          <p:cNvPicPr>
+            <a:picLocks noChangeAspect="1"/>
+          </p:cNvPicPr>
+          <p:nvPr/>
+        </p:nvPicPr>
+        <p:blipFill>
+          <a:blip r:embed="rId2">
+            <a:extLst>
+              <a:ext uri="{28A0092B-C50C-407E-A947-70E740481C1C}">
+                <a14:useLocalDpi xmlns:a14="http://schemas.microsoft.com/office/drawing/2010/main" val="0"/>
+              </a:ext>
+            </a:extLst>
+          </a:blip>
+          <a:stretch>
+            <a:fillRect/>
+          </a:stretch>
+        </p:blipFill>
+        <p:spPr>
+          <a:xfrm>
+            <a:off x="698533" y="1619597"/>
+            <a:ext cx="7726155" cy="5540403"/>
+          </a:xfrm>
+          <a:prstGeom prst="rect">
+            <a:avLst/>
+          </a:prstGeom>
+        </p:spPr>
+      </p:pic>
+      <p:sp>
+        <p:nvSpPr>
+          <p:cNvPr id="8" name="Espace réservé du pied de page 7"/>
+          <p:cNvSpPr>
+            <a:spLocks noGrp="1"/>
+          </p:cNvSpPr>
+          <p:nvPr>
+            <p:ph type="ftr" sz="quarter" idx="11"/>
+          </p:nvPr>
+        </p:nvSpPr>
+        <p:spPr/>
+        <p:txBody>
+          <a:bodyPr/>
+          <a:lstStyle/>
+          <a:p>
+            <a:pPr algn="ctr"/>
+            <a:r>
+              <a:rPr lang="fr-FR" spc="-1" dirty="0" smtClean="0"/>
+              <a:t>Priscillien HERBET – </a:t>
+            </a:r>
+            <a:r>
+              <a:rPr lang="fr-FR" spc="-1" dirty="0"/>
+              <a:t>17  juin 2022</a:t>
+            </a:r>
+            <a:endParaRPr lang="fr-FR" spc="-1" dirty="0"/>
+          </a:p>
+        </p:txBody>
+      </p:sp>
+    </p:spTree>
+    <p:extLst>
+      <p:ext uri="{BB962C8B-B14F-4D97-AF65-F5344CB8AC3E}">
+        <p14:creationId xmlns:p14="http://schemas.microsoft.com/office/powerpoint/2010/main" val="3407050953"/>
+      </p:ext>
+    </p:extLst>
+  </p:cSld>
+  <p:clrMapOvr>
+    <a:masterClrMapping/>
+  </p:clrMapOvr>
+  <p:timing>
+    <p:tnLst>
+      <p:par>
+        <p:cTn id="1" dur="indefinite" restart="never" nodeType="tmRoot"/>
+      </p:par>
+    </p:tnLst>
+  </p:timing>
+</p:sld>
+</file>
+
+<file path=ppt/slides/slide9.xml><?xml version="1.0" encoding="utf-8"?>
+<p:sld xmlns:a="http://schemas.openxmlformats.org/drawingml/2006/main" xmlns:r="http://schemas.openxmlformats.org/officeDocument/2006/relationships" xmlns:p="http://schemas.openxmlformats.org/presentationml/2006/main">
+  <p:cSld>
+    <p:spTree>
+      <p:nvGrpSpPr>
+        <p:cNvPr id="1" name=""/>
+        <p:cNvGrpSpPr/>
+        <p:nvPr/>
+      </p:nvGrpSpPr>
+      <p:grpSpPr>
+        <a:xfrm>
+          <a:off x="0" y="0"/>
+          <a:ext cx="0" cy="0"/>
+          <a:chOff x="0" y="0"/>
+          <a:chExt cx="0" cy="0"/>
+        </a:xfrm>
+      </p:grpSpPr>
+      <p:sp>
+        <p:nvSpPr>
+          <p:cNvPr id="2" name="Titre 1"/>
+          <p:cNvSpPr>
+            <a:spLocks noGrp="1"/>
+          </p:cNvSpPr>
+          <p:nvPr>
+            <p:ph type="title"/>
+          </p:nvPr>
+        </p:nvSpPr>
+        <p:spPr/>
+        <p:txBody>
+          <a:bodyPr/>
+          <a:lstStyle/>
+          <a:p>
+            <a:r>
+              <a:rPr lang="fr-FR" dirty="0" smtClean="0"/>
+              <a:t>Analyse fonctionnelle</a:t>
+            </a:r>
+            <a:endParaRPr lang="fr-FR" dirty="0"/>
+          </a:p>
+        </p:txBody>
+      </p:sp>
+      <p:sp>
+        <p:nvSpPr>
+          <p:cNvPr id="3" name="Espace réservé du numéro de diapositive 2"/>
+          <p:cNvSpPr>
+            <a:spLocks noGrp="1"/>
+          </p:cNvSpPr>
+          <p:nvPr>
+            <p:ph type="sldNum" sz="quarter" idx="12"/>
+          </p:nvPr>
+        </p:nvSpPr>
+        <p:spPr/>
+        <p:txBody>
+          <a:bodyPr/>
+          <a:lstStyle/>
+          <a:p>
+            <a:pPr algn="r"/>
+            <a:fld id="{E24D620B-6B54-4D64-8088-7BD33B9B7119}" type="slidenum">
+              <a:rPr lang="fr-FR" sz="1400" b="0" strike="noStrike" spc="-1" smtClean="0">
+                <a:latin typeface="Arial"/>
+              </a:rPr>
+              <a:t>9</a:t>
+            </a:fld>
+            <a:endParaRPr lang="fr-FR" sz="1400" b="0" strike="noStrike" spc="-1">
+              <a:latin typeface="Arial"/>
+            </a:endParaRPr>
+          </a:p>
+        </p:txBody>
+      </p:sp>
+      <p:sp>
+        <p:nvSpPr>
+          <p:cNvPr id="4" name="Espace réservé du texte 3"/>
+          <p:cNvSpPr>
+            <a:spLocks noGrp="1"/>
+          </p:cNvSpPr>
+          <p:nvPr>
+            <p:ph type="body" sz="quarter" idx="13"/>
+          </p:nvPr>
+        </p:nvSpPr>
+        <p:spPr/>
+        <p:txBody>
+          <a:bodyPr>
+            <a:normAutofit fontScale="62500" lnSpcReduction="20000"/>
+          </a:bodyPr>
+          <a:lstStyle/>
+          <a:p>
+            <a:r>
+              <a:rPr lang="fr-FR" dirty="0" smtClean="0"/>
+              <a:t>Diagramme séquence pour la création de compte</a:t>
+            </a:r>
+            <a:endParaRPr lang="fr-FR" dirty="0"/>
+          </a:p>
+        </p:txBody>
+      </p:sp>
+      <p:pic>
+        <p:nvPicPr>
+          <p:cNvPr id="6" name="Image 5"/>
+          <p:cNvPicPr>
+            <a:picLocks noChangeAspect="1"/>
+          </p:cNvPicPr>
+          <p:nvPr/>
+        </p:nvPicPr>
+        <p:blipFill rotWithShape="1">
+          <a:blip r:embed="rId2">
+            <a:extLst>
+              <a:ext uri="{28A0092B-C50C-407E-A947-70E740481C1C}">
+                <a14:useLocalDpi xmlns:a14="http://schemas.microsoft.com/office/drawing/2010/main" val="0"/>
+              </a:ext>
+            </a:extLst>
+          </a:blip>
+          <a:srcRect b="5646"/>
+          <a:stretch/>
+        </p:blipFill>
+        <p:spPr>
+          <a:xfrm>
+            <a:off x="1151881" y="1724635"/>
+            <a:ext cx="7128791" cy="5301807"/>
+          </a:xfrm>
+          <a:prstGeom prst="rect">
+            <a:avLst/>
+          </a:prstGeom>
+        </p:spPr>
+      </p:pic>
+      <p:sp>
+        <p:nvSpPr>
+          <p:cNvPr id="5" name="Espace réservé du pied de page 4"/>
+          <p:cNvSpPr>
+            <a:spLocks noGrp="1"/>
+          </p:cNvSpPr>
+          <p:nvPr>
+            <p:ph type="ftr" sz="quarter" idx="11"/>
+          </p:nvPr>
+        </p:nvSpPr>
+        <p:spPr/>
+        <p:txBody>
+          <a:bodyPr/>
+          <a:lstStyle/>
+          <a:p>
+            <a:pPr algn="ctr"/>
+            <a:r>
+              <a:rPr lang="fr-FR" spc="-1" dirty="0" smtClean="0"/>
+              <a:t>Priscillien HERBET – </a:t>
+            </a:r>
+            <a:r>
+              <a:rPr lang="fr-FR" spc="-1" dirty="0"/>
+              <a:t>17  juin 2022</a:t>
+            </a:r>
+            <a:endParaRPr lang="fr-FR" spc="-1" dirty="0"/>
+          </a:p>
+        </p:txBody>
+      </p:sp>
+    </p:spTree>
+    <p:extLst>
+      <p:ext uri="{BB962C8B-B14F-4D97-AF65-F5344CB8AC3E}">
+        <p14:creationId xmlns:p14="http://schemas.microsoft.com/office/powerpoint/2010/main" val="640831349"/>
       </p:ext>
     </p:extLst>
   </p:cSld>

--- a/Realisation_4_Conception-MCD-MLD-SQL/presentation_oral_Priscillien_Herbet.pptx
+++ b/Realisation_4_Conception-MCD-MLD-SQL/presentation_oral_Priscillien_Herbet.pptx
@@ -6,7 +6,7 @@
     <p:sldMasterId id="2147483727" r:id="rId2"/>
   </p:sldMasterIdLst>
   <p:notesMasterIdLst>
-    <p:notesMasterId r:id="rId32"/>
+    <p:notesMasterId r:id="rId33"/>
   </p:notesMasterIdLst>
   <p:sldIdLst>
     <p:sldId id="275" r:id="rId3"/>
@@ -28,16 +28,17 @@
     <p:sldId id="291" r:id="rId19"/>
     <p:sldId id="290" r:id="rId20"/>
     <p:sldId id="289" r:id="rId21"/>
-    <p:sldId id="297" r:id="rId22"/>
-    <p:sldId id="296" r:id="rId23"/>
-    <p:sldId id="298" r:id="rId24"/>
-    <p:sldId id="299" r:id="rId25"/>
-    <p:sldId id="300" r:id="rId26"/>
-    <p:sldId id="301" r:id="rId27"/>
-    <p:sldId id="302" r:id="rId28"/>
-    <p:sldId id="303" r:id="rId29"/>
-    <p:sldId id="304" r:id="rId30"/>
-    <p:sldId id="295" r:id="rId31"/>
+    <p:sldId id="305" r:id="rId22"/>
+    <p:sldId id="297" r:id="rId23"/>
+    <p:sldId id="296" r:id="rId24"/>
+    <p:sldId id="298" r:id="rId25"/>
+    <p:sldId id="299" r:id="rId26"/>
+    <p:sldId id="300" r:id="rId27"/>
+    <p:sldId id="301" r:id="rId28"/>
+    <p:sldId id="302" r:id="rId29"/>
+    <p:sldId id="303" r:id="rId30"/>
+    <p:sldId id="304" r:id="rId31"/>
+    <p:sldId id="295" r:id="rId32"/>
   </p:sldIdLst>
   <p:sldSz cx="10080625" cy="7559675"/>
   <p:notesSz cx="7559675" cy="10691813"/>
@@ -221,7 +222,7 @@
           <a:p>
             <a:fld id="{C10E1B8F-6D1E-4690-97D0-7BA39DE84A18}" type="datetimeFigureOut">
               <a:rPr lang="fr-FR" smtClean="0"/>
-              <a:t>16/06/2022</a:t>
+              <a:t>17/06/2022</a:t>
             </a:fld>
             <a:endParaRPr lang="fr-FR"/>
           </a:p>
@@ -638,7 +639,7 @@
           <a:p>
             <a:fld id="{1CC2EEF8-7BCC-40F3-B660-321D489F9F76}" type="slidenum">
               <a:rPr lang="fr-FR" smtClean="0"/>
-              <a:t>26</a:t>
+              <a:t>27</a:t>
             </a:fld>
             <a:endParaRPr lang="fr-FR"/>
           </a:p>
@@ -8006,16 +8007,7 @@
                 </a:solidFill>
                 <a:latin typeface="Georgia" panose="02040502050405020303" pitchFamily="18" charset="0"/>
               </a:rPr>
-              <a:t>17  juin </a:t>
-            </a:r>
-            <a:r>
-              <a:rPr lang="fr-FR" sz="2000" i="1" dirty="0" smtClean="0">
-                <a:solidFill>
-                  <a:schemeClr val="bg1"/>
-                </a:solidFill>
-                <a:latin typeface="Georgia" panose="02040502050405020303" pitchFamily="18" charset="0"/>
-              </a:rPr>
-              <a:t>2022 – ADRAR </a:t>
+              <a:t>17  juin 2022 – ADRAR </a:t>
             </a:r>
           </a:p>
           <a:p>
@@ -8168,11 +8160,38 @@
           </a:p>
         </p:txBody>
       </p:sp>
+      <p:sp>
+        <p:nvSpPr>
+          <p:cNvPr id="5" name="Espace réservé du pied de page 4"/>
+          <p:cNvSpPr>
+            <a:spLocks noGrp="1"/>
+          </p:cNvSpPr>
+          <p:nvPr>
+            <p:ph type="ftr" sz="quarter" idx="11"/>
+          </p:nvPr>
+        </p:nvSpPr>
+        <p:spPr/>
+        <p:txBody>
+          <a:bodyPr/>
+          <a:lstStyle/>
+          <a:p>
+            <a:pPr algn="ctr"/>
+            <a:r>
+              <a:rPr lang="fr-FR" spc="-1" dirty="0" smtClean="0"/>
+              <a:t>Priscillien HERBET – </a:t>
+            </a:r>
+            <a:r>
+              <a:rPr lang="fr-FR" spc="-1" dirty="0"/>
+              <a:t>17  juin 2022</a:t>
+            </a:r>
+          </a:p>
+        </p:txBody>
+      </p:sp>
       <p:pic>
         <p:nvPicPr>
-          <p:cNvPr id="7" name="Image 6"/>
+          <p:cNvPr id="2050" name="Picture 2" descr="C:\Users\prisc\Desktop\realisation_fil_rouge\Realisation_3_UML\mcd.png"/>
           <p:cNvPicPr>
-            <a:picLocks noChangeAspect="1"/>
+            <a:picLocks noChangeAspect="1" noChangeArrowheads="1"/>
           </p:cNvPicPr>
           <p:nvPr/>
         </p:nvPicPr>
@@ -8184,48 +8203,31 @@
               </a:ext>
             </a:extLst>
           </a:blip>
+          <a:srcRect/>
           <a:stretch>
             <a:fillRect/>
           </a:stretch>
         </p:blipFill>
-        <p:spPr>
+        <p:spPr bwMode="auto">
           <a:xfrm>
-            <a:off x="387708" y="1835622"/>
-            <a:ext cx="8469028" cy="5154672"/>
+            <a:off x="503808" y="1691605"/>
+            <a:ext cx="8196536" cy="4879259"/>
           </a:xfrm>
           <a:prstGeom prst="rect">
             <a:avLst/>
           </a:prstGeom>
+          <a:noFill/>
+          <a:extLst>
+            <a:ext uri="{909E8E84-426E-40DD-AFC4-6F175D3DCCD1}">
+              <a14:hiddenFill xmlns:a14="http://schemas.microsoft.com/office/drawing/2010/main">
+                <a:solidFill>
+                  <a:srgbClr val="FFFFFF"/>
+                </a:solidFill>
+              </a14:hiddenFill>
+            </a:ext>
+          </a:extLst>
         </p:spPr>
       </p:pic>
-      <p:sp>
-        <p:nvSpPr>
-          <p:cNvPr id="5" name="Espace réservé du pied de page 4"/>
-          <p:cNvSpPr>
-            <a:spLocks noGrp="1"/>
-          </p:cNvSpPr>
-          <p:nvPr>
-            <p:ph type="ftr" sz="quarter" idx="11"/>
-          </p:nvPr>
-        </p:nvSpPr>
-        <p:spPr/>
-        <p:txBody>
-          <a:bodyPr/>
-          <a:lstStyle/>
-          <a:p>
-            <a:pPr algn="ctr"/>
-            <a:r>
-              <a:rPr lang="fr-FR" spc="-1" dirty="0" smtClean="0"/>
-              <a:t>Priscillien HERBET – </a:t>
-            </a:r>
-            <a:r>
-              <a:rPr lang="fr-FR" spc="-1" dirty="0"/>
-              <a:t>17  juin 2022</a:t>
-            </a:r>
-            <a:endParaRPr lang="fr-FR" spc="-1" dirty="0"/>
-          </a:p>
-        </p:txBody>
-      </p:sp>
     </p:spTree>
     <p:extLst>
       <p:ext uri="{BB962C8B-B14F-4D97-AF65-F5344CB8AC3E}">
@@ -8339,11 +8341,38 @@
           </a:p>
         </p:txBody>
       </p:sp>
+      <p:sp>
+        <p:nvSpPr>
+          <p:cNvPr id="5" name="Espace réservé du pied de page 4"/>
+          <p:cNvSpPr>
+            <a:spLocks noGrp="1"/>
+          </p:cNvSpPr>
+          <p:nvPr>
+            <p:ph type="ftr" sz="quarter" idx="11"/>
+          </p:nvPr>
+        </p:nvSpPr>
+        <p:spPr/>
+        <p:txBody>
+          <a:bodyPr/>
+          <a:lstStyle/>
+          <a:p>
+            <a:pPr algn="ctr"/>
+            <a:r>
+              <a:rPr lang="fr-FR" spc="-1" dirty="0" smtClean="0"/>
+              <a:t>Priscillien HERBET – </a:t>
+            </a:r>
+            <a:r>
+              <a:rPr lang="fr-FR" spc="-1" dirty="0"/>
+              <a:t>17  juin 2022</a:t>
+            </a:r>
+          </a:p>
+        </p:txBody>
+      </p:sp>
       <p:pic>
         <p:nvPicPr>
-          <p:cNvPr id="6" name="Image 5"/>
+          <p:cNvPr id="3074" name="Picture 2" descr="C:\Users\prisc\Desktop\realisation_fil_rouge\Realisation_3_UML\mld.png"/>
           <p:cNvPicPr>
-            <a:picLocks noChangeAspect="1"/>
+            <a:picLocks noChangeAspect="1" noChangeArrowheads="1"/>
           </p:cNvPicPr>
           <p:nvPr/>
         </p:nvPicPr>
@@ -8355,48 +8384,31 @@
               </a:ext>
             </a:extLst>
           </a:blip>
+          <a:srcRect/>
           <a:stretch>
             <a:fillRect/>
           </a:stretch>
         </p:blipFill>
-        <p:spPr>
+        <p:spPr bwMode="auto">
           <a:xfrm>
-            <a:off x="389523" y="1907629"/>
-            <a:ext cx="8049612" cy="5256584"/>
+            <a:off x="287784" y="1619597"/>
+            <a:ext cx="7908873" cy="5316243"/>
           </a:xfrm>
           <a:prstGeom prst="rect">
             <a:avLst/>
           </a:prstGeom>
+          <a:noFill/>
+          <a:extLst>
+            <a:ext uri="{909E8E84-426E-40DD-AFC4-6F175D3DCCD1}">
+              <a14:hiddenFill xmlns:a14="http://schemas.microsoft.com/office/drawing/2010/main">
+                <a:solidFill>
+                  <a:srgbClr val="FFFFFF"/>
+                </a:solidFill>
+              </a14:hiddenFill>
+            </a:ext>
+          </a:extLst>
         </p:spPr>
       </p:pic>
-      <p:sp>
-        <p:nvSpPr>
-          <p:cNvPr id="5" name="Espace réservé du pied de page 4"/>
-          <p:cNvSpPr>
-            <a:spLocks noGrp="1"/>
-          </p:cNvSpPr>
-          <p:nvPr>
-            <p:ph type="ftr" sz="quarter" idx="11"/>
-          </p:nvPr>
-        </p:nvSpPr>
-        <p:spPr/>
-        <p:txBody>
-          <a:bodyPr/>
-          <a:lstStyle/>
-          <a:p>
-            <a:pPr algn="ctr"/>
-            <a:r>
-              <a:rPr lang="fr-FR" spc="-1" dirty="0" smtClean="0"/>
-              <a:t>Priscillien HERBET – </a:t>
-            </a:r>
-            <a:r>
-              <a:rPr lang="fr-FR" spc="-1" dirty="0"/>
-              <a:t>17  juin 2022</a:t>
-            </a:r>
-            <a:endParaRPr lang="fr-FR" spc="-1" dirty="0"/>
-          </a:p>
-        </p:txBody>
-      </p:sp>
     </p:spTree>
     <p:extLst>
       <p:ext uri="{BB962C8B-B14F-4D97-AF65-F5344CB8AC3E}">
@@ -8514,11 +8526,38 @@
           </a:p>
         </p:txBody>
       </p:sp>
+      <p:sp>
+        <p:nvSpPr>
+          <p:cNvPr id="5" name="Espace réservé du pied de page 4"/>
+          <p:cNvSpPr>
+            <a:spLocks noGrp="1"/>
+          </p:cNvSpPr>
+          <p:nvPr>
+            <p:ph type="ftr" sz="quarter" idx="11"/>
+          </p:nvPr>
+        </p:nvSpPr>
+        <p:spPr/>
+        <p:txBody>
+          <a:bodyPr/>
+          <a:lstStyle/>
+          <a:p>
+            <a:pPr algn="ctr"/>
+            <a:r>
+              <a:rPr lang="fr-FR" spc="-1" dirty="0" smtClean="0"/>
+              <a:t>Priscillien HERBET – </a:t>
+            </a:r>
+            <a:r>
+              <a:rPr lang="fr-FR" spc="-1" dirty="0"/>
+              <a:t>17  juin 2022</a:t>
+            </a:r>
+          </a:p>
+        </p:txBody>
+      </p:sp>
       <p:pic>
         <p:nvPicPr>
-          <p:cNvPr id="7" name="Image 6"/>
+          <p:cNvPr id="4098" name="Picture 2" descr="C:\Users\prisc\Desktop\realisation_fil_rouge\Realisation_3_UML\mcdzoom.png"/>
           <p:cNvPicPr>
-            <a:picLocks noChangeAspect="1"/>
+            <a:picLocks noChangeAspect="1" noChangeArrowheads="1"/>
           </p:cNvPicPr>
           <p:nvPr/>
         </p:nvPicPr>
@@ -8530,25 +8569,36 @@
               </a:ext>
             </a:extLst>
           </a:blip>
+          <a:srcRect/>
           <a:stretch>
             <a:fillRect/>
           </a:stretch>
         </p:blipFill>
-        <p:spPr>
+        <p:spPr bwMode="auto">
           <a:xfrm>
-            <a:off x="569795" y="2132524"/>
-            <a:ext cx="7955300" cy="1566644"/>
+            <a:off x="359792" y="2051645"/>
+            <a:ext cx="8348888" cy="1656184"/>
           </a:xfrm>
           <a:prstGeom prst="rect">
             <a:avLst/>
           </a:prstGeom>
+          <a:noFill/>
+          <a:extLst>
+            <a:ext uri="{909E8E84-426E-40DD-AFC4-6F175D3DCCD1}">
+              <a14:hiddenFill xmlns:a14="http://schemas.microsoft.com/office/drawing/2010/main">
+                <a:solidFill>
+                  <a:srgbClr val="FFFFFF"/>
+                </a:solidFill>
+              </a14:hiddenFill>
+            </a:ext>
+          </a:extLst>
         </p:spPr>
       </p:pic>
       <p:pic>
         <p:nvPicPr>
-          <p:cNvPr id="8" name="Image 7"/>
+          <p:cNvPr id="4099" name="Picture 3" descr="C:\Users\prisc\Desktop\realisation_fil_rouge\Realisation_3_UML\zoommld.png"/>
           <p:cNvPicPr>
-            <a:picLocks noChangeAspect="1"/>
+            <a:picLocks noChangeAspect="1" noChangeArrowheads="1"/>
           </p:cNvPicPr>
           <p:nvPr/>
         </p:nvPicPr>
@@ -8560,48 +8610,31 @@
               </a:ext>
             </a:extLst>
           </a:blip>
+          <a:srcRect/>
           <a:stretch>
             <a:fillRect/>
           </a:stretch>
         </p:blipFill>
-        <p:spPr>
+        <p:spPr bwMode="auto">
           <a:xfrm>
-            <a:off x="680818" y="4409407"/>
-            <a:ext cx="7733254" cy="1738029"/>
+            <a:off x="336127" y="4283893"/>
+            <a:ext cx="8372553" cy="1957334"/>
           </a:xfrm>
           <a:prstGeom prst="rect">
             <a:avLst/>
           </a:prstGeom>
+          <a:noFill/>
+          <a:extLst>
+            <a:ext uri="{909E8E84-426E-40DD-AFC4-6F175D3DCCD1}">
+              <a14:hiddenFill xmlns:a14="http://schemas.microsoft.com/office/drawing/2010/main">
+                <a:solidFill>
+                  <a:srgbClr val="FFFFFF"/>
+                </a:solidFill>
+              </a14:hiddenFill>
+            </a:ext>
+          </a:extLst>
         </p:spPr>
       </p:pic>
-      <p:sp>
-        <p:nvSpPr>
-          <p:cNvPr id="5" name="Espace réservé du pied de page 4"/>
-          <p:cNvSpPr>
-            <a:spLocks noGrp="1"/>
-          </p:cNvSpPr>
-          <p:nvPr>
-            <p:ph type="ftr" sz="quarter" idx="11"/>
-          </p:nvPr>
-        </p:nvSpPr>
-        <p:spPr/>
-        <p:txBody>
-          <a:bodyPr/>
-          <a:lstStyle/>
-          <a:p>
-            <a:pPr algn="ctr"/>
-            <a:r>
-              <a:rPr lang="fr-FR" spc="-1" dirty="0" smtClean="0"/>
-              <a:t>Priscillien HERBET – </a:t>
-            </a:r>
-            <a:r>
-              <a:rPr lang="fr-FR" spc="-1" dirty="0"/>
-              <a:t>17  juin 2022</a:t>
-            </a:r>
-            <a:endParaRPr lang="fr-FR" spc="-1" dirty="0"/>
-          </a:p>
-        </p:txBody>
-      </p:sp>
     </p:spTree>
     <p:extLst>
       <p:ext uri="{BB962C8B-B14F-4D97-AF65-F5344CB8AC3E}">
@@ -8769,7 +8802,6 @@
               <a:rPr lang="fr-FR" spc="-1" dirty="0"/>
               <a:t>17  juin 2022</a:t>
             </a:r>
-            <a:endParaRPr lang="fr-FR" spc="-1" dirty="0"/>
           </a:p>
         </p:txBody>
       </p:sp>
@@ -8969,7 +9001,6 @@
               <a:rPr lang="fr-FR" spc="-1" dirty="0"/>
               <a:t>17  juin 2022</a:t>
             </a:r>
-            <a:endParaRPr lang="fr-FR" spc="-1" dirty="0"/>
           </a:p>
         </p:txBody>
       </p:sp>
@@ -9183,14 +9214,6 @@
               </a:rPr>
               <a:t>Analyse fonctionnelle</a:t>
             </a:r>
-            <a:endParaRPr lang="fr-FR" sz="2400" dirty="0" smtClean="0">
-              <a:solidFill>
-                <a:schemeClr val="bg2">
-                  <a:lumMod val="25000"/>
-                </a:schemeClr>
-              </a:solidFill>
-              <a:latin typeface="Georgia" panose="02040502050405020303" pitchFamily="18" charset="0"/>
-            </a:endParaRPr>
           </a:p>
           <a:p>
             <a:pPr marL="285750" indent="-285750">
@@ -9266,14 +9289,6 @@
               </a:rPr>
               <a:t> </a:t>
             </a:r>
-            <a:endParaRPr lang="fr-FR" sz="2400" dirty="0" smtClean="0">
-              <a:solidFill>
-                <a:schemeClr val="bg2">
-                  <a:lumMod val="25000"/>
-                </a:schemeClr>
-              </a:solidFill>
-              <a:latin typeface="Georgia" panose="02040502050405020303" pitchFamily="18" charset="0"/>
-            </a:endParaRPr>
           </a:p>
           <a:p>
             <a:pPr marL="285750" indent="-285750">
@@ -9315,7 +9330,6 @@
               <a:rPr lang="fr-FR" spc="-1" dirty="0"/>
               <a:t>17  juin 2022</a:t>
             </a:r>
-            <a:endParaRPr lang="fr-FR" spc="-1" dirty="0"/>
           </a:p>
         </p:txBody>
       </p:sp>
@@ -9432,65 +9446,43 @@
           </a:p>
         </p:txBody>
       </p:sp>
+      <p:sp>
+        <p:nvSpPr>
+          <p:cNvPr id="6" name="Espace réservé du pied de page 5"/>
+          <p:cNvSpPr>
+            <a:spLocks noGrp="1"/>
+          </p:cNvSpPr>
+          <p:nvPr>
+            <p:ph type="ftr" sz="quarter" idx="11"/>
+          </p:nvPr>
+        </p:nvSpPr>
+        <p:spPr/>
+        <p:txBody>
+          <a:bodyPr/>
+          <a:lstStyle/>
+          <a:p>
+            <a:pPr algn="ctr"/>
+            <a:r>
+              <a:rPr lang="fr-FR" spc="-1" dirty="0" smtClean="0"/>
+              <a:t>Priscillien HERBET – </a:t>
+            </a:r>
+            <a:r>
+              <a:rPr lang="fr-FR" spc="-1" dirty="0"/>
+              <a:t>17  juin 2022</a:t>
+            </a:r>
+          </a:p>
+        </p:txBody>
+      </p:sp>
       <p:pic>
         <p:nvPicPr>
-          <p:cNvPr id="5" name="Image 4"/>
-          <p:cNvPicPr>
-            <a:picLocks noChangeAspect="1"/>
-          </p:cNvPicPr>
-          <p:nvPr/>
-        </p:nvPicPr>
-        <p:blipFill rotWithShape="1">
-          <a:blip r:embed="rId2">
-            <a:clrChange>
-              <a:clrFrom>
-                <a:srgbClr val="FFFFFF"/>
-              </a:clrFrom>
-              <a:clrTo>
-                <a:srgbClr val="FFFFFF">
-                  <a:alpha val="0"/>
-                </a:srgbClr>
-              </a:clrTo>
-            </a:clrChange>
-            <a:extLst>
-              <a:ext uri="{28A0092B-C50C-407E-A947-70E740481C1C}">
-                <a14:useLocalDpi xmlns:a14="http://schemas.microsoft.com/office/drawing/2010/main" val="0"/>
-              </a:ext>
-            </a:extLst>
-          </a:blip>
-          <a:srcRect l="78909"/>
-          <a:stretch/>
-        </p:blipFill>
-        <p:spPr>
-          <a:xfrm>
-            <a:off x="6984529" y="2483694"/>
-            <a:ext cx="1935056" cy="4176464"/>
-          </a:xfrm>
-          <a:prstGeom prst="rect">
-            <a:avLst/>
-          </a:prstGeom>
-        </p:spPr>
-      </p:pic>
-      <p:pic>
-        <p:nvPicPr>
-          <p:cNvPr id="1026" name="Picture 2"/>
+          <p:cNvPr id="5123" name="Picture 3" descr="C:\Users\prisc\Desktop\realisation_fil_rouge\Realisation_3_UML\zonnig_connexion_tel.png"/>
           <p:cNvPicPr>
             <a:picLocks noChangeAspect="1" noChangeArrowheads="1"/>
           </p:cNvPicPr>
           <p:nvPr/>
         </p:nvPicPr>
         <p:blipFill>
-          <a:blip r:embed="rId3">
-            <a:clrChange>
-              <a:clrFrom>
-                <a:srgbClr val="FFFFFF"/>
-              </a:clrFrom>
-              <a:clrTo>
-                <a:srgbClr val="FFFFFF">
-                  <a:alpha val="0"/>
-                </a:srgbClr>
-              </a:clrTo>
-            </a:clrChange>
+          <a:blip r:embed="rId2">
             <a:extLst>
               <a:ext uri="{28A0092B-C50C-407E-A947-70E740481C1C}">
                 <a14:useLocalDpi xmlns:a14="http://schemas.microsoft.com/office/drawing/2010/main" val="0"/>
@@ -9504,65 +9496,65 @@
         </p:blipFill>
         <p:spPr bwMode="auto">
           <a:xfrm>
-            <a:off x="1" y="2483693"/>
-            <a:ext cx="6984528" cy="4047110"/>
+            <a:off x="7056536" y="2046151"/>
+            <a:ext cx="1954391" cy="3960440"/>
           </a:xfrm>
           <a:prstGeom prst="rect">
             <a:avLst/>
           </a:prstGeom>
           <a:noFill/>
-          <a:ln>
-            <a:noFill/>
-          </a:ln>
           <a:extLst>
             <a:ext uri="{909E8E84-426E-40DD-AFC4-6F175D3DCCD1}">
               <a14:hiddenFill xmlns:a14="http://schemas.microsoft.com/office/drawing/2010/main">
                 <a:solidFill>
-                  <a:schemeClr val="accent1"/>
+                  <a:srgbClr val="FFFFFF"/>
                 </a:solidFill>
               </a14:hiddenFill>
-            </a:ext>
-            <a:ext uri="{91240B29-F687-4F45-9708-019B960494DF}">
-              <a14:hiddenLine xmlns:a14="http://schemas.microsoft.com/office/drawing/2010/main" w="9525">
-                <a:solidFill>
-                  <a:schemeClr val="tx1"/>
-                </a:solidFill>
-                <a:miter lim="800000"/>
-                <a:headEnd/>
-                <a:tailEnd/>
-              </a14:hiddenLine>
             </a:ext>
           </a:extLst>
         </p:spPr>
       </p:pic>
-      <p:sp>
-        <p:nvSpPr>
-          <p:cNvPr id="6" name="Espace réservé du pied de page 5"/>
-          <p:cNvSpPr>
-            <a:spLocks noGrp="1"/>
-          </p:cNvSpPr>
-          <p:nvPr>
-            <p:ph type="ftr" sz="quarter" idx="11"/>
-          </p:nvPr>
-        </p:nvSpPr>
-        <p:spPr/>
-        <p:txBody>
-          <a:bodyPr/>
-          <a:lstStyle/>
-          <a:p>
-            <a:pPr algn="ctr"/>
-            <a:r>
-              <a:rPr lang="fr-FR" spc="-1" dirty="0" smtClean="0"/>
-              <a:t>Priscillien HERBET – </a:t>
-            </a:r>
-            <a:r>
-              <a:rPr lang="fr-FR" spc="-1" dirty="0"/>
-              <a:t>17  juin 2022</a:t>
-            </a:r>
-            <a:endParaRPr lang="fr-FR" spc="-1" dirty="0"/>
-          </a:p>
-        </p:txBody>
-      </p:sp>
+      <p:pic>
+        <p:nvPicPr>
+          <p:cNvPr id="5124" name="Picture 4" descr="C:\Users\prisc\Desktop\realisation_fil_rouge\Realisation_3_UML\zonning_connexion_web.png"/>
+          <p:cNvPicPr>
+            <a:picLocks noChangeAspect="1" noChangeArrowheads="1"/>
+          </p:cNvPicPr>
+          <p:nvPr/>
+        </p:nvPicPr>
+        <p:blipFill>
+          <a:blip r:embed="rId3">
+            <a:extLst>
+              <a:ext uri="{28A0092B-C50C-407E-A947-70E740481C1C}">
+                <a14:useLocalDpi xmlns:a14="http://schemas.microsoft.com/office/drawing/2010/main" val="0"/>
+              </a:ext>
+            </a:extLst>
+          </a:blip>
+          <a:srcRect/>
+          <a:stretch>
+            <a:fillRect/>
+          </a:stretch>
+        </p:blipFill>
+        <p:spPr bwMode="auto">
+          <a:xfrm>
+            <a:off x="92681" y="2146859"/>
+            <a:ext cx="6656789" cy="3759024"/>
+          </a:xfrm>
+          <a:prstGeom prst="rect">
+            <a:avLst/>
+          </a:prstGeom>
+          <a:noFill/>
+          <a:extLst>
+            <a:ext uri="{909E8E84-426E-40DD-AFC4-6F175D3DCCD1}">
+              <a14:hiddenFill xmlns:a14="http://schemas.microsoft.com/office/drawing/2010/main">
+                <a:solidFill>
+                  <a:srgbClr val="FFFFFF"/>
+                </a:solidFill>
+              </a14:hiddenFill>
+            </a:ext>
+          </a:extLst>
+        </p:spPr>
+      </p:pic>
     </p:spTree>
     <p:extLst>
       <p:ext uri="{BB962C8B-B14F-4D97-AF65-F5344CB8AC3E}">
@@ -9680,65 +9672,43 @@
           </a:p>
         </p:txBody>
       </p:sp>
+      <p:sp>
+        <p:nvSpPr>
+          <p:cNvPr id="6" name="Espace réservé du pied de page 5"/>
+          <p:cNvSpPr>
+            <a:spLocks noGrp="1"/>
+          </p:cNvSpPr>
+          <p:nvPr>
+            <p:ph type="ftr" sz="quarter" idx="11"/>
+          </p:nvPr>
+        </p:nvSpPr>
+        <p:spPr/>
+        <p:txBody>
+          <a:bodyPr/>
+          <a:lstStyle/>
+          <a:p>
+            <a:pPr algn="ctr"/>
+            <a:r>
+              <a:rPr lang="fr-FR" spc="-1" dirty="0" smtClean="0"/>
+              <a:t>Priscillien HERBET – </a:t>
+            </a:r>
+            <a:r>
+              <a:rPr lang="fr-FR" spc="-1" dirty="0"/>
+              <a:t>17  juin 2022</a:t>
+            </a:r>
+          </a:p>
+        </p:txBody>
+      </p:sp>
       <p:pic>
         <p:nvPicPr>
-          <p:cNvPr id="7" name="Image 6"/>
-          <p:cNvPicPr>
-            <a:picLocks noChangeAspect="1"/>
-          </p:cNvPicPr>
-          <p:nvPr/>
-        </p:nvPicPr>
-        <p:blipFill rotWithShape="1">
-          <a:blip r:embed="rId2">
-            <a:clrChange>
-              <a:clrFrom>
-                <a:srgbClr val="FFFFFF"/>
-              </a:clrFrom>
-              <a:clrTo>
-                <a:srgbClr val="FFFFFF">
-                  <a:alpha val="0"/>
-                </a:srgbClr>
-              </a:clrTo>
-            </a:clrChange>
-            <a:extLst>
-              <a:ext uri="{28A0092B-C50C-407E-A947-70E740481C1C}">
-                <a14:useLocalDpi xmlns:a14="http://schemas.microsoft.com/office/drawing/2010/main" val="0"/>
-              </a:ext>
-            </a:extLst>
-          </a:blip>
-          <a:srcRect l="77300"/>
-          <a:stretch/>
-        </p:blipFill>
-        <p:spPr>
-          <a:xfrm>
-            <a:off x="6728048" y="2008380"/>
-            <a:ext cx="2077930" cy="4248472"/>
-          </a:xfrm>
-          <a:prstGeom prst="rect">
-            <a:avLst/>
-          </a:prstGeom>
-        </p:spPr>
-      </p:pic>
-      <p:pic>
-        <p:nvPicPr>
-          <p:cNvPr id="2050" name="Picture 2"/>
+          <p:cNvPr id="6148" name="Picture 4" descr="C:\Users\prisc\Desktop\realisation_fil_rouge\Realisation_3_UML\wireframme_connexion_tel.png"/>
           <p:cNvPicPr>
             <a:picLocks noChangeAspect="1" noChangeArrowheads="1"/>
           </p:cNvPicPr>
           <p:nvPr/>
         </p:nvPicPr>
         <p:blipFill>
-          <a:blip r:embed="rId3">
-            <a:clrChange>
-              <a:clrFrom>
-                <a:srgbClr val="FFFFFF"/>
-              </a:clrFrom>
-              <a:clrTo>
-                <a:srgbClr val="FFFFFF">
-                  <a:alpha val="0"/>
-                </a:srgbClr>
-              </a:clrTo>
-            </a:clrChange>
+          <a:blip r:embed="rId2">
             <a:extLst>
               <a:ext uri="{28A0092B-C50C-407E-A947-70E740481C1C}">
                 <a14:useLocalDpi xmlns:a14="http://schemas.microsoft.com/office/drawing/2010/main" val="0"/>
@@ -9752,65 +9722,65 @@
         </p:blipFill>
         <p:spPr bwMode="auto">
           <a:xfrm>
-            <a:off x="913" y="2339677"/>
-            <a:ext cx="6727135" cy="3888432"/>
+            <a:off x="6984528" y="2441217"/>
+            <a:ext cx="1797146" cy="3727035"/>
           </a:xfrm>
           <a:prstGeom prst="rect">
             <a:avLst/>
           </a:prstGeom>
           <a:noFill/>
-          <a:ln>
-            <a:noFill/>
-          </a:ln>
           <a:extLst>
             <a:ext uri="{909E8E84-426E-40DD-AFC4-6F175D3DCCD1}">
               <a14:hiddenFill xmlns:a14="http://schemas.microsoft.com/office/drawing/2010/main">
                 <a:solidFill>
-                  <a:schemeClr val="accent1"/>
+                  <a:srgbClr val="FFFFFF"/>
                 </a:solidFill>
               </a14:hiddenFill>
-            </a:ext>
-            <a:ext uri="{91240B29-F687-4F45-9708-019B960494DF}">
-              <a14:hiddenLine xmlns:a14="http://schemas.microsoft.com/office/drawing/2010/main" w="9525">
-                <a:solidFill>
-                  <a:schemeClr val="tx1"/>
-                </a:solidFill>
-                <a:miter lim="800000"/>
-                <a:headEnd/>
-                <a:tailEnd/>
-              </a14:hiddenLine>
             </a:ext>
           </a:extLst>
         </p:spPr>
       </p:pic>
-      <p:sp>
-        <p:nvSpPr>
-          <p:cNvPr id="6" name="Espace réservé du pied de page 5"/>
-          <p:cNvSpPr>
-            <a:spLocks noGrp="1"/>
-          </p:cNvSpPr>
-          <p:nvPr>
-            <p:ph type="ftr" sz="quarter" idx="11"/>
-          </p:nvPr>
-        </p:nvSpPr>
-        <p:spPr/>
-        <p:txBody>
-          <a:bodyPr/>
-          <a:lstStyle/>
-          <a:p>
-            <a:pPr algn="ctr"/>
-            <a:r>
-              <a:rPr lang="fr-FR" spc="-1" dirty="0" smtClean="0"/>
-              <a:t>Priscillien HERBET – </a:t>
-            </a:r>
-            <a:r>
-              <a:rPr lang="fr-FR" spc="-1" dirty="0"/>
-              <a:t>17  juin 2022</a:t>
-            </a:r>
-            <a:endParaRPr lang="fr-FR" spc="-1" dirty="0"/>
-          </a:p>
-        </p:txBody>
-      </p:sp>
+      <p:pic>
+        <p:nvPicPr>
+          <p:cNvPr id="6150" name="Picture 6" descr="C:\Users\prisc\Desktop\realisation_fil_rouge\Realisation_3_UML\wireframe_connexion_web.png"/>
+          <p:cNvPicPr>
+            <a:picLocks noChangeAspect="1" noChangeArrowheads="1"/>
+          </p:cNvPicPr>
+          <p:nvPr/>
+        </p:nvPicPr>
+        <p:blipFill>
+          <a:blip r:embed="rId3">
+            <a:extLst>
+              <a:ext uri="{28A0092B-C50C-407E-A947-70E740481C1C}">
+                <a14:useLocalDpi xmlns:a14="http://schemas.microsoft.com/office/drawing/2010/main" val="0"/>
+              </a:ext>
+            </a:extLst>
+          </a:blip>
+          <a:srcRect/>
+          <a:stretch>
+            <a:fillRect/>
+          </a:stretch>
+        </p:blipFill>
+        <p:spPr bwMode="auto">
+          <a:xfrm>
+            <a:off x="396723" y="2441217"/>
+            <a:ext cx="6540474" cy="3727035"/>
+          </a:xfrm>
+          <a:prstGeom prst="rect">
+            <a:avLst/>
+          </a:prstGeom>
+          <a:noFill/>
+          <a:extLst>
+            <a:ext uri="{909E8E84-426E-40DD-AFC4-6F175D3DCCD1}">
+              <a14:hiddenFill xmlns:a14="http://schemas.microsoft.com/office/drawing/2010/main">
+                <a:solidFill>
+                  <a:srgbClr val="FFFFFF"/>
+                </a:solidFill>
+              </a14:hiddenFill>
+            </a:ext>
+          </a:extLst>
+        </p:spPr>
+      </p:pic>
     </p:spTree>
     <p:extLst>
       <p:ext uri="{BB962C8B-B14F-4D97-AF65-F5344CB8AC3E}">
@@ -9926,7 +9896,7 @@
       </p:sp>
       <p:pic>
         <p:nvPicPr>
-          <p:cNvPr id="7" name="Image 6"/>
+          <p:cNvPr id="8" name="Image 7"/>
           <p:cNvPicPr>
             <a:picLocks noChangeAspect="1"/>
           </p:cNvPicPr>
@@ -9934,36 +9904,6 @@
         </p:nvPicPr>
         <p:blipFill>
           <a:blip r:embed="rId2">
-            <a:extLst>
-              <a:ext uri="{28A0092B-C50C-407E-A947-70E740481C1C}">
-                <a14:useLocalDpi xmlns:a14="http://schemas.microsoft.com/office/drawing/2010/main" val="0"/>
-              </a:ext>
-            </a:extLst>
-          </a:blip>
-          <a:stretch>
-            <a:fillRect/>
-          </a:stretch>
-        </p:blipFill>
-        <p:spPr>
-          <a:xfrm>
-            <a:off x="6840512" y="2411685"/>
-            <a:ext cx="1863483" cy="3682773"/>
-          </a:xfrm>
-          <a:prstGeom prst="rect">
-            <a:avLst/>
-          </a:prstGeom>
-        </p:spPr>
-      </p:pic>
-      <p:pic>
-        <p:nvPicPr>
-          <p:cNvPr id="8" name="Image 7"/>
-          <p:cNvPicPr>
-            <a:picLocks noChangeAspect="1"/>
-          </p:cNvPicPr>
-          <p:nvPr/>
-        </p:nvPicPr>
-        <p:blipFill>
-          <a:blip r:embed="rId3">
             <a:extLst>
               <a:ext uri="{28A0092B-C50C-407E-A947-70E740481C1C}">
                 <a14:useLocalDpi xmlns:a14="http://schemas.microsoft.com/office/drawing/2010/main" val="0"/>
@@ -10008,10 +9948,50 @@
               <a:rPr lang="fr-FR" spc="-1" dirty="0"/>
               <a:t>17  juin 2022</a:t>
             </a:r>
-            <a:endParaRPr lang="fr-FR" spc="-1" dirty="0"/>
-          </a:p>
-        </p:txBody>
-      </p:sp>
+          </a:p>
+        </p:txBody>
+      </p:sp>
+      <p:pic>
+        <p:nvPicPr>
+          <p:cNvPr id="9" name="Picture 2" descr="C:\Users\prisc\Desktop\realisation_fil_rouge\Realisation_3_UML\zonnig_favoris_tel.png"/>
+          <p:cNvPicPr>
+            <a:picLocks noChangeAspect="1" noChangeArrowheads="1"/>
+          </p:cNvPicPr>
+          <p:nvPr/>
+        </p:nvPicPr>
+        <p:blipFill>
+          <a:blip r:embed="rId3">
+            <a:extLst>
+              <a:ext uri="{28A0092B-C50C-407E-A947-70E740481C1C}">
+                <a14:useLocalDpi xmlns:a14="http://schemas.microsoft.com/office/drawing/2010/main" val="0"/>
+              </a:ext>
+            </a:extLst>
+          </a:blip>
+          <a:srcRect/>
+          <a:stretch>
+            <a:fillRect/>
+          </a:stretch>
+        </p:blipFill>
+        <p:spPr bwMode="auto">
+          <a:xfrm>
+            <a:off x="6984528" y="2473189"/>
+            <a:ext cx="1830100" cy="3769936"/>
+          </a:xfrm>
+          <a:prstGeom prst="rect">
+            <a:avLst/>
+          </a:prstGeom>
+          <a:noFill/>
+          <a:extLst>
+            <a:ext uri="{909E8E84-426E-40DD-AFC4-6F175D3DCCD1}">
+              <a14:hiddenFill xmlns:a14="http://schemas.microsoft.com/office/drawing/2010/main">
+                <a:solidFill>
+                  <a:srgbClr val="FFFFFF"/>
+                </a:solidFill>
+              </a14:hiddenFill>
+            </a:ext>
+          </a:extLst>
+        </p:spPr>
+      </p:pic>
     </p:spTree>
     <p:extLst>
       <p:ext uri="{BB962C8B-B14F-4D97-AF65-F5344CB8AC3E}">
@@ -10159,11 +10139,38 @@
           </a:prstGeom>
         </p:spPr>
       </p:pic>
+      <p:sp>
+        <p:nvSpPr>
+          <p:cNvPr id="6" name="Espace réservé du pied de page 5"/>
+          <p:cNvSpPr>
+            <a:spLocks noGrp="1"/>
+          </p:cNvSpPr>
+          <p:nvPr>
+            <p:ph type="ftr" sz="quarter" idx="11"/>
+          </p:nvPr>
+        </p:nvSpPr>
+        <p:spPr/>
+        <p:txBody>
+          <a:bodyPr/>
+          <a:lstStyle/>
+          <a:p>
+            <a:pPr algn="ctr"/>
+            <a:r>
+              <a:rPr lang="fr-FR" spc="-1" dirty="0" smtClean="0"/>
+              <a:t>Priscillien HERBET – </a:t>
+            </a:r>
+            <a:r>
+              <a:rPr lang="fr-FR" spc="-1" dirty="0"/>
+              <a:t>17  juin 2022</a:t>
+            </a:r>
+          </a:p>
+        </p:txBody>
+      </p:sp>
       <p:pic>
         <p:nvPicPr>
-          <p:cNvPr id="8" name="Image 7"/>
+          <p:cNvPr id="7170" name="Picture 2" descr="C:\Users\prisc\Desktop\realisation_fil_rouge\Realisation_3_UML\wirferame_favoris_tel.png"/>
           <p:cNvPicPr>
-            <a:picLocks noChangeAspect="1"/>
+            <a:picLocks noChangeAspect="1" noChangeArrowheads="1"/>
           </p:cNvPicPr>
           <p:nvPr/>
         </p:nvPicPr>
@@ -10175,48 +10182,31 @@
               </a:ext>
             </a:extLst>
           </a:blip>
+          <a:srcRect/>
           <a:stretch>
             <a:fillRect/>
           </a:stretch>
         </p:blipFill>
-        <p:spPr>
+        <p:spPr bwMode="auto">
           <a:xfrm>
-            <a:off x="7128544" y="2483693"/>
-            <a:ext cx="1890094" cy="3888432"/>
+            <a:off x="6979967" y="2400613"/>
+            <a:ext cx="1945434" cy="4046541"/>
           </a:xfrm>
           <a:prstGeom prst="rect">
             <a:avLst/>
           </a:prstGeom>
+          <a:noFill/>
+          <a:extLst>
+            <a:ext uri="{909E8E84-426E-40DD-AFC4-6F175D3DCCD1}">
+              <a14:hiddenFill xmlns:a14="http://schemas.microsoft.com/office/drawing/2010/main">
+                <a:solidFill>
+                  <a:srgbClr val="FFFFFF"/>
+                </a:solidFill>
+              </a14:hiddenFill>
+            </a:ext>
+          </a:extLst>
         </p:spPr>
       </p:pic>
-      <p:sp>
-        <p:nvSpPr>
-          <p:cNvPr id="6" name="Espace réservé du pied de page 5"/>
-          <p:cNvSpPr>
-            <a:spLocks noGrp="1"/>
-          </p:cNvSpPr>
-          <p:nvPr>
-            <p:ph type="ftr" sz="quarter" idx="11"/>
-          </p:nvPr>
-        </p:nvSpPr>
-        <p:spPr/>
-        <p:txBody>
-          <a:bodyPr/>
-          <a:lstStyle/>
-          <a:p>
-            <a:pPr algn="ctr"/>
-            <a:r>
-              <a:rPr lang="fr-FR" spc="-1" dirty="0" smtClean="0"/>
-              <a:t>Priscillien HERBET – </a:t>
-            </a:r>
-            <a:r>
-              <a:rPr lang="fr-FR" spc="-1" dirty="0"/>
-              <a:t>17  juin 2022</a:t>
-            </a:r>
-            <a:endParaRPr lang="fr-FR" spc="-1" dirty="0"/>
-          </a:p>
-        </p:txBody>
-      </p:sp>
     </p:spTree>
     <p:extLst>
       <p:ext uri="{BB962C8B-B14F-4D97-AF65-F5344CB8AC3E}">
@@ -10427,14 +10417,6 @@
               </a:rPr>
               <a:t>Analyse fonctionnelle</a:t>
             </a:r>
-            <a:endParaRPr lang="fr-FR" sz="2400" dirty="0" smtClean="0">
-              <a:solidFill>
-                <a:schemeClr val="bg2">
-                  <a:lumMod val="25000"/>
-                </a:schemeClr>
-              </a:solidFill>
-              <a:latin typeface="Georgia" panose="02040502050405020303" pitchFamily="18" charset="0"/>
-            </a:endParaRPr>
           </a:p>
           <a:p>
             <a:pPr marL="285750" indent="-285750">
@@ -10497,14 +10479,6 @@
               </a:rPr>
               <a:t>Front-End</a:t>
             </a:r>
-            <a:endParaRPr lang="fr-FR" sz="2400" dirty="0" smtClean="0">
-              <a:solidFill>
-                <a:schemeClr val="bg2">
-                  <a:lumMod val="25000"/>
-                </a:schemeClr>
-              </a:solidFill>
-              <a:latin typeface="Georgia" panose="02040502050405020303" pitchFamily="18" charset="0"/>
-            </a:endParaRPr>
           </a:p>
           <a:p>
             <a:pPr marL="285750" indent="-285750">
@@ -10540,11 +10514,7 @@
             <a:pPr algn="ctr"/>
             <a:r>
               <a:rPr lang="fr-FR" spc="-1" dirty="0" smtClean="0"/>
-              <a:t>Priscillien HERBET – </a:t>
-            </a:r>
-            <a:r>
-              <a:rPr lang="fr-FR" spc="-1" dirty="0" smtClean="0"/>
-              <a:t>17  juin 2022</a:t>
+              <a:t>Priscillien HERBET – 17  juin 2022</a:t>
             </a:r>
             <a:endParaRPr lang="fr-FR" spc="-1" dirty="0"/>
           </a:p>
@@ -10589,7 +10559,30 @@
       </p:grpSpPr>
       <p:sp>
         <p:nvSpPr>
-          <p:cNvPr id="2" name="Espace réservé du pied de page 1"/>
+          <p:cNvPr id="2" name="Titre 1"/>
+          <p:cNvSpPr>
+            <a:spLocks noGrp="1"/>
+          </p:cNvSpPr>
+          <p:nvPr>
+            <p:ph type="title"/>
+          </p:nvPr>
+        </p:nvSpPr>
+        <p:spPr/>
+        <p:txBody>
+          <a:bodyPr/>
+          <a:lstStyle/>
+          <a:p>
+            <a:r>
+              <a:rPr lang="fr-FR" dirty="0" smtClean="0"/>
+              <a:t>Arborescence</a:t>
+            </a:r>
+            <a:endParaRPr lang="fr-FR" dirty="0"/>
+          </a:p>
+        </p:txBody>
+      </p:sp>
+      <p:sp>
+        <p:nvSpPr>
+          <p:cNvPr id="3" name="Espace réservé du pied de page 2"/>
           <p:cNvSpPr>
             <a:spLocks noGrp="1"/>
           </p:cNvSpPr>
@@ -10605,15 +10598,7 @@
             <a:pPr algn="ctr"/>
             <a:r>
               <a:rPr lang="fr-FR" spc="-1" dirty="0" smtClean="0"/>
-              <a:t>Priscillien HERBET </a:t>
-            </a:r>
-            <a:r>
-              <a:rPr lang="fr-FR" spc="-1" dirty="0"/>
-              <a:t>– 17  juin 2022 </a:t>
-            </a:r>
-            <a:r>
-              <a:rPr lang="fr-FR" spc="-1" dirty="0" smtClean="0"/>
-              <a:t>– Gestionnaire de favoris</a:t>
+              <a:t>Priscillien HERBET – 17 juin 2022 – Gestionnaire de favoris</a:t>
             </a:r>
             <a:endParaRPr lang="fr-FR" spc="-1" dirty="0"/>
           </a:p>
@@ -10621,7 +10606,7 @@
       </p:sp>
       <p:sp>
         <p:nvSpPr>
-          <p:cNvPr id="3" name="Espace réservé du numéro de diapositive 2"/>
+          <p:cNvPr id="4" name="Espace réservé du numéro de diapositive 3"/>
           <p:cNvSpPr>
             <a:spLocks noGrp="1"/>
           </p:cNvSpPr>
@@ -10640,6 +10625,162 @@
                 <a:latin typeface="Arial"/>
               </a:rPr>
               <a:t>20</a:t>
+            </a:fld>
+            <a:endParaRPr lang="fr-FR" sz="1400" b="0" strike="noStrike" spc="-1">
+              <a:latin typeface="Arial"/>
+            </a:endParaRPr>
+          </a:p>
+        </p:txBody>
+      </p:sp>
+      <p:sp>
+        <p:nvSpPr>
+          <p:cNvPr id="5" name="Espace réservé du texte 4"/>
+          <p:cNvSpPr>
+            <a:spLocks noGrp="1"/>
+          </p:cNvSpPr>
+          <p:nvPr>
+            <p:ph type="body" sz="quarter" idx="13"/>
+          </p:nvPr>
+        </p:nvSpPr>
+        <p:spPr/>
+        <p:txBody>
+          <a:bodyPr>
+            <a:normAutofit fontScale="85000" lnSpcReduction="20000"/>
+          </a:bodyPr>
+          <a:lstStyle/>
+          <a:p>
+            <a:r>
+              <a:rPr lang="fr-FR" dirty="0" smtClean="0"/>
+              <a:t>Les pages du sites</a:t>
+            </a:r>
+            <a:endParaRPr lang="fr-FR" dirty="0"/>
+          </a:p>
+        </p:txBody>
+      </p:sp>
+      <p:pic>
+        <p:nvPicPr>
+          <p:cNvPr id="1026" name="Picture 2" descr="C:\Users\prisc\Desktop\realisation_fil_rouge\Realisation_4_Conception-MCD-MLD-SQL\arborescence_extension_v1.png"/>
+          <p:cNvPicPr>
+            <a:picLocks noChangeAspect="1" noChangeArrowheads="1"/>
+          </p:cNvPicPr>
+          <p:nvPr/>
+        </p:nvPicPr>
+        <p:blipFill>
+          <a:blip r:embed="rId2">
+            <a:extLst>
+              <a:ext uri="{28A0092B-C50C-407E-A947-70E740481C1C}">
+                <a14:useLocalDpi xmlns:a14="http://schemas.microsoft.com/office/drawing/2010/main" val="0"/>
+              </a:ext>
+            </a:extLst>
+          </a:blip>
+          <a:srcRect/>
+          <a:stretch>
+            <a:fillRect/>
+          </a:stretch>
+        </p:blipFill>
+        <p:spPr bwMode="auto">
+          <a:xfrm>
+            <a:off x="1302921" y="2123653"/>
+            <a:ext cx="5859463" cy="3810000"/>
+          </a:xfrm>
+          <a:prstGeom prst="rect">
+            <a:avLst/>
+          </a:prstGeom>
+          <a:noFill/>
+          <a:extLst>
+            <a:ext uri="{909E8E84-426E-40DD-AFC4-6F175D3DCCD1}">
+              <a14:hiddenFill xmlns:a14="http://schemas.microsoft.com/office/drawing/2010/main">
+                <a:solidFill>
+                  <a:srgbClr val="FFFFFF"/>
+                </a:solidFill>
+              </a14:hiddenFill>
+            </a:ext>
+          </a:extLst>
+        </p:spPr>
+      </p:pic>
+    </p:spTree>
+    <p:extLst>
+      <p:ext uri="{BB962C8B-B14F-4D97-AF65-F5344CB8AC3E}">
+        <p14:creationId xmlns:p14="http://schemas.microsoft.com/office/powerpoint/2010/main" val="3456592809"/>
+      </p:ext>
+    </p:extLst>
+  </p:cSld>
+  <p:clrMapOvr>
+    <a:masterClrMapping/>
+  </p:clrMapOvr>
+</p:sld>
+</file>
+
+<file path=ppt/slides/slide21.xml><?xml version="1.0" encoding="utf-8"?>
+<p:sld xmlns:a="http://schemas.openxmlformats.org/drawingml/2006/main" xmlns:r="http://schemas.openxmlformats.org/officeDocument/2006/relationships" xmlns:p="http://schemas.openxmlformats.org/presentationml/2006/main">
+  <p:cSld>
+    <p:spTree>
+      <p:nvGrpSpPr>
+        <p:cNvPr id="1" name=""/>
+        <p:cNvGrpSpPr/>
+        <p:nvPr/>
+      </p:nvGrpSpPr>
+      <p:grpSpPr>
+        <a:xfrm>
+          <a:off x="0" y="0"/>
+          <a:ext cx="0" cy="0"/>
+          <a:chOff x="0" y="0"/>
+          <a:chExt cx="0" cy="0"/>
+        </a:xfrm>
+      </p:grpSpPr>
+      <p:sp>
+        <p:nvSpPr>
+          <p:cNvPr id="2" name="Espace réservé du pied de page 1"/>
+          <p:cNvSpPr>
+            <a:spLocks noGrp="1"/>
+          </p:cNvSpPr>
+          <p:nvPr>
+            <p:ph type="ftr" sz="quarter" idx="11"/>
+          </p:nvPr>
+        </p:nvSpPr>
+        <p:spPr/>
+        <p:txBody>
+          <a:bodyPr/>
+          <a:lstStyle/>
+          <a:p>
+            <a:pPr algn="ctr"/>
+            <a:r>
+              <a:rPr lang="fr-FR" spc="-1" dirty="0" smtClean="0"/>
+              <a:t>Priscillien HERBET </a:t>
+            </a:r>
+            <a:r>
+              <a:rPr lang="fr-FR" spc="-1" dirty="0"/>
+              <a:t>– 17  juin 2022 </a:t>
+            </a:r>
+            <a:r>
+              <a:rPr lang="fr-FR" spc="-1" dirty="0" smtClean="0"/>
+              <a:t>– Gestionnaire de favoris</a:t>
+            </a:r>
+            <a:endParaRPr lang="fr-FR" spc="-1" dirty="0"/>
+          </a:p>
+        </p:txBody>
+      </p:sp>
+      <p:sp>
+        <p:nvSpPr>
+          <p:cNvPr id="3" name="Espace réservé du numéro de diapositive 2"/>
+          <p:cNvSpPr>
+            <a:spLocks noGrp="1"/>
+          </p:cNvSpPr>
+          <p:nvPr>
+            <p:ph type="sldNum" sz="quarter" idx="12"/>
+          </p:nvPr>
+        </p:nvSpPr>
+        <p:spPr/>
+        <p:txBody>
+          <a:bodyPr/>
+          <a:lstStyle/>
+          <a:p>
+            <a:pPr algn="r"/>
+            <a:fld id="{E24D620B-6B54-4D64-8088-7BD33B9B7119}" type="slidenum">
+              <a:rPr lang="fr-FR" sz="1400" b="0" strike="noStrike" spc="-1" smtClean="0">
+                <a:latin typeface="Arial"/>
+              </a:rPr>
+              <a:t>21</a:t>
             </a:fld>
             <a:endParaRPr lang="fr-FR" sz="1400" b="0" strike="noStrike" spc="-1">
               <a:latin typeface="Arial"/>
@@ -10793,8 +10934,16 @@
                 </a:solidFill>
                 <a:latin typeface="Georgia" panose="02040502050405020303" pitchFamily="18" charset="0"/>
               </a:rPr>
-              <a:t>Aspect graphique</a:t>
-            </a:r>
+              <a:t>Analyse fonctionnelle</a:t>
+            </a:r>
+            <a:endParaRPr lang="fr-FR" sz="2400" dirty="0" smtClean="0">
+              <a:solidFill>
+                <a:schemeClr val="bg2">
+                  <a:lumMod val="25000"/>
+                </a:schemeClr>
+              </a:solidFill>
+              <a:latin typeface="Georgia" panose="02040502050405020303" pitchFamily="18" charset="0"/>
+            </a:endParaRPr>
           </a:p>
           <a:p>
             <a:pPr marL="285750" indent="-285750">
@@ -10824,19 +10973,16 @@
                 </a:solidFill>
                 <a:latin typeface="Georgia" panose="02040502050405020303" pitchFamily="18" charset="0"/>
               </a:rPr>
-              <a:t>Analyse </a:t>
-            </a:r>
-            <a:r>
-              <a:rPr lang="fr-FR" sz="2400" dirty="0" smtClean="0">
-                <a:solidFill>
-                  <a:schemeClr val="bg2">
-                    <a:lumMod val="25000"/>
-                  </a:schemeClr>
-                </a:solidFill>
-                <a:latin typeface="Georgia" panose="02040502050405020303" pitchFamily="18" charset="0"/>
-              </a:rPr>
-              <a:t>fonctionnelle</a:t>
-            </a:r>
+              <a:t>Aspect graphique</a:t>
+            </a:r>
+            <a:endParaRPr lang="fr-FR" sz="2400" dirty="0" smtClean="0">
+              <a:solidFill>
+                <a:schemeClr val="bg2">
+                  <a:lumMod val="25000"/>
+                </a:schemeClr>
+              </a:solidFill>
+              <a:latin typeface="Georgia" panose="02040502050405020303" pitchFamily="18" charset="0"/>
+            </a:endParaRPr>
           </a:p>
           <a:p>
             <a:pPr marL="285750" indent="-285750">
@@ -10881,14 +11027,6 @@
               </a:rPr>
               <a:t> </a:t>
             </a:r>
-            <a:endParaRPr lang="fr-FR" sz="2400" dirty="0" smtClean="0">
-              <a:solidFill>
-                <a:schemeClr val="bg2">
-                  <a:lumMod val="25000"/>
-                </a:schemeClr>
-              </a:solidFill>
-              <a:latin typeface="Georgia" panose="02040502050405020303" pitchFamily="18" charset="0"/>
-            </a:endParaRPr>
           </a:p>
           <a:p>
             <a:pPr marL="285750" indent="-285750">
@@ -10910,540 +11048,6 @@
     <p:extLst>
       <p:ext uri="{BB962C8B-B14F-4D97-AF65-F5344CB8AC3E}">
         <p14:creationId xmlns:p14="http://schemas.microsoft.com/office/powerpoint/2010/main" val="835425727"/>
-      </p:ext>
-    </p:extLst>
-  </p:cSld>
-  <p:clrMapOvr>
-    <a:masterClrMapping/>
-  </p:clrMapOvr>
-  <p:timing>
-    <p:tnLst>
-      <p:par>
-        <p:cTn id="1" dur="indefinite" restart="never" nodeType="tmRoot"/>
-      </p:par>
-    </p:tnLst>
-  </p:timing>
-</p:sld>
-</file>
-
-<file path=ppt/slides/slide21.xml><?xml version="1.0" encoding="utf-8"?>
-<p:sld xmlns:a="http://schemas.openxmlformats.org/drawingml/2006/main" xmlns:r="http://schemas.openxmlformats.org/officeDocument/2006/relationships" xmlns:p="http://schemas.openxmlformats.org/presentationml/2006/main">
-  <p:cSld>
-    <p:spTree>
-      <p:nvGrpSpPr>
-        <p:cNvPr id="1" name=""/>
-        <p:cNvGrpSpPr/>
-        <p:nvPr/>
-      </p:nvGrpSpPr>
-      <p:grpSpPr>
-        <a:xfrm>
-          <a:off x="0" y="0"/>
-          <a:ext cx="0" cy="0"/>
-          <a:chOff x="0" y="0"/>
-          <a:chExt cx="0" cy="0"/>
-        </a:xfrm>
-      </p:grpSpPr>
-      <p:sp>
-        <p:nvSpPr>
-          <p:cNvPr id="2" name="Titre 1"/>
-          <p:cNvSpPr>
-            <a:spLocks noGrp="1"/>
-          </p:cNvSpPr>
-          <p:nvPr>
-            <p:ph type="title"/>
-          </p:nvPr>
-        </p:nvSpPr>
-        <p:spPr/>
-        <p:txBody>
-          <a:bodyPr/>
-          <a:lstStyle/>
-          <a:p>
-            <a:r>
-              <a:rPr lang="fr-FR" dirty="0" smtClean="0"/>
-              <a:t>Front-End</a:t>
-            </a:r>
-            <a:endParaRPr lang="fr-FR" dirty="0"/>
-          </a:p>
-        </p:txBody>
-      </p:sp>
-      <p:sp>
-        <p:nvSpPr>
-          <p:cNvPr id="3" name="Espace réservé du pied de page 2"/>
-          <p:cNvSpPr>
-            <a:spLocks noGrp="1"/>
-          </p:cNvSpPr>
-          <p:nvPr>
-            <p:ph type="ftr" sz="quarter" idx="11"/>
-          </p:nvPr>
-        </p:nvSpPr>
-        <p:spPr/>
-        <p:txBody>
-          <a:bodyPr/>
-          <a:lstStyle/>
-          <a:p>
-            <a:pPr algn="ctr"/>
-            <a:r>
-              <a:rPr lang="fr-FR" spc="-1" dirty="0" smtClean="0"/>
-              <a:t>Priscillien HERBET </a:t>
-            </a:r>
-            <a:r>
-              <a:rPr lang="fr-FR" spc="-1" dirty="0"/>
-              <a:t>– 17  juin 2022 </a:t>
-            </a:r>
-            <a:r>
-              <a:rPr lang="fr-FR" spc="-1" dirty="0" smtClean="0"/>
-              <a:t>– Gestionnaire de favoris</a:t>
-            </a:r>
-            <a:endParaRPr lang="fr-FR" spc="-1" dirty="0"/>
-          </a:p>
-        </p:txBody>
-      </p:sp>
-      <p:sp>
-        <p:nvSpPr>
-          <p:cNvPr id="4" name="Espace réservé du numéro de diapositive 3"/>
-          <p:cNvSpPr>
-            <a:spLocks noGrp="1"/>
-          </p:cNvSpPr>
-          <p:nvPr>
-            <p:ph type="sldNum" sz="quarter" idx="12"/>
-          </p:nvPr>
-        </p:nvSpPr>
-        <p:spPr/>
-        <p:txBody>
-          <a:bodyPr/>
-          <a:lstStyle/>
-          <a:p>
-            <a:pPr algn="r"/>
-            <a:fld id="{E24D620B-6B54-4D64-8088-7BD33B9B7119}" type="slidenum">
-              <a:rPr lang="fr-FR" sz="1400" b="0" strike="noStrike" spc="-1" smtClean="0">
-                <a:latin typeface="Arial"/>
-              </a:rPr>
-              <a:t>21</a:t>
-            </a:fld>
-            <a:endParaRPr lang="fr-FR" sz="1400" b="0" strike="noStrike" spc="-1">
-              <a:latin typeface="Arial"/>
-            </a:endParaRPr>
-          </a:p>
-        </p:txBody>
-      </p:sp>
-      <p:sp>
-        <p:nvSpPr>
-          <p:cNvPr id="5" name="Espace réservé du texte 4"/>
-          <p:cNvSpPr>
-            <a:spLocks noGrp="1"/>
-          </p:cNvSpPr>
-          <p:nvPr>
-            <p:ph type="body" sz="quarter" idx="13"/>
-          </p:nvPr>
-        </p:nvSpPr>
-        <p:spPr/>
-        <p:txBody>
-          <a:bodyPr>
-            <a:normAutofit fontScale="85000" lnSpcReduction="20000"/>
-          </a:bodyPr>
-          <a:lstStyle/>
-          <a:p>
-            <a:r>
-              <a:rPr lang="fr-FR" dirty="0" smtClean="0"/>
-              <a:t>Technologie utilisées</a:t>
-            </a:r>
-            <a:endParaRPr lang="fr-FR" dirty="0"/>
-          </a:p>
-        </p:txBody>
-      </p:sp>
-      <p:sp>
-        <p:nvSpPr>
-          <p:cNvPr id="7" name="TextShape 2"/>
-          <p:cNvSpPr txBox="1"/>
-          <p:nvPr/>
-        </p:nvSpPr>
-        <p:spPr>
-          <a:xfrm>
-            <a:off x="504001" y="2123653"/>
-            <a:ext cx="8064703" cy="4384440"/>
-          </a:xfrm>
-          <a:prstGeom prst="rect">
-            <a:avLst/>
-          </a:prstGeom>
-          <a:noFill/>
-          <a:ln>
-            <a:noFill/>
-          </a:ln>
-        </p:spPr>
-        <p:txBody>
-          <a:bodyPr lIns="0" tIns="0" rIns="0" bIns="0">
-            <a:noAutofit/>
-          </a:bodyPr>
-          <a:lstStyle/>
-          <a:p>
-            <a:pPr marL="431955" indent="-323966">
-              <a:spcBef>
-                <a:spcPts val="600"/>
-              </a:spcBef>
-              <a:buClr>
-                <a:srgbClr val="000000"/>
-              </a:buClr>
-              <a:buSzPct val="45000"/>
-              <a:buFont typeface="Wingdings" charset="2"/>
-              <a:buChar char=""/>
-            </a:pPr>
-            <a:r>
-              <a:rPr lang="fr-FR" sz="1600" b="1" spc="-1" dirty="0" smtClean="0">
-                <a:solidFill>
-                  <a:schemeClr val="bg2">
-                    <a:lumMod val="25000"/>
-                  </a:schemeClr>
-                </a:solidFill>
-                <a:latin typeface="Georgia" panose="02040502050405020303" pitchFamily="18" charset="0"/>
-              </a:rPr>
-              <a:t>HTML :</a:t>
-            </a:r>
-            <a:endParaRPr lang="fr-FR" sz="1600" b="1" spc="-1" dirty="0" smtClean="0">
-              <a:solidFill>
-                <a:schemeClr val="bg2">
-                  <a:lumMod val="25000"/>
-                </a:schemeClr>
-              </a:solidFill>
-              <a:latin typeface="Georgia" panose="02040502050405020303" pitchFamily="18" charset="0"/>
-            </a:endParaRPr>
-          </a:p>
-          <a:p>
-            <a:pPr marL="889107" lvl="1" indent="-323966">
-              <a:spcBef>
-                <a:spcPts val="600"/>
-              </a:spcBef>
-              <a:buClr>
-                <a:srgbClr val="000000"/>
-              </a:buClr>
-              <a:buSzPct val="45000"/>
-              <a:buFont typeface="Wingdings" charset="2"/>
-              <a:buChar char=""/>
-            </a:pPr>
-            <a:r>
-              <a:rPr lang="fr-FR" sz="1600" spc="-1" dirty="0" smtClean="0">
-                <a:solidFill>
-                  <a:schemeClr val="bg2">
-                    <a:lumMod val="25000"/>
-                  </a:schemeClr>
-                </a:solidFill>
-                <a:latin typeface="Georgia" panose="02040502050405020303" pitchFamily="18" charset="0"/>
-              </a:rPr>
-              <a:t>Squelette du site</a:t>
-            </a:r>
-          </a:p>
-          <a:p>
-            <a:pPr marL="889107" lvl="1" indent="-323966">
-              <a:spcBef>
-                <a:spcPts val="600"/>
-              </a:spcBef>
-              <a:buClr>
-                <a:srgbClr val="000000"/>
-              </a:buClr>
-              <a:buSzPct val="45000"/>
-              <a:buFont typeface="Wingdings" charset="2"/>
-              <a:buChar char=""/>
-            </a:pPr>
-            <a:r>
-              <a:rPr lang="fr-FR" sz="1600" spc="-1" dirty="0" smtClean="0">
-                <a:solidFill>
-                  <a:schemeClr val="bg2">
-                    <a:lumMod val="25000"/>
-                  </a:schemeClr>
-                </a:solidFill>
-                <a:latin typeface="Georgia" panose="02040502050405020303" pitchFamily="18" charset="0"/>
-              </a:rPr>
-              <a:t>Langage par défaut des navigateurs</a:t>
-            </a:r>
-          </a:p>
-          <a:p>
-            <a:pPr marL="889107" lvl="1" indent="-323966">
-              <a:spcBef>
-                <a:spcPts val="600"/>
-              </a:spcBef>
-              <a:buClr>
-                <a:srgbClr val="000000"/>
-              </a:buClr>
-              <a:buSzPct val="45000"/>
-              <a:buFont typeface="Wingdings" charset="2"/>
-              <a:buChar char=""/>
-            </a:pPr>
-            <a:endParaRPr lang="fr-FR" sz="1600" spc="-1" dirty="0">
-              <a:solidFill>
-                <a:schemeClr val="bg2">
-                  <a:lumMod val="25000"/>
-                </a:schemeClr>
-              </a:solidFill>
-              <a:latin typeface="Georgia" panose="02040502050405020303" pitchFamily="18" charset="0"/>
-            </a:endParaRPr>
-          </a:p>
-          <a:p>
-            <a:pPr marL="431955" indent="-323966">
-              <a:spcBef>
-                <a:spcPts val="600"/>
-              </a:spcBef>
-              <a:buClr>
-                <a:srgbClr val="000000"/>
-              </a:buClr>
-              <a:buSzPct val="45000"/>
-              <a:buFont typeface="Wingdings" charset="2"/>
-              <a:buChar char=""/>
-            </a:pPr>
-            <a:r>
-              <a:rPr lang="fr-FR" sz="1600" b="1" spc="-1" dirty="0" smtClean="0">
-                <a:solidFill>
-                  <a:schemeClr val="bg2">
-                    <a:lumMod val="25000"/>
-                  </a:schemeClr>
-                </a:solidFill>
-                <a:latin typeface="Georgia" panose="02040502050405020303" pitchFamily="18" charset="0"/>
-              </a:rPr>
-              <a:t>CSS</a:t>
-            </a:r>
-            <a:r>
-              <a:rPr lang="fr-FR" sz="1600" b="1" spc="-1" dirty="0" smtClean="0">
-                <a:solidFill>
-                  <a:schemeClr val="bg2">
-                    <a:lumMod val="25000"/>
-                  </a:schemeClr>
-                </a:solidFill>
-                <a:latin typeface="Georgia" panose="02040502050405020303" pitchFamily="18" charset="0"/>
-              </a:rPr>
-              <a:t> : </a:t>
-            </a:r>
-          </a:p>
-          <a:p>
-            <a:pPr marL="889107" lvl="1" indent="-323966">
-              <a:spcBef>
-                <a:spcPts val="600"/>
-              </a:spcBef>
-              <a:buClr>
-                <a:srgbClr val="000000"/>
-              </a:buClr>
-              <a:buSzPct val="45000"/>
-              <a:buFont typeface="Wingdings" charset="2"/>
-              <a:buChar char=""/>
-            </a:pPr>
-            <a:r>
-              <a:rPr lang="fr-FR" sz="1600" spc="-1" dirty="0" smtClean="0">
-                <a:solidFill>
-                  <a:schemeClr val="bg2">
-                    <a:lumMod val="25000"/>
-                  </a:schemeClr>
-                </a:solidFill>
-                <a:latin typeface="Georgia" panose="02040502050405020303" pitchFamily="18" charset="0"/>
-              </a:rPr>
-              <a:t>Texture le HTML</a:t>
-            </a:r>
-            <a:endParaRPr lang="fr-FR" sz="1600" spc="-1" dirty="0" smtClean="0">
-              <a:solidFill>
-                <a:schemeClr val="bg2">
-                  <a:lumMod val="25000"/>
-                </a:schemeClr>
-              </a:solidFill>
-              <a:latin typeface="Georgia" panose="02040502050405020303" pitchFamily="18" charset="0"/>
-            </a:endParaRPr>
-          </a:p>
-          <a:p>
-            <a:pPr marL="889107" lvl="1" indent="-323966">
-              <a:spcBef>
-                <a:spcPts val="600"/>
-              </a:spcBef>
-              <a:buClr>
-                <a:srgbClr val="000000"/>
-              </a:buClr>
-              <a:buSzPct val="45000"/>
-              <a:buFont typeface="Wingdings" charset="2"/>
-              <a:buChar char=""/>
-            </a:pPr>
-            <a:r>
-              <a:rPr lang="fr-FR" sz="1600" spc="-1" dirty="0" smtClean="0">
-                <a:solidFill>
-                  <a:schemeClr val="bg2">
-                    <a:lumMod val="25000"/>
-                  </a:schemeClr>
-                </a:solidFill>
-                <a:latin typeface="Georgia" panose="02040502050405020303" pitchFamily="18" charset="0"/>
-              </a:rPr>
-              <a:t>Positionne les éléments</a:t>
-            </a:r>
-            <a:endParaRPr lang="fr-FR" sz="1600" spc="-1" dirty="0" smtClean="0">
-              <a:solidFill>
-                <a:schemeClr val="bg2">
-                  <a:lumMod val="25000"/>
-                </a:schemeClr>
-              </a:solidFill>
-              <a:latin typeface="Georgia" panose="02040502050405020303" pitchFamily="18" charset="0"/>
-            </a:endParaRPr>
-          </a:p>
-          <a:p>
-            <a:pPr marL="889107" lvl="1" indent="-323966">
-              <a:spcBef>
-                <a:spcPts val="600"/>
-              </a:spcBef>
-              <a:buClr>
-                <a:srgbClr val="000000"/>
-              </a:buClr>
-              <a:buSzPct val="45000"/>
-              <a:buFont typeface="Wingdings" charset="2"/>
-              <a:buChar char=""/>
-            </a:pPr>
-            <a:r>
-              <a:rPr lang="fr-FR" sz="1600" spc="-1" dirty="0" smtClean="0">
-                <a:solidFill>
-                  <a:schemeClr val="bg2">
-                    <a:lumMod val="25000"/>
-                  </a:schemeClr>
-                </a:solidFill>
-                <a:latin typeface="Georgia" panose="02040502050405020303" pitchFamily="18" charset="0"/>
-              </a:rPr>
-              <a:t>Permet certain effet dynamique</a:t>
-            </a:r>
-            <a:endParaRPr lang="fr-FR" sz="1600" spc="-1" dirty="0" smtClean="0">
-              <a:solidFill>
-                <a:schemeClr val="bg2">
-                  <a:lumMod val="25000"/>
-                </a:schemeClr>
-              </a:solidFill>
-              <a:latin typeface="Georgia" panose="02040502050405020303" pitchFamily="18" charset="0"/>
-            </a:endParaRPr>
-          </a:p>
-          <a:p>
-            <a:pPr marL="431955" indent="-323966">
-              <a:spcBef>
-                <a:spcPts val="600"/>
-              </a:spcBef>
-              <a:buClr>
-                <a:srgbClr val="000000"/>
-              </a:buClr>
-              <a:buSzPct val="45000"/>
-              <a:buFont typeface="Wingdings" charset="2"/>
-              <a:buChar char=""/>
-            </a:pPr>
-            <a:endParaRPr lang="fr-FR" sz="1600" spc="-1" dirty="0" smtClean="0">
-              <a:solidFill>
-                <a:schemeClr val="bg2">
-                  <a:lumMod val="25000"/>
-                </a:schemeClr>
-              </a:solidFill>
-              <a:latin typeface="Georgia" panose="02040502050405020303" pitchFamily="18" charset="0"/>
-            </a:endParaRPr>
-          </a:p>
-          <a:p>
-            <a:pPr marL="431955" indent="-323966">
-              <a:spcBef>
-                <a:spcPts val="600"/>
-              </a:spcBef>
-              <a:buClr>
-                <a:srgbClr val="000000"/>
-              </a:buClr>
-              <a:buSzPct val="45000"/>
-              <a:buFont typeface="Wingdings" charset="2"/>
-              <a:buChar char=""/>
-            </a:pPr>
-            <a:r>
-              <a:rPr lang="fr-FR" sz="1600" b="1" spc="-1" dirty="0" err="1" smtClean="0">
-                <a:solidFill>
-                  <a:schemeClr val="bg2">
-                    <a:lumMod val="25000"/>
-                  </a:schemeClr>
-                </a:solidFill>
-                <a:latin typeface="Georgia" panose="02040502050405020303" pitchFamily="18" charset="0"/>
-              </a:rPr>
-              <a:t>Javascript</a:t>
-            </a:r>
-            <a:r>
-              <a:rPr lang="fr-FR" sz="1600" b="1" spc="-1" dirty="0" smtClean="0">
-                <a:solidFill>
-                  <a:schemeClr val="bg2">
-                    <a:lumMod val="25000"/>
-                  </a:schemeClr>
-                </a:solidFill>
-                <a:latin typeface="Georgia" panose="02040502050405020303" pitchFamily="18" charset="0"/>
-              </a:rPr>
-              <a:t> </a:t>
-            </a:r>
-            <a:r>
-              <a:rPr lang="fr-FR" sz="1600" b="1" spc="-1" dirty="0" smtClean="0">
-                <a:solidFill>
-                  <a:schemeClr val="bg2">
-                    <a:lumMod val="25000"/>
-                  </a:schemeClr>
-                </a:solidFill>
-                <a:latin typeface="Georgia" panose="02040502050405020303" pitchFamily="18" charset="0"/>
-              </a:rPr>
-              <a:t>:</a:t>
-            </a:r>
-            <a:endParaRPr lang="fr-FR" sz="1600" b="1" spc="-1" dirty="0" smtClean="0">
-              <a:solidFill>
-                <a:schemeClr val="bg2">
-                  <a:lumMod val="25000"/>
-                </a:schemeClr>
-              </a:solidFill>
-              <a:latin typeface="Georgia" panose="02040502050405020303" pitchFamily="18" charset="0"/>
-            </a:endParaRPr>
-          </a:p>
-          <a:p>
-            <a:pPr marL="889107" lvl="1" indent="-323966">
-              <a:spcBef>
-                <a:spcPts val="600"/>
-              </a:spcBef>
-              <a:buClr>
-                <a:srgbClr val="000000"/>
-              </a:buClr>
-              <a:buSzPct val="45000"/>
-              <a:buFont typeface="Wingdings" charset="2"/>
-              <a:buChar char=""/>
-            </a:pPr>
-            <a:r>
-              <a:rPr lang="fr-FR" sz="1600" spc="-1" dirty="0" smtClean="0">
-                <a:solidFill>
-                  <a:schemeClr val="bg2">
-                    <a:lumMod val="25000"/>
-                  </a:schemeClr>
-                </a:solidFill>
-                <a:latin typeface="Georgia" panose="02040502050405020303" pitchFamily="18" charset="0"/>
-              </a:rPr>
-              <a:t>Permet de plus gros effet dynamique</a:t>
-            </a:r>
-          </a:p>
-          <a:p>
-            <a:pPr marL="889107" lvl="1" indent="-323966">
-              <a:spcBef>
-                <a:spcPts val="600"/>
-              </a:spcBef>
-              <a:buClr>
-                <a:srgbClr val="000000"/>
-              </a:buClr>
-              <a:buSzPct val="45000"/>
-              <a:buFont typeface="Wingdings" charset="2"/>
-              <a:buChar char=""/>
-            </a:pPr>
-            <a:r>
-              <a:rPr lang="fr-FR" sz="1600" spc="-1" dirty="0" smtClean="0">
-                <a:solidFill>
-                  <a:schemeClr val="bg2">
-                    <a:lumMod val="25000"/>
-                  </a:schemeClr>
-                </a:solidFill>
-                <a:latin typeface="Georgia" panose="02040502050405020303" pitchFamily="18" charset="0"/>
-              </a:rPr>
-              <a:t>Permet de récupérer des informations coté client</a:t>
-            </a:r>
-            <a:endParaRPr lang="fr-FR" sz="1600" spc="-1" dirty="0" smtClean="0">
-              <a:solidFill>
-                <a:schemeClr val="bg2">
-                  <a:lumMod val="25000"/>
-                </a:schemeClr>
-              </a:solidFill>
-              <a:latin typeface="Georgia" panose="02040502050405020303" pitchFamily="18" charset="0"/>
-            </a:endParaRPr>
-          </a:p>
-        </p:txBody>
-      </p:sp>
-    </p:spTree>
-    <p:extLst>
-      <p:ext uri="{BB962C8B-B14F-4D97-AF65-F5344CB8AC3E}">
-        <p14:creationId xmlns:p14="http://schemas.microsoft.com/office/powerpoint/2010/main" val="1723111310"/>
       </p:ext>
     </p:extLst>
   </p:cSld>
@@ -11494,7 +11098,7 @@
           <a:p>
             <a:r>
               <a:rPr lang="fr-FR" dirty="0" smtClean="0"/>
-              <a:t>HTML</a:t>
+              <a:t>Front-End</a:t>
             </a:r>
             <a:endParaRPr lang="fr-FR" dirty="0"/>
           </a:p>
@@ -11553,6 +11157,470 @@
                 <a:latin typeface="Arial"/>
               </a:rPr>
               <a:t>22</a:t>
+            </a:fld>
+            <a:endParaRPr lang="fr-FR" sz="1400" b="0" strike="noStrike" spc="-1">
+              <a:latin typeface="Arial"/>
+            </a:endParaRPr>
+          </a:p>
+        </p:txBody>
+      </p:sp>
+      <p:sp>
+        <p:nvSpPr>
+          <p:cNvPr id="5" name="Espace réservé du texte 4"/>
+          <p:cNvSpPr>
+            <a:spLocks noGrp="1"/>
+          </p:cNvSpPr>
+          <p:nvPr>
+            <p:ph type="body" sz="quarter" idx="13"/>
+          </p:nvPr>
+        </p:nvSpPr>
+        <p:spPr/>
+        <p:txBody>
+          <a:bodyPr>
+            <a:normAutofit fontScale="85000" lnSpcReduction="20000"/>
+          </a:bodyPr>
+          <a:lstStyle/>
+          <a:p>
+            <a:r>
+              <a:rPr lang="fr-FR" dirty="0" smtClean="0"/>
+              <a:t>Technologie utilisées</a:t>
+            </a:r>
+            <a:endParaRPr lang="fr-FR" dirty="0"/>
+          </a:p>
+        </p:txBody>
+      </p:sp>
+      <p:sp>
+        <p:nvSpPr>
+          <p:cNvPr id="7" name="TextShape 2"/>
+          <p:cNvSpPr txBox="1"/>
+          <p:nvPr/>
+        </p:nvSpPr>
+        <p:spPr>
+          <a:xfrm>
+            <a:off x="504001" y="2123653"/>
+            <a:ext cx="8064703" cy="4384440"/>
+          </a:xfrm>
+          <a:prstGeom prst="rect">
+            <a:avLst/>
+          </a:prstGeom>
+          <a:noFill/>
+          <a:ln>
+            <a:noFill/>
+          </a:ln>
+        </p:spPr>
+        <p:txBody>
+          <a:bodyPr lIns="0" tIns="0" rIns="0" bIns="0">
+            <a:noAutofit/>
+          </a:bodyPr>
+          <a:lstStyle/>
+          <a:p>
+            <a:pPr marL="431955" indent="-323966">
+              <a:spcBef>
+                <a:spcPts val="600"/>
+              </a:spcBef>
+              <a:buClr>
+                <a:srgbClr val="000000"/>
+              </a:buClr>
+              <a:buSzPct val="45000"/>
+              <a:buFont typeface="Wingdings" charset="2"/>
+              <a:buChar char=""/>
+            </a:pPr>
+            <a:r>
+              <a:rPr lang="fr-FR" sz="1600" b="1" spc="-1" dirty="0" smtClean="0">
+                <a:solidFill>
+                  <a:schemeClr val="bg2">
+                    <a:lumMod val="25000"/>
+                  </a:schemeClr>
+                </a:solidFill>
+                <a:latin typeface="Georgia" panose="02040502050405020303" pitchFamily="18" charset="0"/>
+              </a:rPr>
+              <a:t>HTML :</a:t>
+            </a:r>
+          </a:p>
+          <a:p>
+            <a:pPr marL="889107" lvl="1" indent="-323966">
+              <a:spcBef>
+                <a:spcPts val="600"/>
+              </a:spcBef>
+              <a:buClr>
+                <a:srgbClr val="000000"/>
+              </a:buClr>
+              <a:buSzPct val="45000"/>
+              <a:buFont typeface="Wingdings" charset="2"/>
+              <a:buChar char=""/>
+            </a:pPr>
+            <a:r>
+              <a:rPr lang="fr-FR" sz="1600" spc="-1" dirty="0" smtClean="0">
+                <a:solidFill>
+                  <a:schemeClr val="bg2">
+                    <a:lumMod val="25000"/>
+                  </a:schemeClr>
+                </a:solidFill>
+                <a:latin typeface="Georgia" panose="02040502050405020303" pitchFamily="18" charset="0"/>
+              </a:rPr>
+              <a:t>Squelette du site</a:t>
+            </a:r>
+          </a:p>
+          <a:p>
+            <a:pPr marL="889107" lvl="1" indent="-323966">
+              <a:spcBef>
+                <a:spcPts val="600"/>
+              </a:spcBef>
+              <a:buClr>
+                <a:srgbClr val="000000"/>
+              </a:buClr>
+              <a:buSzPct val="45000"/>
+              <a:buFont typeface="Wingdings" charset="2"/>
+              <a:buChar char=""/>
+            </a:pPr>
+            <a:r>
+              <a:rPr lang="fr-FR" sz="1600" spc="-1" dirty="0" smtClean="0">
+                <a:solidFill>
+                  <a:schemeClr val="bg2">
+                    <a:lumMod val="25000"/>
+                  </a:schemeClr>
+                </a:solidFill>
+                <a:latin typeface="Georgia" panose="02040502050405020303" pitchFamily="18" charset="0"/>
+              </a:rPr>
+              <a:t>Langage par défaut des navigateurs</a:t>
+            </a:r>
+          </a:p>
+          <a:p>
+            <a:pPr marL="889107" lvl="1" indent="-323966">
+              <a:spcBef>
+                <a:spcPts val="600"/>
+              </a:spcBef>
+              <a:buClr>
+                <a:srgbClr val="000000"/>
+              </a:buClr>
+              <a:buSzPct val="45000"/>
+              <a:buFont typeface="Wingdings" charset="2"/>
+              <a:buChar char=""/>
+            </a:pPr>
+            <a:endParaRPr lang="fr-FR" sz="1600" spc="-1" dirty="0">
+              <a:solidFill>
+                <a:schemeClr val="bg2">
+                  <a:lumMod val="25000"/>
+                </a:schemeClr>
+              </a:solidFill>
+              <a:latin typeface="Georgia" panose="02040502050405020303" pitchFamily="18" charset="0"/>
+            </a:endParaRPr>
+          </a:p>
+          <a:p>
+            <a:pPr marL="431955" indent="-323966">
+              <a:spcBef>
+                <a:spcPts val="600"/>
+              </a:spcBef>
+              <a:buClr>
+                <a:srgbClr val="000000"/>
+              </a:buClr>
+              <a:buSzPct val="45000"/>
+              <a:buFont typeface="Wingdings" charset="2"/>
+              <a:buChar char=""/>
+            </a:pPr>
+            <a:r>
+              <a:rPr lang="fr-FR" sz="1600" b="1" spc="-1" dirty="0" smtClean="0">
+                <a:solidFill>
+                  <a:schemeClr val="bg2">
+                    <a:lumMod val="25000"/>
+                  </a:schemeClr>
+                </a:solidFill>
+                <a:latin typeface="Georgia" panose="02040502050405020303" pitchFamily="18" charset="0"/>
+              </a:rPr>
+              <a:t>CSS : </a:t>
+            </a:r>
+          </a:p>
+          <a:p>
+            <a:pPr marL="889107" lvl="1" indent="-323966">
+              <a:spcBef>
+                <a:spcPts val="600"/>
+              </a:spcBef>
+              <a:buClr>
+                <a:srgbClr val="000000"/>
+              </a:buClr>
+              <a:buSzPct val="45000"/>
+              <a:buFont typeface="Wingdings" charset="2"/>
+              <a:buChar char=""/>
+            </a:pPr>
+            <a:r>
+              <a:rPr lang="fr-FR" sz="1600" spc="-1" dirty="0" smtClean="0">
+                <a:solidFill>
+                  <a:schemeClr val="bg2">
+                    <a:lumMod val="25000"/>
+                  </a:schemeClr>
+                </a:solidFill>
+                <a:latin typeface="Georgia" panose="02040502050405020303" pitchFamily="18" charset="0"/>
+              </a:rPr>
+              <a:t>Texture le HTML</a:t>
+            </a:r>
+          </a:p>
+          <a:p>
+            <a:pPr marL="889107" lvl="1" indent="-323966">
+              <a:spcBef>
+                <a:spcPts val="600"/>
+              </a:spcBef>
+              <a:buClr>
+                <a:srgbClr val="000000"/>
+              </a:buClr>
+              <a:buSzPct val="45000"/>
+              <a:buFont typeface="Wingdings" charset="2"/>
+              <a:buChar char=""/>
+            </a:pPr>
+            <a:r>
+              <a:rPr lang="fr-FR" sz="1600" spc="-1" dirty="0" smtClean="0">
+                <a:solidFill>
+                  <a:schemeClr val="bg2">
+                    <a:lumMod val="25000"/>
+                  </a:schemeClr>
+                </a:solidFill>
+                <a:latin typeface="Georgia" panose="02040502050405020303" pitchFamily="18" charset="0"/>
+              </a:rPr>
+              <a:t>Positionne les éléments</a:t>
+            </a:r>
+          </a:p>
+          <a:p>
+            <a:pPr marL="889107" lvl="1" indent="-323966">
+              <a:spcBef>
+                <a:spcPts val="600"/>
+              </a:spcBef>
+              <a:buClr>
+                <a:srgbClr val="000000"/>
+              </a:buClr>
+              <a:buSzPct val="45000"/>
+              <a:buFont typeface="Wingdings" charset="2"/>
+              <a:buChar char=""/>
+            </a:pPr>
+            <a:r>
+              <a:rPr lang="fr-FR" sz="1600" spc="-1" dirty="0" smtClean="0">
+                <a:solidFill>
+                  <a:schemeClr val="bg2">
+                    <a:lumMod val="25000"/>
+                  </a:schemeClr>
+                </a:solidFill>
+                <a:latin typeface="Georgia" panose="02040502050405020303" pitchFamily="18" charset="0"/>
+              </a:rPr>
+              <a:t>Permet certain effet dynamique</a:t>
+            </a:r>
+          </a:p>
+          <a:p>
+            <a:pPr marL="431955" indent="-323966">
+              <a:spcBef>
+                <a:spcPts val="600"/>
+              </a:spcBef>
+              <a:buClr>
+                <a:srgbClr val="000000"/>
+              </a:buClr>
+              <a:buSzPct val="45000"/>
+              <a:buFont typeface="Wingdings" charset="2"/>
+              <a:buChar char=""/>
+            </a:pPr>
+            <a:endParaRPr lang="fr-FR" sz="1600" spc="-1" dirty="0" smtClean="0">
+              <a:solidFill>
+                <a:schemeClr val="bg2">
+                  <a:lumMod val="25000"/>
+                </a:schemeClr>
+              </a:solidFill>
+              <a:latin typeface="Georgia" panose="02040502050405020303" pitchFamily="18" charset="0"/>
+            </a:endParaRPr>
+          </a:p>
+          <a:p>
+            <a:pPr marL="431955" indent="-323966">
+              <a:spcBef>
+                <a:spcPts val="600"/>
+              </a:spcBef>
+              <a:buClr>
+                <a:srgbClr val="000000"/>
+              </a:buClr>
+              <a:buSzPct val="45000"/>
+              <a:buFont typeface="Wingdings" charset="2"/>
+              <a:buChar char=""/>
+            </a:pPr>
+            <a:r>
+              <a:rPr lang="fr-FR" sz="1600" b="1" spc="-1" dirty="0" err="1" smtClean="0">
+                <a:solidFill>
+                  <a:schemeClr val="bg2">
+                    <a:lumMod val="25000"/>
+                  </a:schemeClr>
+                </a:solidFill>
+                <a:latin typeface="Georgia" panose="02040502050405020303" pitchFamily="18" charset="0"/>
+              </a:rPr>
+              <a:t>Javascript</a:t>
+            </a:r>
+            <a:r>
+              <a:rPr lang="fr-FR" sz="1600" b="1" spc="-1" dirty="0" smtClean="0">
+                <a:solidFill>
+                  <a:schemeClr val="bg2">
+                    <a:lumMod val="25000"/>
+                  </a:schemeClr>
+                </a:solidFill>
+                <a:latin typeface="Georgia" panose="02040502050405020303" pitchFamily="18" charset="0"/>
+              </a:rPr>
+              <a:t> :</a:t>
+            </a:r>
+          </a:p>
+          <a:p>
+            <a:pPr marL="889107" lvl="1" indent="-323966">
+              <a:spcBef>
+                <a:spcPts val="600"/>
+              </a:spcBef>
+              <a:buClr>
+                <a:srgbClr val="000000"/>
+              </a:buClr>
+              <a:buSzPct val="45000"/>
+              <a:buFont typeface="Wingdings" charset="2"/>
+              <a:buChar char=""/>
+            </a:pPr>
+            <a:r>
+              <a:rPr lang="fr-FR" sz="1600" spc="-1" dirty="0" smtClean="0">
+                <a:solidFill>
+                  <a:schemeClr val="bg2">
+                    <a:lumMod val="25000"/>
+                  </a:schemeClr>
+                </a:solidFill>
+                <a:latin typeface="Georgia" panose="02040502050405020303" pitchFamily="18" charset="0"/>
+              </a:rPr>
+              <a:t>Permet de plus gros effet dynamique</a:t>
+            </a:r>
+          </a:p>
+          <a:p>
+            <a:pPr marL="889107" lvl="1" indent="-323966">
+              <a:spcBef>
+                <a:spcPts val="600"/>
+              </a:spcBef>
+              <a:buClr>
+                <a:srgbClr val="000000"/>
+              </a:buClr>
+              <a:buSzPct val="45000"/>
+              <a:buFont typeface="Wingdings" charset="2"/>
+              <a:buChar char=""/>
+            </a:pPr>
+            <a:r>
+              <a:rPr lang="fr-FR" sz="1600" spc="-1" dirty="0" smtClean="0">
+                <a:solidFill>
+                  <a:schemeClr val="bg2">
+                    <a:lumMod val="25000"/>
+                  </a:schemeClr>
+                </a:solidFill>
+                <a:latin typeface="Georgia" panose="02040502050405020303" pitchFamily="18" charset="0"/>
+              </a:rPr>
+              <a:t>Permet de récupérer des informations coté client</a:t>
+            </a:r>
+          </a:p>
+        </p:txBody>
+      </p:sp>
+    </p:spTree>
+    <p:extLst>
+      <p:ext uri="{BB962C8B-B14F-4D97-AF65-F5344CB8AC3E}">
+        <p14:creationId xmlns:p14="http://schemas.microsoft.com/office/powerpoint/2010/main" val="1723111310"/>
+      </p:ext>
+    </p:extLst>
+  </p:cSld>
+  <p:clrMapOvr>
+    <a:masterClrMapping/>
+  </p:clrMapOvr>
+  <p:timing>
+    <p:tnLst>
+      <p:par>
+        <p:cTn id="1" dur="indefinite" restart="never" nodeType="tmRoot"/>
+      </p:par>
+    </p:tnLst>
+  </p:timing>
+</p:sld>
+</file>
+
+<file path=ppt/slides/slide23.xml><?xml version="1.0" encoding="utf-8"?>
+<p:sld xmlns:a="http://schemas.openxmlformats.org/drawingml/2006/main" xmlns:r="http://schemas.openxmlformats.org/officeDocument/2006/relationships" xmlns:p="http://schemas.openxmlformats.org/presentationml/2006/main">
+  <p:cSld>
+    <p:spTree>
+      <p:nvGrpSpPr>
+        <p:cNvPr id="1" name=""/>
+        <p:cNvGrpSpPr/>
+        <p:nvPr/>
+      </p:nvGrpSpPr>
+      <p:grpSpPr>
+        <a:xfrm>
+          <a:off x="0" y="0"/>
+          <a:ext cx="0" cy="0"/>
+          <a:chOff x="0" y="0"/>
+          <a:chExt cx="0" cy="0"/>
+        </a:xfrm>
+      </p:grpSpPr>
+      <p:sp>
+        <p:nvSpPr>
+          <p:cNvPr id="2" name="Titre 1"/>
+          <p:cNvSpPr>
+            <a:spLocks noGrp="1"/>
+          </p:cNvSpPr>
+          <p:nvPr>
+            <p:ph type="title"/>
+          </p:nvPr>
+        </p:nvSpPr>
+        <p:spPr/>
+        <p:txBody>
+          <a:bodyPr/>
+          <a:lstStyle/>
+          <a:p>
+            <a:r>
+              <a:rPr lang="fr-FR" dirty="0" smtClean="0"/>
+              <a:t>HTML</a:t>
+            </a:r>
+            <a:endParaRPr lang="fr-FR" dirty="0"/>
+          </a:p>
+        </p:txBody>
+      </p:sp>
+      <p:sp>
+        <p:nvSpPr>
+          <p:cNvPr id="3" name="Espace réservé du pied de page 2"/>
+          <p:cNvSpPr>
+            <a:spLocks noGrp="1"/>
+          </p:cNvSpPr>
+          <p:nvPr>
+            <p:ph type="ftr" sz="quarter" idx="11"/>
+          </p:nvPr>
+        </p:nvSpPr>
+        <p:spPr/>
+        <p:txBody>
+          <a:bodyPr/>
+          <a:lstStyle/>
+          <a:p>
+            <a:pPr algn="ctr"/>
+            <a:r>
+              <a:rPr lang="fr-FR" spc="-1" dirty="0" smtClean="0"/>
+              <a:t>Priscillien HERBET </a:t>
+            </a:r>
+            <a:r>
+              <a:rPr lang="fr-FR" spc="-1" dirty="0"/>
+              <a:t>– 17  juin 2022 </a:t>
+            </a:r>
+            <a:r>
+              <a:rPr lang="fr-FR" spc="-1" dirty="0" smtClean="0"/>
+              <a:t>– Gestionnaire de favoris</a:t>
+            </a:r>
+            <a:endParaRPr lang="fr-FR" spc="-1" dirty="0"/>
+          </a:p>
+        </p:txBody>
+      </p:sp>
+      <p:sp>
+        <p:nvSpPr>
+          <p:cNvPr id="4" name="Espace réservé du numéro de diapositive 3"/>
+          <p:cNvSpPr>
+            <a:spLocks noGrp="1"/>
+          </p:cNvSpPr>
+          <p:nvPr>
+            <p:ph type="sldNum" sz="quarter" idx="12"/>
+          </p:nvPr>
+        </p:nvSpPr>
+        <p:spPr/>
+        <p:txBody>
+          <a:bodyPr/>
+          <a:lstStyle/>
+          <a:p>
+            <a:pPr algn="r"/>
+            <a:fld id="{E24D620B-6B54-4D64-8088-7BD33B9B7119}" type="slidenum">
+              <a:rPr lang="fr-FR" sz="1400" b="0" strike="noStrike" spc="-1" smtClean="0">
+                <a:latin typeface="Arial"/>
+              </a:rPr>
+              <a:t>23</a:t>
             </a:fld>
             <a:endParaRPr lang="fr-FR" sz="1400" b="0" strike="noStrike" spc="-1">
               <a:latin typeface="Arial"/>
@@ -11687,7 +11755,7 @@
 </p:sld>
 </file>
 
-<file path=ppt/slides/slide23.xml><?xml version="1.0" encoding="utf-8"?>
+<file path=ppt/slides/slide24.xml><?xml version="1.0" encoding="utf-8"?>
 <p:sld xmlns:a="http://schemas.openxmlformats.org/drawingml/2006/main" xmlns:r="http://schemas.openxmlformats.org/officeDocument/2006/relationships" xmlns:p="http://schemas.openxmlformats.org/presentationml/2006/main">
   <p:cSld>
     <p:spTree>
@@ -11779,7 +11847,7 @@
               <a:rPr lang="fr-FR" sz="1400" b="0" strike="noStrike" spc="-1" smtClean="0">
                 <a:latin typeface="Arial"/>
               </a:rPr>
-              <a:t>23</a:t>
+              <a:t>24</a:t>
             </a:fld>
             <a:endParaRPr lang="fr-FR" sz="1400" b="0" strike="noStrike" spc="-1">
               <a:latin typeface="Arial"/>
@@ -11914,7 +11982,7 @@
 </p:sld>
 </file>
 
-<file path=ppt/slides/slide24.xml><?xml version="1.0" encoding="utf-8"?>
+<file path=ppt/slides/slide25.xml><?xml version="1.0" encoding="utf-8"?>
 <p:sld xmlns:a="http://schemas.openxmlformats.org/drawingml/2006/main" xmlns:r="http://schemas.openxmlformats.org/officeDocument/2006/relationships" xmlns:p="http://schemas.openxmlformats.org/presentationml/2006/main">
   <p:cSld>
     <p:spTree>
@@ -12006,7 +12074,7 @@
               <a:rPr lang="fr-FR" sz="1400" b="0" strike="noStrike" spc="-1" smtClean="0">
                 <a:latin typeface="Arial"/>
               </a:rPr>
-              <a:t>24</a:t>
+              <a:t>25</a:t>
             </a:fld>
             <a:endParaRPr lang="fr-FR" sz="1400" b="0" strike="noStrike" spc="-1">
               <a:latin typeface="Arial"/>
@@ -12141,7 +12209,7 @@
 </p:sld>
 </file>
 
-<file path=ppt/slides/slide25.xml><?xml version="1.0" encoding="utf-8"?>
+<file path=ppt/slides/slide26.xml><?xml version="1.0" encoding="utf-8"?>
 <p:sld xmlns:a="http://schemas.openxmlformats.org/drawingml/2006/main" xmlns:r="http://schemas.openxmlformats.org/officeDocument/2006/relationships" xmlns:p="http://schemas.openxmlformats.org/presentationml/2006/main">
   <p:cSld>
     <p:spTree>
@@ -12233,7 +12301,7 @@
               <a:rPr lang="fr-FR" sz="1400" b="0" strike="noStrike" spc="-1" smtClean="0">
                 <a:latin typeface="Arial"/>
               </a:rPr>
-              <a:t>25</a:t>
+              <a:t>26</a:t>
             </a:fld>
             <a:endParaRPr lang="fr-FR" sz="1400" b="0" strike="noStrike" spc="-1">
               <a:latin typeface="Arial"/>
@@ -12357,7 +12425,7 @@
 </p:sld>
 </file>
 
-<file path=ppt/slides/slide26.xml><?xml version="1.0" encoding="utf-8"?>
+<file path=ppt/slides/slide27.xml><?xml version="1.0" encoding="utf-8"?>
 <p:sld xmlns:a="http://schemas.openxmlformats.org/drawingml/2006/main" xmlns:r="http://schemas.openxmlformats.org/officeDocument/2006/relationships" xmlns:p="http://schemas.openxmlformats.org/presentationml/2006/main">
   <p:cSld>
     <p:spTree>
@@ -12449,7 +12517,7 @@
               <a:rPr lang="fr-FR" sz="1400" b="0" strike="noStrike" spc="-1" smtClean="0">
                 <a:latin typeface="Arial"/>
               </a:rPr>
-              <a:t>26</a:t>
+              <a:t>27</a:t>
             </a:fld>
             <a:endParaRPr lang="fr-FR" sz="1400" b="0" strike="noStrike" spc="-1">
               <a:latin typeface="Arial"/>
@@ -12625,7 +12693,7 @@
 </p:sld>
 </file>
 
-<file path=ppt/slides/slide27.xml><?xml version="1.0" encoding="utf-8"?>
+<file path=ppt/slides/slide28.xml><?xml version="1.0" encoding="utf-8"?>
 <p:sld xmlns:a="http://schemas.openxmlformats.org/drawingml/2006/main" xmlns:r="http://schemas.openxmlformats.org/officeDocument/2006/relationships" xmlns:p="http://schemas.openxmlformats.org/presentationml/2006/main">
   <p:cSld>
     <p:spTree>
@@ -12717,7 +12785,7 @@
               <a:rPr lang="fr-FR" sz="1400" b="0" strike="noStrike" spc="-1" smtClean="0">
                 <a:latin typeface="Arial"/>
               </a:rPr>
-              <a:t>27</a:t>
+              <a:t>28</a:t>
             </a:fld>
             <a:endParaRPr lang="fr-FR" sz="1400" b="0" strike="noStrike" spc="-1">
               <a:latin typeface="Arial"/>
@@ -12926,7 +12994,7 @@
 </p:sld>
 </file>
 
-<file path=ppt/slides/slide28.xml><?xml version="1.0" encoding="utf-8"?>
+<file path=ppt/slides/slide29.xml><?xml version="1.0" encoding="utf-8"?>
 <p:sld xmlns:a="http://schemas.openxmlformats.org/drawingml/2006/main" xmlns:r="http://schemas.openxmlformats.org/officeDocument/2006/relationships" xmlns:p="http://schemas.openxmlformats.org/presentationml/2006/main">
   <p:cSld>
     <p:spTree>
@@ -13018,7 +13086,7 @@
               <a:rPr lang="fr-FR" sz="1400" b="0" strike="noStrike" spc="-1" smtClean="0">
                 <a:latin typeface="Arial"/>
               </a:rPr>
-              <a:t>28</a:t>
+              <a:t>29</a:t>
             </a:fld>
             <a:endParaRPr lang="fr-FR" sz="1400" b="0" strike="noStrike" spc="-1">
               <a:latin typeface="Arial"/>
@@ -13194,7 +13262,7 @@
 </p:sld>
 </file>
 
-<file path=ppt/slides/slide29.xml><?xml version="1.0" encoding="utf-8"?>
+<file path=ppt/slides/slide3.xml><?xml version="1.0" encoding="utf-8"?>
 <p:sld xmlns:a="http://schemas.openxmlformats.org/drawingml/2006/main" xmlns:r="http://schemas.openxmlformats.org/officeDocument/2006/relationships" xmlns:p="http://schemas.openxmlformats.org/presentationml/2006/main">
   <p:cSld>
     <p:spTree>
@@ -13213,45 +13281,488 @@
       </p:grpSpPr>
       <p:sp>
         <p:nvSpPr>
-          <p:cNvPr id="4" name="Espace réservé du pied de page 3"/>
-          <p:cNvSpPr>
-            <a:spLocks noGrp="1"/>
-          </p:cNvSpPr>
-          <p:nvPr>
-            <p:ph type="ftr" sz="quarter" idx="11"/>
-          </p:nvPr>
-        </p:nvSpPr>
-        <p:spPr/>
-        <p:txBody>
-          <a:bodyPr/>
+          <p:cNvPr id="86" name="TextShape 1"/>
+          <p:cNvSpPr txBox="1"/>
+          <p:nvPr/>
+        </p:nvSpPr>
+        <p:spPr>
+          <a:xfrm>
+            <a:off x="504001" y="301321"/>
+            <a:ext cx="9071640" cy="637560"/>
+          </a:xfrm>
+          <a:prstGeom prst="rect">
+            <a:avLst/>
+          </a:prstGeom>
+          <a:noFill/>
+          <a:ln>
+            <a:noFill/>
+          </a:ln>
+        </p:spPr>
+        <p:txBody>
+          <a:bodyPr lIns="0" tIns="0" rIns="0" bIns="0" anchor="ctr">
+            <a:noAutofit/>
+          </a:bodyPr>
           <a:lstStyle/>
           <a:p>
             <a:pPr algn="ctr"/>
             <a:r>
-              <a:rPr lang="fr-FR" sz="1400" b="0" strike="noStrike" spc="-1" dirty="0" smtClean="0">
+              <a:rPr lang="fr-FR" sz="4400" spc="-1">
+                <a:solidFill>
+                  <a:srgbClr val="FFFFFF"/>
+                </a:solidFill>
                 <a:latin typeface="Arial"/>
               </a:rPr>
-              <a:t>Priscillien HERBET – </a:t>
-            </a:r>
-            <a:r>
-              <a:rPr lang="fr-FR" sz="1400" spc="-1" dirty="0"/>
-              <a:t>17  juin </a:t>
-            </a:r>
-            <a:r>
-              <a:rPr lang="fr-FR" sz="1400" b="0" strike="noStrike" spc="-1" dirty="0" smtClean="0">
-                <a:latin typeface="Arial"/>
+              <a:t>Introduction</a:t>
+            </a:r>
+          </a:p>
+        </p:txBody>
+      </p:sp>
+      <p:sp>
+        <p:nvSpPr>
+          <p:cNvPr id="87" name="TextShape 2"/>
+          <p:cNvSpPr txBox="1"/>
+          <p:nvPr/>
+        </p:nvSpPr>
+        <p:spPr>
+          <a:xfrm>
+            <a:off x="504001" y="2123653"/>
+            <a:ext cx="8064703" cy="4384440"/>
+          </a:xfrm>
+          <a:prstGeom prst="rect">
+            <a:avLst/>
+          </a:prstGeom>
+          <a:noFill/>
+          <a:ln>
+            <a:noFill/>
+          </a:ln>
+        </p:spPr>
+        <p:txBody>
+          <a:bodyPr lIns="0" tIns="0" rIns="0" bIns="0">
+            <a:noAutofit/>
+          </a:bodyPr>
+          <a:lstStyle/>
+          <a:p>
+            <a:pPr marL="431955" indent="-323966">
+              <a:spcBef>
+                <a:spcPts val="600"/>
+              </a:spcBef>
+              <a:buClr>
+                <a:srgbClr val="000000"/>
+              </a:buClr>
+              <a:buSzPct val="45000"/>
+              <a:buFont typeface="Wingdings" charset="2"/>
+              <a:buChar char=""/>
+            </a:pPr>
+            <a:r>
+              <a:rPr lang="fr-FR" sz="1600" b="1" spc="-1" dirty="0" smtClean="0">
+                <a:solidFill>
+                  <a:schemeClr val="bg2">
+                    <a:lumMod val="25000"/>
+                  </a:schemeClr>
+                </a:solidFill>
+                <a:latin typeface="Georgia" panose="02040502050405020303" pitchFamily="18" charset="0"/>
               </a:rPr>
-              <a:t>2022</a:t>
-            </a:r>
-            <a:endParaRPr lang="fr-FR" sz="1400" b="0" strike="noStrike" spc="-1" dirty="0">
-              <a:latin typeface="Arial"/>
+              <a:t>Différents canaux d’accès aux favoris:</a:t>
+            </a:r>
+          </a:p>
+          <a:p>
+            <a:pPr marL="889107" lvl="1" indent="-323966">
+              <a:spcBef>
+                <a:spcPts val="600"/>
+              </a:spcBef>
+              <a:buClr>
+                <a:srgbClr val="000000"/>
+              </a:buClr>
+              <a:buSzPct val="45000"/>
+              <a:buFont typeface="Wingdings" charset="2"/>
+              <a:buChar char=""/>
+            </a:pPr>
+            <a:r>
+              <a:rPr lang="fr-FR" sz="1600" spc="-1" dirty="0" smtClean="0">
+                <a:solidFill>
+                  <a:schemeClr val="bg2">
+                    <a:lumMod val="25000"/>
+                  </a:schemeClr>
+                </a:solidFill>
+                <a:latin typeface="Georgia" panose="02040502050405020303" pitchFamily="18" charset="0"/>
+              </a:rPr>
+              <a:t>Téléphones</a:t>
+            </a:r>
+          </a:p>
+          <a:p>
+            <a:pPr marL="889107" lvl="1" indent="-323966">
+              <a:spcBef>
+                <a:spcPts val="600"/>
+              </a:spcBef>
+              <a:buClr>
+                <a:srgbClr val="000000"/>
+              </a:buClr>
+              <a:buSzPct val="45000"/>
+              <a:buFont typeface="Wingdings" charset="2"/>
+              <a:buChar char=""/>
+            </a:pPr>
+            <a:r>
+              <a:rPr lang="fr-FR" sz="1600" spc="-1" dirty="0" smtClean="0">
+                <a:solidFill>
+                  <a:schemeClr val="bg2">
+                    <a:lumMod val="25000"/>
+                  </a:schemeClr>
+                </a:solidFill>
+                <a:latin typeface="Georgia" panose="02040502050405020303" pitchFamily="18" charset="0"/>
+              </a:rPr>
+              <a:t>Tablettes</a:t>
+            </a:r>
+          </a:p>
+          <a:p>
+            <a:pPr marL="889107" lvl="1" indent="-323966">
+              <a:spcBef>
+                <a:spcPts val="600"/>
+              </a:spcBef>
+              <a:buClr>
+                <a:srgbClr val="000000"/>
+              </a:buClr>
+              <a:buSzPct val="45000"/>
+              <a:buFont typeface="Wingdings" charset="2"/>
+              <a:buChar char=""/>
+            </a:pPr>
+            <a:r>
+              <a:rPr lang="fr-FR" sz="1600" spc="-1" dirty="0" smtClean="0">
+                <a:solidFill>
+                  <a:schemeClr val="bg2">
+                    <a:lumMod val="25000"/>
+                  </a:schemeClr>
+                </a:solidFill>
+                <a:latin typeface="Georgia" panose="02040502050405020303" pitchFamily="18" charset="0"/>
+              </a:rPr>
+              <a:t>Ordinateurs </a:t>
+            </a:r>
+          </a:p>
+          <a:p>
+            <a:pPr marL="889107" lvl="1" indent="-323966">
+              <a:spcBef>
+                <a:spcPts val="600"/>
+              </a:spcBef>
+              <a:buClr>
+                <a:srgbClr val="000000"/>
+              </a:buClr>
+              <a:buSzPct val="45000"/>
+              <a:buFont typeface="Wingdings" charset="2"/>
+              <a:buChar char=""/>
+            </a:pPr>
+            <a:r>
+              <a:rPr lang="fr-FR" sz="1600" spc="-1" dirty="0" smtClean="0">
+                <a:solidFill>
+                  <a:schemeClr val="bg2">
+                    <a:lumMod val="25000"/>
+                  </a:schemeClr>
+                </a:solidFill>
+                <a:latin typeface="Georgia" panose="02040502050405020303" pitchFamily="18" charset="0"/>
+              </a:rPr>
+              <a:t>Navigateurs</a:t>
+            </a:r>
+          </a:p>
+          <a:p>
+            <a:pPr marL="889107" lvl="1" indent="-323966">
+              <a:spcBef>
+                <a:spcPts val="600"/>
+              </a:spcBef>
+              <a:buClr>
+                <a:srgbClr val="000000"/>
+              </a:buClr>
+              <a:buSzPct val="45000"/>
+              <a:buFont typeface="Wingdings" charset="2"/>
+              <a:buChar char=""/>
+            </a:pPr>
+            <a:endParaRPr lang="fr-FR" sz="1600" spc="-1" dirty="0">
+              <a:solidFill>
+                <a:schemeClr val="bg2">
+                  <a:lumMod val="25000"/>
+                </a:schemeClr>
+              </a:solidFill>
+              <a:latin typeface="Georgia" panose="02040502050405020303" pitchFamily="18" charset="0"/>
             </a:endParaRPr>
           </a:p>
-        </p:txBody>
-      </p:sp>
-      <p:sp>
-        <p:nvSpPr>
-          <p:cNvPr id="5" name="Espace réservé du numéro de diapositive 4"/>
+          <a:p>
+            <a:pPr marL="431955" indent="-323966">
+              <a:spcBef>
+                <a:spcPts val="600"/>
+              </a:spcBef>
+              <a:buClr>
+                <a:srgbClr val="000000"/>
+              </a:buClr>
+              <a:buSzPct val="45000"/>
+              <a:buFont typeface="Wingdings" charset="2"/>
+              <a:buChar char=""/>
+            </a:pPr>
+            <a:r>
+              <a:rPr lang="fr-FR" sz="1600" b="1" spc="-1" dirty="0" smtClean="0">
+                <a:solidFill>
+                  <a:schemeClr val="bg2">
+                    <a:lumMod val="25000"/>
+                  </a:schemeClr>
+                </a:solidFill>
+                <a:latin typeface="Georgia" panose="02040502050405020303" pitchFamily="18" charset="0"/>
+              </a:rPr>
+              <a:t>Concurrence sur le marché : </a:t>
+            </a:r>
+          </a:p>
+          <a:p>
+            <a:pPr marL="889107" lvl="1" indent="-323966">
+              <a:spcBef>
+                <a:spcPts val="600"/>
+              </a:spcBef>
+              <a:buClr>
+                <a:srgbClr val="000000"/>
+              </a:buClr>
+              <a:buSzPct val="45000"/>
+              <a:buFont typeface="Wingdings" charset="2"/>
+              <a:buChar char=""/>
+            </a:pPr>
+            <a:r>
+              <a:rPr lang="fr-FR" sz="1600" spc="-1" dirty="0" err="1" smtClean="0">
+                <a:solidFill>
+                  <a:schemeClr val="bg2">
+                    <a:lumMod val="25000"/>
+                  </a:schemeClr>
+                </a:solidFill>
+                <a:latin typeface="Georgia" panose="02040502050405020303" pitchFamily="18" charset="0"/>
+              </a:rPr>
+              <a:t>Raindrop</a:t>
+            </a:r>
+            <a:endParaRPr lang="fr-FR" sz="1600" spc="-1" dirty="0" smtClean="0">
+              <a:solidFill>
+                <a:schemeClr val="bg2">
+                  <a:lumMod val="25000"/>
+                </a:schemeClr>
+              </a:solidFill>
+              <a:latin typeface="Georgia" panose="02040502050405020303" pitchFamily="18" charset="0"/>
+            </a:endParaRPr>
+          </a:p>
+          <a:p>
+            <a:pPr marL="889107" lvl="1" indent="-323966">
+              <a:spcBef>
+                <a:spcPts val="600"/>
+              </a:spcBef>
+              <a:buClr>
+                <a:srgbClr val="000000"/>
+              </a:buClr>
+              <a:buSzPct val="45000"/>
+              <a:buFont typeface="Wingdings" charset="2"/>
+              <a:buChar char=""/>
+            </a:pPr>
+            <a:r>
+              <a:rPr lang="fr-FR" sz="1600" spc="-1" dirty="0" smtClean="0">
+                <a:solidFill>
+                  <a:schemeClr val="bg2">
+                    <a:lumMod val="25000"/>
+                  </a:schemeClr>
+                </a:solidFill>
+                <a:latin typeface="Georgia" panose="02040502050405020303" pitchFamily="18" charset="0"/>
+              </a:rPr>
+              <a:t>Google</a:t>
+            </a:r>
+          </a:p>
+          <a:p>
+            <a:pPr marL="889107" lvl="1" indent="-323966">
+              <a:spcBef>
+                <a:spcPts val="600"/>
+              </a:spcBef>
+              <a:buClr>
+                <a:srgbClr val="000000"/>
+              </a:buClr>
+              <a:buSzPct val="45000"/>
+              <a:buFont typeface="Wingdings" charset="2"/>
+              <a:buChar char=""/>
+            </a:pPr>
+            <a:r>
+              <a:rPr lang="fr-FR" sz="1600" spc="-1" dirty="0" err="1" smtClean="0">
+                <a:solidFill>
+                  <a:schemeClr val="bg2">
+                    <a:lumMod val="25000"/>
+                  </a:schemeClr>
+                </a:solidFill>
+                <a:latin typeface="Georgia" panose="02040502050405020303" pitchFamily="18" charset="0"/>
+              </a:rPr>
+              <a:t>Diigo</a:t>
+            </a:r>
+            <a:endParaRPr lang="fr-FR" sz="1600" spc="-1" dirty="0" smtClean="0">
+              <a:solidFill>
+                <a:schemeClr val="bg2">
+                  <a:lumMod val="25000"/>
+                </a:schemeClr>
+              </a:solidFill>
+              <a:latin typeface="Georgia" panose="02040502050405020303" pitchFamily="18" charset="0"/>
+            </a:endParaRPr>
+          </a:p>
+          <a:p>
+            <a:pPr marL="431955" indent="-323966">
+              <a:spcBef>
+                <a:spcPts val="600"/>
+              </a:spcBef>
+              <a:buClr>
+                <a:srgbClr val="000000"/>
+              </a:buClr>
+              <a:buSzPct val="45000"/>
+              <a:buFont typeface="Wingdings" charset="2"/>
+              <a:buChar char=""/>
+            </a:pPr>
+            <a:endParaRPr lang="fr-FR" sz="1600" spc="-1" dirty="0" smtClean="0">
+              <a:solidFill>
+                <a:schemeClr val="bg2">
+                  <a:lumMod val="25000"/>
+                </a:schemeClr>
+              </a:solidFill>
+              <a:latin typeface="Georgia" panose="02040502050405020303" pitchFamily="18" charset="0"/>
+            </a:endParaRPr>
+          </a:p>
+          <a:p>
+            <a:pPr marL="431955" indent="-323966">
+              <a:spcBef>
+                <a:spcPts val="600"/>
+              </a:spcBef>
+              <a:buClr>
+                <a:srgbClr val="000000"/>
+              </a:buClr>
+              <a:buSzPct val="45000"/>
+              <a:buFont typeface="Wingdings" charset="2"/>
+              <a:buChar char=""/>
+            </a:pPr>
+            <a:r>
+              <a:rPr lang="fr-FR" sz="1600" b="1" spc="-1" dirty="0" smtClean="0">
+                <a:solidFill>
+                  <a:schemeClr val="bg2">
+                    <a:lumMod val="25000"/>
+                  </a:schemeClr>
+                </a:solidFill>
+                <a:latin typeface="Georgia" panose="02040502050405020303" pitchFamily="18" charset="0"/>
+              </a:rPr>
+              <a:t>Problèmes:</a:t>
+            </a:r>
+          </a:p>
+          <a:p>
+            <a:pPr marL="889107" lvl="1" indent="-323966">
+              <a:spcBef>
+                <a:spcPts val="600"/>
+              </a:spcBef>
+              <a:buClr>
+                <a:srgbClr val="000000"/>
+              </a:buClr>
+              <a:buSzPct val="45000"/>
+              <a:buFont typeface="Wingdings" charset="2"/>
+              <a:buChar char=""/>
+            </a:pPr>
+            <a:r>
+              <a:rPr lang="fr-FR" sz="1600" spc="-1" dirty="0" smtClean="0">
+                <a:solidFill>
+                  <a:schemeClr val="bg2">
+                    <a:lumMod val="25000"/>
+                  </a:schemeClr>
+                </a:solidFill>
+                <a:latin typeface="Georgia" panose="02040502050405020303" pitchFamily="18" charset="0"/>
+              </a:rPr>
+              <a:t>Partage des  données personnelles</a:t>
+            </a:r>
+          </a:p>
+          <a:p>
+            <a:pPr marL="889107" lvl="1" indent="-323966">
+              <a:spcBef>
+                <a:spcPts val="600"/>
+              </a:spcBef>
+              <a:buClr>
+                <a:srgbClr val="000000"/>
+              </a:buClr>
+              <a:buSzPct val="45000"/>
+              <a:buFont typeface="Wingdings" charset="2"/>
+              <a:buChar char=""/>
+            </a:pPr>
+            <a:r>
+              <a:rPr lang="fr-FR" sz="1600" spc="-1" dirty="0" smtClean="0">
+                <a:solidFill>
+                  <a:schemeClr val="bg2">
+                    <a:lumMod val="25000"/>
+                  </a:schemeClr>
+                </a:solidFill>
+                <a:latin typeface="Georgia" panose="02040502050405020303" pitchFamily="18" charset="0"/>
+              </a:rPr>
+              <a:t>Dis-connexion entre les différents canaux</a:t>
+            </a:r>
+            <a:endParaRPr lang="fr-FR" sz="1600" spc="-1" dirty="0">
+              <a:solidFill>
+                <a:schemeClr val="bg2">
+                  <a:lumMod val="25000"/>
+                </a:schemeClr>
+              </a:solidFill>
+              <a:latin typeface="Georgia" panose="02040502050405020303" pitchFamily="18" charset="0"/>
+            </a:endParaRPr>
+          </a:p>
+          <a:p>
+            <a:pPr marL="565141" lvl="1">
+              <a:spcBef>
+                <a:spcPts val="600"/>
+              </a:spcBef>
+              <a:buClr>
+                <a:srgbClr val="000000"/>
+              </a:buClr>
+              <a:buSzPct val="45000"/>
+            </a:pPr>
+            <a:endParaRPr lang="fr-FR" sz="1600" spc="-1" dirty="0" smtClean="0">
+              <a:solidFill>
+                <a:schemeClr val="bg2">
+                  <a:lumMod val="25000"/>
+                </a:schemeClr>
+              </a:solidFill>
+              <a:latin typeface="Georgia" panose="02040502050405020303" pitchFamily="18" charset="0"/>
+            </a:endParaRPr>
+          </a:p>
+          <a:p>
+            <a:pPr marL="431955" indent="-323966">
+              <a:spcBef>
+                <a:spcPts val="600"/>
+              </a:spcBef>
+              <a:buClr>
+                <a:srgbClr val="000000"/>
+              </a:buClr>
+              <a:buSzPct val="45000"/>
+              <a:buFont typeface="Wingdings" charset="2"/>
+              <a:buChar char=""/>
+            </a:pPr>
+            <a:endParaRPr lang="fr-FR" sz="1600" spc="-1" dirty="0">
+              <a:solidFill>
+                <a:schemeClr val="bg2">
+                  <a:lumMod val="25000"/>
+                </a:schemeClr>
+              </a:solidFill>
+              <a:latin typeface="Georgia" panose="02040502050405020303" pitchFamily="18" charset="0"/>
+            </a:endParaRPr>
+          </a:p>
+        </p:txBody>
+      </p:sp>
+      <p:sp>
+        <p:nvSpPr>
+          <p:cNvPr id="3" name="Titre 2"/>
+          <p:cNvSpPr>
+            <a:spLocks noGrp="1"/>
+          </p:cNvSpPr>
+          <p:nvPr>
+            <p:ph type="title"/>
+          </p:nvPr>
+        </p:nvSpPr>
+        <p:spPr/>
+        <p:txBody>
+          <a:bodyPr/>
+          <a:lstStyle/>
+          <a:p>
+            <a:r>
+              <a:rPr lang="fr-FR" dirty="0" smtClean="0"/>
+              <a:t>Introduction	</a:t>
+            </a:r>
+            <a:endParaRPr lang="fr-FR" dirty="0"/>
+          </a:p>
+        </p:txBody>
+      </p:sp>
+      <p:sp>
+        <p:nvSpPr>
+          <p:cNvPr id="2" name="Espace réservé du numéro de diapositive 1"/>
           <p:cNvSpPr>
             <a:spLocks noGrp="1"/>
           </p:cNvSpPr>
@@ -13269,7 +13780,165 @@
               <a:rPr lang="fr-FR" sz="1400" b="0" strike="noStrike" spc="-1" smtClean="0">
                 <a:latin typeface="Arial"/>
               </a:rPr>
-              <a:t>29</a:t>
+              <a:t>3</a:t>
+            </a:fld>
+            <a:endParaRPr lang="fr-FR" sz="1400" b="0" strike="noStrike" spc="-1">
+              <a:latin typeface="Arial"/>
+            </a:endParaRPr>
+          </a:p>
+        </p:txBody>
+      </p:sp>
+      <p:sp>
+        <p:nvSpPr>
+          <p:cNvPr id="5" name="Espace réservé du texte 4"/>
+          <p:cNvSpPr>
+            <a:spLocks noGrp="1"/>
+          </p:cNvSpPr>
+          <p:nvPr>
+            <p:ph type="body" sz="quarter" idx="13"/>
+          </p:nvPr>
+        </p:nvSpPr>
+        <p:spPr/>
+        <p:txBody>
+          <a:bodyPr>
+            <a:normAutofit fontScale="85000" lnSpcReduction="20000"/>
+          </a:bodyPr>
+          <a:lstStyle/>
+          <a:p>
+            <a:r>
+              <a:rPr lang="fr-FR" dirty="0" smtClean="0"/>
+              <a:t>Problématiques</a:t>
+            </a:r>
+            <a:endParaRPr lang="fr-FR" dirty="0"/>
+          </a:p>
+        </p:txBody>
+      </p:sp>
+      <p:sp>
+        <p:nvSpPr>
+          <p:cNvPr id="6" name="Espace réservé du pied de page 5"/>
+          <p:cNvSpPr>
+            <a:spLocks noGrp="1"/>
+          </p:cNvSpPr>
+          <p:nvPr>
+            <p:ph type="ftr" sz="quarter" idx="11"/>
+          </p:nvPr>
+        </p:nvSpPr>
+        <p:spPr/>
+        <p:txBody>
+          <a:bodyPr/>
+          <a:lstStyle/>
+          <a:p>
+            <a:pPr algn="ctr"/>
+            <a:r>
+              <a:rPr lang="fr-FR" spc="-1" dirty="0" smtClean="0"/>
+              <a:t>Priscillien HERBET – </a:t>
+            </a:r>
+            <a:r>
+              <a:rPr lang="fr-FR" spc="-1" dirty="0"/>
+              <a:t>17  juin 2022</a:t>
+            </a:r>
+          </a:p>
+        </p:txBody>
+      </p:sp>
+    </p:spTree>
+  </p:cSld>
+  <p:clrMapOvr>
+    <a:masterClrMapping/>
+  </p:clrMapOvr>
+  <mc:AlternateContent xmlns:mc="http://schemas.openxmlformats.org/markup-compatibility/2006" xmlns:p14="http://schemas.microsoft.com/office/powerpoint/2010/main">
+    <mc:Choice Requires="p14">
+      <p:transition spd="slow" p14:dur="2000"/>
+    </mc:Choice>
+    <mc:Fallback xmlns:p15="http://schemas.microsoft.com/office/powerpoint/2012/main" xmlns="">
+      <p:transition spd="slow"/>
+    </mc:Fallback>
+  </mc:AlternateContent>
+  <p:timing>
+    <p:tnLst>
+      <p:par>
+        <p:cTn id="1" dur="indefinite" restart="never" nodeType="tmRoot"/>
+      </p:par>
+    </p:tnLst>
+  </p:timing>
+</p:sld>
+</file>
+
+<file path=ppt/slides/slide30.xml><?xml version="1.0" encoding="utf-8"?>
+<p:sld xmlns:a="http://schemas.openxmlformats.org/drawingml/2006/main" xmlns:r="http://schemas.openxmlformats.org/officeDocument/2006/relationships" xmlns:p="http://schemas.openxmlformats.org/presentationml/2006/main">
+  <p:cSld>
+    <p:spTree>
+      <p:nvGrpSpPr>
+        <p:cNvPr id="1" name=""/>
+        <p:cNvGrpSpPr/>
+        <p:nvPr/>
+      </p:nvGrpSpPr>
+      <p:grpSpPr>
+        <a:xfrm>
+          <a:off x="0" y="0"/>
+          <a:ext cx="0" cy="0"/>
+          <a:chOff x="0" y="0"/>
+          <a:chExt cx="0" cy="0"/>
+        </a:xfrm>
+      </p:grpSpPr>
+      <p:sp>
+        <p:nvSpPr>
+          <p:cNvPr id="4" name="Espace réservé du pied de page 3"/>
+          <p:cNvSpPr>
+            <a:spLocks noGrp="1"/>
+          </p:cNvSpPr>
+          <p:nvPr>
+            <p:ph type="ftr" sz="quarter" idx="11"/>
+          </p:nvPr>
+        </p:nvSpPr>
+        <p:spPr/>
+        <p:txBody>
+          <a:bodyPr/>
+          <a:lstStyle/>
+          <a:p>
+            <a:pPr algn="ctr"/>
+            <a:r>
+              <a:rPr lang="fr-FR" sz="1400" b="0" strike="noStrike" spc="-1" dirty="0" smtClean="0">
+                <a:latin typeface="Arial"/>
+              </a:rPr>
+              <a:t>Priscillien HERBET – </a:t>
+            </a:r>
+            <a:r>
+              <a:rPr lang="fr-FR" sz="1400" spc="-1" dirty="0"/>
+              <a:t>17  juin </a:t>
+            </a:r>
+            <a:r>
+              <a:rPr lang="fr-FR" sz="1400" b="0" strike="noStrike" spc="-1" dirty="0" smtClean="0">
+                <a:latin typeface="Arial"/>
+              </a:rPr>
+              <a:t>2022</a:t>
+            </a:r>
+            <a:endParaRPr lang="fr-FR" sz="1400" b="0" strike="noStrike" spc="-1" dirty="0">
+              <a:latin typeface="Arial"/>
+            </a:endParaRPr>
+          </a:p>
+        </p:txBody>
+      </p:sp>
+      <p:sp>
+        <p:nvSpPr>
+          <p:cNvPr id="5" name="Espace réservé du numéro de diapositive 4"/>
+          <p:cNvSpPr>
+            <a:spLocks noGrp="1"/>
+          </p:cNvSpPr>
+          <p:nvPr>
+            <p:ph type="sldNum" sz="quarter" idx="12"/>
+          </p:nvPr>
+        </p:nvSpPr>
+        <p:spPr/>
+        <p:txBody>
+          <a:bodyPr/>
+          <a:lstStyle/>
+          <a:p>
+            <a:pPr algn="r"/>
+            <a:fld id="{E24D620B-6B54-4D64-8088-7BD33B9B7119}" type="slidenum">
+              <a:rPr lang="fr-FR" sz="1400" b="0" strike="noStrike" spc="-1" smtClean="0">
+                <a:latin typeface="Arial"/>
+              </a:rPr>
+              <a:t>30</a:t>
             </a:fld>
             <a:endParaRPr lang="fr-FR" sz="1400" b="0" strike="noStrike" spc="-1">
               <a:latin typeface="Arial"/>
@@ -13393,608 +14062,6 @@
 </p:sld>
 </file>
 
-<file path=ppt/slides/slide3.xml><?xml version="1.0" encoding="utf-8"?>
-<p:sld xmlns:a="http://schemas.openxmlformats.org/drawingml/2006/main" xmlns:r="http://schemas.openxmlformats.org/officeDocument/2006/relationships" xmlns:p="http://schemas.openxmlformats.org/presentationml/2006/main">
-  <p:cSld>
-    <p:spTree>
-      <p:nvGrpSpPr>
-        <p:cNvPr id="1" name=""/>
-        <p:cNvGrpSpPr/>
-        <p:nvPr/>
-      </p:nvGrpSpPr>
-      <p:grpSpPr>
-        <a:xfrm>
-          <a:off x="0" y="0"/>
-          <a:ext cx="0" cy="0"/>
-          <a:chOff x="0" y="0"/>
-          <a:chExt cx="0" cy="0"/>
-        </a:xfrm>
-      </p:grpSpPr>
-      <p:sp>
-        <p:nvSpPr>
-          <p:cNvPr id="86" name="TextShape 1"/>
-          <p:cNvSpPr txBox="1"/>
-          <p:nvPr/>
-        </p:nvSpPr>
-        <p:spPr>
-          <a:xfrm>
-            <a:off x="504001" y="301321"/>
-            <a:ext cx="9071640" cy="637560"/>
-          </a:xfrm>
-          <a:prstGeom prst="rect">
-            <a:avLst/>
-          </a:prstGeom>
-          <a:noFill/>
-          <a:ln>
-            <a:noFill/>
-          </a:ln>
-        </p:spPr>
-        <p:txBody>
-          <a:bodyPr lIns="0" tIns="0" rIns="0" bIns="0" anchor="ctr">
-            <a:noAutofit/>
-          </a:bodyPr>
-          <a:lstStyle/>
-          <a:p>
-            <a:pPr algn="ctr"/>
-            <a:r>
-              <a:rPr lang="fr-FR" sz="4400" spc="-1">
-                <a:solidFill>
-                  <a:srgbClr val="FFFFFF"/>
-                </a:solidFill>
-                <a:latin typeface="Arial"/>
-              </a:rPr>
-              <a:t>Introduction</a:t>
-            </a:r>
-          </a:p>
-        </p:txBody>
-      </p:sp>
-      <p:sp>
-        <p:nvSpPr>
-          <p:cNvPr id="87" name="TextShape 2"/>
-          <p:cNvSpPr txBox="1"/>
-          <p:nvPr/>
-        </p:nvSpPr>
-        <p:spPr>
-          <a:xfrm>
-            <a:off x="504001" y="2123653"/>
-            <a:ext cx="8064703" cy="4384440"/>
-          </a:xfrm>
-          <a:prstGeom prst="rect">
-            <a:avLst/>
-          </a:prstGeom>
-          <a:noFill/>
-          <a:ln>
-            <a:noFill/>
-          </a:ln>
-        </p:spPr>
-        <p:txBody>
-          <a:bodyPr lIns="0" tIns="0" rIns="0" bIns="0">
-            <a:noAutofit/>
-          </a:bodyPr>
-          <a:lstStyle/>
-          <a:p>
-            <a:pPr marL="431955" indent="-323966">
-              <a:spcBef>
-                <a:spcPts val="600"/>
-              </a:spcBef>
-              <a:buClr>
-                <a:srgbClr val="000000"/>
-              </a:buClr>
-              <a:buSzPct val="45000"/>
-              <a:buFont typeface="Wingdings" charset="2"/>
-              <a:buChar char=""/>
-            </a:pPr>
-            <a:r>
-              <a:rPr lang="fr-FR" sz="1600" b="1" spc="-1" dirty="0" smtClean="0">
-                <a:solidFill>
-                  <a:schemeClr val="bg2">
-                    <a:lumMod val="25000"/>
-                  </a:schemeClr>
-                </a:solidFill>
-                <a:latin typeface="Georgia" panose="02040502050405020303" pitchFamily="18" charset="0"/>
-              </a:rPr>
-              <a:t>Différents canaux d’accès aux favoris:</a:t>
-            </a:r>
-          </a:p>
-          <a:p>
-            <a:pPr marL="889107" lvl="1" indent="-323966">
-              <a:spcBef>
-                <a:spcPts val="600"/>
-              </a:spcBef>
-              <a:buClr>
-                <a:srgbClr val="000000"/>
-              </a:buClr>
-              <a:buSzPct val="45000"/>
-              <a:buFont typeface="Wingdings" charset="2"/>
-              <a:buChar char=""/>
-            </a:pPr>
-            <a:r>
-              <a:rPr lang="fr-FR" sz="1600" spc="-1" dirty="0" smtClean="0">
-                <a:solidFill>
-                  <a:schemeClr val="bg2">
-                    <a:lumMod val="25000"/>
-                  </a:schemeClr>
-                </a:solidFill>
-                <a:latin typeface="Georgia" panose="02040502050405020303" pitchFamily="18" charset="0"/>
-              </a:rPr>
-              <a:t>Téléphones</a:t>
-            </a:r>
-          </a:p>
-          <a:p>
-            <a:pPr marL="889107" lvl="1" indent="-323966">
-              <a:spcBef>
-                <a:spcPts val="600"/>
-              </a:spcBef>
-              <a:buClr>
-                <a:srgbClr val="000000"/>
-              </a:buClr>
-              <a:buSzPct val="45000"/>
-              <a:buFont typeface="Wingdings" charset="2"/>
-              <a:buChar char=""/>
-            </a:pPr>
-            <a:r>
-              <a:rPr lang="fr-FR" sz="1600" spc="-1" dirty="0" smtClean="0">
-                <a:solidFill>
-                  <a:schemeClr val="bg2">
-                    <a:lumMod val="25000"/>
-                  </a:schemeClr>
-                </a:solidFill>
-                <a:latin typeface="Georgia" panose="02040502050405020303" pitchFamily="18" charset="0"/>
-              </a:rPr>
-              <a:t>Tablettes</a:t>
-            </a:r>
-          </a:p>
-          <a:p>
-            <a:pPr marL="889107" lvl="1" indent="-323966">
-              <a:spcBef>
-                <a:spcPts val="600"/>
-              </a:spcBef>
-              <a:buClr>
-                <a:srgbClr val="000000"/>
-              </a:buClr>
-              <a:buSzPct val="45000"/>
-              <a:buFont typeface="Wingdings" charset="2"/>
-              <a:buChar char=""/>
-            </a:pPr>
-            <a:r>
-              <a:rPr lang="fr-FR" sz="1600" spc="-1" dirty="0" smtClean="0">
-                <a:solidFill>
-                  <a:schemeClr val="bg2">
-                    <a:lumMod val="25000"/>
-                  </a:schemeClr>
-                </a:solidFill>
-                <a:latin typeface="Georgia" panose="02040502050405020303" pitchFamily="18" charset="0"/>
-              </a:rPr>
-              <a:t>Ordinateurs </a:t>
-            </a:r>
-          </a:p>
-          <a:p>
-            <a:pPr marL="889107" lvl="1" indent="-323966">
-              <a:spcBef>
-                <a:spcPts val="600"/>
-              </a:spcBef>
-              <a:buClr>
-                <a:srgbClr val="000000"/>
-              </a:buClr>
-              <a:buSzPct val="45000"/>
-              <a:buFont typeface="Wingdings" charset="2"/>
-              <a:buChar char=""/>
-            </a:pPr>
-            <a:r>
-              <a:rPr lang="fr-FR" sz="1600" spc="-1" dirty="0" smtClean="0">
-                <a:solidFill>
-                  <a:schemeClr val="bg2">
-                    <a:lumMod val="25000"/>
-                  </a:schemeClr>
-                </a:solidFill>
-                <a:latin typeface="Georgia" panose="02040502050405020303" pitchFamily="18" charset="0"/>
-              </a:rPr>
-              <a:t>Navigateurs</a:t>
-            </a:r>
-          </a:p>
-          <a:p>
-            <a:pPr marL="889107" lvl="1" indent="-323966">
-              <a:spcBef>
-                <a:spcPts val="600"/>
-              </a:spcBef>
-              <a:buClr>
-                <a:srgbClr val="000000"/>
-              </a:buClr>
-              <a:buSzPct val="45000"/>
-              <a:buFont typeface="Wingdings" charset="2"/>
-              <a:buChar char=""/>
-            </a:pPr>
-            <a:endParaRPr lang="fr-FR" sz="1600" spc="-1" dirty="0">
-              <a:solidFill>
-                <a:schemeClr val="bg2">
-                  <a:lumMod val="25000"/>
-                </a:schemeClr>
-              </a:solidFill>
-              <a:latin typeface="Georgia" panose="02040502050405020303" pitchFamily="18" charset="0"/>
-            </a:endParaRPr>
-          </a:p>
-          <a:p>
-            <a:pPr marL="431955" indent="-323966">
-              <a:spcBef>
-                <a:spcPts val="600"/>
-              </a:spcBef>
-              <a:buClr>
-                <a:srgbClr val="000000"/>
-              </a:buClr>
-              <a:buSzPct val="45000"/>
-              <a:buFont typeface="Wingdings" charset="2"/>
-              <a:buChar char=""/>
-            </a:pPr>
-            <a:r>
-              <a:rPr lang="fr-FR" sz="1600" b="1" spc="-1" dirty="0" smtClean="0">
-                <a:solidFill>
-                  <a:schemeClr val="bg2">
-                    <a:lumMod val="25000"/>
-                  </a:schemeClr>
-                </a:solidFill>
-                <a:latin typeface="Georgia" panose="02040502050405020303" pitchFamily="18" charset="0"/>
-              </a:rPr>
-              <a:t>Concurrence sur le marché : </a:t>
-            </a:r>
-          </a:p>
-          <a:p>
-            <a:pPr marL="889107" lvl="1" indent="-323966">
-              <a:spcBef>
-                <a:spcPts val="600"/>
-              </a:spcBef>
-              <a:buClr>
-                <a:srgbClr val="000000"/>
-              </a:buClr>
-              <a:buSzPct val="45000"/>
-              <a:buFont typeface="Wingdings" charset="2"/>
-              <a:buChar char=""/>
-            </a:pPr>
-            <a:r>
-              <a:rPr lang="fr-FR" sz="1600" spc="-1" dirty="0" err="1" smtClean="0">
-                <a:solidFill>
-                  <a:schemeClr val="bg2">
-                    <a:lumMod val="25000"/>
-                  </a:schemeClr>
-                </a:solidFill>
-                <a:latin typeface="Georgia" panose="02040502050405020303" pitchFamily="18" charset="0"/>
-              </a:rPr>
-              <a:t>Raindrop</a:t>
-            </a:r>
-            <a:endParaRPr lang="fr-FR" sz="1600" spc="-1" dirty="0" smtClean="0">
-              <a:solidFill>
-                <a:schemeClr val="bg2">
-                  <a:lumMod val="25000"/>
-                </a:schemeClr>
-              </a:solidFill>
-              <a:latin typeface="Georgia" panose="02040502050405020303" pitchFamily="18" charset="0"/>
-            </a:endParaRPr>
-          </a:p>
-          <a:p>
-            <a:pPr marL="889107" lvl="1" indent="-323966">
-              <a:spcBef>
-                <a:spcPts val="600"/>
-              </a:spcBef>
-              <a:buClr>
-                <a:srgbClr val="000000"/>
-              </a:buClr>
-              <a:buSzPct val="45000"/>
-              <a:buFont typeface="Wingdings" charset="2"/>
-              <a:buChar char=""/>
-            </a:pPr>
-            <a:r>
-              <a:rPr lang="fr-FR" sz="1600" spc="-1" dirty="0" smtClean="0">
-                <a:solidFill>
-                  <a:schemeClr val="bg2">
-                    <a:lumMod val="25000"/>
-                  </a:schemeClr>
-                </a:solidFill>
-                <a:latin typeface="Georgia" panose="02040502050405020303" pitchFamily="18" charset="0"/>
-              </a:rPr>
-              <a:t>Google</a:t>
-            </a:r>
-          </a:p>
-          <a:p>
-            <a:pPr marL="889107" lvl="1" indent="-323966">
-              <a:spcBef>
-                <a:spcPts val="600"/>
-              </a:spcBef>
-              <a:buClr>
-                <a:srgbClr val="000000"/>
-              </a:buClr>
-              <a:buSzPct val="45000"/>
-              <a:buFont typeface="Wingdings" charset="2"/>
-              <a:buChar char=""/>
-            </a:pPr>
-            <a:r>
-              <a:rPr lang="fr-FR" sz="1600" spc="-1" dirty="0" err="1" smtClean="0">
-                <a:solidFill>
-                  <a:schemeClr val="bg2">
-                    <a:lumMod val="25000"/>
-                  </a:schemeClr>
-                </a:solidFill>
-                <a:latin typeface="Georgia" panose="02040502050405020303" pitchFamily="18" charset="0"/>
-              </a:rPr>
-              <a:t>Diigo</a:t>
-            </a:r>
-            <a:endParaRPr lang="fr-FR" sz="1600" spc="-1" dirty="0" smtClean="0">
-              <a:solidFill>
-                <a:schemeClr val="bg2">
-                  <a:lumMod val="25000"/>
-                </a:schemeClr>
-              </a:solidFill>
-              <a:latin typeface="Georgia" panose="02040502050405020303" pitchFamily="18" charset="0"/>
-            </a:endParaRPr>
-          </a:p>
-          <a:p>
-            <a:pPr marL="431955" indent="-323966">
-              <a:spcBef>
-                <a:spcPts val="600"/>
-              </a:spcBef>
-              <a:buClr>
-                <a:srgbClr val="000000"/>
-              </a:buClr>
-              <a:buSzPct val="45000"/>
-              <a:buFont typeface="Wingdings" charset="2"/>
-              <a:buChar char=""/>
-            </a:pPr>
-            <a:endParaRPr lang="fr-FR" sz="1600" spc="-1" dirty="0" smtClean="0">
-              <a:solidFill>
-                <a:schemeClr val="bg2">
-                  <a:lumMod val="25000"/>
-                </a:schemeClr>
-              </a:solidFill>
-              <a:latin typeface="Georgia" panose="02040502050405020303" pitchFamily="18" charset="0"/>
-            </a:endParaRPr>
-          </a:p>
-          <a:p>
-            <a:pPr marL="431955" indent="-323966">
-              <a:spcBef>
-                <a:spcPts val="600"/>
-              </a:spcBef>
-              <a:buClr>
-                <a:srgbClr val="000000"/>
-              </a:buClr>
-              <a:buSzPct val="45000"/>
-              <a:buFont typeface="Wingdings" charset="2"/>
-              <a:buChar char=""/>
-            </a:pPr>
-            <a:r>
-              <a:rPr lang="fr-FR" sz="1600" b="1" spc="-1" dirty="0" smtClean="0">
-                <a:solidFill>
-                  <a:schemeClr val="bg2">
-                    <a:lumMod val="25000"/>
-                  </a:schemeClr>
-                </a:solidFill>
-                <a:latin typeface="Georgia" panose="02040502050405020303" pitchFamily="18" charset="0"/>
-              </a:rPr>
-              <a:t>Problèmes:</a:t>
-            </a:r>
-          </a:p>
-          <a:p>
-            <a:pPr marL="889107" lvl="1" indent="-323966">
-              <a:spcBef>
-                <a:spcPts val="600"/>
-              </a:spcBef>
-              <a:buClr>
-                <a:srgbClr val="000000"/>
-              </a:buClr>
-              <a:buSzPct val="45000"/>
-              <a:buFont typeface="Wingdings" charset="2"/>
-              <a:buChar char=""/>
-            </a:pPr>
-            <a:r>
-              <a:rPr lang="fr-FR" sz="1600" spc="-1" dirty="0" smtClean="0">
-                <a:solidFill>
-                  <a:schemeClr val="bg2">
-                    <a:lumMod val="25000"/>
-                  </a:schemeClr>
-                </a:solidFill>
-                <a:latin typeface="Georgia" panose="02040502050405020303" pitchFamily="18" charset="0"/>
-              </a:rPr>
-              <a:t>Partage des  données personnelles</a:t>
-            </a:r>
-          </a:p>
-          <a:p>
-            <a:pPr marL="889107" lvl="1" indent="-323966">
-              <a:spcBef>
-                <a:spcPts val="600"/>
-              </a:spcBef>
-              <a:buClr>
-                <a:srgbClr val="000000"/>
-              </a:buClr>
-              <a:buSzPct val="45000"/>
-              <a:buFont typeface="Wingdings" charset="2"/>
-              <a:buChar char=""/>
-            </a:pPr>
-            <a:r>
-              <a:rPr lang="fr-FR" sz="1600" spc="-1" dirty="0" smtClean="0">
-                <a:solidFill>
-                  <a:schemeClr val="bg2">
-                    <a:lumMod val="25000"/>
-                  </a:schemeClr>
-                </a:solidFill>
-                <a:latin typeface="Georgia" panose="02040502050405020303" pitchFamily="18" charset="0"/>
-              </a:rPr>
-              <a:t>Dis-connexion entre les différents canaux</a:t>
-            </a:r>
-            <a:endParaRPr lang="fr-FR" sz="1600" spc="-1" dirty="0">
-              <a:solidFill>
-                <a:schemeClr val="bg2">
-                  <a:lumMod val="25000"/>
-                </a:schemeClr>
-              </a:solidFill>
-              <a:latin typeface="Georgia" panose="02040502050405020303" pitchFamily="18" charset="0"/>
-            </a:endParaRPr>
-          </a:p>
-          <a:p>
-            <a:pPr marL="565141" lvl="1">
-              <a:spcBef>
-                <a:spcPts val="600"/>
-              </a:spcBef>
-              <a:buClr>
-                <a:srgbClr val="000000"/>
-              </a:buClr>
-              <a:buSzPct val="45000"/>
-            </a:pPr>
-            <a:endParaRPr lang="fr-FR" sz="1600" spc="-1" dirty="0" smtClean="0">
-              <a:solidFill>
-                <a:schemeClr val="bg2">
-                  <a:lumMod val="25000"/>
-                </a:schemeClr>
-              </a:solidFill>
-              <a:latin typeface="Georgia" panose="02040502050405020303" pitchFamily="18" charset="0"/>
-            </a:endParaRPr>
-          </a:p>
-          <a:p>
-            <a:pPr marL="431955" indent="-323966">
-              <a:spcBef>
-                <a:spcPts val="600"/>
-              </a:spcBef>
-              <a:buClr>
-                <a:srgbClr val="000000"/>
-              </a:buClr>
-              <a:buSzPct val="45000"/>
-              <a:buFont typeface="Wingdings" charset="2"/>
-              <a:buChar char=""/>
-            </a:pPr>
-            <a:endParaRPr lang="fr-FR" sz="1600" spc="-1" dirty="0">
-              <a:solidFill>
-                <a:schemeClr val="bg2">
-                  <a:lumMod val="25000"/>
-                </a:schemeClr>
-              </a:solidFill>
-              <a:latin typeface="Georgia" panose="02040502050405020303" pitchFamily="18" charset="0"/>
-            </a:endParaRPr>
-          </a:p>
-        </p:txBody>
-      </p:sp>
-      <p:sp>
-        <p:nvSpPr>
-          <p:cNvPr id="3" name="Titre 2"/>
-          <p:cNvSpPr>
-            <a:spLocks noGrp="1"/>
-          </p:cNvSpPr>
-          <p:nvPr>
-            <p:ph type="title"/>
-          </p:nvPr>
-        </p:nvSpPr>
-        <p:spPr/>
-        <p:txBody>
-          <a:bodyPr/>
-          <a:lstStyle/>
-          <a:p>
-            <a:r>
-              <a:rPr lang="fr-FR" dirty="0" smtClean="0"/>
-              <a:t>Introduction	</a:t>
-            </a:r>
-            <a:endParaRPr lang="fr-FR" dirty="0"/>
-          </a:p>
-        </p:txBody>
-      </p:sp>
-      <p:sp>
-        <p:nvSpPr>
-          <p:cNvPr id="2" name="Espace réservé du numéro de diapositive 1"/>
-          <p:cNvSpPr>
-            <a:spLocks noGrp="1"/>
-          </p:cNvSpPr>
-          <p:nvPr>
-            <p:ph type="sldNum" sz="quarter" idx="12"/>
-          </p:nvPr>
-        </p:nvSpPr>
-        <p:spPr/>
-        <p:txBody>
-          <a:bodyPr/>
-          <a:lstStyle/>
-          <a:p>
-            <a:pPr algn="r"/>
-            <a:fld id="{E24D620B-6B54-4D64-8088-7BD33B9B7119}" type="slidenum">
-              <a:rPr lang="fr-FR" sz="1400" b="0" strike="noStrike" spc="-1" smtClean="0">
-                <a:latin typeface="Arial"/>
-              </a:rPr>
-              <a:t>3</a:t>
-            </a:fld>
-            <a:endParaRPr lang="fr-FR" sz="1400" b="0" strike="noStrike" spc="-1">
-              <a:latin typeface="Arial"/>
-            </a:endParaRPr>
-          </a:p>
-        </p:txBody>
-      </p:sp>
-      <p:sp>
-        <p:nvSpPr>
-          <p:cNvPr id="5" name="Espace réservé du texte 4"/>
-          <p:cNvSpPr>
-            <a:spLocks noGrp="1"/>
-          </p:cNvSpPr>
-          <p:nvPr>
-            <p:ph type="body" sz="quarter" idx="13"/>
-          </p:nvPr>
-        </p:nvSpPr>
-        <p:spPr/>
-        <p:txBody>
-          <a:bodyPr>
-            <a:normAutofit fontScale="85000" lnSpcReduction="20000"/>
-          </a:bodyPr>
-          <a:lstStyle/>
-          <a:p>
-            <a:r>
-              <a:rPr lang="fr-FR" dirty="0" smtClean="0"/>
-              <a:t>Problématiques</a:t>
-            </a:r>
-            <a:endParaRPr lang="fr-FR" dirty="0"/>
-          </a:p>
-        </p:txBody>
-      </p:sp>
-      <p:sp>
-        <p:nvSpPr>
-          <p:cNvPr id="6" name="Espace réservé du pied de page 5"/>
-          <p:cNvSpPr>
-            <a:spLocks noGrp="1"/>
-          </p:cNvSpPr>
-          <p:nvPr>
-            <p:ph type="ftr" sz="quarter" idx="11"/>
-          </p:nvPr>
-        </p:nvSpPr>
-        <p:spPr/>
-        <p:txBody>
-          <a:bodyPr/>
-          <a:lstStyle/>
-          <a:p>
-            <a:pPr algn="ctr"/>
-            <a:r>
-              <a:rPr lang="fr-FR" spc="-1" dirty="0" smtClean="0"/>
-              <a:t>Priscillien HERBET – </a:t>
-            </a:r>
-            <a:r>
-              <a:rPr lang="fr-FR" spc="-1" dirty="0"/>
-              <a:t>17  juin 2022</a:t>
-            </a:r>
-            <a:endParaRPr lang="fr-FR" spc="-1" dirty="0"/>
-          </a:p>
-        </p:txBody>
-      </p:sp>
-    </p:spTree>
-  </p:cSld>
-  <p:clrMapOvr>
-    <a:masterClrMapping/>
-  </p:clrMapOvr>
-  <mc:AlternateContent xmlns:mc="http://schemas.openxmlformats.org/markup-compatibility/2006" xmlns:p14="http://schemas.microsoft.com/office/powerpoint/2010/main">
-    <mc:Choice Requires="p14">
-      <p:transition spd="slow" p14:dur="2000"/>
-    </mc:Choice>
-    <mc:Fallback xmlns:p15="http://schemas.microsoft.com/office/powerpoint/2012/main" xmlns="">
-      <p:transition spd="slow"/>
-    </mc:Fallback>
-  </mc:AlternateContent>
-  <p:timing>
-    <p:tnLst>
-      <p:par>
-        <p:cTn id="1" dur="indefinite" restart="never" nodeType="tmRoot"/>
-      </p:par>
-    </p:tnLst>
-  </p:timing>
-</p:sld>
-</file>
-
 <file path=ppt/slides/slide4.xml><?xml version="1.0" encoding="utf-8"?>
 <p:sld xmlns:a="http://schemas.openxmlformats.org/drawingml/2006/main" xmlns:r="http://schemas.openxmlformats.org/officeDocument/2006/relationships" xmlns:p="http://schemas.openxmlformats.org/presentationml/2006/main">
   <p:cSld>
@@ -14314,7 +14381,6 @@
               <a:rPr lang="fr-FR" spc="-1" dirty="0"/>
               <a:t>17  juin 2022</a:t>
             </a:r>
-            <a:endParaRPr lang="fr-FR" spc="-1" dirty="0"/>
           </a:p>
         </p:txBody>
       </p:sp>
@@ -14536,14 +14602,6 @@
               </a:rPr>
               <a:t>Analyse fonctionnelle</a:t>
             </a:r>
-            <a:endParaRPr lang="fr-FR" sz="2400" dirty="0" smtClean="0">
-              <a:solidFill>
-                <a:schemeClr val="bg2">
-                  <a:lumMod val="25000"/>
-                </a:schemeClr>
-              </a:solidFill>
-              <a:latin typeface="Georgia" panose="02040502050405020303" pitchFamily="18" charset="0"/>
-            </a:endParaRPr>
           </a:p>
           <a:p>
             <a:pPr marL="285750" indent="-285750">
@@ -14606,14 +14664,6 @@
               </a:rPr>
               <a:t>Front-End </a:t>
             </a:r>
-            <a:endParaRPr lang="fr-FR" sz="2400" dirty="0" smtClean="0">
-              <a:solidFill>
-                <a:schemeClr val="bg2">
-                  <a:lumMod val="25000"/>
-                </a:schemeClr>
-              </a:solidFill>
-              <a:latin typeface="Georgia" panose="02040502050405020303" pitchFamily="18" charset="0"/>
-            </a:endParaRPr>
           </a:p>
           <a:p>
             <a:pPr marL="285750" indent="-285750">
@@ -14655,7 +14705,6 @@
               <a:rPr lang="fr-FR" spc="-1" dirty="0"/>
               <a:t>17  juin 2022</a:t>
             </a:r>
-            <a:endParaRPr lang="fr-FR" spc="-1" dirty="0"/>
           </a:p>
         </p:txBody>
       </p:sp>
@@ -14772,11 +14821,38 @@
           </a:p>
         </p:txBody>
       </p:sp>
+      <p:sp>
+        <p:nvSpPr>
+          <p:cNvPr id="6" name="Espace réservé du pied de page 5"/>
+          <p:cNvSpPr>
+            <a:spLocks noGrp="1"/>
+          </p:cNvSpPr>
+          <p:nvPr>
+            <p:ph type="ftr" sz="quarter" idx="11"/>
+          </p:nvPr>
+        </p:nvSpPr>
+        <p:spPr/>
+        <p:txBody>
+          <a:bodyPr/>
+          <a:lstStyle/>
+          <a:p>
+            <a:pPr algn="ctr"/>
+            <a:r>
+              <a:rPr lang="fr-FR" spc="-1" dirty="0" smtClean="0"/>
+              <a:t>Priscillien HERBET – </a:t>
+            </a:r>
+            <a:r>
+              <a:rPr lang="fr-FR" spc="-1" dirty="0"/>
+              <a:t>17  juin 2022</a:t>
+            </a:r>
+          </a:p>
+        </p:txBody>
+      </p:sp>
       <p:pic>
         <p:nvPicPr>
-          <p:cNvPr id="5" name="Image 4"/>
+          <p:cNvPr id="1026" name="Picture 2" descr="C:\Users\prisc\Desktop\realisation_fil_rouge\Realisation_3_UML\uml.png"/>
           <p:cNvPicPr>
-            <a:picLocks noChangeAspect="1"/>
+            <a:picLocks noChangeAspect="1" noChangeArrowheads="1"/>
           </p:cNvPicPr>
           <p:nvPr/>
         </p:nvPicPr>
@@ -14788,48 +14864,31 @@
               </a:ext>
             </a:extLst>
           </a:blip>
+          <a:srcRect/>
           <a:stretch>
             <a:fillRect/>
           </a:stretch>
         </p:blipFill>
-        <p:spPr>
+        <p:spPr bwMode="auto">
           <a:xfrm>
-            <a:off x="1151880" y="1547589"/>
-            <a:ext cx="6624736" cy="5491796"/>
+            <a:off x="1439912" y="1545700"/>
+            <a:ext cx="6194843" cy="5400600"/>
           </a:xfrm>
           <a:prstGeom prst="rect">
             <a:avLst/>
           </a:prstGeom>
+          <a:noFill/>
+          <a:extLst>
+            <a:ext uri="{909E8E84-426E-40DD-AFC4-6F175D3DCCD1}">
+              <a14:hiddenFill xmlns:a14="http://schemas.microsoft.com/office/drawing/2010/main">
+                <a:solidFill>
+                  <a:srgbClr val="FFFFFF"/>
+                </a:solidFill>
+              </a14:hiddenFill>
+            </a:ext>
+          </a:extLst>
         </p:spPr>
       </p:pic>
-      <p:sp>
-        <p:nvSpPr>
-          <p:cNvPr id="6" name="Espace réservé du pied de page 5"/>
-          <p:cNvSpPr>
-            <a:spLocks noGrp="1"/>
-          </p:cNvSpPr>
-          <p:nvPr>
-            <p:ph type="ftr" sz="quarter" idx="11"/>
-          </p:nvPr>
-        </p:nvSpPr>
-        <p:spPr/>
-        <p:txBody>
-          <a:bodyPr/>
-          <a:lstStyle/>
-          <a:p>
-            <a:pPr algn="ctr"/>
-            <a:r>
-              <a:rPr lang="fr-FR" spc="-1" dirty="0" smtClean="0"/>
-              <a:t>Priscillien HERBET – </a:t>
-            </a:r>
-            <a:r>
-              <a:rPr lang="fr-FR" spc="-1" dirty="0"/>
-              <a:t>17  juin 2022</a:t>
-            </a:r>
-            <a:endParaRPr lang="fr-FR" spc="-1" dirty="0"/>
-          </a:p>
-        </p:txBody>
-      </p:sp>
     </p:spTree>
     <p:extLst>
       <p:ext uri="{BB962C8B-B14F-4D97-AF65-F5344CB8AC3E}">
@@ -14997,7 +15056,6 @@
               <a:rPr lang="fr-FR" spc="-1" dirty="0"/>
               <a:t>17  juin 2022</a:t>
             </a:r>
-            <a:endParaRPr lang="fr-FR" spc="-1" dirty="0"/>
           </a:p>
         </p:txBody>
       </p:sp>
@@ -15168,7 +15226,6 @@
               <a:rPr lang="fr-FR" spc="-1" dirty="0"/>
               <a:t>17  juin 2022</a:t>
             </a:r>
-            <a:endParaRPr lang="fr-FR" spc="-1" dirty="0"/>
           </a:p>
         </p:txBody>
       </p:sp>
@@ -15285,15 +15342,42 @@
           </a:p>
         </p:txBody>
       </p:sp>
+      <p:sp>
+        <p:nvSpPr>
+          <p:cNvPr id="5" name="Espace réservé du pied de page 4"/>
+          <p:cNvSpPr>
+            <a:spLocks noGrp="1"/>
+          </p:cNvSpPr>
+          <p:nvPr>
+            <p:ph type="ftr" sz="quarter" idx="11"/>
+          </p:nvPr>
+        </p:nvSpPr>
+        <p:spPr/>
+        <p:txBody>
+          <a:bodyPr/>
+          <a:lstStyle/>
+          <a:p>
+            <a:pPr algn="ctr"/>
+            <a:r>
+              <a:rPr lang="fr-FR" spc="-1" dirty="0" smtClean="0"/>
+              <a:t>Priscillien HERBET – </a:t>
+            </a:r>
+            <a:r>
+              <a:rPr lang="fr-FR" spc="-1" dirty="0"/>
+              <a:t>17  juin 2022</a:t>
+            </a:r>
+          </a:p>
+        </p:txBody>
+      </p:sp>
       <p:pic>
         <p:nvPicPr>
-          <p:cNvPr id="6" name="Image 5"/>
+          <p:cNvPr id="2050" name="Picture 2" descr="C:\Users\prisc\Desktop\realisation_fil_rouge\Realisation_3_UML\diag séquence.png"/>
           <p:cNvPicPr>
-            <a:picLocks noChangeAspect="1"/>
+            <a:picLocks noChangeAspect="1" noChangeArrowheads="1"/>
           </p:cNvPicPr>
           <p:nvPr/>
         </p:nvPicPr>
-        <p:blipFill rotWithShape="1">
+        <p:blipFill>
           <a:blip r:embed="rId2">
             <a:extLst>
               <a:ext uri="{28A0092B-C50C-407E-A947-70E740481C1C}">
@@ -15301,47 +15385,31 @@
               </a:ext>
             </a:extLst>
           </a:blip>
-          <a:srcRect b="5646"/>
-          <a:stretch/>
+          <a:srcRect/>
+          <a:stretch>
+            <a:fillRect/>
+          </a:stretch>
         </p:blipFill>
-        <p:spPr>
+        <p:spPr bwMode="auto">
           <a:xfrm>
-            <a:off x="1151881" y="1724635"/>
-            <a:ext cx="7128791" cy="5301807"/>
+            <a:off x="1367904" y="1619597"/>
+            <a:ext cx="6154881" cy="5328592"/>
           </a:xfrm>
           <a:prstGeom prst="rect">
             <a:avLst/>
           </a:prstGeom>
+          <a:noFill/>
+          <a:extLst>
+            <a:ext uri="{909E8E84-426E-40DD-AFC4-6F175D3DCCD1}">
+              <a14:hiddenFill xmlns:a14="http://schemas.microsoft.com/office/drawing/2010/main">
+                <a:solidFill>
+                  <a:srgbClr val="FFFFFF"/>
+                </a:solidFill>
+              </a14:hiddenFill>
+            </a:ext>
+          </a:extLst>
         </p:spPr>
       </p:pic>
-      <p:sp>
-        <p:nvSpPr>
-          <p:cNvPr id="5" name="Espace réservé du pied de page 4"/>
-          <p:cNvSpPr>
-            <a:spLocks noGrp="1"/>
-          </p:cNvSpPr>
-          <p:nvPr>
-            <p:ph type="ftr" sz="quarter" idx="11"/>
-          </p:nvPr>
-        </p:nvSpPr>
-        <p:spPr/>
-        <p:txBody>
-          <a:bodyPr/>
-          <a:lstStyle/>
-          <a:p>
-            <a:pPr algn="ctr"/>
-            <a:r>
-              <a:rPr lang="fr-FR" spc="-1" dirty="0" smtClean="0"/>
-              <a:t>Priscillien HERBET – </a:t>
-            </a:r>
-            <a:r>
-              <a:rPr lang="fr-FR" spc="-1" dirty="0"/>
-              <a:t>17  juin 2022</a:t>
-            </a:r>
-            <a:endParaRPr lang="fr-FR" spc="-1" dirty="0"/>
-          </a:p>
-        </p:txBody>
-      </p:sp>
     </p:spTree>
     <p:extLst>
       <p:ext uri="{BB962C8B-B14F-4D97-AF65-F5344CB8AC3E}">

--- a/Realisation_4_Conception-MCD-MLD-SQL/presentation_oral_Priscillien_Herbet.pptx
+++ b/Realisation_4_Conception-MCD-MLD-SQL/presentation_oral_Priscillien_Herbet.pptx
@@ -24,11 +24,11 @@
     <p:sldId id="283" r:id="rId15"/>
     <p:sldId id="285" r:id="rId16"/>
     <p:sldId id="294" r:id="rId17"/>
-    <p:sldId id="287" r:id="rId18"/>
-    <p:sldId id="291" r:id="rId19"/>
-    <p:sldId id="290" r:id="rId20"/>
-    <p:sldId id="289" r:id="rId21"/>
-    <p:sldId id="305" r:id="rId22"/>
+    <p:sldId id="305" r:id="rId18"/>
+    <p:sldId id="287" r:id="rId19"/>
+    <p:sldId id="291" r:id="rId20"/>
+    <p:sldId id="290" r:id="rId21"/>
+    <p:sldId id="289" r:id="rId22"/>
     <p:sldId id="297" r:id="rId23"/>
     <p:sldId id="296" r:id="rId24"/>
     <p:sldId id="298" r:id="rId25"/>
@@ -9387,7 +9387,7 @@
           <a:p>
             <a:r>
               <a:rPr lang="fr-FR" dirty="0" smtClean="0"/>
-              <a:t>Aspect graphique</a:t>
+              <a:t>Arborescence</a:t>
             </a:r>
             <a:endParaRPr lang="fr-FR" dirty="0"/>
           </a:p>
@@ -9395,7 +9395,31 @@
       </p:sp>
       <p:sp>
         <p:nvSpPr>
-          <p:cNvPr id="3" name="Espace réservé du numéro de diapositive 2"/>
+          <p:cNvPr id="3" name="Espace réservé du pied de page 2"/>
+          <p:cNvSpPr>
+            <a:spLocks noGrp="1"/>
+          </p:cNvSpPr>
+          <p:nvPr>
+            <p:ph type="ftr" sz="quarter" idx="11"/>
+          </p:nvPr>
+        </p:nvSpPr>
+        <p:spPr/>
+        <p:txBody>
+          <a:bodyPr/>
+          <a:lstStyle/>
+          <a:p>
+            <a:pPr algn="ctr"/>
+            <a:r>
+              <a:rPr lang="fr-FR" spc="-1" dirty="0" smtClean="0"/>
+              <a:t>Priscillien HERBET – 17 juin 2022 – Gestionnaire de favoris</a:t>
+            </a:r>
+            <a:endParaRPr lang="fr-FR" spc="-1" dirty="0"/>
+          </a:p>
+        </p:txBody>
+      </p:sp>
+      <p:sp>
+        <p:nvSpPr>
+          <p:cNvPr id="4" name="Espace réservé du numéro de diapositive 3"/>
           <p:cNvSpPr>
             <a:spLocks noGrp="1"/>
           </p:cNvSpPr>
@@ -9414,6 +9438,153 @@
                 <a:latin typeface="Arial"/>
               </a:rPr>
               <a:t>16</a:t>
+            </a:fld>
+            <a:endParaRPr lang="fr-FR" sz="1400" b="0" strike="noStrike" spc="-1">
+              <a:latin typeface="Arial"/>
+            </a:endParaRPr>
+          </a:p>
+        </p:txBody>
+      </p:sp>
+      <p:sp>
+        <p:nvSpPr>
+          <p:cNvPr id="5" name="Espace réservé du texte 4"/>
+          <p:cNvSpPr>
+            <a:spLocks noGrp="1"/>
+          </p:cNvSpPr>
+          <p:nvPr>
+            <p:ph type="body" sz="quarter" idx="13"/>
+          </p:nvPr>
+        </p:nvSpPr>
+        <p:spPr/>
+        <p:txBody>
+          <a:bodyPr>
+            <a:normAutofit fontScale="85000" lnSpcReduction="20000"/>
+          </a:bodyPr>
+          <a:lstStyle/>
+          <a:p>
+            <a:r>
+              <a:rPr lang="fr-FR" dirty="0" smtClean="0"/>
+              <a:t>Les pages du sites</a:t>
+            </a:r>
+            <a:endParaRPr lang="fr-FR" dirty="0"/>
+          </a:p>
+        </p:txBody>
+      </p:sp>
+      <p:pic>
+        <p:nvPicPr>
+          <p:cNvPr id="1026" name="Picture 2" descr="C:\Users\prisc\Desktop\realisation_fil_rouge\Realisation_4_Conception-MCD-MLD-SQL\arborescence_extension_v1.png"/>
+          <p:cNvPicPr>
+            <a:picLocks noChangeAspect="1" noChangeArrowheads="1"/>
+          </p:cNvPicPr>
+          <p:nvPr/>
+        </p:nvPicPr>
+        <p:blipFill>
+          <a:blip r:embed="rId2">
+            <a:extLst>
+              <a:ext uri="{28A0092B-C50C-407E-A947-70E740481C1C}">
+                <a14:useLocalDpi xmlns:a14="http://schemas.microsoft.com/office/drawing/2010/main" val="0"/>
+              </a:ext>
+            </a:extLst>
+          </a:blip>
+          <a:srcRect/>
+          <a:stretch>
+            <a:fillRect/>
+          </a:stretch>
+        </p:blipFill>
+        <p:spPr bwMode="auto">
+          <a:xfrm>
+            <a:off x="1302921" y="2123653"/>
+            <a:ext cx="5859463" cy="3810000"/>
+          </a:xfrm>
+          <a:prstGeom prst="rect">
+            <a:avLst/>
+          </a:prstGeom>
+          <a:noFill/>
+          <a:extLst>
+            <a:ext uri="{909E8E84-426E-40DD-AFC4-6F175D3DCCD1}">
+              <a14:hiddenFill xmlns:a14="http://schemas.microsoft.com/office/drawing/2010/main">
+                <a:solidFill>
+                  <a:srgbClr val="FFFFFF"/>
+                </a:solidFill>
+              </a14:hiddenFill>
+            </a:ext>
+          </a:extLst>
+        </p:spPr>
+      </p:pic>
+    </p:spTree>
+    <p:extLst>
+      <p:ext uri="{BB962C8B-B14F-4D97-AF65-F5344CB8AC3E}">
+        <p14:creationId xmlns:p14="http://schemas.microsoft.com/office/powerpoint/2010/main" val="3456592809"/>
+      </p:ext>
+    </p:extLst>
+  </p:cSld>
+  <p:clrMapOvr>
+    <a:masterClrMapping/>
+  </p:clrMapOvr>
+</p:sld>
+</file>
+
+<file path=ppt/slides/slide17.xml><?xml version="1.0" encoding="utf-8"?>
+<p:sld xmlns:a="http://schemas.openxmlformats.org/drawingml/2006/main" xmlns:r="http://schemas.openxmlformats.org/officeDocument/2006/relationships" xmlns:p="http://schemas.openxmlformats.org/presentationml/2006/main">
+  <p:cSld>
+    <p:spTree>
+      <p:nvGrpSpPr>
+        <p:cNvPr id="1" name=""/>
+        <p:cNvGrpSpPr/>
+        <p:nvPr/>
+      </p:nvGrpSpPr>
+      <p:grpSpPr>
+        <a:xfrm>
+          <a:off x="0" y="0"/>
+          <a:ext cx="0" cy="0"/>
+          <a:chOff x="0" y="0"/>
+          <a:chExt cx="0" cy="0"/>
+        </a:xfrm>
+      </p:grpSpPr>
+      <p:sp>
+        <p:nvSpPr>
+          <p:cNvPr id="2" name="Titre 1"/>
+          <p:cNvSpPr>
+            <a:spLocks noGrp="1"/>
+          </p:cNvSpPr>
+          <p:nvPr>
+            <p:ph type="title"/>
+          </p:nvPr>
+        </p:nvSpPr>
+        <p:spPr/>
+        <p:txBody>
+          <a:bodyPr/>
+          <a:lstStyle/>
+          <a:p>
+            <a:r>
+              <a:rPr lang="fr-FR" dirty="0" smtClean="0"/>
+              <a:t>Aspect graphique</a:t>
+            </a:r>
+            <a:endParaRPr lang="fr-FR" dirty="0"/>
+          </a:p>
+        </p:txBody>
+      </p:sp>
+      <p:sp>
+        <p:nvSpPr>
+          <p:cNvPr id="3" name="Espace réservé du numéro de diapositive 2"/>
+          <p:cNvSpPr>
+            <a:spLocks noGrp="1"/>
+          </p:cNvSpPr>
+          <p:nvPr>
+            <p:ph type="sldNum" sz="quarter" idx="12"/>
+          </p:nvPr>
+        </p:nvSpPr>
+        <p:spPr/>
+        <p:txBody>
+          <a:bodyPr/>
+          <a:lstStyle/>
+          <a:p>
+            <a:pPr algn="r"/>
+            <a:fld id="{E24D620B-6B54-4D64-8088-7BD33B9B7119}" type="slidenum">
+              <a:rPr lang="fr-FR" sz="1400" b="0" strike="noStrike" spc="-1" smtClean="0">
+                <a:latin typeface="Arial"/>
+              </a:rPr>
+              <a:t>17</a:t>
             </a:fld>
             <a:endParaRPr lang="fr-FR" sz="1400" b="0" strike="noStrike" spc="-1">
               <a:latin typeface="Arial"/>
@@ -9575,7 +9746,7 @@
 </p:sld>
 </file>
 
-<file path=ppt/slides/slide17.xml><?xml version="1.0" encoding="utf-8"?>
+<file path=ppt/slides/slide18.xml><?xml version="1.0" encoding="utf-8"?>
 <p:sld xmlns:a="http://schemas.openxmlformats.org/drawingml/2006/main" xmlns:r="http://schemas.openxmlformats.org/officeDocument/2006/relationships" xmlns:p="http://schemas.openxmlformats.org/presentationml/2006/main">
   <p:cSld>
     <p:spTree>
@@ -9635,7 +9806,7 @@
               <a:rPr lang="fr-FR" sz="1400" b="0" strike="noStrike" spc="-1" smtClean="0">
                 <a:latin typeface="Arial"/>
               </a:rPr>
-              <a:t>17</a:t>
+              <a:t>18</a:t>
             </a:fld>
             <a:endParaRPr lang="fr-FR" sz="1400" b="0" strike="noStrike" spc="-1">
               <a:latin typeface="Arial"/>
@@ -9801,7 +9972,7 @@
 </p:sld>
 </file>
 
-<file path=ppt/slides/slide18.xml><?xml version="1.0" encoding="utf-8"?>
+<file path=ppt/slides/slide19.xml><?xml version="1.0" encoding="utf-8"?>
 <p:sld xmlns:a="http://schemas.openxmlformats.org/drawingml/2006/main" xmlns:r="http://schemas.openxmlformats.org/officeDocument/2006/relationships" xmlns:p="http://schemas.openxmlformats.org/presentationml/2006/main">
   <p:cSld>
     <p:spTree>
@@ -9861,7 +10032,7 @@
               <a:rPr lang="fr-FR" sz="1400" b="0" strike="noStrike" spc="-1" smtClean="0">
                 <a:latin typeface="Arial"/>
               </a:rPr>
-              <a:t>18</a:t>
+              <a:t>19</a:t>
             </a:fld>
             <a:endParaRPr lang="fr-FR" sz="1400" b="0" strike="noStrike" spc="-1">
               <a:latin typeface="Arial"/>
@@ -10012,7 +10183,7 @@
 </p:sld>
 </file>
 
-<file path=ppt/slides/slide19.xml><?xml version="1.0" encoding="utf-8"?>
+<file path=ppt/slides/slide2.xml><?xml version="1.0" encoding="utf-8"?>
 <p:sld xmlns:a="http://schemas.openxmlformats.org/drawingml/2006/main" xmlns:r="http://schemas.openxmlformats.org/officeDocument/2006/relationships" xmlns:p="http://schemas.openxmlformats.org/presentationml/2006/main">
   <p:cSld>
     <p:spTree>
@@ -10031,30 +10202,61 @@
       </p:grpSpPr>
       <p:sp>
         <p:nvSpPr>
-          <p:cNvPr id="2" name="Titre 1"/>
-          <p:cNvSpPr>
-            <a:spLocks noGrp="1"/>
-          </p:cNvSpPr>
-          <p:nvPr>
-            <p:ph type="title"/>
-          </p:nvPr>
-        </p:nvSpPr>
-        <p:spPr/>
-        <p:txBody>
-          <a:bodyPr/>
-          <a:lstStyle/>
-          <a:p>
-            <a:r>
-              <a:rPr lang="fr-FR" dirty="0" smtClean="0"/>
-              <a:t>Aspect graphique</a:t>
-            </a:r>
-            <a:endParaRPr lang="fr-FR" dirty="0"/>
-          </a:p>
-        </p:txBody>
-      </p:sp>
-      <p:sp>
-        <p:nvSpPr>
-          <p:cNvPr id="3" name="Espace réservé du numéro de diapositive 2"/>
+          <p:cNvPr id="5" name="Rectangle à coins arrondis 4"/>
+          <p:cNvSpPr/>
+          <p:nvPr/>
+        </p:nvSpPr>
+        <p:spPr>
+          <a:xfrm>
+            <a:off x="1367904" y="2483693"/>
+            <a:ext cx="4752528" cy="432048"/>
+          </a:xfrm>
+          <a:prstGeom prst="roundRect">
+            <a:avLst/>
+          </a:prstGeom>
+          <a:solidFill>
+            <a:schemeClr val="accent5">
+              <a:lumMod val="20000"/>
+              <a:lumOff val="80000"/>
+            </a:schemeClr>
+          </a:solidFill>
+          <a:ln>
+            <a:solidFill>
+              <a:schemeClr val="accent5">
+                <a:lumMod val="20000"/>
+                <a:lumOff val="80000"/>
+              </a:schemeClr>
+            </a:solidFill>
+          </a:ln>
+        </p:spPr>
+        <p:style>
+          <a:lnRef idx="2">
+            <a:schemeClr val="accent1">
+              <a:shade val="50000"/>
+            </a:schemeClr>
+          </a:lnRef>
+          <a:fillRef idx="1">
+            <a:schemeClr val="accent1"/>
+          </a:fillRef>
+          <a:effectRef idx="0">
+            <a:schemeClr val="accent1"/>
+          </a:effectRef>
+          <a:fontRef idx="minor">
+            <a:schemeClr val="lt1"/>
+          </a:fontRef>
+        </p:style>
+        <p:txBody>
+          <a:bodyPr rtlCol="0" anchor="ctr"/>
+          <a:lstStyle/>
+          <a:p>
+            <a:pPr algn="ctr"/>
+            <a:endParaRPr lang="fr-FR"/>
+          </a:p>
+        </p:txBody>
+      </p:sp>
+      <p:sp>
+        <p:nvSpPr>
+          <p:cNvPr id="2" name="Espace réservé du numéro de diapositive 1"/>
           <p:cNvSpPr>
             <a:spLocks noGrp="1"/>
           </p:cNvSpPr>
@@ -10072,7 +10274,289 @@
               <a:rPr lang="fr-FR" sz="1400" b="0" strike="noStrike" spc="-1" smtClean="0">
                 <a:latin typeface="Arial"/>
               </a:rPr>
-              <a:t>19</a:t>
+              <a:t>2</a:t>
+            </a:fld>
+            <a:endParaRPr lang="fr-FR" sz="1400" b="0" strike="noStrike" spc="-1">
+              <a:latin typeface="Arial"/>
+            </a:endParaRPr>
+          </a:p>
+        </p:txBody>
+      </p:sp>
+      <p:sp>
+        <p:nvSpPr>
+          <p:cNvPr id="3" name="Titre 2"/>
+          <p:cNvSpPr>
+            <a:spLocks noGrp="1"/>
+          </p:cNvSpPr>
+          <p:nvPr>
+            <p:ph type="title"/>
+          </p:nvPr>
+        </p:nvSpPr>
+        <p:spPr/>
+        <p:txBody>
+          <a:bodyPr/>
+          <a:lstStyle/>
+          <a:p>
+            <a:r>
+              <a:rPr lang="fr-FR" dirty="0" smtClean="0"/>
+              <a:t>Agenda</a:t>
+            </a:r>
+            <a:endParaRPr lang="fr-FR" dirty="0"/>
+          </a:p>
+        </p:txBody>
+      </p:sp>
+      <p:sp>
+        <p:nvSpPr>
+          <p:cNvPr id="4" name="ZoneTexte 3"/>
+          <p:cNvSpPr txBox="1"/>
+          <p:nvPr/>
+        </p:nvSpPr>
+        <p:spPr>
+          <a:xfrm>
+            <a:off x="1056207" y="2461113"/>
+            <a:ext cx="6120680" cy="3046988"/>
+          </a:xfrm>
+          <a:prstGeom prst="rect">
+            <a:avLst/>
+          </a:prstGeom>
+          <a:noFill/>
+        </p:spPr>
+        <p:txBody>
+          <a:bodyPr wrap="square" rtlCol="0">
+            <a:spAutoFit/>
+          </a:bodyPr>
+          <a:lstStyle/>
+          <a:p>
+            <a:pPr marL="285750" indent="-285750">
+              <a:buFont typeface="Wingdings" panose="05000000000000000000" pitchFamily="2" charset="2"/>
+              <a:buChar char="Ø"/>
+            </a:pPr>
+            <a:r>
+              <a:rPr lang="fr-FR" sz="2400" dirty="0" smtClean="0">
+                <a:solidFill>
+                  <a:schemeClr val="bg2">
+                    <a:lumMod val="25000"/>
+                  </a:schemeClr>
+                </a:solidFill>
+                <a:latin typeface="Georgia" panose="02040502050405020303" pitchFamily="18" charset="0"/>
+              </a:rPr>
+              <a:t>Introduction</a:t>
+            </a:r>
+          </a:p>
+          <a:p>
+            <a:pPr marL="285750" indent="-285750">
+              <a:buFont typeface="Wingdings" panose="05000000000000000000" pitchFamily="2" charset="2"/>
+              <a:buChar char="Ø"/>
+            </a:pPr>
+            <a:endParaRPr lang="fr-FR" sz="2400" dirty="0" smtClean="0">
+              <a:solidFill>
+                <a:schemeClr val="bg2">
+                  <a:lumMod val="25000"/>
+                </a:schemeClr>
+              </a:solidFill>
+              <a:latin typeface="Georgia" panose="02040502050405020303" pitchFamily="18" charset="0"/>
+            </a:endParaRPr>
+          </a:p>
+          <a:p>
+            <a:pPr marL="285750" indent="-285750">
+              <a:buFont typeface="Wingdings" panose="05000000000000000000" pitchFamily="2" charset="2"/>
+              <a:buChar char="Ø"/>
+            </a:pPr>
+            <a:r>
+              <a:rPr lang="fr-FR" sz="2400" dirty="0" smtClean="0">
+                <a:solidFill>
+                  <a:schemeClr val="bg2">
+                    <a:lumMod val="25000"/>
+                  </a:schemeClr>
+                </a:solidFill>
+                <a:latin typeface="Georgia" panose="02040502050405020303" pitchFamily="18" charset="0"/>
+              </a:rPr>
+              <a:t>Analyse fonctionnelle</a:t>
+            </a:r>
+          </a:p>
+          <a:p>
+            <a:pPr marL="285750" indent="-285750">
+              <a:buFont typeface="Wingdings" panose="05000000000000000000" pitchFamily="2" charset="2"/>
+              <a:buChar char="Ø"/>
+            </a:pPr>
+            <a:endParaRPr lang="fr-FR" sz="2400" dirty="0" smtClean="0">
+              <a:solidFill>
+                <a:schemeClr val="bg2">
+                  <a:lumMod val="25000"/>
+                </a:schemeClr>
+              </a:solidFill>
+              <a:latin typeface="Georgia" panose="02040502050405020303" pitchFamily="18" charset="0"/>
+            </a:endParaRPr>
+          </a:p>
+          <a:p>
+            <a:pPr marL="285750" indent="-285750">
+              <a:buFont typeface="Wingdings" panose="05000000000000000000" pitchFamily="2" charset="2"/>
+              <a:buChar char="Ø"/>
+            </a:pPr>
+            <a:r>
+              <a:rPr lang="fr-FR" sz="2400" dirty="0" smtClean="0">
+                <a:solidFill>
+                  <a:schemeClr val="bg2">
+                    <a:lumMod val="25000"/>
+                  </a:schemeClr>
+                </a:solidFill>
+                <a:latin typeface="Georgia" panose="02040502050405020303" pitchFamily="18" charset="0"/>
+              </a:rPr>
+              <a:t>Aspect graphique </a:t>
+            </a:r>
+          </a:p>
+          <a:p>
+            <a:pPr marL="285750" indent="-285750">
+              <a:buFont typeface="Wingdings" panose="05000000000000000000" pitchFamily="2" charset="2"/>
+              <a:buChar char="Ø"/>
+            </a:pPr>
+            <a:endParaRPr lang="fr-FR" sz="2400" dirty="0">
+              <a:solidFill>
+                <a:schemeClr val="bg2">
+                  <a:lumMod val="25000"/>
+                </a:schemeClr>
+              </a:solidFill>
+              <a:latin typeface="Georgia" panose="02040502050405020303" pitchFamily="18" charset="0"/>
+            </a:endParaRPr>
+          </a:p>
+          <a:p>
+            <a:pPr marL="285750" indent="-285750">
+              <a:buFont typeface="Wingdings" panose="05000000000000000000" pitchFamily="2" charset="2"/>
+              <a:buChar char="Ø"/>
+            </a:pPr>
+            <a:r>
+              <a:rPr lang="fr-FR" sz="2400" dirty="0" smtClean="0">
+                <a:solidFill>
+                  <a:schemeClr val="bg2">
+                    <a:lumMod val="25000"/>
+                  </a:schemeClr>
+                </a:solidFill>
+                <a:latin typeface="Georgia" panose="02040502050405020303" pitchFamily="18" charset="0"/>
+              </a:rPr>
+              <a:t>Front-End</a:t>
+            </a:r>
+          </a:p>
+          <a:p>
+            <a:pPr marL="285750" indent="-285750">
+              <a:buFont typeface="Wingdings" panose="05000000000000000000" pitchFamily="2" charset="2"/>
+              <a:buChar char="Ø"/>
+            </a:pPr>
+            <a:endParaRPr lang="fr-FR" sz="2400" dirty="0">
+              <a:solidFill>
+                <a:schemeClr val="bg2">
+                  <a:lumMod val="25000"/>
+                </a:schemeClr>
+              </a:solidFill>
+              <a:latin typeface="Georgia" panose="02040502050405020303" pitchFamily="18" charset="0"/>
+            </a:endParaRPr>
+          </a:p>
+        </p:txBody>
+      </p:sp>
+      <p:sp>
+        <p:nvSpPr>
+          <p:cNvPr id="6" name="Espace réservé du pied de page 5"/>
+          <p:cNvSpPr>
+            <a:spLocks noGrp="1"/>
+          </p:cNvSpPr>
+          <p:nvPr>
+            <p:ph type="ftr" sz="quarter" idx="11"/>
+          </p:nvPr>
+        </p:nvSpPr>
+        <p:spPr/>
+        <p:txBody>
+          <a:bodyPr/>
+          <a:lstStyle/>
+          <a:p>
+            <a:pPr algn="ctr"/>
+            <a:r>
+              <a:rPr lang="fr-FR" spc="-1" dirty="0" smtClean="0"/>
+              <a:t>Priscillien HERBET – 17  juin 2022</a:t>
+            </a:r>
+            <a:endParaRPr lang="fr-FR" spc="-1" dirty="0"/>
+          </a:p>
+        </p:txBody>
+      </p:sp>
+    </p:spTree>
+    <p:extLst>
+      <p:ext uri="{BB962C8B-B14F-4D97-AF65-F5344CB8AC3E}">
+        <p14:creationId xmlns:p14="http://schemas.microsoft.com/office/powerpoint/2010/main" val="4279300351"/>
+      </p:ext>
+    </p:extLst>
+  </p:cSld>
+  <p:clrMapOvr>
+    <a:masterClrMapping/>
+  </p:clrMapOvr>
+  <p:timing>
+    <p:tnLst>
+      <p:par>
+        <p:cTn id="1" dur="indefinite" restart="never" nodeType="tmRoot"/>
+      </p:par>
+    </p:tnLst>
+  </p:timing>
+</p:sld>
+</file>
+
+<file path=ppt/slides/slide20.xml><?xml version="1.0" encoding="utf-8"?>
+<p:sld xmlns:a="http://schemas.openxmlformats.org/drawingml/2006/main" xmlns:r="http://schemas.openxmlformats.org/officeDocument/2006/relationships" xmlns:p="http://schemas.openxmlformats.org/presentationml/2006/main">
+  <p:cSld>
+    <p:spTree>
+      <p:nvGrpSpPr>
+        <p:cNvPr id="1" name=""/>
+        <p:cNvGrpSpPr/>
+        <p:nvPr/>
+      </p:nvGrpSpPr>
+      <p:grpSpPr>
+        <a:xfrm>
+          <a:off x="0" y="0"/>
+          <a:ext cx="0" cy="0"/>
+          <a:chOff x="0" y="0"/>
+          <a:chExt cx="0" cy="0"/>
+        </a:xfrm>
+      </p:grpSpPr>
+      <p:sp>
+        <p:nvSpPr>
+          <p:cNvPr id="2" name="Titre 1"/>
+          <p:cNvSpPr>
+            <a:spLocks noGrp="1"/>
+          </p:cNvSpPr>
+          <p:nvPr>
+            <p:ph type="title"/>
+          </p:nvPr>
+        </p:nvSpPr>
+        <p:spPr/>
+        <p:txBody>
+          <a:bodyPr/>
+          <a:lstStyle/>
+          <a:p>
+            <a:r>
+              <a:rPr lang="fr-FR" dirty="0" smtClean="0"/>
+              <a:t>Aspect graphique</a:t>
+            </a:r>
+            <a:endParaRPr lang="fr-FR" dirty="0"/>
+          </a:p>
+        </p:txBody>
+      </p:sp>
+      <p:sp>
+        <p:nvSpPr>
+          <p:cNvPr id="3" name="Espace réservé du numéro de diapositive 2"/>
+          <p:cNvSpPr>
+            <a:spLocks noGrp="1"/>
+          </p:cNvSpPr>
+          <p:nvPr>
+            <p:ph type="sldNum" sz="quarter" idx="12"/>
+          </p:nvPr>
+        </p:nvSpPr>
+        <p:spPr/>
+        <p:txBody>
+          <a:bodyPr/>
+          <a:lstStyle/>
+          <a:p>
+            <a:pPr algn="r"/>
+            <a:fld id="{E24D620B-6B54-4D64-8088-7BD33B9B7119}" type="slidenum">
+              <a:rPr lang="fr-FR" sz="1400" b="0" strike="noStrike" spc="-1" smtClean="0">
+                <a:latin typeface="Arial"/>
+              </a:rPr>
+              <a:t>20</a:t>
             </a:fld>
             <a:endParaRPr lang="fr-FR" sz="1400" b="0" strike="noStrike" spc="-1">
               <a:latin typeface="Arial"/>
@@ -10227,490 +10711,6 @@
 </p:sld>
 </file>
 
-<file path=ppt/slides/slide2.xml><?xml version="1.0" encoding="utf-8"?>
-<p:sld xmlns:a="http://schemas.openxmlformats.org/drawingml/2006/main" xmlns:r="http://schemas.openxmlformats.org/officeDocument/2006/relationships" xmlns:p="http://schemas.openxmlformats.org/presentationml/2006/main">
-  <p:cSld>
-    <p:spTree>
-      <p:nvGrpSpPr>
-        <p:cNvPr id="1" name=""/>
-        <p:cNvGrpSpPr/>
-        <p:nvPr/>
-      </p:nvGrpSpPr>
-      <p:grpSpPr>
-        <a:xfrm>
-          <a:off x="0" y="0"/>
-          <a:ext cx="0" cy="0"/>
-          <a:chOff x="0" y="0"/>
-          <a:chExt cx="0" cy="0"/>
-        </a:xfrm>
-      </p:grpSpPr>
-      <p:sp>
-        <p:nvSpPr>
-          <p:cNvPr id="5" name="Rectangle à coins arrondis 4"/>
-          <p:cNvSpPr/>
-          <p:nvPr/>
-        </p:nvSpPr>
-        <p:spPr>
-          <a:xfrm>
-            <a:off x="1367904" y="2483693"/>
-            <a:ext cx="4752528" cy="432048"/>
-          </a:xfrm>
-          <a:prstGeom prst="roundRect">
-            <a:avLst/>
-          </a:prstGeom>
-          <a:solidFill>
-            <a:schemeClr val="accent5">
-              <a:lumMod val="20000"/>
-              <a:lumOff val="80000"/>
-            </a:schemeClr>
-          </a:solidFill>
-          <a:ln>
-            <a:solidFill>
-              <a:schemeClr val="accent5">
-                <a:lumMod val="20000"/>
-                <a:lumOff val="80000"/>
-              </a:schemeClr>
-            </a:solidFill>
-          </a:ln>
-        </p:spPr>
-        <p:style>
-          <a:lnRef idx="2">
-            <a:schemeClr val="accent1">
-              <a:shade val="50000"/>
-            </a:schemeClr>
-          </a:lnRef>
-          <a:fillRef idx="1">
-            <a:schemeClr val="accent1"/>
-          </a:fillRef>
-          <a:effectRef idx="0">
-            <a:schemeClr val="accent1"/>
-          </a:effectRef>
-          <a:fontRef idx="minor">
-            <a:schemeClr val="lt1"/>
-          </a:fontRef>
-        </p:style>
-        <p:txBody>
-          <a:bodyPr rtlCol="0" anchor="ctr"/>
-          <a:lstStyle/>
-          <a:p>
-            <a:pPr algn="ctr"/>
-            <a:endParaRPr lang="fr-FR"/>
-          </a:p>
-        </p:txBody>
-      </p:sp>
-      <p:sp>
-        <p:nvSpPr>
-          <p:cNvPr id="2" name="Espace réservé du numéro de diapositive 1"/>
-          <p:cNvSpPr>
-            <a:spLocks noGrp="1"/>
-          </p:cNvSpPr>
-          <p:nvPr>
-            <p:ph type="sldNum" sz="quarter" idx="12"/>
-          </p:nvPr>
-        </p:nvSpPr>
-        <p:spPr/>
-        <p:txBody>
-          <a:bodyPr/>
-          <a:lstStyle/>
-          <a:p>
-            <a:pPr algn="r"/>
-            <a:fld id="{E24D620B-6B54-4D64-8088-7BD33B9B7119}" type="slidenum">
-              <a:rPr lang="fr-FR" sz="1400" b="0" strike="noStrike" spc="-1" smtClean="0">
-                <a:latin typeface="Arial"/>
-              </a:rPr>
-              <a:t>2</a:t>
-            </a:fld>
-            <a:endParaRPr lang="fr-FR" sz="1400" b="0" strike="noStrike" spc="-1">
-              <a:latin typeface="Arial"/>
-            </a:endParaRPr>
-          </a:p>
-        </p:txBody>
-      </p:sp>
-      <p:sp>
-        <p:nvSpPr>
-          <p:cNvPr id="3" name="Titre 2"/>
-          <p:cNvSpPr>
-            <a:spLocks noGrp="1"/>
-          </p:cNvSpPr>
-          <p:nvPr>
-            <p:ph type="title"/>
-          </p:nvPr>
-        </p:nvSpPr>
-        <p:spPr/>
-        <p:txBody>
-          <a:bodyPr/>
-          <a:lstStyle/>
-          <a:p>
-            <a:r>
-              <a:rPr lang="fr-FR" dirty="0" smtClean="0"/>
-              <a:t>Agenda</a:t>
-            </a:r>
-            <a:endParaRPr lang="fr-FR" dirty="0"/>
-          </a:p>
-        </p:txBody>
-      </p:sp>
-      <p:sp>
-        <p:nvSpPr>
-          <p:cNvPr id="4" name="ZoneTexte 3"/>
-          <p:cNvSpPr txBox="1"/>
-          <p:nvPr/>
-        </p:nvSpPr>
-        <p:spPr>
-          <a:xfrm>
-            <a:off x="1056207" y="2461113"/>
-            <a:ext cx="6120680" cy="3046988"/>
-          </a:xfrm>
-          <a:prstGeom prst="rect">
-            <a:avLst/>
-          </a:prstGeom>
-          <a:noFill/>
-        </p:spPr>
-        <p:txBody>
-          <a:bodyPr wrap="square" rtlCol="0">
-            <a:spAutoFit/>
-          </a:bodyPr>
-          <a:lstStyle/>
-          <a:p>
-            <a:pPr marL="285750" indent="-285750">
-              <a:buFont typeface="Wingdings" panose="05000000000000000000" pitchFamily="2" charset="2"/>
-              <a:buChar char="Ø"/>
-            </a:pPr>
-            <a:r>
-              <a:rPr lang="fr-FR" sz="2400" dirty="0" smtClean="0">
-                <a:solidFill>
-                  <a:schemeClr val="bg2">
-                    <a:lumMod val="25000"/>
-                  </a:schemeClr>
-                </a:solidFill>
-                <a:latin typeface="Georgia" panose="02040502050405020303" pitchFamily="18" charset="0"/>
-              </a:rPr>
-              <a:t>Introduction</a:t>
-            </a:r>
-          </a:p>
-          <a:p>
-            <a:pPr marL="285750" indent="-285750">
-              <a:buFont typeface="Wingdings" panose="05000000000000000000" pitchFamily="2" charset="2"/>
-              <a:buChar char="Ø"/>
-            </a:pPr>
-            <a:endParaRPr lang="fr-FR" sz="2400" dirty="0" smtClean="0">
-              <a:solidFill>
-                <a:schemeClr val="bg2">
-                  <a:lumMod val="25000"/>
-                </a:schemeClr>
-              </a:solidFill>
-              <a:latin typeface="Georgia" panose="02040502050405020303" pitchFamily="18" charset="0"/>
-            </a:endParaRPr>
-          </a:p>
-          <a:p>
-            <a:pPr marL="285750" indent="-285750">
-              <a:buFont typeface="Wingdings" panose="05000000000000000000" pitchFamily="2" charset="2"/>
-              <a:buChar char="Ø"/>
-            </a:pPr>
-            <a:r>
-              <a:rPr lang="fr-FR" sz="2400" dirty="0" smtClean="0">
-                <a:solidFill>
-                  <a:schemeClr val="bg2">
-                    <a:lumMod val="25000"/>
-                  </a:schemeClr>
-                </a:solidFill>
-                <a:latin typeface="Georgia" panose="02040502050405020303" pitchFamily="18" charset="0"/>
-              </a:rPr>
-              <a:t>Analyse fonctionnelle</a:t>
-            </a:r>
-          </a:p>
-          <a:p>
-            <a:pPr marL="285750" indent="-285750">
-              <a:buFont typeface="Wingdings" panose="05000000000000000000" pitchFamily="2" charset="2"/>
-              <a:buChar char="Ø"/>
-            </a:pPr>
-            <a:endParaRPr lang="fr-FR" sz="2400" dirty="0" smtClean="0">
-              <a:solidFill>
-                <a:schemeClr val="bg2">
-                  <a:lumMod val="25000"/>
-                </a:schemeClr>
-              </a:solidFill>
-              <a:latin typeface="Georgia" panose="02040502050405020303" pitchFamily="18" charset="0"/>
-            </a:endParaRPr>
-          </a:p>
-          <a:p>
-            <a:pPr marL="285750" indent="-285750">
-              <a:buFont typeface="Wingdings" panose="05000000000000000000" pitchFamily="2" charset="2"/>
-              <a:buChar char="Ø"/>
-            </a:pPr>
-            <a:r>
-              <a:rPr lang="fr-FR" sz="2400" dirty="0" smtClean="0">
-                <a:solidFill>
-                  <a:schemeClr val="bg2">
-                    <a:lumMod val="25000"/>
-                  </a:schemeClr>
-                </a:solidFill>
-                <a:latin typeface="Georgia" panose="02040502050405020303" pitchFamily="18" charset="0"/>
-              </a:rPr>
-              <a:t>Aspect graphique </a:t>
-            </a:r>
-          </a:p>
-          <a:p>
-            <a:pPr marL="285750" indent="-285750">
-              <a:buFont typeface="Wingdings" panose="05000000000000000000" pitchFamily="2" charset="2"/>
-              <a:buChar char="Ø"/>
-            </a:pPr>
-            <a:endParaRPr lang="fr-FR" sz="2400" dirty="0">
-              <a:solidFill>
-                <a:schemeClr val="bg2">
-                  <a:lumMod val="25000"/>
-                </a:schemeClr>
-              </a:solidFill>
-              <a:latin typeface="Georgia" panose="02040502050405020303" pitchFamily="18" charset="0"/>
-            </a:endParaRPr>
-          </a:p>
-          <a:p>
-            <a:pPr marL="285750" indent="-285750">
-              <a:buFont typeface="Wingdings" panose="05000000000000000000" pitchFamily="2" charset="2"/>
-              <a:buChar char="Ø"/>
-            </a:pPr>
-            <a:r>
-              <a:rPr lang="fr-FR" sz="2400" dirty="0" smtClean="0">
-                <a:solidFill>
-                  <a:schemeClr val="bg2">
-                    <a:lumMod val="25000"/>
-                  </a:schemeClr>
-                </a:solidFill>
-                <a:latin typeface="Georgia" panose="02040502050405020303" pitchFamily="18" charset="0"/>
-              </a:rPr>
-              <a:t>Front-End</a:t>
-            </a:r>
-          </a:p>
-          <a:p>
-            <a:pPr marL="285750" indent="-285750">
-              <a:buFont typeface="Wingdings" panose="05000000000000000000" pitchFamily="2" charset="2"/>
-              <a:buChar char="Ø"/>
-            </a:pPr>
-            <a:endParaRPr lang="fr-FR" sz="2400" dirty="0">
-              <a:solidFill>
-                <a:schemeClr val="bg2">
-                  <a:lumMod val="25000"/>
-                </a:schemeClr>
-              </a:solidFill>
-              <a:latin typeface="Georgia" panose="02040502050405020303" pitchFamily="18" charset="0"/>
-            </a:endParaRPr>
-          </a:p>
-        </p:txBody>
-      </p:sp>
-      <p:sp>
-        <p:nvSpPr>
-          <p:cNvPr id="6" name="Espace réservé du pied de page 5"/>
-          <p:cNvSpPr>
-            <a:spLocks noGrp="1"/>
-          </p:cNvSpPr>
-          <p:nvPr>
-            <p:ph type="ftr" sz="quarter" idx="11"/>
-          </p:nvPr>
-        </p:nvSpPr>
-        <p:spPr/>
-        <p:txBody>
-          <a:bodyPr/>
-          <a:lstStyle/>
-          <a:p>
-            <a:pPr algn="ctr"/>
-            <a:r>
-              <a:rPr lang="fr-FR" spc="-1" dirty="0" smtClean="0"/>
-              <a:t>Priscillien HERBET – 17  juin 2022</a:t>
-            </a:r>
-            <a:endParaRPr lang="fr-FR" spc="-1" dirty="0"/>
-          </a:p>
-        </p:txBody>
-      </p:sp>
-    </p:spTree>
-    <p:extLst>
-      <p:ext uri="{BB962C8B-B14F-4D97-AF65-F5344CB8AC3E}">
-        <p14:creationId xmlns:p14="http://schemas.microsoft.com/office/powerpoint/2010/main" val="4279300351"/>
-      </p:ext>
-    </p:extLst>
-  </p:cSld>
-  <p:clrMapOvr>
-    <a:masterClrMapping/>
-  </p:clrMapOvr>
-  <p:timing>
-    <p:tnLst>
-      <p:par>
-        <p:cTn id="1" dur="indefinite" restart="never" nodeType="tmRoot"/>
-      </p:par>
-    </p:tnLst>
-  </p:timing>
-</p:sld>
-</file>
-
-<file path=ppt/slides/slide20.xml><?xml version="1.0" encoding="utf-8"?>
-<p:sld xmlns:a="http://schemas.openxmlformats.org/drawingml/2006/main" xmlns:r="http://schemas.openxmlformats.org/officeDocument/2006/relationships" xmlns:p="http://schemas.openxmlformats.org/presentationml/2006/main">
-  <p:cSld>
-    <p:spTree>
-      <p:nvGrpSpPr>
-        <p:cNvPr id="1" name=""/>
-        <p:cNvGrpSpPr/>
-        <p:nvPr/>
-      </p:nvGrpSpPr>
-      <p:grpSpPr>
-        <a:xfrm>
-          <a:off x="0" y="0"/>
-          <a:ext cx="0" cy="0"/>
-          <a:chOff x="0" y="0"/>
-          <a:chExt cx="0" cy="0"/>
-        </a:xfrm>
-      </p:grpSpPr>
-      <p:sp>
-        <p:nvSpPr>
-          <p:cNvPr id="2" name="Titre 1"/>
-          <p:cNvSpPr>
-            <a:spLocks noGrp="1"/>
-          </p:cNvSpPr>
-          <p:nvPr>
-            <p:ph type="title"/>
-          </p:nvPr>
-        </p:nvSpPr>
-        <p:spPr/>
-        <p:txBody>
-          <a:bodyPr/>
-          <a:lstStyle/>
-          <a:p>
-            <a:r>
-              <a:rPr lang="fr-FR" dirty="0" smtClean="0"/>
-              <a:t>Arborescence</a:t>
-            </a:r>
-            <a:endParaRPr lang="fr-FR" dirty="0"/>
-          </a:p>
-        </p:txBody>
-      </p:sp>
-      <p:sp>
-        <p:nvSpPr>
-          <p:cNvPr id="3" name="Espace réservé du pied de page 2"/>
-          <p:cNvSpPr>
-            <a:spLocks noGrp="1"/>
-          </p:cNvSpPr>
-          <p:nvPr>
-            <p:ph type="ftr" sz="quarter" idx="11"/>
-          </p:nvPr>
-        </p:nvSpPr>
-        <p:spPr/>
-        <p:txBody>
-          <a:bodyPr/>
-          <a:lstStyle/>
-          <a:p>
-            <a:pPr algn="ctr"/>
-            <a:r>
-              <a:rPr lang="fr-FR" spc="-1" dirty="0" smtClean="0"/>
-              <a:t>Priscillien HERBET – 17 juin 2022 – Gestionnaire de favoris</a:t>
-            </a:r>
-            <a:endParaRPr lang="fr-FR" spc="-1" dirty="0"/>
-          </a:p>
-        </p:txBody>
-      </p:sp>
-      <p:sp>
-        <p:nvSpPr>
-          <p:cNvPr id="4" name="Espace réservé du numéro de diapositive 3"/>
-          <p:cNvSpPr>
-            <a:spLocks noGrp="1"/>
-          </p:cNvSpPr>
-          <p:nvPr>
-            <p:ph type="sldNum" sz="quarter" idx="12"/>
-          </p:nvPr>
-        </p:nvSpPr>
-        <p:spPr/>
-        <p:txBody>
-          <a:bodyPr/>
-          <a:lstStyle/>
-          <a:p>
-            <a:pPr algn="r"/>
-            <a:fld id="{E24D620B-6B54-4D64-8088-7BD33B9B7119}" type="slidenum">
-              <a:rPr lang="fr-FR" sz="1400" b="0" strike="noStrike" spc="-1" smtClean="0">
-                <a:latin typeface="Arial"/>
-              </a:rPr>
-              <a:t>20</a:t>
-            </a:fld>
-            <a:endParaRPr lang="fr-FR" sz="1400" b="0" strike="noStrike" spc="-1">
-              <a:latin typeface="Arial"/>
-            </a:endParaRPr>
-          </a:p>
-        </p:txBody>
-      </p:sp>
-      <p:sp>
-        <p:nvSpPr>
-          <p:cNvPr id="5" name="Espace réservé du texte 4"/>
-          <p:cNvSpPr>
-            <a:spLocks noGrp="1"/>
-          </p:cNvSpPr>
-          <p:nvPr>
-            <p:ph type="body" sz="quarter" idx="13"/>
-          </p:nvPr>
-        </p:nvSpPr>
-        <p:spPr/>
-        <p:txBody>
-          <a:bodyPr>
-            <a:normAutofit fontScale="85000" lnSpcReduction="20000"/>
-          </a:bodyPr>
-          <a:lstStyle/>
-          <a:p>
-            <a:r>
-              <a:rPr lang="fr-FR" dirty="0" smtClean="0"/>
-              <a:t>Les pages du sites</a:t>
-            </a:r>
-            <a:endParaRPr lang="fr-FR" dirty="0"/>
-          </a:p>
-        </p:txBody>
-      </p:sp>
-      <p:pic>
-        <p:nvPicPr>
-          <p:cNvPr id="1026" name="Picture 2" descr="C:\Users\prisc\Desktop\realisation_fil_rouge\Realisation_4_Conception-MCD-MLD-SQL\arborescence_extension_v1.png"/>
-          <p:cNvPicPr>
-            <a:picLocks noChangeAspect="1" noChangeArrowheads="1"/>
-          </p:cNvPicPr>
-          <p:nvPr/>
-        </p:nvPicPr>
-        <p:blipFill>
-          <a:blip r:embed="rId2">
-            <a:extLst>
-              <a:ext uri="{28A0092B-C50C-407E-A947-70E740481C1C}">
-                <a14:useLocalDpi xmlns:a14="http://schemas.microsoft.com/office/drawing/2010/main" val="0"/>
-              </a:ext>
-            </a:extLst>
-          </a:blip>
-          <a:srcRect/>
-          <a:stretch>
-            <a:fillRect/>
-          </a:stretch>
-        </p:blipFill>
-        <p:spPr bwMode="auto">
-          <a:xfrm>
-            <a:off x="1302921" y="2123653"/>
-            <a:ext cx="5859463" cy="3810000"/>
-          </a:xfrm>
-          <a:prstGeom prst="rect">
-            <a:avLst/>
-          </a:prstGeom>
-          <a:noFill/>
-          <a:extLst>
-            <a:ext uri="{909E8E84-426E-40DD-AFC4-6F175D3DCCD1}">
-              <a14:hiddenFill xmlns:a14="http://schemas.microsoft.com/office/drawing/2010/main">
-                <a:solidFill>
-                  <a:srgbClr val="FFFFFF"/>
-                </a:solidFill>
-              </a14:hiddenFill>
-            </a:ext>
-          </a:extLst>
-        </p:spPr>
-      </p:pic>
-    </p:spTree>
-    <p:extLst>
-      <p:ext uri="{BB962C8B-B14F-4D97-AF65-F5344CB8AC3E}">
-        <p14:creationId xmlns:p14="http://schemas.microsoft.com/office/powerpoint/2010/main" val="3456592809"/>
-      </p:ext>
-    </p:extLst>
-  </p:cSld>
-  <p:clrMapOvr>
-    <a:masterClrMapping/>
-  </p:clrMapOvr>
-</p:sld>
-</file>
-
 <file path=ppt/slides/slide21.xml><?xml version="1.0" encoding="utf-8"?>
 <p:sld xmlns:a="http://schemas.openxmlformats.org/drawingml/2006/main" xmlns:r="http://schemas.openxmlformats.org/officeDocument/2006/relationships" xmlns:p="http://schemas.openxmlformats.org/presentationml/2006/main">
   <p:cSld>
@@ -10936,14 +10936,6 @@
               </a:rPr>
               <a:t>Analyse fonctionnelle</a:t>
             </a:r>
-            <a:endParaRPr lang="fr-FR" sz="2400" dirty="0" smtClean="0">
-              <a:solidFill>
-                <a:schemeClr val="bg2">
-                  <a:lumMod val="25000"/>
-                </a:schemeClr>
-              </a:solidFill>
-              <a:latin typeface="Georgia" panose="02040502050405020303" pitchFamily="18" charset="0"/>
-            </a:endParaRPr>
           </a:p>
           <a:p>
             <a:pPr marL="285750" indent="-285750">
@@ -10975,14 +10967,6 @@
               </a:rPr>
               <a:t>Aspect graphique</a:t>
             </a:r>
-            <a:endParaRPr lang="fr-FR" sz="2400" dirty="0" smtClean="0">
-              <a:solidFill>
-                <a:schemeClr val="bg2">
-                  <a:lumMod val="25000"/>
-                </a:schemeClr>
-              </a:solidFill>
-              <a:latin typeface="Georgia" panose="02040502050405020303" pitchFamily="18" charset="0"/>
-            </a:endParaRPr>
           </a:p>
           <a:p>
             <a:pPr marL="285750" indent="-285750">
@@ -13849,7 +13833,7 @@
     <mc:Choice Requires="p14">
       <p:transition spd="slow" p14:dur="2000"/>
     </mc:Choice>
-    <mc:Fallback xmlns:p15="http://schemas.microsoft.com/office/powerpoint/2012/main" xmlns="">
+    <mc:Fallback xmlns="" xmlns:p15="http://schemas.microsoft.com/office/powerpoint/2012/main">
       <p:transition spd="slow"/>
     </mc:Fallback>
   </mc:AlternateContent>
@@ -14398,7 +14382,7 @@
     <mc:Choice Requires="p14">
       <p:transition spd="slow" p14:dur="2000"/>
     </mc:Choice>
-    <mc:Fallback xmlns:p15="http://schemas.microsoft.com/office/powerpoint/2012/main" xmlns="">
+    <mc:Fallback xmlns="" xmlns:p15="http://schemas.microsoft.com/office/powerpoint/2012/main">
       <p:transition spd="slow"/>
     </mc:Fallback>
   </mc:AlternateContent>

--- a/Realisation_4_Conception-MCD-MLD-SQL/presentation_oral_Priscillien_Herbet.pptx
+++ b/Realisation_4_Conception-MCD-MLD-SQL/presentation_oral_Priscillien_Herbet.pptx
@@ -222,7 +222,7 @@
           <a:p>
             <a:fld id="{C10E1B8F-6D1E-4690-97D0-7BA39DE84A18}" type="datetimeFigureOut">
               <a:rPr lang="fr-FR" smtClean="0"/>
-              <a:t>17/06/2022</a:t>
+              <a:t>20/06/2022</a:t>
             </a:fld>
             <a:endParaRPr lang="fr-FR"/>
           </a:p>
@@ -11680,7 +11680,7 @@
       </p:pic>
       <p:pic>
         <p:nvPicPr>
-          <p:cNvPr id="1027" name="Picture 3" descr="C:\Users\prisc\Desktop\realisation_fil_rouge\Realisation_2_HTML-CSS\code structure .png"/>
+          <p:cNvPr id="5122" name="Picture 2" descr="C:\Users\prisc\Desktop\realisation_fil_rouge\Realisation_2_HTML-CSS\code structure .png"/>
           <p:cNvPicPr>
             <a:picLocks noChangeAspect="1" noChangeArrowheads="1"/>
           </p:cNvPicPr>
@@ -11701,8 +11701,8 @@
         </p:blipFill>
         <p:spPr bwMode="auto">
           <a:xfrm>
-            <a:off x="143768" y="2170205"/>
-            <a:ext cx="5324883" cy="3886227"/>
+            <a:off x="287784" y="2338402"/>
+            <a:ext cx="5175516" cy="2857327"/>
           </a:xfrm>
           <a:prstGeom prst="rect">
             <a:avLst/>
@@ -11907,7 +11907,7 @@
       </p:pic>
       <p:pic>
         <p:nvPicPr>
-          <p:cNvPr id="2053" name="Picture 5" descr="C:\Users\prisc\Desktop\realisation_fil_rouge\Realisation_2_HTML-CSS\rel css.png"/>
+          <p:cNvPr id="4098" name="Picture 2" descr="C:\Users\prisc\Desktop\realisation_fil_rouge\Realisation_2_HTML-CSS\rel css.png"/>
           <p:cNvPicPr>
             <a:picLocks noChangeAspect="1" noChangeArrowheads="1"/>
           </p:cNvPicPr>
@@ -11928,8 +11928,8 @@
         </p:blipFill>
         <p:spPr bwMode="auto">
           <a:xfrm>
-            <a:off x="3528144" y="3563813"/>
-            <a:ext cx="5338085" cy="3427263"/>
+            <a:off x="3096096" y="2971000"/>
+            <a:ext cx="5819780" cy="3678919"/>
           </a:xfrm>
           <a:prstGeom prst="rect">
             <a:avLst/>
@@ -12093,7 +12093,7 @@
       </p:sp>
       <p:pic>
         <p:nvPicPr>
-          <p:cNvPr id="3074" name="Picture 2" descr="C:\Users\prisc\Desktop\realisation_fil_rouge\Realisation_2_HTML-CSS\exemple css.png"/>
+          <p:cNvPr id="6" name="Picture 2" descr="C:\Users\prisc\Desktop\realisation_fil_rouge\Realisation_2_HTML-CSS\flex css.png"/>
           <p:cNvPicPr>
             <a:picLocks noChangeAspect="1" noChangeArrowheads="1"/>
           </p:cNvPicPr>
@@ -12114,8 +12114,8 @@
         </p:blipFill>
         <p:spPr bwMode="auto">
           <a:xfrm>
-            <a:off x="791840" y="1619598"/>
-            <a:ext cx="2847975" cy="5544616"/>
+            <a:off x="4968304" y="1710011"/>
+            <a:ext cx="3481917" cy="5363789"/>
           </a:xfrm>
           <a:prstGeom prst="rect">
             <a:avLst/>
@@ -12134,7 +12134,7 @@
       </p:pic>
       <p:pic>
         <p:nvPicPr>
-          <p:cNvPr id="3075" name="Picture 3" descr="C:\Users\prisc\Desktop\realisation_fil_rouge\Realisation_2_HTML-CSS\flex css.png"/>
+          <p:cNvPr id="7" name="Picture 3" descr="C:\Users\prisc\Desktop\realisation_fil_rouge\Realisation_2_HTML-CSS\grid css.png"/>
           <p:cNvPicPr>
             <a:picLocks noChangeAspect="1" noChangeArrowheads="1"/>
           </p:cNvPicPr>
@@ -12155,8 +12155,8 @@
         </p:blipFill>
         <p:spPr bwMode="auto">
           <a:xfrm>
-            <a:off x="5040312" y="1619599"/>
-            <a:ext cx="3048000" cy="5544616"/>
+            <a:off x="719833" y="1710012"/>
+            <a:ext cx="2941473" cy="5363788"/>
           </a:xfrm>
           <a:prstGeom prst="rect">
             <a:avLst/>
@@ -12536,47 +12536,6 @@
       </p:sp>
       <p:pic>
         <p:nvPicPr>
-          <p:cNvPr id="5122" name="Picture 2" descr="C:\Users\prisc\Desktop\realisation_fil_rouge\Realisation_2_HTML-CSS\fonction css.png"/>
-          <p:cNvPicPr>
-            <a:picLocks noChangeAspect="1" noChangeArrowheads="1"/>
-          </p:cNvPicPr>
-          <p:nvPr/>
-        </p:nvPicPr>
-        <p:blipFill>
-          <a:blip r:embed="rId3">
-            <a:extLst>
-              <a:ext uri="{28A0092B-C50C-407E-A947-70E740481C1C}">
-                <a14:useLocalDpi xmlns:a14="http://schemas.microsoft.com/office/drawing/2010/main" val="0"/>
-              </a:ext>
-            </a:extLst>
-          </a:blip>
-          <a:srcRect/>
-          <a:stretch>
-            <a:fillRect/>
-          </a:stretch>
-        </p:blipFill>
-        <p:spPr bwMode="auto">
-          <a:xfrm>
-            <a:off x="431800" y="1699813"/>
-            <a:ext cx="3419475" cy="2486025"/>
-          </a:xfrm>
-          <a:prstGeom prst="rect">
-            <a:avLst/>
-          </a:prstGeom>
-          <a:noFill/>
-          <a:extLst>
-            <a:ext uri="{909E8E84-426E-40DD-AFC4-6F175D3DCCD1}">
-              <a14:hiddenFill xmlns:a14="http://schemas.microsoft.com/office/drawing/2010/main">
-                <a:solidFill>
-                  <a:srgbClr val="FFFFFF"/>
-                </a:solidFill>
-              </a14:hiddenFill>
-            </a:ext>
-          </a:extLst>
-        </p:spPr>
-      </p:pic>
-      <p:pic>
-        <p:nvPicPr>
           <p:cNvPr id="5123" name="Picture 3" descr="C:\Users\prisc\Desktop\realisation_fil_rouge\Realisation_2_HTML-CSS\fonctioncss.gif"/>
           <p:cNvPicPr>
             <a:picLocks noChangeAspect="1" noChangeArrowheads="1" noCrop="1"/>
@@ -12584,7 +12543,7 @@
           <p:nvPr/>
         </p:nvPicPr>
         <p:blipFill>
-          <a:blip r:embed="rId4" cstate="print">
+          <a:blip r:embed="rId3" cstate="print">
             <a:extLst>
               <a:ext uri="{28A0092B-C50C-407E-A947-70E740481C1C}">
                 <a14:useLocalDpi xmlns:a14="http://schemas.microsoft.com/office/drawing/2010/main" val="0"/>
@@ -12618,7 +12577,48 @@
       </p:pic>
       <p:pic>
         <p:nvPicPr>
-          <p:cNvPr id="5125" name="Picture 5" descr="C:\Users\prisc\Desktop\realisation_fil_rouge\Realisation_2_HTML-CSS\div js.png"/>
+          <p:cNvPr id="2050" name="Picture 2" descr="C:\Users\prisc\Desktop\realisation_fil_rouge\Realisation_2_HTML-CSS\fonction css.png"/>
+          <p:cNvPicPr>
+            <a:picLocks noChangeAspect="1" noChangeArrowheads="1"/>
+          </p:cNvPicPr>
+          <p:nvPr/>
+        </p:nvPicPr>
+        <p:blipFill>
+          <a:blip r:embed="rId4">
+            <a:extLst>
+              <a:ext uri="{28A0092B-C50C-407E-A947-70E740481C1C}">
+                <a14:useLocalDpi xmlns:a14="http://schemas.microsoft.com/office/drawing/2010/main" val="0"/>
+              </a:ext>
+            </a:extLst>
+          </a:blip>
+          <a:srcRect/>
+          <a:stretch>
+            <a:fillRect/>
+          </a:stretch>
+        </p:blipFill>
+        <p:spPr bwMode="auto">
+          <a:xfrm>
+            <a:off x="215776" y="1736201"/>
+            <a:ext cx="3620815" cy="2467448"/>
+          </a:xfrm>
+          <a:prstGeom prst="rect">
+            <a:avLst/>
+          </a:prstGeom>
+          <a:noFill/>
+          <a:extLst>
+            <a:ext uri="{909E8E84-426E-40DD-AFC4-6F175D3DCCD1}">
+              <a14:hiddenFill xmlns:a14="http://schemas.microsoft.com/office/drawing/2010/main">
+                <a:solidFill>
+                  <a:srgbClr val="FFFFFF"/>
+                </a:solidFill>
+              </a14:hiddenFill>
+            </a:ext>
+          </a:extLst>
+        </p:spPr>
+      </p:pic>
+      <p:pic>
+        <p:nvPicPr>
+          <p:cNvPr id="2051" name="Picture 3" descr="C:\Users\prisc\Desktop\realisation_fil_rouge\Realisation_2_HTML-CSS\divcss.png"/>
           <p:cNvPicPr>
             <a:picLocks noChangeAspect="1" noChangeArrowheads="1"/>
           </p:cNvPicPr>
@@ -12639,8 +12639,8 @@
         </p:blipFill>
         <p:spPr bwMode="auto">
           <a:xfrm>
-            <a:off x="4143201" y="1665285"/>
-            <a:ext cx="4477982" cy="2538364"/>
+            <a:off x="4346633" y="1736202"/>
+            <a:ext cx="4438095" cy="2467448"/>
           </a:xfrm>
           <a:prstGeom prst="rect">
             <a:avLst/>
@@ -13105,7 +13105,7 @@
       </p:sp>
       <p:pic>
         <p:nvPicPr>
-          <p:cNvPr id="7170" name="Picture 2" descr="C:\Users\prisc\Desktop\realisation_fil_rouge\Realisation_2_HTML-CSS\link js.png"/>
+          <p:cNvPr id="1026" name="Picture 2" descr="C:\Users\prisc\Desktop\realisation_fil_rouge\Realisation_2_HTML-CSS\link js.png"/>
           <p:cNvPicPr>
             <a:picLocks noChangeAspect="1" noChangeArrowheads="1"/>
           </p:cNvPicPr>
@@ -13126,8 +13126,8 @@
         </p:blipFill>
         <p:spPr bwMode="auto">
           <a:xfrm>
-            <a:off x="4907732" y="5075981"/>
-            <a:ext cx="4104456" cy="1381125"/>
+            <a:off x="5363297" y="4677644"/>
+            <a:ext cx="3421431" cy="1078976"/>
           </a:xfrm>
           <a:prstGeom prst="rect">
             <a:avLst/>
@@ -13146,7 +13146,7 @@
       </p:pic>
       <p:pic>
         <p:nvPicPr>
-          <p:cNvPr id="7171" name="Picture 3" descr="C:\Users\prisc\Desktop\realisation_fil_rouge\Realisation_2_HTML-CSS\fonction js.png"/>
+          <p:cNvPr id="1027" name="Picture 3" descr="C:\Users\prisc\Desktop\realisation_fil_rouge\Realisation_2_HTML-CSS\fonction js.png"/>
           <p:cNvPicPr>
             <a:picLocks noChangeAspect="1" noChangeArrowheads="1"/>
           </p:cNvPicPr>
@@ -13167,8 +13167,8 @@
         </p:blipFill>
         <p:spPr bwMode="auto">
           <a:xfrm>
-            <a:off x="215776" y="4614415"/>
-            <a:ext cx="4553081" cy="2448272"/>
+            <a:off x="287784" y="4499035"/>
+            <a:ext cx="5087503" cy="2731583"/>
           </a:xfrm>
           <a:prstGeom prst="rect">
             <a:avLst/>
@@ -13187,7 +13187,7 @@
       </p:pic>
       <p:pic>
         <p:nvPicPr>
-          <p:cNvPr id="7173" name="Picture 5" descr="C:\Users\prisc\Desktop\realisation_fil_rouge\Realisation_2_HTML-CSS\divjs.png"/>
+          <p:cNvPr id="1028" name="Picture 4" descr="C:\Users\prisc\Desktop\realisation_fil_rouge\Realisation_2_HTML-CSS\divjs.png"/>
           <p:cNvPicPr>
             <a:picLocks noChangeAspect="1" noChangeArrowheads="1"/>
           </p:cNvPicPr>
@@ -13208,8 +13208,8 @@
         </p:blipFill>
         <p:spPr bwMode="auto">
           <a:xfrm>
-            <a:off x="1007864" y="1702558"/>
-            <a:ext cx="6773863" cy="2781300"/>
+            <a:off x="382667" y="1560659"/>
+            <a:ext cx="8031163" cy="2886075"/>
           </a:xfrm>
           <a:prstGeom prst="rect">
             <a:avLst/>
@@ -13833,7 +13833,7 @@
     <mc:Choice Requires="p14">
       <p:transition spd="slow" p14:dur="2000"/>
     </mc:Choice>
-    <mc:Fallback xmlns="" xmlns:p15="http://schemas.microsoft.com/office/powerpoint/2012/main">
+    <mc:Fallback xmlns:p15="http://schemas.microsoft.com/office/powerpoint/2012/main" xmlns="">
       <p:transition spd="slow"/>
     </mc:Fallback>
   </mc:AlternateContent>
@@ -14382,7 +14382,7 @@
     <mc:Choice Requires="p14">
       <p:transition spd="slow" p14:dur="2000"/>
     </mc:Choice>
-    <mc:Fallback xmlns="" xmlns:p15="http://schemas.microsoft.com/office/powerpoint/2012/main">
+    <mc:Fallback xmlns:p15="http://schemas.microsoft.com/office/powerpoint/2012/main" xmlns="">
       <p:transition spd="slow"/>
     </mc:Fallback>
   </mc:AlternateContent>
